--- a/Objective4_plan.pptx
+++ b/Objective4_plan.pptx
@@ -22791,6 +22791,49 @@
           </a:prstGeom>
         </p:spPr>
       </p:pic>
+      <p:sp>
+        <p:nvSpPr>
+          <p:cNvPr id="7" name="TextBox 6">
+            <a:extLst>
+              <a:ext uri="{FF2B5EF4-FFF2-40B4-BE49-F238E27FC236}">
+                <a16:creationId xmlns:a16="http://schemas.microsoft.com/office/drawing/2014/main" id="{9F48ED06-2281-55E8-B3CC-4BCF5069EFA7}"/>
+              </a:ext>
+            </a:extLst>
+          </p:cNvPr>
+          <p:cNvSpPr txBox="1"/>
+          <p:nvPr/>
+        </p:nvSpPr>
+        <p:spPr>
+          <a:xfrm>
+            <a:off x="321469" y="2085975"/>
+            <a:ext cx="2438103" cy="369332"/>
+          </a:xfrm>
+          <a:prstGeom prst="rect">
+            <a:avLst/>
+          </a:prstGeom>
+          <a:noFill/>
+        </p:spPr>
+        <p:txBody>
+          <a:bodyPr wrap="none" rtlCol="0">
+            <a:spAutoFit/>
+          </a:bodyPr>
+          <a:lstStyle/>
+          <a:p>
+            <a:r>
+              <a:rPr lang="en-US" dirty="0"/>
+              <a:t>Define </a:t>
+            </a:r>
+            <a:r>
+              <a:rPr lang="en-US" dirty="0" err="1"/>
+              <a:t>readmision</a:t>
+            </a:r>
+            <a:r>
+              <a:rPr lang="en-US" dirty="0"/>
+              <a:t> rate</a:t>
+            </a:r>
+          </a:p>
+        </p:txBody>
+      </p:sp>
     </p:spTree>
     <p:extLst>
       <p:ext uri="{BB962C8B-B14F-4D97-AF65-F5344CB8AC3E}">

--- a/Objective4_plan.pptx
+++ b/Objective4_plan.pptx
@@ -3918,7 +3918,7 @@
             <a:buNone/>
           </a:pPr>
           <a:r>
-            <a:rPr lang="en-US" sz="700" dirty="0"/>
+            <a:rPr lang="en-US" sz="400" dirty="0"/>
             <a:t>Predictive model</a:t>
           </a:r>
         </a:p>
@@ -3957,7 +3957,7 @@
             <a:buNone/>
           </a:pPr>
           <a:r>
-            <a:rPr lang="en-US" sz="700" dirty="0"/>
+            <a:rPr lang="en-US" sz="400" dirty="0"/>
             <a:t>Psychiatric diagnosis indicators </a:t>
           </a:r>
         </a:p>
@@ -3970,7 +3970,7 @@
         <a:bodyPr/>
         <a:lstStyle/>
         <a:p>
-          <a:endParaRPr lang="en-US" sz="600"/>
+          <a:endParaRPr lang="en-US" sz="300"/>
         </a:p>
       </dgm:t>
     </dgm:pt>
@@ -3997,7 +3997,7 @@
         <a:lstStyle/>
         <a:p>
           <a:r>
-            <a:rPr lang="en-US" sz="700" dirty="0"/>
+            <a:rPr lang="en-US" sz="400" dirty="0"/>
             <a:t>Pos/neg</a:t>
           </a:r>
         </a:p>
@@ -4010,7 +4010,7 @@
         <a:bodyPr/>
         <a:lstStyle/>
         <a:p>
-          <a:endParaRPr lang="en-US" sz="600"/>
+          <a:endParaRPr lang="en-US" sz="300"/>
         </a:p>
       </dgm:t>
     </dgm:pt>
@@ -4033,7 +4033,7 @@
         <a:lstStyle/>
         <a:p>
           <a:r>
-            <a:rPr lang="en-US" sz="700" dirty="0"/>
+            <a:rPr lang="en-US" sz="400" dirty="0"/>
             <a:t>Psychotropic medication status</a:t>
           </a:r>
         </a:p>
@@ -4046,7 +4046,7 @@
         <a:bodyPr/>
         <a:lstStyle/>
         <a:p>
-          <a:endParaRPr lang="en-US" sz="600"/>
+          <a:endParaRPr lang="en-US" sz="300"/>
         </a:p>
       </dgm:t>
     </dgm:pt>
@@ -4068,7 +4068,7 @@
         <a:bodyPr/>
         <a:lstStyle/>
         <a:p>
-          <a:endParaRPr lang="en-US" sz="1000" dirty="0"/>
+          <a:endParaRPr lang="en-US" sz="700" dirty="0"/>
         </a:p>
       </dgm:t>
     </dgm:pt>
@@ -4102,7 +4102,7 @@
         <a:lstStyle/>
         <a:p>
           <a:r>
-            <a:rPr lang="en-US" sz="1000" dirty="0"/>
+            <a:rPr lang="en-US" sz="700" dirty="0"/>
             <a:t>Criteria/Features</a:t>
           </a:r>
         </a:p>
@@ -4138,7 +4138,7 @@
         <a:lstStyle/>
         <a:p>
           <a:r>
-            <a:rPr lang="en-US" sz="1000" dirty="0"/>
+            <a:rPr lang="en-US" sz="700" dirty="0"/>
             <a:t>Measurements</a:t>
           </a:r>
         </a:p>
@@ -4174,7 +4174,7 @@
         <a:lstStyle/>
         <a:p>
           <a:r>
-            <a:rPr lang="en-US" sz="700" dirty="0"/>
+            <a:rPr lang="en-US" sz="400" dirty="0"/>
             <a:t>Demographic</a:t>
           </a:r>
         </a:p>
@@ -4187,7 +4187,7 @@
         <a:bodyPr/>
         <a:lstStyle/>
         <a:p>
-          <a:endParaRPr lang="en-US" sz="600"/>
+          <a:endParaRPr lang="en-US" sz="300"/>
         </a:p>
       </dgm:t>
     </dgm:pt>
@@ -4214,7 +4214,7 @@
         <a:lstStyle/>
         <a:p>
           <a:r>
-            <a:rPr lang="en-US" sz="700" dirty="0"/>
+            <a:rPr lang="en-US" sz="400" dirty="0"/>
             <a:t>Class/type</a:t>
           </a:r>
         </a:p>
@@ -4227,7 +4227,7 @@
         <a:bodyPr/>
         <a:lstStyle/>
         <a:p>
-          <a:endParaRPr lang="en-US" sz="600"/>
+          <a:endParaRPr lang="en-US" sz="300"/>
         </a:p>
       </dgm:t>
     </dgm:pt>
@@ -4250,7 +4250,7 @@
         <a:lstStyle/>
         <a:p>
           <a:r>
-            <a:rPr lang="en-US" sz="700" dirty="0"/>
+            <a:rPr lang="en-US" sz="400" dirty="0"/>
             <a:t>ICU/hospital features  </a:t>
           </a:r>
         </a:p>
@@ -4263,7 +4263,7 @@
         <a:bodyPr/>
         <a:lstStyle/>
         <a:p>
-          <a:endParaRPr lang="en-US" sz="600"/>
+          <a:endParaRPr lang="en-US" sz="300"/>
         </a:p>
       </dgm:t>
     </dgm:pt>
@@ -4289,7 +4289,7 @@
             <a:buNone/>
           </a:pPr>
           <a:r>
-            <a:rPr lang="en-US" sz="700" dirty="0"/>
+            <a:rPr lang="en-US" sz="400" dirty="0"/>
             <a:t>Comorbidities </a:t>
           </a:r>
         </a:p>
@@ -4302,7 +4302,7 @@
         <a:bodyPr/>
         <a:lstStyle/>
         <a:p>
-          <a:endParaRPr lang="en-US" sz="600"/>
+          <a:endParaRPr lang="en-US" sz="300"/>
         </a:p>
       </dgm:t>
     </dgm:pt>
@@ -4332,7 +4332,7 @@
             <a:buNone/>
           </a:pPr>
           <a:r>
-            <a:rPr lang="en-US" sz="700" dirty="0"/>
+            <a:rPr lang="en-US" sz="400" dirty="0"/>
             <a:t>length of stay</a:t>
           </a:r>
         </a:p>
@@ -4345,7 +4345,7 @@
         <a:bodyPr/>
         <a:lstStyle/>
         <a:p>
-          <a:endParaRPr lang="en-US" sz="600"/>
+          <a:endParaRPr lang="en-US" sz="300"/>
         </a:p>
       </dgm:t>
     </dgm:pt>
@@ -4362,7 +4362,11 @@
     </dgm:pt>
     <dgm:pt modelId="{1D43783D-D572-1C4D-829B-6F1E67F9277C}">
       <dgm:prSet custT="1"/>
-      <dgm:spPr/>
+      <dgm:spPr>
+        <a:solidFill>
+          <a:schemeClr val="accent3"/>
+        </a:solidFill>
+      </dgm:spPr>
       <dgm:t>
         <a:bodyPr/>
         <a:lstStyle/>
@@ -4371,7 +4375,7 @@
             <a:buNone/>
           </a:pPr>
           <a:r>
-            <a:rPr lang="en-US" sz="700" dirty="0"/>
+            <a:rPr lang="en-US" sz="400" dirty="0"/>
             <a:t>SOFA score</a:t>
           </a:r>
         </a:p>
@@ -4384,7 +4388,7 @@
         <a:bodyPr/>
         <a:lstStyle/>
         <a:p>
-          <a:endParaRPr lang="en-US" sz="600"/>
+          <a:endParaRPr lang="en-US" sz="300"/>
         </a:p>
       </dgm:t>
     </dgm:pt>
@@ -4414,10 +4418,10 @@
             <a:buNone/>
           </a:pPr>
           <a:r>
-            <a:rPr lang="en-US" sz="700" dirty="0" err="1"/>
+            <a:rPr lang="en-US" sz="400" dirty="0" err="1"/>
             <a:t>first_day_urine_output</a:t>
           </a:r>
-          <a:endParaRPr lang="en-US" sz="700" dirty="0"/>
+          <a:endParaRPr lang="en-US" sz="400" dirty="0"/>
         </a:p>
       </dgm:t>
     </dgm:pt>
@@ -4428,7 +4432,7 @@
         <a:bodyPr/>
         <a:lstStyle/>
         <a:p>
-          <a:endParaRPr lang="en-US" sz="600"/>
+          <a:endParaRPr lang="en-US" sz="300"/>
         </a:p>
       </dgm:t>
     </dgm:pt>
@@ -4455,10 +4459,10 @@
         <a:lstStyle/>
         <a:p>
           <a:r>
-            <a:rPr lang="en-US" sz="700" dirty="0" err="1"/>
+            <a:rPr lang="en-US" sz="400" dirty="0" err="1"/>
             <a:t>first_day_vitalsign</a:t>
           </a:r>
-          <a:endParaRPr lang="en-US" sz="700" dirty="0"/>
+          <a:endParaRPr lang="en-US" sz="400" dirty="0"/>
         </a:p>
       </dgm:t>
     </dgm:pt>
@@ -4469,7 +4473,7 @@
         <a:bodyPr/>
         <a:lstStyle/>
         <a:p>
-          <a:endParaRPr lang="en-US" sz="600"/>
+          <a:endParaRPr lang="en-US" sz="300"/>
         </a:p>
       </dgm:t>
     </dgm:pt>
@@ -4496,10 +4500,10 @@
         <a:lstStyle/>
         <a:p>
           <a:r>
-            <a:rPr lang="en-US" sz="700" dirty="0" err="1"/>
+            <a:rPr lang="en-US" sz="400" dirty="0" err="1"/>
             <a:t>first_day_gcs</a:t>
           </a:r>
-          <a:endParaRPr lang="en-US" sz="700" dirty="0"/>
+          <a:endParaRPr lang="en-US" sz="400" dirty="0"/>
         </a:p>
       </dgm:t>
     </dgm:pt>
@@ -4510,7 +4514,7 @@
         <a:bodyPr/>
         <a:lstStyle/>
         <a:p>
-          <a:endParaRPr lang="en-US" sz="600"/>
+          <a:endParaRPr lang="en-US" sz="300"/>
         </a:p>
       </dgm:t>
     </dgm:pt>
@@ -4537,10 +4541,10 @@
         <a:lstStyle/>
         <a:p>
           <a:r>
-            <a:rPr lang="en-US" sz="700" dirty="0" err="1"/>
+            <a:rPr lang="en-US" sz="400" dirty="0" err="1"/>
             <a:t>first_day_lab</a:t>
           </a:r>
-          <a:endParaRPr lang="en-US" sz="700" dirty="0"/>
+          <a:endParaRPr lang="en-US" sz="400" dirty="0"/>
         </a:p>
       </dgm:t>
     </dgm:pt>
@@ -4551,7 +4555,7 @@
         <a:bodyPr/>
         <a:lstStyle/>
         <a:p>
-          <a:endParaRPr lang="en-US" sz="600"/>
+          <a:endParaRPr lang="en-US" sz="300"/>
         </a:p>
       </dgm:t>
     </dgm:pt>
@@ -4578,10 +4582,10 @@
         <a:lstStyle/>
         <a:p>
           <a:r>
-            <a:rPr lang="en-US" sz="700" dirty="0" err="1"/>
+            <a:rPr lang="en-US" sz="400" dirty="0" err="1"/>
             <a:t>first_day_bg_art</a:t>
           </a:r>
-          <a:endParaRPr lang="en-US" sz="700" dirty="0"/>
+          <a:endParaRPr lang="en-US" sz="400" dirty="0"/>
         </a:p>
       </dgm:t>
     </dgm:pt>
@@ -4592,7 +4596,7 @@
         <a:bodyPr/>
         <a:lstStyle/>
         <a:p>
-          <a:endParaRPr lang="en-US" sz="600"/>
+          <a:endParaRPr lang="en-US" sz="300"/>
         </a:p>
       </dgm:t>
     </dgm:pt>
@@ -4619,10 +4623,10 @@
         <a:lstStyle/>
         <a:p>
           <a:r>
-            <a:rPr lang="en-US" sz="700" dirty="0" err="1"/>
+            <a:rPr lang="en-US" sz="400" dirty="0" err="1"/>
             <a:t>ventdurations</a:t>
           </a:r>
-          <a:endParaRPr lang="en-US" sz="700" dirty="0"/>
+          <a:endParaRPr lang="en-US" sz="400" dirty="0"/>
         </a:p>
       </dgm:t>
     </dgm:pt>
@@ -4633,7 +4637,7 @@
         <a:bodyPr/>
         <a:lstStyle/>
         <a:p>
-          <a:endParaRPr lang="en-US" sz="600"/>
+          <a:endParaRPr lang="en-US" sz="300"/>
         </a:p>
       </dgm:t>
     </dgm:pt>
@@ -4660,21 +4664,21 @@
         <a:lstStyle/>
         <a:p>
           <a:r>
-            <a:rPr lang="en-US" sz="700" dirty="0" err="1"/>
+            <a:rPr lang="en-US" sz="400" dirty="0" err="1"/>
             <a:t>first_day_blood_gas</a:t>
           </a:r>
-          <a:endParaRPr lang="en-US" sz="700" dirty="0"/>
+          <a:endParaRPr lang="en-US" sz="400" dirty="0"/>
         </a:p>
       </dgm:t>
     </dgm:pt>
     <dgm:pt modelId="{1EAC8FA7-2BA2-F845-8DB4-747F2E0F842A}" type="parTrans" cxnId="{7EF578E0-911F-7E4E-AAFB-5795295DA29B}">
-      <dgm:prSet/>
+      <dgm:prSet custT="1"/>
       <dgm:spPr/>
       <dgm:t>
         <a:bodyPr/>
         <a:lstStyle/>
         <a:p>
-          <a:endParaRPr lang="en-US"/>
+          <a:endParaRPr lang="en-US" sz="200"/>
         </a:p>
       </dgm:t>
     </dgm:pt>
@@ -4701,21 +4705,21 @@
         <a:lstStyle/>
         <a:p>
           <a:r>
-            <a:rPr lang="en-US" sz="700" dirty="0" err="1"/>
+            <a:rPr lang="en-US" sz="400" dirty="0" err="1"/>
             <a:t>ventilator_setting</a:t>
           </a:r>
-          <a:endParaRPr lang="en-US" sz="700" dirty="0"/>
+          <a:endParaRPr lang="en-US" sz="400" dirty="0"/>
         </a:p>
       </dgm:t>
     </dgm:pt>
     <dgm:pt modelId="{2E3FF04C-7B96-9B4B-8C21-1E5A9935B469}" type="parTrans" cxnId="{378E940A-516A-BB48-A50A-C01110D78BB5}">
-      <dgm:prSet/>
+      <dgm:prSet custT="1"/>
       <dgm:spPr/>
       <dgm:t>
         <a:bodyPr/>
         <a:lstStyle/>
         <a:p>
-          <a:endParaRPr lang="en-US"/>
+          <a:endParaRPr lang="en-US" sz="200"/>
         </a:p>
       </dgm:t>
     </dgm:pt>
@@ -4742,21 +4746,21 @@
         <a:lstStyle/>
         <a:p>
           <a:r>
-            <a:rPr lang="en-US" sz="700" dirty="0" err="1"/>
+            <a:rPr lang="en-US" sz="400" dirty="0" err="1"/>
             <a:t>oxygen_delivery</a:t>
           </a:r>
-          <a:endParaRPr lang="en-US" sz="700" dirty="0"/>
+          <a:endParaRPr lang="en-US" sz="400" dirty="0"/>
         </a:p>
       </dgm:t>
     </dgm:pt>
     <dgm:pt modelId="{6720CFD2-8FC1-C542-A291-ED6376E250F1}" type="parTrans" cxnId="{75D67BFC-93CA-5749-BE41-44332009A6B9}">
-      <dgm:prSet/>
+      <dgm:prSet custT="1"/>
       <dgm:spPr/>
       <dgm:t>
         <a:bodyPr/>
         <a:lstStyle/>
         <a:p>
-          <a:endParaRPr lang="en-US"/>
+          <a:endParaRPr lang="en-US" sz="200"/>
         </a:p>
       </dgm:t>
     </dgm:pt>
@@ -4783,20 +4787,20 @@
         <a:lstStyle/>
         <a:p>
           <a:r>
-            <a:rPr lang="en-US" sz="700" dirty="0"/>
+            <a:rPr lang="en-US" sz="400" dirty="0"/>
             <a:t>ventilation</a:t>
           </a:r>
         </a:p>
       </dgm:t>
     </dgm:pt>
     <dgm:pt modelId="{A0530AB0-2779-7745-8842-33196057FF7E}" type="parTrans" cxnId="{8E949B02-7D50-6B4D-BDEB-129E3F34C6CC}">
-      <dgm:prSet/>
+      <dgm:prSet custT="1"/>
       <dgm:spPr/>
       <dgm:t>
         <a:bodyPr/>
         <a:lstStyle/>
         <a:p>
-          <a:endParaRPr lang="en-US"/>
+          <a:endParaRPr lang="en-US" sz="200"/>
         </a:p>
       </dgm:t>
     </dgm:pt>
@@ -4823,21 +4827,21 @@
         <a:lstStyle/>
         <a:p>
           <a:r>
-            <a:rPr lang="en-US" sz="700" dirty="0" err="1"/>
+            <a:rPr lang="en-US" sz="400" dirty="0" err="1"/>
             <a:t>complete_blood_count</a:t>
           </a:r>
-          <a:endParaRPr lang="en-US" sz="700" dirty="0"/>
+          <a:endParaRPr lang="en-US" sz="400" dirty="0"/>
         </a:p>
       </dgm:t>
     </dgm:pt>
     <dgm:pt modelId="{D459F733-1619-EC45-9A94-780B69B3F8C7}" type="parTrans" cxnId="{51599642-B3F1-004D-9169-B67C24D3CFFB}">
-      <dgm:prSet/>
+      <dgm:prSet custT="1"/>
       <dgm:spPr/>
       <dgm:t>
         <a:bodyPr/>
         <a:lstStyle/>
         <a:p>
-          <a:endParaRPr lang="en-US"/>
+          <a:endParaRPr lang="en-US" sz="200"/>
         </a:p>
       </dgm:t>
     </dgm:pt>
@@ -4864,20 +4868,20 @@
         <a:lstStyle/>
         <a:p>
           <a:r>
-            <a:rPr lang="en-US" sz="700" dirty="0"/>
+            <a:rPr lang="en-US" sz="400" dirty="0"/>
             <a:t>chemistry</a:t>
           </a:r>
         </a:p>
       </dgm:t>
     </dgm:pt>
     <dgm:pt modelId="{47339A5E-D0B9-7B41-8745-3BEB3D6B2E38}" type="parTrans" cxnId="{6A1791BC-7753-AE47-9269-0AF3848598B3}">
-      <dgm:prSet/>
+      <dgm:prSet custT="1"/>
       <dgm:spPr/>
       <dgm:t>
         <a:bodyPr/>
         <a:lstStyle/>
         <a:p>
-          <a:endParaRPr lang="en-US"/>
+          <a:endParaRPr lang="en-US" sz="200"/>
         </a:p>
       </dgm:t>
     </dgm:pt>
@@ -4904,21 +4908,21 @@
         <a:lstStyle/>
         <a:p>
           <a:r>
-            <a:rPr lang="en-US" sz="700" dirty="0" err="1"/>
+            <a:rPr lang="en-US" sz="400" dirty="0" err="1"/>
             <a:t>blood_differential</a:t>
           </a:r>
-          <a:endParaRPr lang="en-US" sz="700" dirty="0"/>
+          <a:endParaRPr lang="en-US" sz="400" dirty="0"/>
         </a:p>
       </dgm:t>
     </dgm:pt>
     <dgm:pt modelId="{B0840889-1F3A-2844-A232-688CC5C4A81C}" type="parTrans" cxnId="{91FDC105-53C4-7549-BEC5-9C06138CD812}">
-      <dgm:prSet/>
+      <dgm:prSet custT="1"/>
       <dgm:spPr/>
       <dgm:t>
         <a:bodyPr/>
         <a:lstStyle/>
         <a:p>
-          <a:endParaRPr lang="en-US"/>
+          <a:endParaRPr lang="en-US" sz="200"/>
         </a:p>
       </dgm:t>
     </dgm:pt>
@@ -4945,20 +4949,20 @@
         <a:lstStyle/>
         <a:p>
           <a:r>
-            <a:rPr lang="en-US" sz="700" dirty="0"/>
+            <a:rPr lang="en-US" sz="400" dirty="0"/>
             <a:t>coagulation</a:t>
           </a:r>
         </a:p>
       </dgm:t>
     </dgm:pt>
     <dgm:pt modelId="{D8AB7398-DC89-F147-B28C-73975C8C10D1}" type="parTrans" cxnId="{581FCE5C-F762-E44E-AA28-AB70F5F9577E}">
-      <dgm:prSet/>
+      <dgm:prSet custT="1"/>
       <dgm:spPr/>
       <dgm:t>
         <a:bodyPr/>
         <a:lstStyle/>
         <a:p>
-          <a:endParaRPr lang="en-US"/>
+          <a:endParaRPr lang="en-US" sz="200"/>
         </a:p>
       </dgm:t>
     </dgm:pt>
@@ -4985,20 +4989,20 @@
         <a:lstStyle/>
         <a:p>
           <a:r>
-            <a:rPr lang="en-US" sz="700" dirty="0"/>
+            <a:rPr lang="en-US" sz="400" dirty="0"/>
             <a:t>enzyme</a:t>
           </a:r>
         </a:p>
       </dgm:t>
     </dgm:pt>
     <dgm:pt modelId="{EF27F2C8-E5BE-D948-A8DA-954F10AE7D4B}" type="parTrans" cxnId="{7EE8B2BA-F043-CA4C-8439-C85256B4EB4F}">
-      <dgm:prSet/>
+      <dgm:prSet custT="1"/>
       <dgm:spPr/>
       <dgm:t>
         <a:bodyPr/>
         <a:lstStyle/>
         <a:p>
-          <a:endParaRPr lang="en-US"/>
+          <a:endParaRPr lang="en-US" sz="200"/>
         </a:p>
       </dgm:t>
     </dgm:pt>
@@ -5025,20 +5029,20 @@
         <a:lstStyle/>
         <a:p>
           <a:r>
-            <a:rPr lang="en-US" sz="700" dirty="0"/>
+            <a:rPr lang="en-US" sz="400" dirty="0"/>
             <a:t>Dem</a:t>
           </a:r>
         </a:p>
       </dgm:t>
     </dgm:pt>
     <dgm:pt modelId="{856DE0CE-FC50-ED44-AD9B-C61529BBE8F5}" type="parTrans" cxnId="{F84D6085-DBB3-A149-A89A-DFA2766DB105}">
-      <dgm:prSet/>
+      <dgm:prSet custT="1"/>
       <dgm:spPr/>
       <dgm:t>
         <a:bodyPr/>
         <a:lstStyle/>
         <a:p>
-          <a:endParaRPr lang="en-US"/>
+          <a:endParaRPr lang="en-US" sz="200"/>
         </a:p>
       </dgm:t>
     </dgm:pt>
@@ -5057,7 +5061,7 @@
       <dgm:prSet custT="1"/>
       <dgm:spPr>
         <a:solidFill>
-          <a:schemeClr val="accent2"/>
+          <a:schemeClr val="accent3"/>
         </a:solidFill>
       </dgm:spPr>
       <dgm:t>
@@ -5068,20 +5072,20 @@
             <a:buNone/>
           </a:pPr>
           <a:r>
-            <a:rPr lang="en-US" sz="700" dirty="0"/>
+            <a:rPr lang="en-US" sz="400" dirty="0"/>
             <a:t>Charlson index</a:t>
           </a:r>
         </a:p>
       </dgm:t>
     </dgm:pt>
     <dgm:pt modelId="{7FC31B23-35C6-A84C-AF04-14C1FB7FC249}" type="parTrans" cxnId="{DEFD273D-72F6-E344-AF7F-8187CD926D5F}">
-      <dgm:prSet/>
+      <dgm:prSet custT="1"/>
       <dgm:spPr/>
       <dgm:t>
         <a:bodyPr/>
         <a:lstStyle/>
         <a:p>
-          <a:endParaRPr lang="en-US"/>
+          <a:endParaRPr lang="en-US" sz="200"/>
         </a:p>
       </dgm:t>
     </dgm:pt>
@@ -5103,7 +5107,7 @@
         <a:bodyPr/>
         <a:lstStyle/>
         <a:p>
-          <a:endParaRPr lang="en-US" sz="1000" dirty="0"/>
+          <a:endParaRPr lang="en-US" sz="700" dirty="0"/>
         </a:p>
       </dgm:t>
     </dgm:pt>
@@ -5136,7 +5140,7 @@
         <a:bodyPr/>
         <a:lstStyle/>
         <a:p>
-          <a:endParaRPr lang="en-US" sz="1000" dirty="0"/>
+          <a:endParaRPr lang="en-US" sz="700" dirty="0"/>
         </a:p>
       </dgm:t>
     </dgm:pt>
@@ -5152,6 +5156,89 @@
       </dgm:t>
     </dgm:pt>
     <dgm:pt modelId="{2F491AA4-3208-5541-9086-C1067BE25C19}" type="sibTrans" cxnId="{B02B529A-3F86-364D-96EE-7AF90A5EA96A}">
+      <dgm:prSet/>
+      <dgm:spPr/>
+      <dgm:t>
+        <a:bodyPr/>
+        <a:lstStyle/>
+        <a:p>
+          <a:endParaRPr lang="en-US"/>
+        </a:p>
+      </dgm:t>
+    </dgm:pt>
+    <dgm:pt modelId="{0F3F46C0-22F9-C94B-B20D-18605BEB8AE6}">
+      <dgm:prSet custT="1"/>
+      <dgm:spPr>
+        <a:solidFill>
+          <a:schemeClr val="accent3"/>
+        </a:solidFill>
+      </dgm:spPr>
+      <dgm:t>
+        <a:bodyPr/>
+        <a:lstStyle/>
+        <a:p>
+          <a:pPr>
+            <a:buNone/>
+          </a:pPr>
+          <a:r>
+            <a:rPr lang="en-US" sz="400" dirty="0"/>
+            <a:t>SIRS</a:t>
+          </a:r>
+        </a:p>
+      </dgm:t>
+    </dgm:pt>
+    <dgm:pt modelId="{45565031-5302-9F46-A97D-E972D509307E}" type="parTrans" cxnId="{D6B4FA0A-DDC0-F349-9F01-F6EA09C88E5A}">
+      <dgm:prSet custT="1"/>
+      <dgm:spPr/>
+      <dgm:t>
+        <a:bodyPr/>
+        <a:lstStyle/>
+        <a:p>
+          <a:endParaRPr lang="en-US" sz="200"/>
+        </a:p>
+      </dgm:t>
+    </dgm:pt>
+    <dgm:pt modelId="{606F8C53-17A8-D74D-854B-148973FF0D66}" type="sibTrans" cxnId="{D6B4FA0A-DDC0-F349-9F01-F6EA09C88E5A}">
+      <dgm:prSet/>
+      <dgm:spPr/>
+      <dgm:t>
+        <a:bodyPr/>
+        <a:lstStyle/>
+        <a:p>
+          <a:endParaRPr lang="en-US"/>
+        </a:p>
+      </dgm:t>
+    </dgm:pt>
+    <dgm:pt modelId="{C236F7AC-CB19-7E4B-8800-6990565A88A7}">
+      <dgm:prSet custT="1"/>
+      <dgm:spPr>
+        <a:solidFill>
+          <a:schemeClr val="accent3"/>
+        </a:solidFill>
+      </dgm:spPr>
+      <dgm:t>
+        <a:bodyPr/>
+        <a:lstStyle/>
+        <a:p>
+          <a:pPr>
+            <a:buNone/>
+          </a:pPr>
+          <a:endParaRPr lang="en-US" sz="400" dirty="0"/>
+        </a:p>
+      </dgm:t>
+    </dgm:pt>
+    <dgm:pt modelId="{F4C8EB51-6F82-FD43-9ED8-D1FAAE89F5A5}" type="parTrans" cxnId="{C8882D71-B9E7-D14B-B449-CF2FEE44CE07}">
+      <dgm:prSet custT="1"/>
+      <dgm:spPr/>
+      <dgm:t>
+        <a:bodyPr/>
+        <a:lstStyle/>
+        <a:p>
+          <a:endParaRPr lang="en-US" sz="200"/>
+        </a:p>
+      </dgm:t>
+    </dgm:pt>
+    <dgm:pt modelId="{D1CAB81D-6FB1-614A-B676-235ACE2A9918}" type="sibTrans" cxnId="{C8882D71-B9E7-D14B-B449-CF2FEE44CE07}">
       <dgm:prSet/>
       <dgm:spPr/>
       <dgm:t>
@@ -5229,11 +5316,11 @@
       <dgm:spPr/>
     </dgm:pt>
     <dgm:pt modelId="{E1996047-17D7-EE4A-8459-8B19AEF798DC}" type="pres">
-      <dgm:prSet presAssocID="{83D499FB-981B-1C46-B4CE-5AB7C1EF6872}" presName="Name25" presStyleLbl="parChTrans1D3" presStyleIdx="0" presStyleCnt="6"/>
+      <dgm:prSet presAssocID="{83D499FB-981B-1C46-B4CE-5AB7C1EF6872}" presName="Name25" presStyleLbl="parChTrans1D3" presStyleIdx="0" presStyleCnt="7"/>
       <dgm:spPr/>
     </dgm:pt>
     <dgm:pt modelId="{3FB5D0A2-DECC-0349-B5D9-7D2AD172C4A8}" type="pres">
-      <dgm:prSet presAssocID="{83D499FB-981B-1C46-B4CE-5AB7C1EF6872}" presName="connTx" presStyleLbl="parChTrans1D3" presStyleIdx="0" presStyleCnt="6"/>
+      <dgm:prSet presAssocID="{83D499FB-981B-1C46-B4CE-5AB7C1EF6872}" presName="connTx" presStyleLbl="parChTrans1D3" presStyleIdx="0" presStyleCnt="7"/>
       <dgm:spPr/>
     </dgm:pt>
     <dgm:pt modelId="{5D069AD8-96A5-3140-B046-54B92378EC24}" type="pres">
@@ -5241,7 +5328,7 @@
       <dgm:spPr/>
     </dgm:pt>
     <dgm:pt modelId="{2F111949-43A3-9E40-BFA3-0A155D91DD25}" type="pres">
-      <dgm:prSet presAssocID="{16F9BEC5-4CB0-EE4E-B315-2F21FB7CB6CC}" presName="level2Shape" presStyleLbl="node3" presStyleIdx="0" presStyleCnt="6"/>
+      <dgm:prSet presAssocID="{16F9BEC5-4CB0-EE4E-B315-2F21FB7CB6CC}" presName="level2Shape" presStyleLbl="node3" presStyleIdx="0" presStyleCnt="7"/>
       <dgm:spPr/>
     </dgm:pt>
     <dgm:pt modelId="{1D9B714D-9304-B348-969F-E235004F72F7}" type="pres">
@@ -5269,11 +5356,11 @@
       <dgm:spPr/>
     </dgm:pt>
     <dgm:pt modelId="{9777E087-A76F-7940-828B-13C22CABF25C}" type="pres">
-      <dgm:prSet presAssocID="{B72516C6-81B9-D949-94BC-D3EA692C271F}" presName="Name25" presStyleLbl="parChTrans1D3" presStyleIdx="1" presStyleCnt="6"/>
+      <dgm:prSet presAssocID="{B72516C6-81B9-D949-94BC-D3EA692C271F}" presName="Name25" presStyleLbl="parChTrans1D3" presStyleIdx="1" presStyleCnt="7"/>
       <dgm:spPr/>
     </dgm:pt>
     <dgm:pt modelId="{A15E2631-FC66-6047-BD62-4CBA611DF885}" type="pres">
-      <dgm:prSet presAssocID="{B72516C6-81B9-D949-94BC-D3EA692C271F}" presName="connTx" presStyleLbl="parChTrans1D3" presStyleIdx="1" presStyleCnt="6"/>
+      <dgm:prSet presAssocID="{B72516C6-81B9-D949-94BC-D3EA692C271F}" presName="connTx" presStyleLbl="parChTrans1D3" presStyleIdx="1" presStyleCnt="7"/>
       <dgm:spPr/>
     </dgm:pt>
     <dgm:pt modelId="{78A20AFD-5BDD-5F42-AB13-B420E2890750}" type="pres">
@@ -5281,7 +5368,7 @@
       <dgm:spPr/>
     </dgm:pt>
     <dgm:pt modelId="{2473D230-D8E2-6A4A-8F6A-95A8DAAFF573}" type="pres">
-      <dgm:prSet presAssocID="{90F0F886-638A-524B-ABAA-FB52026561F2}" presName="level2Shape" presStyleLbl="node3" presStyleIdx="1" presStyleCnt="6"/>
+      <dgm:prSet presAssocID="{90F0F886-638A-524B-ABAA-FB52026561F2}" presName="level2Shape" presStyleLbl="node3" presStyleIdx="1" presStyleCnt="7"/>
       <dgm:spPr/>
     </dgm:pt>
     <dgm:pt modelId="{333D2C26-42AA-9447-A078-6BCEFE173120}" type="pres">
@@ -5309,11 +5396,11 @@
       <dgm:spPr/>
     </dgm:pt>
     <dgm:pt modelId="{BABBCACB-4ABE-D547-9366-6E4405A3A502}" type="pres">
-      <dgm:prSet presAssocID="{856DE0CE-FC50-ED44-AD9B-C61529BBE8F5}" presName="Name25" presStyleLbl="parChTrans1D3" presStyleIdx="2" presStyleCnt="6"/>
+      <dgm:prSet presAssocID="{856DE0CE-FC50-ED44-AD9B-C61529BBE8F5}" presName="Name25" presStyleLbl="parChTrans1D3" presStyleIdx="2" presStyleCnt="7"/>
       <dgm:spPr/>
     </dgm:pt>
     <dgm:pt modelId="{F69EA837-A1DB-104D-B438-4F6E7D4DE544}" type="pres">
-      <dgm:prSet presAssocID="{856DE0CE-FC50-ED44-AD9B-C61529BBE8F5}" presName="connTx" presStyleLbl="parChTrans1D3" presStyleIdx="2" presStyleCnt="6"/>
+      <dgm:prSet presAssocID="{856DE0CE-FC50-ED44-AD9B-C61529BBE8F5}" presName="connTx" presStyleLbl="parChTrans1D3" presStyleIdx="2" presStyleCnt="7"/>
       <dgm:spPr/>
     </dgm:pt>
     <dgm:pt modelId="{A5643994-5197-6741-8A64-3A58AF0CA3F0}" type="pres">
@@ -5321,7 +5408,7 @@
       <dgm:spPr/>
     </dgm:pt>
     <dgm:pt modelId="{DE114D04-3798-1F4A-A1BB-B4FD47ECE5AF}" type="pres">
-      <dgm:prSet presAssocID="{EE3A3EE8-F92E-D745-8DCC-881446980500}" presName="level2Shape" presStyleLbl="node3" presStyleIdx="2" presStyleCnt="6"/>
+      <dgm:prSet presAssocID="{EE3A3EE8-F92E-D745-8DCC-881446980500}" presName="level2Shape" presStyleLbl="node3" presStyleIdx="2" presStyleCnt="7"/>
       <dgm:spPr/>
     </dgm:pt>
     <dgm:pt modelId="{2ED99509-F3C2-054B-AE8D-E23F1534E4C2}" type="pres">
@@ -5349,11 +5436,11 @@
       <dgm:spPr/>
     </dgm:pt>
     <dgm:pt modelId="{8D661742-FC4A-B74E-B992-5B542D8642EF}" type="pres">
-      <dgm:prSet presAssocID="{B43C4139-4156-784F-9CBC-ECBA29475EDB}" presName="Name25" presStyleLbl="parChTrans1D3" presStyleIdx="3" presStyleCnt="6"/>
+      <dgm:prSet presAssocID="{B43C4139-4156-784F-9CBC-ECBA29475EDB}" presName="Name25" presStyleLbl="parChTrans1D3" presStyleIdx="3" presStyleCnt="7"/>
       <dgm:spPr/>
     </dgm:pt>
     <dgm:pt modelId="{96472478-555C-DD4E-940F-D0B7D4C877BA}" type="pres">
-      <dgm:prSet presAssocID="{B43C4139-4156-784F-9CBC-ECBA29475EDB}" presName="connTx" presStyleLbl="parChTrans1D3" presStyleIdx="3" presStyleCnt="6"/>
+      <dgm:prSet presAssocID="{B43C4139-4156-784F-9CBC-ECBA29475EDB}" presName="connTx" presStyleLbl="parChTrans1D3" presStyleIdx="3" presStyleCnt="7"/>
       <dgm:spPr/>
     </dgm:pt>
     <dgm:pt modelId="{7A3F012F-B577-CD4A-A69D-CD0DCFED7766}" type="pres">
@@ -5361,19 +5448,59 @@
       <dgm:spPr/>
     </dgm:pt>
     <dgm:pt modelId="{86A6E8EB-D794-EC4B-A8C0-EFB69DCD7CA0}" type="pres">
-      <dgm:prSet presAssocID="{66C3FA14-34A1-4C4E-9819-21035D1D0482}" presName="level2Shape" presStyleLbl="node3" presStyleIdx="3" presStyleCnt="6"/>
+      <dgm:prSet presAssocID="{66C3FA14-34A1-4C4E-9819-21035D1D0482}" presName="level2Shape" presStyleLbl="node3" presStyleIdx="3" presStyleCnt="7"/>
       <dgm:spPr/>
     </dgm:pt>
     <dgm:pt modelId="{D7E08556-1428-2B40-B615-0FB86FE70F54}" type="pres">
       <dgm:prSet presAssocID="{66C3FA14-34A1-4C4E-9819-21035D1D0482}" presName="hierChild3" presStyleCnt="0"/>
       <dgm:spPr/>
     </dgm:pt>
+    <dgm:pt modelId="{91CB70D2-3C6E-6D40-8F3E-69A7CDAD2C0F}" type="pres">
+      <dgm:prSet presAssocID="{45565031-5302-9F46-A97D-E972D509307E}" presName="Name25" presStyleLbl="parChTrans1D3" presStyleIdx="4" presStyleCnt="7"/>
+      <dgm:spPr/>
+    </dgm:pt>
+    <dgm:pt modelId="{EFE42297-AE03-964F-A9D4-481EE6A096C2}" type="pres">
+      <dgm:prSet presAssocID="{45565031-5302-9F46-A97D-E972D509307E}" presName="connTx" presStyleLbl="parChTrans1D3" presStyleIdx="4" presStyleCnt="7"/>
+      <dgm:spPr/>
+    </dgm:pt>
+    <dgm:pt modelId="{4F86B922-AA73-D14D-8ACA-C8D24C16A344}" type="pres">
+      <dgm:prSet presAssocID="{0F3F46C0-22F9-C94B-B20D-18605BEB8AE6}" presName="Name30" presStyleCnt="0"/>
+      <dgm:spPr/>
+    </dgm:pt>
+    <dgm:pt modelId="{B413FD91-F6EF-0A4F-9F88-864C338FF8AD}" type="pres">
+      <dgm:prSet presAssocID="{0F3F46C0-22F9-C94B-B20D-18605BEB8AE6}" presName="level2Shape" presStyleLbl="node3" presStyleIdx="4" presStyleCnt="7"/>
+      <dgm:spPr/>
+    </dgm:pt>
+    <dgm:pt modelId="{707EC17B-BEAE-644F-8053-4DF747D593CC}" type="pres">
+      <dgm:prSet presAssocID="{0F3F46C0-22F9-C94B-B20D-18605BEB8AE6}" presName="hierChild3" presStyleCnt="0"/>
+      <dgm:spPr/>
+    </dgm:pt>
+    <dgm:pt modelId="{2A2F4FA0-26CD-E348-99D4-E6001C6B39D9}" type="pres">
+      <dgm:prSet presAssocID="{F4C8EB51-6F82-FD43-9ED8-D1FAAE89F5A5}" presName="Name25" presStyleLbl="parChTrans1D4" presStyleIdx="0" presStyleCnt="16"/>
+      <dgm:spPr/>
+    </dgm:pt>
+    <dgm:pt modelId="{6B6EE0C7-1F50-DC43-803F-62601B137876}" type="pres">
+      <dgm:prSet presAssocID="{F4C8EB51-6F82-FD43-9ED8-D1FAAE89F5A5}" presName="connTx" presStyleLbl="parChTrans1D4" presStyleIdx="0" presStyleCnt="16"/>
+      <dgm:spPr/>
+    </dgm:pt>
+    <dgm:pt modelId="{F6BE2770-D014-3D45-92B7-EB0FCEC6DB0F}" type="pres">
+      <dgm:prSet presAssocID="{C236F7AC-CB19-7E4B-8800-6990565A88A7}" presName="Name30" presStyleCnt="0"/>
+      <dgm:spPr/>
+    </dgm:pt>
+    <dgm:pt modelId="{01C26458-C01D-344C-A921-1F530B2B8E97}" type="pres">
+      <dgm:prSet presAssocID="{C236F7AC-CB19-7E4B-8800-6990565A88A7}" presName="level2Shape" presStyleLbl="node4" presStyleIdx="0" presStyleCnt="16"/>
+      <dgm:spPr/>
+    </dgm:pt>
+    <dgm:pt modelId="{725F9713-D7C2-3641-889D-947E8CE7D236}" type="pres">
+      <dgm:prSet presAssocID="{C236F7AC-CB19-7E4B-8800-6990565A88A7}" presName="hierChild3" presStyleCnt="0"/>
+      <dgm:spPr/>
+    </dgm:pt>
     <dgm:pt modelId="{2DDE800F-EF95-AD4C-883E-994B9CE2C0CB}" type="pres">
-      <dgm:prSet presAssocID="{0CB44B31-3963-DC42-BBF6-5A4BF193DBEB}" presName="Name25" presStyleLbl="parChTrans1D3" presStyleIdx="4" presStyleCnt="6"/>
+      <dgm:prSet presAssocID="{0CB44B31-3963-DC42-BBF6-5A4BF193DBEB}" presName="Name25" presStyleLbl="parChTrans1D3" presStyleIdx="5" presStyleCnt="7"/>
       <dgm:spPr/>
     </dgm:pt>
     <dgm:pt modelId="{697050F9-68C4-E746-B0E7-0FCA70F3215E}" type="pres">
-      <dgm:prSet presAssocID="{0CB44B31-3963-DC42-BBF6-5A4BF193DBEB}" presName="connTx" presStyleLbl="parChTrans1D3" presStyleIdx="4" presStyleCnt="6"/>
+      <dgm:prSet presAssocID="{0CB44B31-3963-DC42-BBF6-5A4BF193DBEB}" presName="connTx" presStyleLbl="parChTrans1D3" presStyleIdx="5" presStyleCnt="7"/>
       <dgm:spPr/>
     </dgm:pt>
     <dgm:pt modelId="{EA4AA20F-1BF9-B044-9565-967BA33AF140}" type="pres">
@@ -5381,7 +5508,7 @@
       <dgm:spPr/>
     </dgm:pt>
     <dgm:pt modelId="{90697CAE-E537-D140-96D0-85C5132B705B}" type="pres">
-      <dgm:prSet presAssocID="{1D43783D-D572-1C4D-829B-6F1E67F9277C}" presName="level2Shape" presStyleLbl="node3" presStyleIdx="4" presStyleCnt="6"/>
+      <dgm:prSet presAssocID="{1D43783D-D572-1C4D-829B-6F1E67F9277C}" presName="level2Shape" presStyleLbl="node3" presStyleIdx="5" presStyleCnt="7"/>
       <dgm:spPr/>
     </dgm:pt>
     <dgm:pt modelId="{58B99FEC-39A1-BE46-9E99-4FBEBEB5385B}" type="pres">
@@ -5389,11 +5516,11 @@
       <dgm:spPr/>
     </dgm:pt>
     <dgm:pt modelId="{4565D375-D648-0A44-BA8C-C3D1C2395B2A}" type="pres">
-      <dgm:prSet presAssocID="{8AD8E261-6043-9743-A4F9-5DEB994B353F}" presName="Name25" presStyleLbl="parChTrans1D4" presStyleIdx="0" presStyleCnt="15"/>
+      <dgm:prSet presAssocID="{8AD8E261-6043-9743-A4F9-5DEB994B353F}" presName="Name25" presStyleLbl="parChTrans1D4" presStyleIdx="1" presStyleCnt="16"/>
       <dgm:spPr/>
     </dgm:pt>
     <dgm:pt modelId="{D9677C58-F8CE-E04F-85A9-C72B7884E5CE}" type="pres">
-      <dgm:prSet presAssocID="{8AD8E261-6043-9743-A4F9-5DEB994B353F}" presName="connTx" presStyleLbl="parChTrans1D4" presStyleIdx="0" presStyleCnt="15"/>
+      <dgm:prSet presAssocID="{8AD8E261-6043-9743-A4F9-5DEB994B353F}" presName="connTx" presStyleLbl="parChTrans1D4" presStyleIdx="1" presStyleCnt="16"/>
       <dgm:spPr/>
     </dgm:pt>
     <dgm:pt modelId="{A4D164C5-9659-5A44-93BA-DFCB6A13B2A6}" type="pres">
@@ -5401,7 +5528,7 @@
       <dgm:spPr/>
     </dgm:pt>
     <dgm:pt modelId="{8BA651B2-7E1B-5D48-9D78-E36A1BB55113}" type="pres">
-      <dgm:prSet presAssocID="{55BCDF3C-5E12-F640-AFE6-929D1D73D8DE}" presName="level2Shape" presStyleLbl="node4" presStyleIdx="0" presStyleCnt="15" custLinFactNeighborY="2110"/>
+      <dgm:prSet presAssocID="{55BCDF3C-5E12-F640-AFE6-929D1D73D8DE}" presName="level2Shape" presStyleLbl="node4" presStyleIdx="1" presStyleCnt="16" custLinFactNeighborY="2110"/>
       <dgm:spPr/>
     </dgm:pt>
     <dgm:pt modelId="{A73D0181-6072-8D4A-B6C9-0B0EB400EADD}" type="pres">
@@ -5409,11 +5536,11 @@
       <dgm:spPr/>
     </dgm:pt>
     <dgm:pt modelId="{8BE5ADEA-9D79-6F46-9D9D-6755321B3CA6}" type="pres">
-      <dgm:prSet presAssocID="{ECB65664-5BA5-E845-85B4-737C5FA73800}" presName="Name25" presStyleLbl="parChTrans1D4" presStyleIdx="1" presStyleCnt="15"/>
+      <dgm:prSet presAssocID="{ECB65664-5BA5-E845-85B4-737C5FA73800}" presName="Name25" presStyleLbl="parChTrans1D4" presStyleIdx="2" presStyleCnt="16"/>
       <dgm:spPr/>
     </dgm:pt>
     <dgm:pt modelId="{156F6AF3-2762-6A45-832C-F024558C6453}" type="pres">
-      <dgm:prSet presAssocID="{ECB65664-5BA5-E845-85B4-737C5FA73800}" presName="connTx" presStyleLbl="parChTrans1D4" presStyleIdx="1" presStyleCnt="15"/>
+      <dgm:prSet presAssocID="{ECB65664-5BA5-E845-85B4-737C5FA73800}" presName="connTx" presStyleLbl="parChTrans1D4" presStyleIdx="2" presStyleCnt="16"/>
       <dgm:spPr/>
     </dgm:pt>
     <dgm:pt modelId="{0C5C086E-64BA-7343-95BD-2B3AB4D4EC3A}" type="pres">
@@ -5421,7 +5548,7 @@
       <dgm:spPr/>
     </dgm:pt>
     <dgm:pt modelId="{A5005477-1C54-6246-991D-FA87EE356F5C}" type="pres">
-      <dgm:prSet presAssocID="{1E4CA5DD-797D-6841-8B44-0FFE00B94AB3}" presName="level2Shape" presStyleLbl="node4" presStyleIdx="1" presStyleCnt="15"/>
+      <dgm:prSet presAssocID="{1E4CA5DD-797D-6841-8B44-0FFE00B94AB3}" presName="level2Shape" presStyleLbl="node4" presStyleIdx="2" presStyleCnt="16"/>
       <dgm:spPr/>
     </dgm:pt>
     <dgm:pt modelId="{8CB7E580-0730-8E4D-81D3-FFCF43372CD0}" type="pres">
@@ -5429,11 +5556,11 @@
       <dgm:spPr/>
     </dgm:pt>
     <dgm:pt modelId="{8D0AC846-2E7E-CE48-B2AF-130AE31825E4}" type="pres">
-      <dgm:prSet presAssocID="{430A30EB-EC77-8D47-80C6-AEBDE5B0A877}" presName="Name25" presStyleLbl="parChTrans1D4" presStyleIdx="2" presStyleCnt="15"/>
+      <dgm:prSet presAssocID="{430A30EB-EC77-8D47-80C6-AEBDE5B0A877}" presName="Name25" presStyleLbl="parChTrans1D4" presStyleIdx="3" presStyleCnt="16"/>
       <dgm:spPr/>
     </dgm:pt>
     <dgm:pt modelId="{59A77FBF-9F8B-3E44-84C6-9293AC91E532}" type="pres">
-      <dgm:prSet presAssocID="{430A30EB-EC77-8D47-80C6-AEBDE5B0A877}" presName="connTx" presStyleLbl="parChTrans1D4" presStyleIdx="2" presStyleCnt="15"/>
+      <dgm:prSet presAssocID="{430A30EB-EC77-8D47-80C6-AEBDE5B0A877}" presName="connTx" presStyleLbl="parChTrans1D4" presStyleIdx="3" presStyleCnt="16"/>
       <dgm:spPr/>
     </dgm:pt>
     <dgm:pt modelId="{C42CF803-F555-1A44-B33B-04A9EEEBB6EA}" type="pres">
@@ -5441,7 +5568,7 @@
       <dgm:spPr/>
     </dgm:pt>
     <dgm:pt modelId="{B0CD120C-B9B6-8343-B528-7E737BB197F3}" type="pres">
-      <dgm:prSet presAssocID="{0C8A4BF2-2929-4347-B79D-8104065634CA}" presName="level2Shape" presStyleLbl="node4" presStyleIdx="2" presStyleCnt="15"/>
+      <dgm:prSet presAssocID="{0C8A4BF2-2929-4347-B79D-8104065634CA}" presName="level2Shape" presStyleLbl="node4" presStyleIdx="3" presStyleCnt="16"/>
       <dgm:spPr/>
     </dgm:pt>
     <dgm:pt modelId="{DD98C237-0772-1E4B-8B2F-EE29176C317C}" type="pres">
@@ -5449,11 +5576,11 @@
       <dgm:spPr/>
     </dgm:pt>
     <dgm:pt modelId="{677A30CC-13FE-B44A-87D5-6FB1CAEB80CA}" type="pres">
-      <dgm:prSet presAssocID="{F5636FDF-20FF-174B-8F5D-21BC81655FEA}" presName="Name25" presStyleLbl="parChTrans1D4" presStyleIdx="3" presStyleCnt="15"/>
+      <dgm:prSet presAssocID="{F5636FDF-20FF-174B-8F5D-21BC81655FEA}" presName="Name25" presStyleLbl="parChTrans1D4" presStyleIdx="4" presStyleCnt="16"/>
       <dgm:spPr/>
     </dgm:pt>
     <dgm:pt modelId="{77C9857D-5965-C446-99FD-4DA96D4040B1}" type="pres">
-      <dgm:prSet presAssocID="{F5636FDF-20FF-174B-8F5D-21BC81655FEA}" presName="connTx" presStyleLbl="parChTrans1D4" presStyleIdx="3" presStyleCnt="15"/>
+      <dgm:prSet presAssocID="{F5636FDF-20FF-174B-8F5D-21BC81655FEA}" presName="connTx" presStyleLbl="parChTrans1D4" presStyleIdx="4" presStyleCnt="16"/>
       <dgm:spPr/>
     </dgm:pt>
     <dgm:pt modelId="{4B7FAF9E-A7B4-8941-897D-D3644015634D}" type="pres">
@@ -5461,7 +5588,7 @@
       <dgm:spPr/>
     </dgm:pt>
     <dgm:pt modelId="{FDCB6371-8A16-4149-B016-4CDB2C049E23}" type="pres">
-      <dgm:prSet presAssocID="{9AFF9D5A-4B80-FF4B-91B4-DA218539D8AF}" presName="level2Shape" presStyleLbl="node4" presStyleIdx="3" presStyleCnt="15"/>
+      <dgm:prSet presAssocID="{9AFF9D5A-4B80-FF4B-91B4-DA218539D8AF}" presName="level2Shape" presStyleLbl="node4" presStyleIdx="4" presStyleCnt="16"/>
       <dgm:spPr/>
     </dgm:pt>
     <dgm:pt modelId="{D510BC52-998A-1C43-A59C-C27B9DFEAA0F}" type="pres">
@@ -5469,11 +5596,11 @@
       <dgm:spPr/>
     </dgm:pt>
     <dgm:pt modelId="{94F7A78D-9BB5-3F42-8CBC-9F71ACD2CAA0}" type="pres">
-      <dgm:prSet presAssocID="{D459F733-1619-EC45-9A94-780B69B3F8C7}" presName="Name25" presStyleLbl="parChTrans1D4" presStyleIdx="4" presStyleCnt="15"/>
+      <dgm:prSet presAssocID="{D459F733-1619-EC45-9A94-780B69B3F8C7}" presName="Name25" presStyleLbl="parChTrans1D4" presStyleIdx="5" presStyleCnt="16"/>
       <dgm:spPr/>
     </dgm:pt>
     <dgm:pt modelId="{F79F48B7-BC06-BD4B-828D-032E8F154164}" type="pres">
-      <dgm:prSet presAssocID="{D459F733-1619-EC45-9A94-780B69B3F8C7}" presName="connTx" presStyleLbl="parChTrans1D4" presStyleIdx="4" presStyleCnt="15"/>
+      <dgm:prSet presAssocID="{D459F733-1619-EC45-9A94-780B69B3F8C7}" presName="connTx" presStyleLbl="parChTrans1D4" presStyleIdx="5" presStyleCnt="16"/>
       <dgm:spPr/>
     </dgm:pt>
     <dgm:pt modelId="{991CBCDE-BBC5-844B-8235-4D531639E46E}" type="pres">
@@ -5481,7 +5608,7 @@
       <dgm:spPr/>
     </dgm:pt>
     <dgm:pt modelId="{36D3E8D8-29EB-CB44-8C6B-85650D88BE91}" type="pres">
-      <dgm:prSet presAssocID="{6749BBCB-60DE-7846-8F28-59A4ADA6F12D}" presName="level2Shape" presStyleLbl="node4" presStyleIdx="4" presStyleCnt="15"/>
+      <dgm:prSet presAssocID="{6749BBCB-60DE-7846-8F28-59A4ADA6F12D}" presName="level2Shape" presStyleLbl="node4" presStyleIdx="5" presStyleCnt="16"/>
       <dgm:spPr/>
     </dgm:pt>
     <dgm:pt modelId="{C320A8E7-F50D-0549-A659-476D2708DB95}" type="pres">
@@ -5489,11 +5616,11 @@
       <dgm:spPr/>
     </dgm:pt>
     <dgm:pt modelId="{678F3D96-AD5A-AC4E-940B-06BE4081F249}" type="pres">
-      <dgm:prSet presAssocID="{47339A5E-D0B9-7B41-8745-3BEB3D6B2E38}" presName="Name25" presStyleLbl="parChTrans1D4" presStyleIdx="5" presStyleCnt="15"/>
+      <dgm:prSet presAssocID="{47339A5E-D0B9-7B41-8745-3BEB3D6B2E38}" presName="Name25" presStyleLbl="parChTrans1D4" presStyleIdx="6" presStyleCnt="16"/>
       <dgm:spPr/>
     </dgm:pt>
     <dgm:pt modelId="{C9E8828B-F093-2746-8072-4893B5C5CA2A}" type="pres">
-      <dgm:prSet presAssocID="{47339A5E-D0B9-7B41-8745-3BEB3D6B2E38}" presName="connTx" presStyleLbl="parChTrans1D4" presStyleIdx="5" presStyleCnt="15"/>
+      <dgm:prSet presAssocID="{47339A5E-D0B9-7B41-8745-3BEB3D6B2E38}" presName="connTx" presStyleLbl="parChTrans1D4" presStyleIdx="6" presStyleCnt="16"/>
       <dgm:spPr/>
     </dgm:pt>
     <dgm:pt modelId="{37F815F1-DE43-1D4C-B9D7-304699706085}" type="pres">
@@ -5501,7 +5628,7 @@
       <dgm:spPr/>
     </dgm:pt>
     <dgm:pt modelId="{1C4445A4-36A6-D84A-90AF-4CFBC0B541A2}" type="pres">
-      <dgm:prSet presAssocID="{459E4683-4B2D-2148-B7B6-53A4607C3048}" presName="level2Shape" presStyleLbl="node4" presStyleIdx="5" presStyleCnt="15"/>
+      <dgm:prSet presAssocID="{459E4683-4B2D-2148-B7B6-53A4607C3048}" presName="level2Shape" presStyleLbl="node4" presStyleIdx="6" presStyleCnt="16"/>
       <dgm:spPr/>
     </dgm:pt>
     <dgm:pt modelId="{47D4BB73-C8B8-364B-BE2B-6AEA38339E5C}" type="pres">
@@ -5509,11 +5636,11 @@
       <dgm:spPr/>
     </dgm:pt>
     <dgm:pt modelId="{CF3F69E9-A60E-3B4A-A599-30202ABB69F3}" type="pres">
-      <dgm:prSet presAssocID="{B0840889-1F3A-2844-A232-688CC5C4A81C}" presName="Name25" presStyleLbl="parChTrans1D4" presStyleIdx="6" presStyleCnt="15"/>
+      <dgm:prSet presAssocID="{B0840889-1F3A-2844-A232-688CC5C4A81C}" presName="Name25" presStyleLbl="parChTrans1D4" presStyleIdx="7" presStyleCnt="16"/>
       <dgm:spPr/>
     </dgm:pt>
     <dgm:pt modelId="{EBF08780-CFDB-2643-B2D3-E9688BBC65D7}" type="pres">
-      <dgm:prSet presAssocID="{B0840889-1F3A-2844-A232-688CC5C4A81C}" presName="connTx" presStyleLbl="parChTrans1D4" presStyleIdx="6" presStyleCnt="15"/>
+      <dgm:prSet presAssocID="{B0840889-1F3A-2844-A232-688CC5C4A81C}" presName="connTx" presStyleLbl="parChTrans1D4" presStyleIdx="7" presStyleCnt="16"/>
       <dgm:spPr/>
     </dgm:pt>
     <dgm:pt modelId="{6CA09CB6-81F2-4040-9031-E6623086D2F8}" type="pres">
@@ -5521,7 +5648,7 @@
       <dgm:spPr/>
     </dgm:pt>
     <dgm:pt modelId="{834E2982-E522-504F-BBA5-47DF42536759}" type="pres">
-      <dgm:prSet presAssocID="{296DEF2D-FCE1-BB48-A4A7-AF3EBCD2905D}" presName="level2Shape" presStyleLbl="node4" presStyleIdx="6" presStyleCnt="15"/>
+      <dgm:prSet presAssocID="{296DEF2D-FCE1-BB48-A4A7-AF3EBCD2905D}" presName="level2Shape" presStyleLbl="node4" presStyleIdx="7" presStyleCnt="16"/>
       <dgm:spPr/>
     </dgm:pt>
     <dgm:pt modelId="{DE133E34-15B0-3D41-BF79-CA635E032F19}" type="pres">
@@ -5529,11 +5656,11 @@
       <dgm:spPr/>
     </dgm:pt>
     <dgm:pt modelId="{603FD555-271E-3244-BF52-8F67F3348C5B}" type="pres">
-      <dgm:prSet presAssocID="{D8AB7398-DC89-F147-B28C-73975C8C10D1}" presName="Name25" presStyleLbl="parChTrans1D4" presStyleIdx="7" presStyleCnt="15"/>
+      <dgm:prSet presAssocID="{D8AB7398-DC89-F147-B28C-73975C8C10D1}" presName="Name25" presStyleLbl="parChTrans1D4" presStyleIdx="8" presStyleCnt="16"/>
       <dgm:spPr/>
     </dgm:pt>
     <dgm:pt modelId="{8AD8EBC8-3545-044B-A495-C6A7305D7ACB}" type="pres">
-      <dgm:prSet presAssocID="{D8AB7398-DC89-F147-B28C-73975C8C10D1}" presName="connTx" presStyleLbl="parChTrans1D4" presStyleIdx="7" presStyleCnt="15"/>
+      <dgm:prSet presAssocID="{D8AB7398-DC89-F147-B28C-73975C8C10D1}" presName="connTx" presStyleLbl="parChTrans1D4" presStyleIdx="8" presStyleCnt="16"/>
       <dgm:spPr/>
     </dgm:pt>
     <dgm:pt modelId="{6AE8FC06-8173-6C46-8148-FED33DC31D48}" type="pres">
@@ -5541,7 +5668,7 @@
       <dgm:spPr/>
     </dgm:pt>
     <dgm:pt modelId="{4310DD81-B19B-DA42-9362-A8F7D026FADE}" type="pres">
-      <dgm:prSet presAssocID="{BF6D5F80-E074-B640-AD33-1E35CBBA9383}" presName="level2Shape" presStyleLbl="node4" presStyleIdx="7" presStyleCnt="15"/>
+      <dgm:prSet presAssocID="{BF6D5F80-E074-B640-AD33-1E35CBBA9383}" presName="level2Shape" presStyleLbl="node4" presStyleIdx="8" presStyleCnt="16"/>
       <dgm:spPr/>
     </dgm:pt>
     <dgm:pt modelId="{BEC2E838-F8BD-9143-92B1-1A1E197050C8}" type="pres">
@@ -5549,11 +5676,11 @@
       <dgm:spPr/>
     </dgm:pt>
     <dgm:pt modelId="{E6DEBC8E-AEE9-2345-B702-217A6B935626}" type="pres">
-      <dgm:prSet presAssocID="{EF27F2C8-E5BE-D948-A8DA-954F10AE7D4B}" presName="Name25" presStyleLbl="parChTrans1D4" presStyleIdx="8" presStyleCnt="15"/>
+      <dgm:prSet presAssocID="{EF27F2C8-E5BE-D948-A8DA-954F10AE7D4B}" presName="Name25" presStyleLbl="parChTrans1D4" presStyleIdx="9" presStyleCnt="16"/>
       <dgm:spPr/>
     </dgm:pt>
     <dgm:pt modelId="{1722CE4A-71F1-5647-8AB1-41CE51CDB942}" type="pres">
-      <dgm:prSet presAssocID="{EF27F2C8-E5BE-D948-A8DA-954F10AE7D4B}" presName="connTx" presStyleLbl="parChTrans1D4" presStyleIdx="8" presStyleCnt="15"/>
+      <dgm:prSet presAssocID="{EF27F2C8-E5BE-D948-A8DA-954F10AE7D4B}" presName="connTx" presStyleLbl="parChTrans1D4" presStyleIdx="9" presStyleCnt="16"/>
       <dgm:spPr/>
     </dgm:pt>
     <dgm:pt modelId="{805DE5E1-1B55-BF4F-B05B-A04ADF728368}" type="pres">
@@ -5561,7 +5688,7 @@
       <dgm:spPr/>
     </dgm:pt>
     <dgm:pt modelId="{807214F2-BC85-BD43-BDF1-45AB8419F1A3}" type="pres">
-      <dgm:prSet presAssocID="{2E565C29-A1D8-3C4A-95A3-68E2C55BACE0}" presName="level2Shape" presStyleLbl="node4" presStyleIdx="8" presStyleCnt="15"/>
+      <dgm:prSet presAssocID="{2E565C29-A1D8-3C4A-95A3-68E2C55BACE0}" presName="level2Shape" presStyleLbl="node4" presStyleIdx="9" presStyleCnt="16"/>
       <dgm:spPr/>
     </dgm:pt>
     <dgm:pt modelId="{23FA050A-3D9F-F94D-8611-13E4BF6D28DE}" type="pres">
@@ -5569,11 +5696,11 @@
       <dgm:spPr/>
     </dgm:pt>
     <dgm:pt modelId="{E45304B9-C045-8D48-A3CB-98D066928A8F}" type="pres">
-      <dgm:prSet presAssocID="{7459229B-6976-F34A-850D-9A24765259F4}" presName="Name25" presStyleLbl="parChTrans1D4" presStyleIdx="9" presStyleCnt="15"/>
+      <dgm:prSet presAssocID="{7459229B-6976-F34A-850D-9A24765259F4}" presName="Name25" presStyleLbl="parChTrans1D4" presStyleIdx="10" presStyleCnt="16"/>
       <dgm:spPr/>
     </dgm:pt>
     <dgm:pt modelId="{0F272DED-8B3A-A342-A30F-08CA35F70541}" type="pres">
-      <dgm:prSet presAssocID="{7459229B-6976-F34A-850D-9A24765259F4}" presName="connTx" presStyleLbl="parChTrans1D4" presStyleIdx="9" presStyleCnt="15"/>
+      <dgm:prSet presAssocID="{7459229B-6976-F34A-850D-9A24765259F4}" presName="connTx" presStyleLbl="parChTrans1D4" presStyleIdx="10" presStyleCnt="16"/>
       <dgm:spPr/>
     </dgm:pt>
     <dgm:pt modelId="{C3A9710A-E437-3649-85AA-0CEBC7CBDCE4}" type="pres">
@@ -5581,7 +5708,7 @@
       <dgm:spPr/>
     </dgm:pt>
     <dgm:pt modelId="{9DB1A6D8-FBBC-054C-984F-09D1A2E79ABB}" type="pres">
-      <dgm:prSet presAssocID="{35AD0D52-EC44-2A44-A591-F7891AA246BC}" presName="level2Shape" presStyleLbl="node4" presStyleIdx="9" presStyleCnt="15"/>
+      <dgm:prSet presAssocID="{35AD0D52-EC44-2A44-A591-F7891AA246BC}" presName="level2Shape" presStyleLbl="node4" presStyleIdx="10" presStyleCnt="16"/>
       <dgm:spPr/>
     </dgm:pt>
     <dgm:pt modelId="{3B4E2236-3650-5246-B330-5B5D3F94EFD4}" type="pres">
@@ -5589,11 +5716,11 @@
       <dgm:spPr/>
     </dgm:pt>
     <dgm:pt modelId="{CD0ADD91-4318-A045-AEA4-EA2D3F32195A}" type="pres">
-      <dgm:prSet presAssocID="{1EAC8FA7-2BA2-F845-8DB4-747F2E0F842A}" presName="Name25" presStyleLbl="parChTrans1D4" presStyleIdx="10" presStyleCnt="15"/>
+      <dgm:prSet presAssocID="{1EAC8FA7-2BA2-F845-8DB4-747F2E0F842A}" presName="Name25" presStyleLbl="parChTrans1D4" presStyleIdx="11" presStyleCnt="16"/>
       <dgm:spPr/>
     </dgm:pt>
     <dgm:pt modelId="{9D6A7DB3-FA68-2341-BF6E-5B8F2AAD3BB0}" type="pres">
-      <dgm:prSet presAssocID="{1EAC8FA7-2BA2-F845-8DB4-747F2E0F842A}" presName="connTx" presStyleLbl="parChTrans1D4" presStyleIdx="10" presStyleCnt="15"/>
+      <dgm:prSet presAssocID="{1EAC8FA7-2BA2-F845-8DB4-747F2E0F842A}" presName="connTx" presStyleLbl="parChTrans1D4" presStyleIdx="11" presStyleCnt="16"/>
       <dgm:spPr/>
     </dgm:pt>
     <dgm:pt modelId="{0EF9F048-AEC7-E748-A0EE-0DC0696E9009}" type="pres">
@@ -5601,7 +5728,7 @@
       <dgm:spPr/>
     </dgm:pt>
     <dgm:pt modelId="{941CBE10-6446-494C-85DB-E0A64B945C2B}" type="pres">
-      <dgm:prSet presAssocID="{2BBE9BDA-1779-1242-95BA-A0BB2B74A174}" presName="level2Shape" presStyleLbl="node4" presStyleIdx="10" presStyleCnt="15"/>
+      <dgm:prSet presAssocID="{2BBE9BDA-1779-1242-95BA-A0BB2B74A174}" presName="level2Shape" presStyleLbl="node4" presStyleIdx="11" presStyleCnt="16"/>
       <dgm:spPr/>
     </dgm:pt>
     <dgm:pt modelId="{5E897878-84D2-FF40-A17D-0EA82607BC38}" type="pres">
@@ -5609,11 +5736,11 @@
       <dgm:spPr/>
     </dgm:pt>
     <dgm:pt modelId="{F3045651-92B6-1943-B3E1-B7568B03448F}" type="pres">
-      <dgm:prSet presAssocID="{5E23F648-693C-6442-BE6D-578B42A22460}" presName="Name25" presStyleLbl="parChTrans1D4" presStyleIdx="11" presStyleCnt="15"/>
+      <dgm:prSet presAssocID="{5E23F648-693C-6442-BE6D-578B42A22460}" presName="Name25" presStyleLbl="parChTrans1D4" presStyleIdx="12" presStyleCnt="16"/>
       <dgm:spPr/>
     </dgm:pt>
     <dgm:pt modelId="{B3CDF67A-FAF1-AC4C-9A95-481D13F5E79D}" type="pres">
-      <dgm:prSet presAssocID="{5E23F648-693C-6442-BE6D-578B42A22460}" presName="connTx" presStyleLbl="parChTrans1D4" presStyleIdx="11" presStyleCnt="15"/>
+      <dgm:prSet presAssocID="{5E23F648-693C-6442-BE6D-578B42A22460}" presName="connTx" presStyleLbl="parChTrans1D4" presStyleIdx="12" presStyleCnt="16"/>
       <dgm:spPr/>
     </dgm:pt>
     <dgm:pt modelId="{4B267C9D-5704-AB41-A663-767B7156482C}" type="pres">
@@ -5621,7 +5748,7 @@
       <dgm:spPr/>
     </dgm:pt>
     <dgm:pt modelId="{29E5B209-3639-9A4B-98CD-5EB7E1988747}" type="pres">
-      <dgm:prSet presAssocID="{516CB019-D711-3341-8512-E39B32CCA763}" presName="level2Shape" presStyleLbl="node4" presStyleIdx="11" presStyleCnt="15"/>
+      <dgm:prSet presAssocID="{516CB019-D711-3341-8512-E39B32CCA763}" presName="level2Shape" presStyleLbl="node4" presStyleIdx="12" presStyleCnt="16"/>
       <dgm:spPr/>
     </dgm:pt>
     <dgm:pt modelId="{2537F745-5241-6740-BAE6-02D8F73DCF74}" type="pres">
@@ -5629,11 +5756,11 @@
       <dgm:spPr/>
     </dgm:pt>
     <dgm:pt modelId="{0D7275E3-EF56-FB4A-8E25-9F77B6A6E0F1}" type="pres">
-      <dgm:prSet presAssocID="{2E3FF04C-7B96-9B4B-8C21-1E5A9935B469}" presName="Name25" presStyleLbl="parChTrans1D4" presStyleIdx="12" presStyleCnt="15"/>
+      <dgm:prSet presAssocID="{2E3FF04C-7B96-9B4B-8C21-1E5A9935B469}" presName="Name25" presStyleLbl="parChTrans1D4" presStyleIdx="13" presStyleCnt="16"/>
       <dgm:spPr/>
     </dgm:pt>
     <dgm:pt modelId="{81E65BFB-4463-BF4B-8E8C-1517C633A6B2}" type="pres">
-      <dgm:prSet presAssocID="{2E3FF04C-7B96-9B4B-8C21-1E5A9935B469}" presName="connTx" presStyleLbl="parChTrans1D4" presStyleIdx="12" presStyleCnt="15"/>
+      <dgm:prSet presAssocID="{2E3FF04C-7B96-9B4B-8C21-1E5A9935B469}" presName="connTx" presStyleLbl="parChTrans1D4" presStyleIdx="13" presStyleCnt="16"/>
       <dgm:spPr/>
     </dgm:pt>
     <dgm:pt modelId="{F606264B-8C24-8E40-B2EB-1950DD973C02}" type="pres">
@@ -5641,7 +5768,7 @@
       <dgm:spPr/>
     </dgm:pt>
     <dgm:pt modelId="{6A62EF1F-6082-0C46-876F-21767A36FAD7}" type="pres">
-      <dgm:prSet presAssocID="{675EBA11-084F-C742-A57B-D8EE7D088505}" presName="level2Shape" presStyleLbl="node4" presStyleIdx="12" presStyleCnt="15"/>
+      <dgm:prSet presAssocID="{675EBA11-084F-C742-A57B-D8EE7D088505}" presName="level2Shape" presStyleLbl="node4" presStyleIdx="13" presStyleCnt="16"/>
       <dgm:spPr/>
     </dgm:pt>
     <dgm:pt modelId="{D10F1FB2-6F10-8244-BD6B-F07CE20077B8}" type="pres">
@@ -5649,11 +5776,11 @@
       <dgm:spPr/>
     </dgm:pt>
     <dgm:pt modelId="{F9DC96AA-ECDB-FD42-9EFD-B17EB3DF0E9E}" type="pres">
-      <dgm:prSet presAssocID="{6720CFD2-8FC1-C542-A291-ED6376E250F1}" presName="Name25" presStyleLbl="parChTrans1D4" presStyleIdx="13" presStyleCnt="15"/>
+      <dgm:prSet presAssocID="{6720CFD2-8FC1-C542-A291-ED6376E250F1}" presName="Name25" presStyleLbl="parChTrans1D4" presStyleIdx="14" presStyleCnt="16"/>
       <dgm:spPr/>
     </dgm:pt>
     <dgm:pt modelId="{27D4129C-E688-EB4B-AB37-024C06E1C231}" type="pres">
-      <dgm:prSet presAssocID="{6720CFD2-8FC1-C542-A291-ED6376E250F1}" presName="connTx" presStyleLbl="parChTrans1D4" presStyleIdx="13" presStyleCnt="15"/>
+      <dgm:prSet presAssocID="{6720CFD2-8FC1-C542-A291-ED6376E250F1}" presName="connTx" presStyleLbl="parChTrans1D4" presStyleIdx="14" presStyleCnt="16"/>
       <dgm:spPr/>
     </dgm:pt>
     <dgm:pt modelId="{D8025273-FEA5-E642-BB26-1A65E0F9A8A0}" type="pres">
@@ -5661,7 +5788,7 @@
       <dgm:spPr/>
     </dgm:pt>
     <dgm:pt modelId="{3738BB40-3B1F-AC4B-BBA1-8E854481F73D}" type="pres">
-      <dgm:prSet presAssocID="{B3EE15C8-9C85-DA40-AFAC-CDBB0FE14759}" presName="level2Shape" presStyleLbl="node4" presStyleIdx="13" presStyleCnt="15"/>
+      <dgm:prSet presAssocID="{B3EE15C8-9C85-DA40-AFAC-CDBB0FE14759}" presName="level2Shape" presStyleLbl="node4" presStyleIdx="14" presStyleCnt="16"/>
       <dgm:spPr/>
     </dgm:pt>
     <dgm:pt modelId="{D7CD2F29-EF32-B643-90C0-59BC94DA6024}" type="pres">
@@ -5669,11 +5796,11 @@
       <dgm:spPr/>
     </dgm:pt>
     <dgm:pt modelId="{BDAF62A9-23EA-8A4D-9131-BC4A96F2E0DE}" type="pres">
-      <dgm:prSet presAssocID="{A0530AB0-2779-7745-8842-33196057FF7E}" presName="Name25" presStyleLbl="parChTrans1D4" presStyleIdx="14" presStyleCnt="15"/>
+      <dgm:prSet presAssocID="{A0530AB0-2779-7745-8842-33196057FF7E}" presName="Name25" presStyleLbl="parChTrans1D4" presStyleIdx="15" presStyleCnt="16"/>
       <dgm:spPr/>
     </dgm:pt>
     <dgm:pt modelId="{631D96B4-8F90-5D42-994B-50F5320AA623}" type="pres">
-      <dgm:prSet presAssocID="{A0530AB0-2779-7745-8842-33196057FF7E}" presName="connTx" presStyleLbl="parChTrans1D4" presStyleIdx="14" presStyleCnt="15"/>
+      <dgm:prSet presAssocID="{A0530AB0-2779-7745-8842-33196057FF7E}" presName="connTx" presStyleLbl="parChTrans1D4" presStyleIdx="15" presStyleCnt="16"/>
       <dgm:spPr/>
     </dgm:pt>
     <dgm:pt modelId="{7831AEC2-796E-BA40-BAF7-B79D5820AAF2}" type="pres">
@@ -5681,7 +5808,7 @@
       <dgm:spPr/>
     </dgm:pt>
     <dgm:pt modelId="{035DB36D-79AD-CA48-9B1B-6056C9B70213}" type="pres">
-      <dgm:prSet presAssocID="{2BE4AA95-8FAE-2348-93E2-69E42A6DAE43}" presName="level2Shape" presStyleLbl="node4" presStyleIdx="14" presStyleCnt="15"/>
+      <dgm:prSet presAssocID="{2BE4AA95-8FAE-2348-93E2-69E42A6DAE43}" presName="level2Shape" presStyleLbl="node4" presStyleIdx="15" presStyleCnt="16"/>
       <dgm:spPr/>
     </dgm:pt>
     <dgm:pt modelId="{74CB45BE-721A-8E4C-BF3D-447A1315F8C6}" type="pres">
@@ -5709,11 +5836,11 @@
       <dgm:spPr/>
     </dgm:pt>
     <dgm:pt modelId="{3E231FEB-3764-E346-AA22-2BBE79C9199B}" type="pres">
-      <dgm:prSet presAssocID="{7FC31B23-35C6-A84C-AF04-14C1FB7FC249}" presName="Name25" presStyleLbl="parChTrans1D3" presStyleIdx="5" presStyleCnt="6"/>
+      <dgm:prSet presAssocID="{7FC31B23-35C6-A84C-AF04-14C1FB7FC249}" presName="Name25" presStyleLbl="parChTrans1D3" presStyleIdx="6" presStyleCnt="7"/>
       <dgm:spPr/>
     </dgm:pt>
     <dgm:pt modelId="{46EA24B8-E292-AE4E-9DC9-3E00A188862E}" type="pres">
-      <dgm:prSet presAssocID="{7FC31B23-35C6-A84C-AF04-14C1FB7FC249}" presName="connTx" presStyleLbl="parChTrans1D3" presStyleIdx="5" presStyleCnt="6"/>
+      <dgm:prSet presAssocID="{7FC31B23-35C6-A84C-AF04-14C1FB7FC249}" presName="connTx" presStyleLbl="parChTrans1D3" presStyleIdx="6" presStyleCnt="7"/>
       <dgm:spPr/>
     </dgm:pt>
     <dgm:pt modelId="{BC60D903-9457-5D4A-85E7-FEBF069B7E16}" type="pres">
@@ -5721,7 +5848,7 @@
       <dgm:spPr/>
     </dgm:pt>
     <dgm:pt modelId="{041B4434-8670-ED43-9361-370A524EF802}" type="pres">
-      <dgm:prSet presAssocID="{7DECE45E-F0DD-E243-9593-86CDC187CF35}" presName="level2Shape" presStyleLbl="node3" presStyleIdx="5" presStyleCnt="6"/>
+      <dgm:prSet presAssocID="{7DECE45E-F0DD-E243-9593-86CDC187CF35}" presName="level2Shape" presStyleLbl="node3" presStyleIdx="6" presStyleCnt="7"/>
       <dgm:spPr/>
     </dgm:pt>
     <dgm:pt modelId="{17EB4CB6-1D9A-454A-8571-85DCC7511C7A}" type="pres">
@@ -5854,10 +5981,12 @@
     <dgm:cxn modelId="{EACB1D09-463F-1343-AD14-9CA117EE5A76}" type="presOf" srcId="{E2560889-78B9-A044-A52E-57B15C32B349}" destId="{88EB5639-BD22-3146-8A5B-E0CD957FE0AE}" srcOrd="0" destOrd="0" presId="urn:microsoft.com/office/officeart/2005/8/layout/hierarchy5"/>
     <dgm:cxn modelId="{4E465509-C8B8-804B-8797-93ECE1615E01}" type="presOf" srcId="{16F9BEC5-4CB0-EE4E-B315-2F21FB7CB6CC}" destId="{2F111949-43A3-9E40-BFA3-0A155D91DD25}" srcOrd="0" destOrd="0" presId="urn:microsoft.com/office/officeart/2005/8/layout/hierarchy5"/>
     <dgm:cxn modelId="{378E940A-516A-BB48-A50A-C01110D78BB5}" srcId="{516CB019-D711-3341-8512-E39B32CCA763}" destId="{675EBA11-084F-C742-A57B-D8EE7D088505}" srcOrd="0" destOrd="0" parTransId="{2E3FF04C-7B96-9B4B-8C21-1E5A9935B469}" sibTransId="{75BF0C3D-7B42-EB49-824B-AC190C462EE0}"/>
+    <dgm:cxn modelId="{D6B4FA0A-DDC0-F349-9F01-F6EA09C88E5A}" srcId="{09FF6B9C-343C-F94E-8BF7-8848711809F6}" destId="{0F3F46C0-22F9-C94B-B20D-18605BEB8AE6}" srcOrd="1" destOrd="0" parTransId="{45565031-5302-9F46-A97D-E972D509307E}" sibTransId="{606F8C53-17A8-D74D-854B-148973FF0D66}"/>
     <dgm:cxn modelId="{2CD6490B-1B1B-BA4F-8BE2-F7C754952BD1}" srcId="{1D43783D-D572-1C4D-829B-6F1E67F9277C}" destId="{35AD0D52-EC44-2A44-A591-F7891AA246BC}" srcOrd="4" destOrd="0" parTransId="{7459229B-6976-F34A-850D-9A24765259F4}" sibTransId="{B064D2D0-FF2E-7647-9DAD-3E4F70736314}"/>
     <dgm:cxn modelId="{7BDC200C-4C3A-D643-8138-FAD37D695400}" type="presOf" srcId="{B72516C6-81B9-D949-94BC-D3EA692C271F}" destId="{A15E2631-FC66-6047-BD62-4CBA611DF885}" srcOrd="1" destOrd="0" presId="urn:microsoft.com/office/officeart/2005/8/layout/hierarchy5"/>
     <dgm:cxn modelId="{C76A8610-080E-6E4F-9648-BBAB157A471E}" type="presOf" srcId="{83D499FB-981B-1C46-B4CE-5AB7C1EF6872}" destId="{3FB5D0A2-DECC-0349-B5D9-7D2AD172C4A8}" srcOrd="1" destOrd="0" presId="urn:microsoft.com/office/officeart/2005/8/layout/hierarchy5"/>
     <dgm:cxn modelId="{98410511-13BE-544A-99D1-1BB1F528BD0D}" type="presOf" srcId="{A0530AB0-2779-7745-8842-33196057FF7E}" destId="{631D96B4-8F90-5D42-994B-50F5320AA623}" srcOrd="1" destOrd="0" presId="urn:microsoft.com/office/officeart/2005/8/layout/hierarchy5"/>
+    <dgm:cxn modelId="{D0446218-B3C4-3A49-86E9-D688FF8AEDD4}" type="presOf" srcId="{45565031-5302-9F46-A97D-E972D509307E}" destId="{91CB70D2-3C6E-6D40-8F3E-69A7CDAD2C0F}" srcOrd="0" destOrd="0" presId="urn:microsoft.com/office/officeart/2005/8/layout/hierarchy5"/>
     <dgm:cxn modelId="{ACE5D01D-432C-5E40-92DA-83655E684F9F}" type="presOf" srcId="{ECB65664-5BA5-E845-85B4-737C5FA73800}" destId="{8BE5ADEA-9D79-6F46-9D9D-6755321B3CA6}" srcOrd="0" destOrd="0" presId="urn:microsoft.com/office/officeart/2005/8/layout/hierarchy5"/>
     <dgm:cxn modelId="{0FB9901E-E704-7944-82F7-9EC94D021D32}" type="presOf" srcId="{8D78FDC3-8B84-1443-A180-DA0DE1798449}" destId="{4E117FC9-5A2D-FD47-A334-60A42E5CCAD6}" srcOrd="1" destOrd="0" presId="urn:microsoft.com/office/officeart/2005/8/layout/hierarchy5"/>
     <dgm:cxn modelId="{628CFB21-37DC-8E4C-9F86-FE982772CB3C}" type="presOf" srcId="{83D499FB-981B-1C46-B4CE-5AB7C1EF6872}" destId="{E1996047-17D7-EE4A-8459-8B19AEF798DC}" srcOrd="0" destOrd="0" presId="urn:microsoft.com/office/officeart/2005/8/layout/hierarchy5"/>
@@ -5869,6 +5998,7 @@
     <dgm:cxn modelId="{A951C72F-494E-5349-9969-DA225339C4D9}" type="presOf" srcId="{47339A5E-D0B9-7B41-8745-3BEB3D6B2E38}" destId="{678F3D96-AD5A-AC4E-940B-06BE4081F249}" srcOrd="0" destOrd="0" presId="urn:microsoft.com/office/officeart/2005/8/layout/hierarchy5"/>
     <dgm:cxn modelId="{2577C82F-045E-E242-8E59-9DA72344999A}" srcId="{47F4429C-DB70-7945-92B9-206FF7F20B18}" destId="{E2560889-78B9-A044-A52E-57B15C32B349}" srcOrd="1" destOrd="0" parTransId="{5590946C-7B85-F341-8E16-C9E918027DFE}" sibTransId="{EC68184B-144E-104C-BFF0-6CBD825BA08A}"/>
     <dgm:cxn modelId="{76102F30-2074-7D41-ABD9-30E8CD7AB59F}" type="presOf" srcId="{7459229B-6976-F34A-850D-9A24765259F4}" destId="{0F272DED-8B3A-A342-A30F-08CA35F70541}" srcOrd="1" destOrd="0" presId="urn:microsoft.com/office/officeart/2005/8/layout/hierarchy5"/>
+    <dgm:cxn modelId="{32FD8D33-06DE-764C-A174-0FCA249E5A49}" type="presOf" srcId="{F4C8EB51-6F82-FD43-9ED8-D1FAAE89F5A5}" destId="{6B6EE0C7-1F50-DC43-803F-62601B137876}" srcOrd="1" destOrd="0" presId="urn:microsoft.com/office/officeart/2005/8/layout/hierarchy5"/>
     <dgm:cxn modelId="{8475EB33-1970-B240-A055-A8119DBA646B}" srcId="{1D43783D-D572-1C4D-829B-6F1E67F9277C}" destId="{0C8A4BF2-2929-4347-B79D-8104065634CA}" srcOrd="2" destOrd="0" parTransId="{430A30EB-EC77-8D47-80C6-AEBDE5B0A877}" sibTransId="{CDBE27EE-2770-2C40-8E76-71D0412D5F2E}"/>
     <dgm:cxn modelId="{0F878537-D401-064B-8D3D-56687AE405AE}" type="presOf" srcId="{A0530AB0-2779-7745-8842-33196057FF7E}" destId="{BDAF62A9-23EA-8A4D-9131-BC4A96F2E0DE}" srcOrd="0" destOrd="0" presId="urn:microsoft.com/office/officeart/2005/8/layout/hierarchy5"/>
     <dgm:cxn modelId="{B30EC138-6343-954F-A969-8009D459F649}" type="presOf" srcId="{1D43783D-D572-1C4D-829B-6F1E67F9277C}" destId="{90697CAE-E537-D140-96D0-85C5132B705B}" srcOrd="0" destOrd="0" presId="urn:microsoft.com/office/officeart/2005/8/layout/hierarchy5"/>
@@ -5893,12 +6023,14 @@
     <dgm:cxn modelId="{7AC6E259-BC9A-5949-83FD-C05C0B5B7623}" type="presOf" srcId="{B64F5651-58F5-224E-97F7-7D154F24F95E}" destId="{F6E77C4B-DE7B-CA4A-9DF1-AEA2DF9EFC43}" srcOrd="0" destOrd="0" presId="urn:microsoft.com/office/officeart/2005/8/layout/hierarchy5"/>
     <dgm:cxn modelId="{7FB54B5C-D9A1-0A4D-A864-9B0B6704396C}" type="presOf" srcId="{7FC31B23-35C6-A84C-AF04-14C1FB7FC249}" destId="{3E231FEB-3764-E346-AA22-2BBE79C9199B}" srcOrd="0" destOrd="0" presId="urn:microsoft.com/office/officeart/2005/8/layout/hierarchy5"/>
     <dgm:cxn modelId="{581FCE5C-F762-E44E-AA28-AB70F5F9577E}" srcId="{9AFF9D5A-4B80-FF4B-91B4-DA218539D8AF}" destId="{BF6D5F80-E074-B640-AD33-1E35CBBA9383}" srcOrd="3" destOrd="0" parTransId="{D8AB7398-DC89-F147-B28C-73975C8C10D1}" sibTransId="{4553C595-0805-0D4C-9E81-2EA28C11607A}"/>
+    <dgm:cxn modelId="{67920A5F-6FE0-C94D-9AF5-A95AC20E9124}" type="presOf" srcId="{0F3F46C0-22F9-C94B-B20D-18605BEB8AE6}" destId="{B413FD91-F6EF-0A4F-9F88-864C338FF8AD}" srcOrd="0" destOrd="0" presId="urn:microsoft.com/office/officeart/2005/8/layout/hierarchy5"/>
     <dgm:cxn modelId="{2921505F-0AE3-1940-B19D-914C938D1C76}" type="presOf" srcId="{6720CFD2-8FC1-C542-A291-ED6376E250F1}" destId="{F9DC96AA-ECDB-FD42-9EFD-B17EB3DF0E9E}" srcOrd="0" destOrd="0" presId="urn:microsoft.com/office/officeart/2005/8/layout/hierarchy5"/>
     <dgm:cxn modelId="{93582560-98E8-034A-8EB6-54144953ED4C}" type="presOf" srcId="{4E0E99DF-AA1D-8F4E-9876-27E7F19BA9D2}" destId="{295A7769-E66C-CD45-8692-2D70E4F5CB89}" srcOrd="0" destOrd="0" presId="urn:microsoft.com/office/officeart/2005/8/layout/hierarchy5"/>
     <dgm:cxn modelId="{45DBAE62-84F6-0E46-8417-7CBFF8EBB33D}" type="presOf" srcId="{675EBA11-084F-C742-A57B-D8EE7D088505}" destId="{6A62EF1F-6082-0C46-876F-21767A36FAD7}" srcOrd="0" destOrd="0" presId="urn:microsoft.com/office/officeart/2005/8/layout/hierarchy5"/>
     <dgm:cxn modelId="{57F4EF62-4B0C-1A45-B785-74022A76CAF0}" srcId="{1D43783D-D572-1C4D-829B-6F1E67F9277C}" destId="{1E4CA5DD-797D-6841-8B44-0FFE00B94AB3}" srcOrd="1" destOrd="0" parTransId="{ECB65664-5BA5-E845-85B4-737C5FA73800}" sibTransId="{964651FE-4A6E-AD45-9A96-3DC2B262BB74}"/>
     <dgm:cxn modelId="{B04B166C-1A25-9C4D-A75D-92BF7F81CF46}" type="presOf" srcId="{ECB65664-5BA5-E845-85B4-737C5FA73800}" destId="{156F6AF3-2762-6A45-832C-F024558C6453}" srcOrd="1" destOrd="0" presId="urn:microsoft.com/office/officeart/2005/8/layout/hierarchy5"/>
     <dgm:cxn modelId="{ABCF576F-5EA5-C645-84D4-2A6942BF3309}" type="presOf" srcId="{90F0F886-638A-524B-ABAA-FB52026561F2}" destId="{2473D230-D8E2-6A4A-8F6A-95A8DAAFF573}" srcOrd="0" destOrd="0" presId="urn:microsoft.com/office/officeart/2005/8/layout/hierarchy5"/>
+    <dgm:cxn modelId="{C8882D71-B9E7-D14B-B449-CF2FEE44CE07}" srcId="{0F3F46C0-22F9-C94B-B20D-18605BEB8AE6}" destId="{C236F7AC-CB19-7E4B-8800-6990565A88A7}" srcOrd="0" destOrd="0" parTransId="{F4C8EB51-6F82-FD43-9ED8-D1FAAE89F5A5}" sibTransId="{D1CAB81D-6FB1-614A-B676-235ACE2A9918}"/>
     <dgm:cxn modelId="{23B88871-068A-C548-9082-CF151C4DD49F}" srcId="{47F4429C-DB70-7945-92B9-206FF7F20B18}" destId="{C2038BA2-05B4-5442-AF89-3BC19EB7C96A}" srcOrd="5" destOrd="0" parTransId="{58D3E9EB-32BA-B34E-AA93-0E8BF7A04EB9}" sibTransId="{8E42FDDF-F9F1-D54E-BE63-4F6997272718}"/>
     <dgm:cxn modelId="{1C082275-FCD7-DF4A-90B7-A9CB18636033}" type="presOf" srcId="{AEEAF30A-BB02-BE4C-A6C8-2416C2A22C1C}" destId="{09C921B2-8712-7C41-934B-3AEC00F5CFB1}" srcOrd="1" destOrd="0" presId="urn:microsoft.com/office/officeart/2005/8/layout/hierarchy5"/>
     <dgm:cxn modelId="{EA558478-8D59-FC4C-B475-0AD5B298146F}" type="presOf" srcId="{2BBE9BDA-1779-1242-95BA-A0BB2B74A174}" destId="{941CBE10-6446-494C-85DB-E0A64B945C2B}" srcOrd="0" destOrd="0" presId="urn:microsoft.com/office/officeart/2005/8/layout/hierarchy5"/>
@@ -5919,6 +6051,8 @@
     <dgm:cxn modelId="{27352E98-D16A-A545-BE92-2C8E5B4DD229}" srcId="{1D43783D-D572-1C4D-829B-6F1E67F9277C}" destId="{9AFF9D5A-4B80-FF4B-91B4-DA218539D8AF}" srcOrd="3" destOrd="0" parTransId="{F5636FDF-20FF-174B-8F5D-21BC81655FEA}" sibTransId="{0F763E53-2A2A-FE49-94CE-E64A86F92970}"/>
     <dgm:cxn modelId="{4D1FDA98-C31F-7346-BA82-BC7F50BCBC41}" type="presOf" srcId="{35AD0D52-EC44-2A44-A591-F7891AA246BC}" destId="{9DB1A6D8-FBBC-054C-984F-09D1A2E79ABB}" srcOrd="0" destOrd="0" presId="urn:microsoft.com/office/officeart/2005/8/layout/hierarchy5"/>
     <dgm:cxn modelId="{B02B529A-3F86-364D-96EE-7AF90A5EA96A}" srcId="{47F4429C-DB70-7945-92B9-206FF7F20B18}" destId="{98C4ED28-5A6A-9746-B686-D585233C8F2E}" srcOrd="4" destOrd="0" parTransId="{A7C52B1F-A6A3-A04F-B476-79112D326365}" sibTransId="{2F491AA4-3208-5541-9086-C1067BE25C19}"/>
+    <dgm:cxn modelId="{9DC5E59B-9264-AF43-8FB9-78FC0EA192AD}" type="presOf" srcId="{F4C8EB51-6F82-FD43-9ED8-D1FAAE89F5A5}" destId="{2A2F4FA0-26CD-E348-99D4-E6001C6B39D9}" srcOrd="0" destOrd="0" presId="urn:microsoft.com/office/officeart/2005/8/layout/hierarchy5"/>
+    <dgm:cxn modelId="{335CE39D-B1AF-0049-895D-85C21EE23B7F}" type="presOf" srcId="{45565031-5302-9F46-A97D-E972D509307E}" destId="{EFE42297-AE03-964F-A9D4-481EE6A096C2}" srcOrd="1" destOrd="0" presId="urn:microsoft.com/office/officeart/2005/8/layout/hierarchy5"/>
     <dgm:cxn modelId="{DB310E9E-D513-D446-A49A-39D052618424}" type="presOf" srcId="{55BCDF3C-5E12-F640-AFE6-929D1D73D8DE}" destId="{8BA651B2-7E1B-5D48-9D78-E36A1BB55113}" srcOrd="0" destOrd="0" presId="urn:microsoft.com/office/officeart/2005/8/layout/hierarchy5"/>
     <dgm:cxn modelId="{114EFEA2-8D72-094F-B1DC-679B9867E3C7}" type="presOf" srcId="{AE743044-25AF-D04F-8CD5-CD2482EF94E0}" destId="{74CDB941-452D-404D-8BFE-60B5774A0863}" srcOrd="0" destOrd="0" presId="urn:microsoft.com/office/officeart/2005/8/layout/hierarchy5"/>
     <dgm:cxn modelId="{726DA0A4-5D39-8242-A283-1BF57578C3BD}" type="presOf" srcId="{67545804-E4B1-F64E-92A3-7CE4A56D0EF1}" destId="{15267861-7567-0745-9227-D663E574FA19}" srcOrd="1" destOrd="0" presId="urn:microsoft.com/office/officeart/2005/8/layout/hierarchy5"/>
@@ -5943,6 +6077,7 @@
     <dgm:cxn modelId="{B375C8C3-9140-274E-9976-B7AD6D39197C}" type="presOf" srcId="{D8AB7398-DC89-F147-B28C-73975C8C10D1}" destId="{8AD8EBC8-3545-044B-A495-C6A7305D7ACB}" srcOrd="1" destOrd="0" presId="urn:microsoft.com/office/officeart/2005/8/layout/hierarchy5"/>
     <dgm:cxn modelId="{46B273C5-E9AC-F54B-8D4E-D46B7429779E}" type="presOf" srcId="{2E3FF04C-7B96-9B4B-8C21-1E5A9935B469}" destId="{0D7275E3-EF56-FB4A-8E25-9F77B6A6E0F1}" srcOrd="0" destOrd="0" presId="urn:microsoft.com/office/officeart/2005/8/layout/hierarchy5"/>
     <dgm:cxn modelId="{2AD16CC6-3F43-F540-91B6-42BC1D388E85}" type="presOf" srcId="{09FF6B9C-343C-F94E-8BF7-8848711809F6}" destId="{5E257C7E-E206-414F-9ED7-E7FE902B6D4A}" srcOrd="0" destOrd="0" presId="urn:microsoft.com/office/officeart/2005/8/layout/hierarchy5"/>
+    <dgm:cxn modelId="{866B95CA-0FD8-A54A-AD2F-8D3163432DC0}" type="presOf" srcId="{C236F7AC-CB19-7E4B-8800-6990565A88A7}" destId="{01C26458-C01D-344C-A921-1F530B2B8E97}" srcOrd="0" destOrd="0" presId="urn:microsoft.com/office/officeart/2005/8/layout/hierarchy5"/>
     <dgm:cxn modelId="{D41423CB-59B9-CD42-96A4-D80F811F2166}" type="presOf" srcId="{430A30EB-EC77-8D47-80C6-AEBDE5B0A877}" destId="{8D0AC846-2E7E-CE48-B2AF-130AE31825E4}" srcOrd="0" destOrd="0" presId="urn:microsoft.com/office/officeart/2005/8/layout/hierarchy5"/>
     <dgm:cxn modelId="{2430B0CD-DCE3-2E47-91C5-F4DA49839609}" srcId="{47F4429C-DB70-7945-92B9-206FF7F20B18}" destId="{5EC2425E-910A-6C4F-A60C-B6CB2ABAE0B4}" srcOrd="3" destOrd="0" parTransId="{B7E66D70-0FFE-774C-8F8E-ECC87EA64A94}" sibTransId="{922ADAF2-6376-9947-92E2-96102DFB4F6E}"/>
     <dgm:cxn modelId="{710438D5-65B7-CF41-ABB0-C662B36F8A0F}" type="presOf" srcId="{2E565C29-A1D8-3C4A-95A3-68E2C55BACE0}" destId="{807214F2-BC85-BD43-BDF1-45AB8419F1A3}" srcOrd="0" destOrd="0" presId="urn:microsoft.com/office/officeart/2005/8/layout/hierarchy5"/>
@@ -5960,7 +6095,7 @@
     <dgm:cxn modelId="{38B443EC-6077-894E-A30C-D749572811CE}" type="presOf" srcId="{459E4683-4B2D-2148-B7B6-53A4607C3048}" destId="{1C4445A4-36A6-D84A-90AF-4CFBC0B541A2}" srcOrd="0" destOrd="0" presId="urn:microsoft.com/office/officeart/2005/8/layout/hierarchy5"/>
     <dgm:cxn modelId="{336FE3F3-C67E-BD4B-B096-E717AE18D4CB}" type="presOf" srcId="{D8AB7398-DC89-F147-B28C-73975C8C10D1}" destId="{603FD555-271E-3244-BF52-8F67F3348C5B}" srcOrd="0" destOrd="0" presId="urn:microsoft.com/office/officeart/2005/8/layout/hierarchy5"/>
     <dgm:cxn modelId="{EA08AAF4-49AC-054E-A1EF-11935433FCD8}" type="presOf" srcId="{D459F733-1619-EC45-9A94-780B69B3F8C7}" destId="{F79F48B7-BC06-BD4B-828D-032E8F154164}" srcOrd="1" destOrd="0" presId="urn:microsoft.com/office/officeart/2005/8/layout/hierarchy5"/>
-    <dgm:cxn modelId="{413A7DF8-F606-094C-8CCF-E2E361363487}" srcId="{09FF6B9C-343C-F94E-8BF7-8848711809F6}" destId="{1D43783D-D572-1C4D-829B-6F1E67F9277C}" srcOrd="1" destOrd="0" parTransId="{0CB44B31-3963-DC42-BBF6-5A4BF193DBEB}" sibTransId="{DBB53AA3-81E8-4D42-BDEA-FA0B3D967A48}"/>
+    <dgm:cxn modelId="{413A7DF8-F606-094C-8CCF-E2E361363487}" srcId="{09FF6B9C-343C-F94E-8BF7-8848711809F6}" destId="{1D43783D-D572-1C4D-829B-6F1E67F9277C}" srcOrd="2" destOrd="0" parTransId="{0CB44B31-3963-DC42-BBF6-5A4BF193DBEB}" sibTransId="{DBB53AA3-81E8-4D42-BDEA-FA0B3D967A48}"/>
     <dgm:cxn modelId="{D4D417F9-BED1-164B-8D28-AFBBADA37534}" type="presOf" srcId="{7459229B-6976-F34A-850D-9A24765259F4}" destId="{E45304B9-C045-8D48-A3CB-98D066928A8F}" srcOrd="0" destOrd="0" presId="urn:microsoft.com/office/officeart/2005/8/layout/hierarchy5"/>
     <dgm:cxn modelId="{4D0DF7F9-DEA1-E247-B5DC-6C3E53F5FD8F}" type="presOf" srcId="{EF27F2C8-E5BE-D948-A8DA-954F10AE7D4B}" destId="{1722CE4A-71F1-5647-8AB1-41CE51CDB942}" srcOrd="1" destOrd="0" presId="urn:microsoft.com/office/officeart/2005/8/layout/hierarchy5"/>
     <dgm:cxn modelId="{0C3378FA-3818-2244-9E4C-AFA3C5812D49}" type="presOf" srcId="{6720CFD2-8FC1-C542-A291-ED6376E250F1}" destId="{27D4129C-E688-EB4B-AB37-024C06E1C231}" srcOrd="1" destOrd="0" presId="urn:microsoft.com/office/officeart/2005/8/layout/hierarchy5"/>
@@ -6014,9 +6149,19 @@
     <dgm:cxn modelId="{3E397AE5-9A80-C34A-B535-525EDEADB58E}" type="presParOf" srcId="{B51F86B6-19F4-8B49-A127-DA52B678E00C}" destId="{7A3F012F-B577-CD4A-A69D-CD0DCFED7766}" srcOrd="1" destOrd="0" presId="urn:microsoft.com/office/officeart/2005/8/layout/hierarchy5"/>
     <dgm:cxn modelId="{08A4E996-23B7-7942-88CC-202D05366E28}" type="presParOf" srcId="{7A3F012F-B577-CD4A-A69D-CD0DCFED7766}" destId="{86A6E8EB-D794-EC4B-A8C0-EFB69DCD7CA0}" srcOrd="0" destOrd="0" presId="urn:microsoft.com/office/officeart/2005/8/layout/hierarchy5"/>
     <dgm:cxn modelId="{4502859D-6845-8549-BFA2-DED3717F42B2}" type="presParOf" srcId="{7A3F012F-B577-CD4A-A69D-CD0DCFED7766}" destId="{D7E08556-1428-2B40-B615-0FB86FE70F54}" srcOrd="1" destOrd="0" presId="urn:microsoft.com/office/officeart/2005/8/layout/hierarchy5"/>
-    <dgm:cxn modelId="{E7D442DF-30B4-DA4C-AF42-C507A5AD97A6}" type="presParOf" srcId="{B51F86B6-19F4-8B49-A127-DA52B678E00C}" destId="{2DDE800F-EF95-AD4C-883E-994B9CE2C0CB}" srcOrd="2" destOrd="0" presId="urn:microsoft.com/office/officeart/2005/8/layout/hierarchy5"/>
+    <dgm:cxn modelId="{6973C115-097B-5F42-8B93-91AB0F5F4BAC}" type="presParOf" srcId="{B51F86B6-19F4-8B49-A127-DA52B678E00C}" destId="{91CB70D2-3C6E-6D40-8F3E-69A7CDAD2C0F}" srcOrd="2" destOrd="0" presId="urn:microsoft.com/office/officeart/2005/8/layout/hierarchy5"/>
+    <dgm:cxn modelId="{BDDDFA48-00EF-654E-8617-F12C5F0067A0}" type="presParOf" srcId="{91CB70D2-3C6E-6D40-8F3E-69A7CDAD2C0F}" destId="{EFE42297-AE03-964F-A9D4-481EE6A096C2}" srcOrd="0" destOrd="0" presId="urn:microsoft.com/office/officeart/2005/8/layout/hierarchy5"/>
+    <dgm:cxn modelId="{A6432343-F6F8-8848-8D29-A5C1EA81CC87}" type="presParOf" srcId="{B51F86B6-19F4-8B49-A127-DA52B678E00C}" destId="{4F86B922-AA73-D14D-8ACA-C8D24C16A344}" srcOrd="3" destOrd="0" presId="urn:microsoft.com/office/officeart/2005/8/layout/hierarchy5"/>
+    <dgm:cxn modelId="{144E57CA-127A-4F4D-A6E8-BB2670E795B8}" type="presParOf" srcId="{4F86B922-AA73-D14D-8ACA-C8D24C16A344}" destId="{B413FD91-F6EF-0A4F-9F88-864C338FF8AD}" srcOrd="0" destOrd="0" presId="urn:microsoft.com/office/officeart/2005/8/layout/hierarchy5"/>
+    <dgm:cxn modelId="{C6D2CE6E-555F-3349-B394-DA6D5DB098DB}" type="presParOf" srcId="{4F86B922-AA73-D14D-8ACA-C8D24C16A344}" destId="{707EC17B-BEAE-644F-8053-4DF747D593CC}" srcOrd="1" destOrd="0" presId="urn:microsoft.com/office/officeart/2005/8/layout/hierarchy5"/>
+    <dgm:cxn modelId="{461B7A32-1546-D84A-95E7-91B53FA14F13}" type="presParOf" srcId="{707EC17B-BEAE-644F-8053-4DF747D593CC}" destId="{2A2F4FA0-26CD-E348-99D4-E6001C6B39D9}" srcOrd="0" destOrd="0" presId="urn:microsoft.com/office/officeart/2005/8/layout/hierarchy5"/>
+    <dgm:cxn modelId="{C1B7BC3C-3E0F-1F4A-97D0-9AE13DAB899C}" type="presParOf" srcId="{2A2F4FA0-26CD-E348-99D4-E6001C6B39D9}" destId="{6B6EE0C7-1F50-DC43-803F-62601B137876}" srcOrd="0" destOrd="0" presId="urn:microsoft.com/office/officeart/2005/8/layout/hierarchy5"/>
+    <dgm:cxn modelId="{9B3AAFE1-DADB-2E4D-AC70-02768C6E1DF3}" type="presParOf" srcId="{707EC17B-BEAE-644F-8053-4DF747D593CC}" destId="{F6BE2770-D014-3D45-92B7-EB0FCEC6DB0F}" srcOrd="1" destOrd="0" presId="urn:microsoft.com/office/officeart/2005/8/layout/hierarchy5"/>
+    <dgm:cxn modelId="{69C072FC-B198-0E41-ACA8-87A8B328704E}" type="presParOf" srcId="{F6BE2770-D014-3D45-92B7-EB0FCEC6DB0F}" destId="{01C26458-C01D-344C-A921-1F530B2B8E97}" srcOrd="0" destOrd="0" presId="urn:microsoft.com/office/officeart/2005/8/layout/hierarchy5"/>
+    <dgm:cxn modelId="{8037590B-2AE6-BA4C-8ABB-7596D53E3BB8}" type="presParOf" srcId="{F6BE2770-D014-3D45-92B7-EB0FCEC6DB0F}" destId="{725F9713-D7C2-3641-889D-947E8CE7D236}" srcOrd="1" destOrd="0" presId="urn:microsoft.com/office/officeart/2005/8/layout/hierarchy5"/>
+    <dgm:cxn modelId="{E7D442DF-30B4-DA4C-AF42-C507A5AD97A6}" type="presParOf" srcId="{B51F86B6-19F4-8B49-A127-DA52B678E00C}" destId="{2DDE800F-EF95-AD4C-883E-994B9CE2C0CB}" srcOrd="4" destOrd="0" presId="urn:microsoft.com/office/officeart/2005/8/layout/hierarchy5"/>
     <dgm:cxn modelId="{1678E05A-BF24-784C-A497-9C1A1D829275}" type="presParOf" srcId="{2DDE800F-EF95-AD4C-883E-994B9CE2C0CB}" destId="{697050F9-68C4-E746-B0E7-0FCA70F3215E}" srcOrd="0" destOrd="0" presId="urn:microsoft.com/office/officeart/2005/8/layout/hierarchy5"/>
-    <dgm:cxn modelId="{BC6DC853-B400-6246-A827-3936986D1856}" type="presParOf" srcId="{B51F86B6-19F4-8B49-A127-DA52B678E00C}" destId="{EA4AA20F-1BF9-B044-9565-967BA33AF140}" srcOrd="3" destOrd="0" presId="urn:microsoft.com/office/officeart/2005/8/layout/hierarchy5"/>
+    <dgm:cxn modelId="{BC6DC853-B400-6246-A827-3936986D1856}" type="presParOf" srcId="{B51F86B6-19F4-8B49-A127-DA52B678E00C}" destId="{EA4AA20F-1BF9-B044-9565-967BA33AF140}" srcOrd="5" destOrd="0" presId="urn:microsoft.com/office/officeart/2005/8/layout/hierarchy5"/>
     <dgm:cxn modelId="{4351BDF2-2AD7-C947-A1AE-F53D11F658CF}" type="presParOf" srcId="{EA4AA20F-1BF9-B044-9565-967BA33AF140}" destId="{90697CAE-E537-D140-96D0-85C5132B705B}" srcOrd="0" destOrd="0" presId="urn:microsoft.com/office/officeart/2005/8/layout/hierarchy5"/>
     <dgm:cxn modelId="{6245B69B-2883-2D4A-8D28-CBCC4C4D911C}" type="presParOf" srcId="{EA4AA20F-1BF9-B044-9565-967BA33AF140}" destId="{58B99FEC-39A1-BE46-9E99-4FBEBEB5385B}" srcOrd="1" destOrd="0" presId="urn:microsoft.com/office/officeart/2005/8/layout/hierarchy5"/>
     <dgm:cxn modelId="{B4F2657E-2C31-674C-83F6-D896E0B30752}" type="presParOf" srcId="{58B99FEC-39A1-BE46-9E99-4FBEBEB5385B}" destId="{4565D375-D648-0A44-BA8C-C3D1C2395B2A}" srcOrd="0" destOrd="0" presId="urn:microsoft.com/office/officeart/2005/8/layout/hierarchy5"/>
@@ -8071,8 +8216,8 @@
       </dsp:nvSpPr>
       <dsp:spPr>
         <a:xfrm>
-          <a:off x="6528353" y="0"/>
-          <a:ext cx="693029" cy="4969622"/>
+          <a:off x="6101276" y="0"/>
+          <a:ext cx="460078" cy="4969622"/>
         </a:xfrm>
         <a:prstGeom prst="roundRect">
           <a:avLst>
@@ -8106,12 +8251,12 @@
         <a:fontRef idx="minor"/>
       </dsp:style>
       <dsp:txBody>
-        <a:bodyPr spcFirstLastPara="0" vert="horz" wrap="square" lIns="71120" tIns="71120" rIns="71120" bIns="71120" numCol="1" spcCol="1270" anchor="ctr" anchorCtr="0">
+        <a:bodyPr spcFirstLastPara="0" vert="horz" wrap="square" lIns="49784" tIns="49784" rIns="49784" bIns="49784" numCol="1" spcCol="1270" anchor="ctr" anchorCtr="0">
           <a:noAutofit/>
         </a:bodyPr>
         <a:lstStyle/>
         <a:p>
-          <a:pPr marL="0" lvl="0" indent="0" algn="ctr" defTabSz="444500">
+          <a:pPr marL="0" lvl="0" indent="0" algn="ctr" defTabSz="311150">
             <a:lnSpc>
               <a:spcPct val="90000"/>
             </a:lnSpc>
@@ -8123,12 +8268,12 @@
             </a:spcAft>
             <a:buNone/>
           </a:pPr>
-          <a:endParaRPr lang="en-US" sz="1000" kern="1200" dirty="0"/>
+          <a:endParaRPr lang="en-US" sz="700" kern="1200" dirty="0"/>
         </a:p>
       </dsp:txBody>
       <dsp:txXfrm>
-        <a:off x="6528353" y="0"/>
-        <a:ext cx="693029" cy="1490886"/>
+        <a:off x="6101276" y="0"/>
+        <a:ext cx="460078" cy="1490886"/>
       </dsp:txXfrm>
     </dsp:sp>
     <dsp:sp modelId="{68DB273B-8525-F947-9221-80B10833C63E}">
@@ -8138,8 +8283,8 @@
       </dsp:nvSpPr>
       <dsp:spPr>
         <a:xfrm>
-          <a:off x="5719819" y="0"/>
-          <a:ext cx="693029" cy="4969622"/>
+          <a:off x="5564518" y="0"/>
+          <a:ext cx="460078" cy="4969622"/>
         </a:xfrm>
         <a:prstGeom prst="roundRect">
           <a:avLst>
@@ -8173,12 +8318,12 @@
         <a:fontRef idx="minor"/>
       </dsp:style>
       <dsp:txBody>
-        <a:bodyPr spcFirstLastPara="0" vert="horz" wrap="square" lIns="71120" tIns="71120" rIns="71120" bIns="71120" numCol="1" spcCol="1270" anchor="ctr" anchorCtr="0">
+        <a:bodyPr spcFirstLastPara="0" vert="horz" wrap="square" lIns="49784" tIns="49784" rIns="49784" bIns="49784" numCol="1" spcCol="1270" anchor="ctr" anchorCtr="0">
           <a:noAutofit/>
         </a:bodyPr>
         <a:lstStyle/>
         <a:p>
-          <a:pPr marL="0" lvl="0" indent="0" algn="ctr" defTabSz="444500">
+          <a:pPr marL="0" lvl="0" indent="0" algn="ctr" defTabSz="311150">
             <a:lnSpc>
               <a:spcPct val="90000"/>
             </a:lnSpc>
@@ -8190,12 +8335,12 @@
             </a:spcAft>
             <a:buNone/>
           </a:pPr>
-          <a:endParaRPr lang="en-US" sz="1000" kern="1200" dirty="0"/>
+          <a:endParaRPr lang="en-US" sz="700" kern="1200" dirty="0"/>
         </a:p>
       </dsp:txBody>
       <dsp:txXfrm>
-        <a:off x="5719819" y="0"/>
-        <a:ext cx="693029" cy="1490886"/>
+        <a:off x="5564518" y="0"/>
+        <a:ext cx="460078" cy="1490886"/>
       </dsp:txXfrm>
     </dsp:sp>
     <dsp:sp modelId="{2C3C7AEA-8324-B443-932F-CF053C731FA9}">
@@ -8205,8 +8350,8 @@
       </dsp:nvSpPr>
       <dsp:spPr>
         <a:xfrm>
-          <a:off x="4911285" y="0"/>
-          <a:ext cx="693029" cy="4969622"/>
+          <a:off x="5027760" y="0"/>
+          <a:ext cx="460078" cy="4969622"/>
         </a:xfrm>
         <a:prstGeom prst="roundRect">
           <a:avLst>
@@ -8240,12 +8385,12 @@
         <a:fontRef idx="minor"/>
       </dsp:style>
       <dsp:txBody>
-        <a:bodyPr spcFirstLastPara="0" vert="horz" wrap="square" lIns="71120" tIns="71120" rIns="71120" bIns="71120" numCol="1" spcCol="1270" anchor="ctr" anchorCtr="0">
+        <a:bodyPr spcFirstLastPara="0" vert="horz" wrap="square" lIns="49784" tIns="49784" rIns="49784" bIns="49784" numCol="1" spcCol="1270" anchor="ctr" anchorCtr="0">
           <a:noAutofit/>
         </a:bodyPr>
         <a:lstStyle/>
         <a:p>
-          <a:pPr marL="0" lvl="0" indent="0" algn="ctr" defTabSz="444500">
+          <a:pPr marL="0" lvl="0" indent="0" algn="ctr" defTabSz="311150">
             <a:lnSpc>
               <a:spcPct val="90000"/>
             </a:lnSpc>
@@ -8258,14 +8403,14 @@
             <a:buNone/>
           </a:pPr>
           <a:r>
-            <a:rPr lang="en-US" sz="1000" kern="1200" dirty="0"/>
+            <a:rPr lang="en-US" sz="700" kern="1200" dirty="0"/>
             <a:t>Measurements</a:t>
           </a:r>
         </a:p>
       </dsp:txBody>
       <dsp:txXfrm>
-        <a:off x="4911285" y="0"/>
-        <a:ext cx="693029" cy="1490886"/>
+        <a:off x="5027760" y="0"/>
+        <a:ext cx="460078" cy="1490886"/>
       </dsp:txXfrm>
     </dsp:sp>
     <dsp:sp modelId="{15396FF3-1366-4E44-9EBB-49D59F6D2179}">
@@ -8275,8 +8420,8 @@
       </dsp:nvSpPr>
       <dsp:spPr>
         <a:xfrm>
-          <a:off x="4102751" y="0"/>
-          <a:ext cx="693029" cy="4969622"/>
+          <a:off x="4491002" y="0"/>
+          <a:ext cx="460078" cy="4969622"/>
         </a:xfrm>
         <a:prstGeom prst="roundRect">
           <a:avLst>
@@ -8310,12 +8455,12 @@
         <a:fontRef idx="minor"/>
       </dsp:style>
       <dsp:txBody>
-        <a:bodyPr spcFirstLastPara="0" vert="horz" wrap="square" lIns="71120" tIns="71120" rIns="71120" bIns="71120" numCol="1" spcCol="1270" anchor="ctr" anchorCtr="0">
+        <a:bodyPr spcFirstLastPara="0" vert="horz" wrap="square" lIns="49784" tIns="49784" rIns="49784" bIns="49784" numCol="1" spcCol="1270" anchor="ctr" anchorCtr="0">
           <a:noAutofit/>
         </a:bodyPr>
         <a:lstStyle/>
         <a:p>
-          <a:pPr marL="0" lvl="0" indent="0" algn="ctr" defTabSz="444500">
+          <a:pPr marL="0" lvl="0" indent="0" algn="ctr" defTabSz="311150">
             <a:lnSpc>
               <a:spcPct val="90000"/>
             </a:lnSpc>
@@ -8328,14 +8473,14 @@
             <a:buNone/>
           </a:pPr>
           <a:r>
-            <a:rPr lang="en-US" sz="1000" kern="1200" dirty="0"/>
+            <a:rPr lang="en-US" sz="700" kern="1200" dirty="0"/>
             <a:t>Criteria/Features</a:t>
           </a:r>
         </a:p>
       </dsp:txBody>
       <dsp:txXfrm>
-        <a:off x="4102751" y="0"/>
-        <a:ext cx="693029" cy="1490886"/>
+        <a:off x="4491002" y="0"/>
+        <a:ext cx="460078" cy="1490886"/>
       </dsp:txXfrm>
     </dsp:sp>
     <dsp:sp modelId="{88EB5639-BD22-3146-8A5B-E0CD957FE0AE}">
@@ -8345,8 +8490,8 @@
       </dsp:nvSpPr>
       <dsp:spPr>
         <a:xfrm>
-          <a:off x="3294216" y="0"/>
-          <a:ext cx="693029" cy="4969622"/>
+          <a:off x="3954244" y="0"/>
+          <a:ext cx="460078" cy="4969622"/>
         </a:xfrm>
         <a:prstGeom prst="roundRect">
           <a:avLst>
@@ -8380,12 +8525,12 @@
         <a:fontRef idx="minor"/>
       </dsp:style>
       <dsp:txBody>
-        <a:bodyPr spcFirstLastPara="0" vert="horz" wrap="square" lIns="71120" tIns="71120" rIns="71120" bIns="71120" numCol="1" spcCol="1270" anchor="ctr" anchorCtr="0">
+        <a:bodyPr spcFirstLastPara="0" vert="horz" wrap="square" lIns="49784" tIns="49784" rIns="49784" bIns="49784" numCol="1" spcCol="1270" anchor="ctr" anchorCtr="0">
           <a:noAutofit/>
         </a:bodyPr>
         <a:lstStyle/>
         <a:p>
-          <a:pPr marL="0" lvl="0" indent="0" algn="ctr" defTabSz="444500">
+          <a:pPr marL="0" lvl="0" indent="0" algn="ctr" defTabSz="311150">
             <a:lnSpc>
               <a:spcPct val="90000"/>
             </a:lnSpc>
@@ -8397,12 +8542,12 @@
             </a:spcAft>
             <a:buNone/>
           </a:pPr>
-          <a:endParaRPr lang="en-US" sz="1000" kern="1200" dirty="0"/>
+          <a:endParaRPr lang="en-US" sz="700" kern="1200" dirty="0"/>
         </a:p>
       </dsp:txBody>
       <dsp:txXfrm>
-        <a:off x="3294216" y="0"/>
-        <a:ext cx="693029" cy="1490886"/>
+        <a:off x="3954244" y="0"/>
+        <a:ext cx="460078" cy="1490886"/>
       </dsp:txXfrm>
     </dsp:sp>
     <dsp:sp modelId="{0484C8C3-0C21-5D4A-AE2F-EC0A411A776D}">
@@ -8412,8 +8557,8 @@
       </dsp:nvSpPr>
       <dsp:spPr>
         <a:xfrm>
-          <a:off x="3351969" y="2322327"/>
-          <a:ext cx="577524" cy="288762"/>
+          <a:off x="3992584" y="2594103"/>
+          <a:ext cx="383398" cy="191699"/>
         </a:xfrm>
         <a:prstGeom prst="roundRect">
           <a:avLst>
@@ -8457,12 +8602,12 @@
         </a:fontRef>
       </dsp:style>
       <dsp:txBody>
-        <a:bodyPr spcFirstLastPara="0" vert="horz" wrap="square" lIns="4445" tIns="4445" rIns="4445" bIns="4445" numCol="1" spcCol="1270" anchor="ctr" anchorCtr="0">
+        <a:bodyPr spcFirstLastPara="0" vert="horz" wrap="square" lIns="2540" tIns="2540" rIns="2540" bIns="2540" numCol="1" spcCol="1270" anchor="ctr" anchorCtr="0">
           <a:noAutofit/>
         </a:bodyPr>
         <a:lstStyle/>
         <a:p>
-          <a:pPr marL="0" lvl="0" indent="0" algn="ctr" defTabSz="311150">
+          <a:pPr marL="0" lvl="0" indent="0" algn="ctr" defTabSz="177800">
             <a:lnSpc>
               <a:spcPct val="90000"/>
             </a:lnSpc>
@@ -8475,14 +8620,14 @@
             <a:buNone/>
           </a:pPr>
           <a:r>
-            <a:rPr lang="en-US" sz="700" kern="1200" dirty="0"/>
+            <a:rPr lang="en-US" sz="400" kern="1200" dirty="0"/>
             <a:t>Predictive model</a:t>
           </a:r>
         </a:p>
       </dsp:txBody>
       <dsp:txXfrm>
-        <a:off x="3360427" y="2330785"/>
-        <a:ext cx="560608" cy="271846"/>
+        <a:off x="3998199" y="2599718"/>
+        <a:ext cx="372168" cy="180469"/>
       </dsp:txXfrm>
     </dsp:sp>
     <dsp:sp modelId="{9D74DB3E-8EFB-9F4B-A558-CBD68C7ED669}">
@@ -8491,9 +8636,9 @@
         <dsp:cNvSpPr/>
       </dsp:nvSpPr>
       <dsp:spPr>
-        <a:xfrm rot="17132988">
-          <a:off x="3614132" y="2046383"/>
-          <a:ext cx="861732" cy="10458"/>
+        <a:xfrm rot="16675244">
+          <a:off x="3896218" y="2135346"/>
+          <a:ext cx="1112888" cy="6943"/>
         </a:xfrm>
         <a:custGeom>
           <a:avLst/>
@@ -8504,10 +8649,10 @@
           <a:pathLst>
             <a:path>
               <a:moveTo>
-                <a:pt x="0" y="5229"/>
+                <a:pt x="0" y="3471"/>
               </a:moveTo>
               <a:lnTo>
-                <a:pt x="861732" y="5229"/>
+                <a:pt x="1112888" y="3471"/>
               </a:lnTo>
             </a:path>
           </a:pathLst>
@@ -8546,7 +8691,7 @@
         </a:bodyPr>
         <a:lstStyle/>
         <a:p>
-          <a:pPr marL="0" lvl="0" indent="0" algn="ctr" defTabSz="266700">
+          <a:pPr marL="0" lvl="0" indent="0" algn="ctr" defTabSz="133350">
             <a:lnSpc>
               <a:spcPct val="90000"/>
             </a:lnSpc>
@@ -8558,12 +8703,12 @@
             </a:spcAft>
             <a:buNone/>
           </a:pPr>
-          <a:endParaRPr lang="en-US" sz="600" kern="1200"/>
+          <a:endParaRPr lang="en-US" sz="300" kern="1200"/>
         </a:p>
       </dsp:txBody>
       <dsp:txXfrm>
-        <a:off x="4023455" y="2030069"/>
-        <a:ext cx="43086" cy="43086"/>
+        <a:off x="4424840" y="2110995"/>
+        <a:ext cx="55644" cy="55644"/>
       </dsp:txXfrm>
     </dsp:sp>
     <dsp:sp modelId="{74CDB941-452D-404D-8BFE-60B5774A0863}">
@@ -8573,8 +8718,8 @@
       </dsp:nvSpPr>
       <dsp:spPr>
         <a:xfrm>
-          <a:off x="4160503" y="1492136"/>
-          <a:ext cx="577524" cy="288762"/>
+          <a:off x="4529342" y="1491832"/>
+          <a:ext cx="383398" cy="191699"/>
         </a:xfrm>
         <a:prstGeom prst="roundRect">
           <a:avLst>
@@ -8618,12 +8763,12 @@
         </a:fontRef>
       </dsp:style>
       <dsp:txBody>
-        <a:bodyPr spcFirstLastPara="0" vert="horz" wrap="square" lIns="4445" tIns="4445" rIns="4445" bIns="4445" numCol="1" spcCol="1270" anchor="ctr" anchorCtr="0">
+        <a:bodyPr spcFirstLastPara="0" vert="horz" wrap="square" lIns="2540" tIns="2540" rIns="2540" bIns="2540" numCol="1" spcCol="1270" anchor="ctr" anchorCtr="0">
           <a:noAutofit/>
         </a:bodyPr>
         <a:lstStyle/>
         <a:p>
-          <a:pPr marL="0" lvl="0" indent="0" algn="ctr" defTabSz="311150">
+          <a:pPr marL="0" lvl="0" indent="0" algn="ctr" defTabSz="177800">
             <a:lnSpc>
               <a:spcPct val="90000"/>
             </a:lnSpc>
@@ -8636,14 +8781,14 @@
             <a:buNone/>
           </a:pPr>
           <a:r>
-            <a:rPr lang="en-US" sz="700" kern="1200" dirty="0"/>
+            <a:rPr lang="en-US" sz="400" kern="1200" dirty="0"/>
             <a:t>Psychiatric diagnosis indicators </a:t>
           </a:r>
         </a:p>
       </dsp:txBody>
       <dsp:txXfrm>
-        <a:off x="4168961" y="1500594"/>
-        <a:ext cx="560608" cy="271846"/>
+        <a:off x="4534957" y="1497447"/>
+        <a:ext cx="372168" cy="180469"/>
       </dsp:txXfrm>
     </dsp:sp>
     <dsp:sp modelId="{E1996047-17D7-EE4A-8459-8B19AEF798DC}">
@@ -8653,8 +8798,8 @@
       </dsp:nvSpPr>
       <dsp:spPr>
         <a:xfrm>
-          <a:off x="4738028" y="1631287"/>
-          <a:ext cx="231009" cy="10458"/>
+          <a:off x="4912741" y="1584210"/>
+          <a:ext cx="153359" cy="6943"/>
         </a:xfrm>
         <a:custGeom>
           <a:avLst/>
@@ -8665,10 +8810,10 @@
           <a:pathLst>
             <a:path>
               <a:moveTo>
-                <a:pt x="0" y="5229"/>
+                <a:pt x="0" y="3471"/>
               </a:moveTo>
               <a:lnTo>
-                <a:pt x="231009" y="5229"/>
+                <a:pt x="153359" y="3471"/>
               </a:lnTo>
             </a:path>
           </a:pathLst>
@@ -8707,7 +8852,7 @@
         </a:bodyPr>
         <a:lstStyle/>
         <a:p>
-          <a:pPr marL="0" lvl="0" indent="0" algn="ctr" defTabSz="266700">
+          <a:pPr marL="0" lvl="0" indent="0" algn="ctr" defTabSz="133350">
             <a:lnSpc>
               <a:spcPct val="90000"/>
             </a:lnSpc>
@@ -8719,12 +8864,12 @@
             </a:spcAft>
             <a:buNone/>
           </a:pPr>
-          <a:endParaRPr lang="en-US" sz="600" kern="1200"/>
+          <a:endParaRPr lang="en-US" sz="300" kern="1200"/>
         </a:p>
       </dsp:txBody>
       <dsp:txXfrm>
-        <a:off x="4847757" y="1630742"/>
-        <a:ext cx="11550" cy="11550"/>
+        <a:off x="4985587" y="1583848"/>
+        <a:ext cx="7667" cy="7667"/>
       </dsp:txXfrm>
     </dsp:sp>
     <dsp:sp modelId="{2F111949-43A3-9E40-BFA3-0A155D91DD25}">
@@ -8734,8 +8879,8 @@
       </dsp:nvSpPr>
       <dsp:spPr>
         <a:xfrm>
-          <a:off x="4969037" y="1492136"/>
-          <a:ext cx="577524" cy="288762"/>
+          <a:off x="5066100" y="1491832"/>
+          <a:ext cx="383398" cy="191699"/>
         </a:xfrm>
         <a:prstGeom prst="roundRect">
           <a:avLst>
@@ -8774,12 +8919,12 @@
         </a:fontRef>
       </dsp:style>
       <dsp:txBody>
-        <a:bodyPr spcFirstLastPara="0" vert="horz" wrap="square" lIns="4445" tIns="4445" rIns="4445" bIns="4445" numCol="1" spcCol="1270" anchor="ctr" anchorCtr="0">
+        <a:bodyPr spcFirstLastPara="0" vert="horz" wrap="square" lIns="2540" tIns="2540" rIns="2540" bIns="2540" numCol="1" spcCol="1270" anchor="ctr" anchorCtr="0">
           <a:noAutofit/>
         </a:bodyPr>
         <a:lstStyle/>
         <a:p>
-          <a:pPr marL="0" lvl="0" indent="0" algn="ctr" defTabSz="311150">
+          <a:pPr marL="0" lvl="0" indent="0" algn="ctr" defTabSz="177800">
             <a:lnSpc>
               <a:spcPct val="90000"/>
             </a:lnSpc>
@@ -8792,14 +8937,14 @@
             <a:buNone/>
           </a:pPr>
           <a:r>
-            <a:rPr lang="en-US" sz="700" kern="1200" dirty="0"/>
+            <a:rPr lang="en-US" sz="400" kern="1200" dirty="0"/>
             <a:t>Pos/neg</a:t>
           </a:r>
         </a:p>
       </dsp:txBody>
       <dsp:txXfrm>
-        <a:off x="4977495" y="1500594"/>
-        <a:ext cx="560608" cy="271846"/>
+        <a:off x="5071715" y="1497447"/>
+        <a:ext cx="372168" cy="180469"/>
       </dsp:txXfrm>
     </dsp:sp>
     <dsp:sp modelId="{3A90C297-87FA-B448-9F69-F3EF2C5402E9}">
@@ -8808,9 +8953,9 @@
         <dsp:cNvSpPr/>
       </dsp:nvSpPr>
       <dsp:spPr>
-        <a:xfrm rot="17692822">
-          <a:off x="3770460" y="2212421"/>
-          <a:ext cx="549075" cy="10458"/>
+        <a:xfrm rot="16791948">
+          <a:off x="4005136" y="2245573"/>
+          <a:ext cx="895052" cy="6943"/>
         </a:xfrm>
         <a:custGeom>
           <a:avLst/>
@@ -8821,10 +8966,10 @@
           <a:pathLst>
             <a:path>
               <a:moveTo>
-                <a:pt x="0" y="5229"/>
+                <a:pt x="0" y="3471"/>
               </a:moveTo>
               <a:lnTo>
-                <a:pt x="549075" y="5229"/>
+                <a:pt x="895052" y="3471"/>
               </a:lnTo>
             </a:path>
           </a:pathLst>
@@ -8863,7 +9008,7 @@
         </a:bodyPr>
         <a:lstStyle/>
         <a:p>
-          <a:pPr marL="0" lvl="0" indent="0" algn="ctr" defTabSz="266700">
+          <a:pPr marL="0" lvl="0" indent="0" algn="ctr" defTabSz="133350">
             <a:lnSpc>
               <a:spcPct val="90000"/>
             </a:lnSpc>
@@ -8875,12 +9020,12 @@
             </a:spcAft>
             <a:buNone/>
           </a:pPr>
-          <a:endParaRPr lang="en-US" sz="600" kern="1200"/>
+          <a:endParaRPr lang="en-US" sz="300" kern="1200"/>
         </a:p>
       </dsp:txBody>
       <dsp:txXfrm>
-        <a:off x="4031271" y="2203924"/>
-        <a:ext cx="27453" cy="27453"/>
+        <a:off x="4430286" y="2226668"/>
+        <a:ext cx="44752" cy="44752"/>
       </dsp:txXfrm>
     </dsp:sp>
     <dsp:sp modelId="{295A7769-E66C-CD45-8692-2D70E4F5CB89}">
@@ -8890,8 +9035,8 @@
       </dsp:nvSpPr>
       <dsp:spPr>
         <a:xfrm>
-          <a:off x="4160503" y="1824212"/>
-          <a:ext cx="577524" cy="288762"/>
+          <a:off x="4529342" y="1712287"/>
+          <a:ext cx="383398" cy="191699"/>
         </a:xfrm>
         <a:prstGeom prst="roundRect">
           <a:avLst>
@@ -8935,12 +9080,12 @@
         </a:fontRef>
       </dsp:style>
       <dsp:txBody>
-        <a:bodyPr spcFirstLastPara="0" vert="horz" wrap="square" lIns="4445" tIns="4445" rIns="4445" bIns="4445" numCol="1" spcCol="1270" anchor="ctr" anchorCtr="0">
+        <a:bodyPr spcFirstLastPara="0" vert="horz" wrap="square" lIns="2540" tIns="2540" rIns="2540" bIns="2540" numCol="1" spcCol="1270" anchor="ctr" anchorCtr="0">
           <a:noAutofit/>
         </a:bodyPr>
         <a:lstStyle/>
         <a:p>
-          <a:pPr marL="0" lvl="0" indent="0" algn="ctr" defTabSz="311150">
+          <a:pPr marL="0" lvl="0" indent="0" algn="ctr" defTabSz="177800">
             <a:lnSpc>
               <a:spcPct val="90000"/>
             </a:lnSpc>
@@ -8953,14 +9098,14 @@
             <a:buNone/>
           </a:pPr>
           <a:r>
-            <a:rPr lang="en-US" sz="700" kern="1200" dirty="0"/>
+            <a:rPr lang="en-US" sz="400" kern="1200" dirty="0"/>
             <a:t>Psychotropic medication status</a:t>
           </a:r>
         </a:p>
       </dsp:txBody>
       <dsp:txXfrm>
-        <a:off x="4168961" y="1832670"/>
-        <a:ext cx="560608" cy="271846"/>
+        <a:off x="4534957" y="1717902"/>
+        <a:ext cx="372168" cy="180469"/>
       </dsp:txXfrm>
     </dsp:sp>
     <dsp:sp modelId="{9777E087-A76F-7940-828B-13C22CABF25C}">
@@ -8970,8 +9115,8 @@
       </dsp:nvSpPr>
       <dsp:spPr>
         <a:xfrm>
-          <a:off x="4738028" y="1963364"/>
-          <a:ext cx="231009" cy="10458"/>
+          <a:off x="4912741" y="1804665"/>
+          <a:ext cx="153359" cy="6943"/>
         </a:xfrm>
         <a:custGeom>
           <a:avLst/>
@@ -8982,10 +9127,10 @@
           <a:pathLst>
             <a:path>
               <a:moveTo>
-                <a:pt x="0" y="5229"/>
+                <a:pt x="0" y="3471"/>
               </a:moveTo>
               <a:lnTo>
-                <a:pt x="231009" y="5229"/>
+                <a:pt x="153359" y="3471"/>
               </a:lnTo>
             </a:path>
           </a:pathLst>
@@ -9024,7 +9169,7 @@
         </a:bodyPr>
         <a:lstStyle/>
         <a:p>
-          <a:pPr marL="0" lvl="0" indent="0" algn="ctr" defTabSz="266700">
+          <a:pPr marL="0" lvl="0" indent="0" algn="ctr" defTabSz="133350">
             <a:lnSpc>
               <a:spcPct val="90000"/>
             </a:lnSpc>
@@ -9036,12 +9181,12 @@
             </a:spcAft>
             <a:buNone/>
           </a:pPr>
-          <a:endParaRPr lang="en-US" sz="600" kern="1200"/>
+          <a:endParaRPr lang="en-US" sz="300" kern="1200"/>
         </a:p>
       </dsp:txBody>
       <dsp:txXfrm>
-        <a:off x="4847757" y="1962818"/>
-        <a:ext cx="11550" cy="11550"/>
+        <a:off x="4985587" y="1804302"/>
+        <a:ext cx="7667" cy="7667"/>
       </dsp:txXfrm>
     </dsp:sp>
     <dsp:sp modelId="{2473D230-D8E2-6A4A-8F6A-95A8DAAFF573}">
@@ -9051,8 +9196,8 @@
       </dsp:nvSpPr>
       <dsp:spPr>
         <a:xfrm>
-          <a:off x="4969037" y="1824212"/>
-          <a:ext cx="577524" cy="288762"/>
+          <a:off x="5066100" y="1712287"/>
+          <a:ext cx="383398" cy="191699"/>
         </a:xfrm>
         <a:prstGeom prst="roundRect">
           <a:avLst>
@@ -9091,12 +9236,12 @@
         </a:fontRef>
       </dsp:style>
       <dsp:txBody>
-        <a:bodyPr spcFirstLastPara="0" vert="horz" wrap="square" lIns="4445" tIns="4445" rIns="4445" bIns="4445" numCol="1" spcCol="1270" anchor="ctr" anchorCtr="0">
+        <a:bodyPr spcFirstLastPara="0" vert="horz" wrap="square" lIns="2540" tIns="2540" rIns="2540" bIns="2540" numCol="1" spcCol="1270" anchor="ctr" anchorCtr="0">
           <a:noAutofit/>
         </a:bodyPr>
         <a:lstStyle/>
         <a:p>
-          <a:pPr marL="0" lvl="0" indent="0" algn="ctr" defTabSz="311150">
+          <a:pPr marL="0" lvl="0" indent="0" algn="ctr" defTabSz="177800">
             <a:lnSpc>
               <a:spcPct val="90000"/>
             </a:lnSpc>
@@ -9109,14 +9254,14 @@
             <a:buNone/>
           </a:pPr>
           <a:r>
-            <a:rPr lang="en-US" sz="700" kern="1200" dirty="0"/>
+            <a:rPr lang="en-US" sz="400" kern="1200" dirty="0"/>
             <a:t>Class/type</a:t>
           </a:r>
         </a:p>
       </dsp:txBody>
       <dsp:txXfrm>
-        <a:off x="4977495" y="1832670"/>
-        <a:ext cx="560608" cy="271846"/>
+        <a:off x="5071715" y="1717902"/>
+        <a:ext cx="372168" cy="180469"/>
       </dsp:txXfrm>
     </dsp:sp>
     <dsp:sp modelId="{A67B8161-91FD-AC4A-AB2B-BB962B411A9D}">
@@ -9125,9 +9270,9 @@
         <dsp:cNvSpPr/>
       </dsp:nvSpPr>
       <dsp:spPr>
-        <a:xfrm rot="19518134">
-          <a:off x="3904510" y="2381506"/>
-          <a:ext cx="280976" cy="10458"/>
+        <a:xfrm rot="16987968">
+          <a:off x="4115177" y="2357822"/>
+          <a:ext cx="674970" cy="6943"/>
         </a:xfrm>
         <a:custGeom>
           <a:avLst/>
@@ -9138,10 +9283,10 @@
           <a:pathLst>
             <a:path>
               <a:moveTo>
-                <a:pt x="0" y="5229"/>
+                <a:pt x="0" y="3471"/>
               </a:moveTo>
               <a:lnTo>
-                <a:pt x="280976" y="5229"/>
+                <a:pt x="674970" y="3471"/>
               </a:lnTo>
             </a:path>
           </a:pathLst>
@@ -9180,7 +9325,7 @@
         </a:bodyPr>
         <a:lstStyle/>
         <a:p>
-          <a:pPr marL="0" lvl="0" indent="0" algn="ctr" defTabSz="266700">
+          <a:pPr marL="0" lvl="0" indent="0" algn="ctr" defTabSz="133350">
             <a:lnSpc>
               <a:spcPct val="90000"/>
             </a:lnSpc>
@@ -9192,12 +9337,12 @@
             </a:spcAft>
             <a:buNone/>
           </a:pPr>
-          <a:endParaRPr lang="en-US" sz="600" kern="1200"/>
+          <a:endParaRPr lang="en-US" sz="300" kern="1200"/>
         </a:p>
       </dsp:txBody>
       <dsp:txXfrm>
-        <a:off x="4037974" y="2379711"/>
-        <a:ext cx="14048" cy="14048"/>
+        <a:off x="4435788" y="2344420"/>
+        <a:ext cx="33748" cy="33748"/>
       </dsp:txXfrm>
     </dsp:sp>
     <dsp:sp modelId="{F6E77C4B-DE7B-CA4A-9DF1-AEA2DF9EFC43}">
@@ -9207,8 +9352,8 @@
       </dsp:nvSpPr>
       <dsp:spPr>
         <a:xfrm>
-          <a:off x="4160503" y="2162382"/>
-          <a:ext cx="577524" cy="288762"/>
+          <a:off x="4529342" y="1936786"/>
+          <a:ext cx="383398" cy="191699"/>
         </a:xfrm>
         <a:prstGeom prst="roundRect">
           <a:avLst>
@@ -9252,12 +9397,12 @@
         </a:fontRef>
       </dsp:style>
       <dsp:txBody>
-        <a:bodyPr spcFirstLastPara="0" vert="horz" wrap="square" lIns="4445" tIns="4445" rIns="4445" bIns="4445" numCol="1" spcCol="1270" anchor="ctr" anchorCtr="0">
+        <a:bodyPr spcFirstLastPara="0" vert="horz" wrap="square" lIns="2540" tIns="2540" rIns="2540" bIns="2540" numCol="1" spcCol="1270" anchor="ctr" anchorCtr="0">
           <a:noAutofit/>
         </a:bodyPr>
         <a:lstStyle/>
         <a:p>
-          <a:pPr marL="0" lvl="0" indent="0" algn="ctr" defTabSz="311150">
+          <a:pPr marL="0" lvl="0" indent="0" algn="ctr" defTabSz="177800">
             <a:lnSpc>
               <a:spcPct val="90000"/>
             </a:lnSpc>
@@ -9270,14 +9415,14 @@
             <a:buNone/>
           </a:pPr>
           <a:r>
-            <a:rPr lang="en-US" sz="700" kern="1200" dirty="0"/>
+            <a:rPr lang="en-US" sz="400" kern="1200" dirty="0"/>
             <a:t>Demographic</a:t>
           </a:r>
         </a:p>
       </dsp:txBody>
       <dsp:txXfrm>
-        <a:off x="4168961" y="2170840"/>
-        <a:ext cx="560608" cy="271846"/>
+        <a:off x="4534957" y="1942401"/>
+        <a:ext cx="372168" cy="180469"/>
       </dsp:txXfrm>
     </dsp:sp>
     <dsp:sp modelId="{BABBCACB-4ABE-D547-9366-6E4405A3A502}">
@@ -9287,8 +9432,8 @@
       </dsp:nvSpPr>
       <dsp:spPr>
         <a:xfrm rot="21509350">
-          <a:off x="4737987" y="2298487"/>
-          <a:ext cx="231090" cy="10458"/>
+          <a:off x="4912714" y="2027141"/>
+          <a:ext cx="153412" cy="6943"/>
         </a:xfrm>
         <a:custGeom>
           <a:avLst/>
@@ -9299,10 +9444,10 @@
           <a:pathLst>
             <a:path>
               <a:moveTo>
-                <a:pt x="0" y="5229"/>
+                <a:pt x="0" y="3471"/>
               </a:moveTo>
               <a:lnTo>
-                <a:pt x="231090" y="5229"/>
+                <a:pt x="153412" y="3471"/>
               </a:lnTo>
             </a:path>
           </a:pathLst>
@@ -9341,7 +9486,7 @@
         </a:bodyPr>
         <a:lstStyle/>
         <a:p>
-          <a:pPr marL="0" lvl="0" indent="0" algn="ctr" defTabSz="222250">
+          <a:pPr marL="0" lvl="0" indent="0" algn="ctr" defTabSz="88900">
             <a:lnSpc>
               <a:spcPct val="90000"/>
             </a:lnSpc>
@@ -9353,12 +9498,12 @@
             </a:spcAft>
             <a:buNone/>
           </a:pPr>
-          <a:endParaRPr lang="en-US" sz="500" kern="1200"/>
+          <a:endParaRPr lang="en-US" sz="200" kern="1200"/>
         </a:p>
       </dsp:txBody>
       <dsp:txXfrm>
-        <a:off x="4847755" y="2297939"/>
-        <a:ext cx="11554" cy="11554"/>
+        <a:off x="4985585" y="2026778"/>
+        <a:ext cx="7670" cy="7670"/>
       </dsp:txXfrm>
     </dsp:sp>
     <dsp:sp modelId="{DE114D04-3798-1F4A-A1BB-B4FD47ECE5AF}">
@@ -9368,8 +9513,8 @@
       </dsp:nvSpPr>
       <dsp:spPr>
         <a:xfrm>
-          <a:off x="4969037" y="2156289"/>
-          <a:ext cx="577524" cy="288762"/>
+          <a:off x="5066100" y="1932741"/>
+          <a:ext cx="383398" cy="191699"/>
         </a:xfrm>
         <a:prstGeom prst="roundRect">
           <a:avLst>
@@ -9408,12 +9553,12 @@
         </a:fontRef>
       </dsp:style>
       <dsp:txBody>
-        <a:bodyPr spcFirstLastPara="0" vert="horz" wrap="square" lIns="4445" tIns="4445" rIns="4445" bIns="4445" numCol="1" spcCol="1270" anchor="ctr" anchorCtr="0">
+        <a:bodyPr spcFirstLastPara="0" vert="horz" wrap="square" lIns="2540" tIns="2540" rIns="2540" bIns="2540" numCol="1" spcCol="1270" anchor="ctr" anchorCtr="0">
           <a:noAutofit/>
         </a:bodyPr>
         <a:lstStyle/>
         <a:p>
-          <a:pPr marL="0" lvl="0" indent="0" algn="ctr" defTabSz="311150">
+          <a:pPr marL="0" lvl="0" indent="0" algn="ctr" defTabSz="177800">
             <a:lnSpc>
               <a:spcPct val="90000"/>
             </a:lnSpc>
@@ -9426,14 +9571,14 @@
             <a:buNone/>
           </a:pPr>
           <a:r>
-            <a:rPr lang="en-US" sz="700" kern="1200" dirty="0"/>
+            <a:rPr lang="en-US" sz="400" kern="1200" dirty="0"/>
             <a:t>Dem</a:t>
           </a:r>
         </a:p>
       </dsp:txBody>
       <dsp:txXfrm>
-        <a:off x="4977495" y="2164747"/>
-        <a:ext cx="560608" cy="271846"/>
+        <a:off x="5071715" y="1938356"/>
+        <a:ext cx="372168" cy="180469"/>
       </dsp:txXfrm>
     </dsp:sp>
     <dsp:sp modelId="{301E805B-A40B-3249-B6A2-E13D13AD19AA}">
@@ -9443,8 +9588,8 @@
       </dsp:nvSpPr>
       <dsp:spPr>
         <a:xfrm rot="3310531">
-          <a:off x="3842736" y="2627517"/>
-          <a:ext cx="404524" cy="10458"/>
+          <a:off x="4318387" y="2796708"/>
+          <a:ext cx="268550" cy="6943"/>
         </a:xfrm>
         <a:custGeom>
           <a:avLst/>
@@ -9455,10 +9600,10 @@
           <a:pathLst>
             <a:path>
               <a:moveTo>
-                <a:pt x="0" y="5229"/>
+                <a:pt x="0" y="3471"/>
               </a:moveTo>
               <a:lnTo>
-                <a:pt x="404524" y="5229"/>
+                <a:pt x="268550" y="3471"/>
               </a:lnTo>
             </a:path>
           </a:pathLst>
@@ -9497,7 +9642,7 @@
         </a:bodyPr>
         <a:lstStyle/>
         <a:p>
-          <a:pPr marL="0" lvl="0" indent="0" algn="ctr" defTabSz="266700">
+          <a:pPr marL="0" lvl="0" indent="0" algn="ctr" defTabSz="133350">
             <a:lnSpc>
               <a:spcPct val="90000"/>
             </a:lnSpc>
@@ -9509,12 +9654,12 @@
             </a:spcAft>
             <a:buNone/>
           </a:pPr>
-          <a:endParaRPr lang="en-US" sz="600" kern="1200"/>
+          <a:endParaRPr lang="en-US" sz="300" kern="1200"/>
         </a:p>
       </dsp:txBody>
       <dsp:txXfrm>
-        <a:off x="4034885" y="2622633"/>
-        <a:ext cx="20226" cy="20226"/>
+        <a:off x="4445949" y="2793466"/>
+        <a:ext cx="13427" cy="13427"/>
       </dsp:txXfrm>
     </dsp:sp>
     <dsp:sp modelId="{5E257C7E-E206-414F-9ED7-E7FE902B6D4A}">
@@ -9524,8 +9669,8 @@
       </dsp:nvSpPr>
       <dsp:spPr>
         <a:xfrm>
-          <a:off x="4160503" y="2654404"/>
-          <a:ext cx="577524" cy="288762"/>
+          <a:off x="4529342" y="2814558"/>
+          <a:ext cx="383398" cy="191699"/>
         </a:xfrm>
         <a:prstGeom prst="roundRect">
           <a:avLst>
@@ -9569,12 +9714,12 @@
         </a:fontRef>
       </dsp:style>
       <dsp:txBody>
-        <a:bodyPr spcFirstLastPara="0" vert="horz" wrap="square" lIns="4445" tIns="4445" rIns="4445" bIns="4445" numCol="1" spcCol="1270" anchor="ctr" anchorCtr="0">
+        <a:bodyPr spcFirstLastPara="0" vert="horz" wrap="square" lIns="2540" tIns="2540" rIns="2540" bIns="2540" numCol="1" spcCol="1270" anchor="ctr" anchorCtr="0">
           <a:noAutofit/>
         </a:bodyPr>
         <a:lstStyle/>
         <a:p>
-          <a:pPr marL="0" lvl="0" indent="0" algn="ctr" defTabSz="311150">
+          <a:pPr marL="0" lvl="0" indent="0" algn="ctr" defTabSz="177800">
             <a:lnSpc>
               <a:spcPct val="90000"/>
             </a:lnSpc>
@@ -9587,14 +9732,14 @@
             <a:buNone/>
           </a:pPr>
           <a:r>
-            <a:rPr lang="en-US" sz="700" kern="1200" dirty="0"/>
+            <a:rPr lang="en-US" sz="400" kern="1200" dirty="0"/>
             <a:t>ICU/hospital features  </a:t>
           </a:r>
         </a:p>
       </dsp:txBody>
       <dsp:txXfrm>
-        <a:off x="4168961" y="2662862"/>
-        <a:ext cx="560608" cy="271846"/>
+        <a:off x="4534957" y="2820173"/>
+        <a:ext cx="372168" cy="180469"/>
       </dsp:txXfrm>
     </dsp:sp>
     <dsp:sp modelId="{8D661742-FC4A-B74E-B992-5B542D8642EF}">
@@ -9603,9 +9748,9 @@
         <dsp:cNvSpPr/>
       </dsp:nvSpPr>
       <dsp:spPr>
-        <a:xfrm rot="19457599">
-          <a:off x="4711288" y="2710536"/>
-          <a:ext cx="284489" cy="10458"/>
+        <a:xfrm rot="16983315">
+          <a:off x="4649965" y="2576254"/>
+          <a:ext cx="678910" cy="6943"/>
         </a:xfrm>
         <a:custGeom>
           <a:avLst/>
@@ -9616,10 +9761,10 @@
           <a:pathLst>
             <a:path>
               <a:moveTo>
-                <a:pt x="0" y="5229"/>
+                <a:pt x="0" y="3471"/>
               </a:moveTo>
               <a:lnTo>
-                <a:pt x="284489" y="5229"/>
+                <a:pt x="678910" y="3471"/>
               </a:lnTo>
             </a:path>
           </a:pathLst>
@@ -9658,7 +9803,7 @@
         </a:bodyPr>
         <a:lstStyle/>
         <a:p>
-          <a:pPr marL="0" lvl="0" indent="0" algn="ctr" defTabSz="266700">
+          <a:pPr marL="0" lvl="0" indent="0" algn="ctr" defTabSz="133350">
             <a:lnSpc>
               <a:spcPct val="90000"/>
             </a:lnSpc>
@@ -9670,12 +9815,12 @@
             </a:spcAft>
             <a:buNone/>
           </a:pPr>
-          <a:endParaRPr lang="en-US" sz="600" kern="1200"/>
+          <a:endParaRPr lang="en-US" sz="300" kern="1200"/>
         </a:p>
       </dsp:txBody>
       <dsp:txXfrm>
-        <a:off x="4846420" y="2708653"/>
-        <a:ext cx="14224" cy="14224"/>
+        <a:off x="4972448" y="2562753"/>
+        <a:ext cx="33945" cy="33945"/>
       </dsp:txXfrm>
     </dsp:sp>
     <dsp:sp modelId="{86A6E8EB-D794-EC4B-A8C0-EFB69DCD7CA0}">
@@ -9685,8 +9830,8 @@
       </dsp:nvSpPr>
       <dsp:spPr>
         <a:xfrm>
-          <a:off x="4969037" y="2488365"/>
-          <a:ext cx="577524" cy="288762"/>
+          <a:off x="5066100" y="2153195"/>
+          <a:ext cx="383398" cy="191699"/>
         </a:xfrm>
         <a:prstGeom prst="roundRect">
           <a:avLst>
@@ -9725,12 +9870,12 @@
         </a:fontRef>
       </dsp:style>
       <dsp:txBody>
-        <a:bodyPr spcFirstLastPara="0" vert="horz" wrap="square" lIns="4445" tIns="4445" rIns="4445" bIns="4445" numCol="1" spcCol="1270" anchor="ctr" anchorCtr="0">
+        <a:bodyPr spcFirstLastPara="0" vert="horz" wrap="square" lIns="2540" tIns="2540" rIns="2540" bIns="2540" numCol="1" spcCol="1270" anchor="ctr" anchorCtr="0">
           <a:noAutofit/>
         </a:bodyPr>
         <a:lstStyle/>
         <a:p>
-          <a:pPr marL="0" lvl="0" indent="0" algn="ctr" defTabSz="311150">
+          <a:pPr marL="0" lvl="0" indent="0" algn="ctr" defTabSz="177800">
             <a:lnSpc>
               <a:spcPct val="90000"/>
             </a:lnSpc>
@@ -9743,25 +9888,25 @@
             <a:buNone/>
           </a:pPr>
           <a:r>
-            <a:rPr lang="en-US" sz="700" kern="1200" dirty="0"/>
+            <a:rPr lang="en-US" sz="400" kern="1200" dirty="0"/>
             <a:t>length of stay</a:t>
           </a:r>
         </a:p>
       </dsp:txBody>
       <dsp:txXfrm>
-        <a:off x="4977495" y="2496823"/>
-        <a:ext cx="560608" cy="271846"/>
+        <a:off x="5071715" y="2158810"/>
+        <a:ext cx="372168" cy="180469"/>
       </dsp:txXfrm>
     </dsp:sp>
-    <dsp:sp modelId="{2DDE800F-EF95-AD4C-883E-994B9CE2C0CB}">
+    <dsp:sp modelId="{91CB70D2-3C6E-6D40-8F3E-69A7CDAD2C0F}">
       <dsp:nvSpPr>
         <dsp:cNvPr id="0" name=""/>
         <dsp:cNvSpPr/>
       </dsp:nvSpPr>
       <dsp:spPr>
-        <a:xfrm rot="2142401">
-          <a:off x="4711288" y="2876574"/>
-          <a:ext cx="284489" cy="10458"/>
+        <a:xfrm rot="17350740">
+          <a:off x="4756011" y="2686481"/>
+          <a:ext cx="466818" cy="6943"/>
         </a:xfrm>
         <a:custGeom>
           <a:avLst/>
@@ -9772,10 +9917,10 @@
           <a:pathLst>
             <a:path>
               <a:moveTo>
-                <a:pt x="0" y="5229"/>
+                <a:pt x="0" y="3471"/>
               </a:moveTo>
               <a:lnTo>
-                <a:pt x="284489" y="5229"/>
+                <a:pt x="466818" y="3471"/>
               </a:lnTo>
             </a:path>
           </a:pathLst>
@@ -9814,7 +9959,7 @@
         </a:bodyPr>
         <a:lstStyle/>
         <a:p>
-          <a:pPr marL="0" lvl="0" indent="0" algn="ctr" defTabSz="266700">
+          <a:pPr marL="0" lvl="0" indent="0" algn="ctr" defTabSz="88900">
             <a:lnSpc>
               <a:spcPct val="90000"/>
             </a:lnSpc>
@@ -9826,12 +9971,321 @@
             </a:spcAft>
             <a:buNone/>
           </a:pPr>
-          <a:endParaRPr lang="en-US" sz="600" kern="1200"/>
+          <a:endParaRPr lang="en-US" sz="200" kern="1200"/>
         </a:p>
       </dsp:txBody>
       <dsp:txXfrm>
-        <a:off x="4846420" y="2874692"/>
-        <a:ext cx="14224" cy="14224"/>
+        <a:off x="4977750" y="2678283"/>
+        <a:ext cx="23340" cy="23340"/>
+      </dsp:txXfrm>
+    </dsp:sp>
+    <dsp:sp modelId="{B413FD91-F6EF-0A4F-9F88-864C338FF8AD}">
+      <dsp:nvSpPr>
+        <dsp:cNvPr id="0" name=""/>
+        <dsp:cNvSpPr/>
+      </dsp:nvSpPr>
+      <dsp:spPr>
+        <a:xfrm>
+          <a:off x="5066100" y="2373649"/>
+          <a:ext cx="383398" cy="191699"/>
+        </a:xfrm>
+        <a:prstGeom prst="roundRect">
+          <a:avLst>
+            <a:gd name="adj" fmla="val 10000"/>
+          </a:avLst>
+        </a:prstGeom>
+        <a:solidFill>
+          <a:schemeClr val="accent3"/>
+        </a:solidFill>
+        <a:ln w="19050" cap="flat" cmpd="sng" algn="ctr">
+          <a:solidFill>
+            <a:schemeClr val="lt1">
+              <a:hueOff val="0"/>
+              <a:satOff val="0"/>
+              <a:lumOff val="0"/>
+              <a:alphaOff val="0"/>
+            </a:schemeClr>
+          </a:solidFill>
+          <a:prstDash val="solid"/>
+          <a:miter lim="800000"/>
+        </a:ln>
+        <a:effectLst/>
+      </dsp:spPr>
+      <dsp:style>
+        <a:lnRef idx="2">
+          <a:scrgbClr r="0" g="0" b="0"/>
+        </a:lnRef>
+        <a:fillRef idx="1">
+          <a:scrgbClr r="0" g="0" b="0"/>
+        </a:fillRef>
+        <a:effectRef idx="0">
+          <a:scrgbClr r="0" g="0" b="0"/>
+        </a:effectRef>
+        <a:fontRef idx="minor">
+          <a:schemeClr val="lt1"/>
+        </a:fontRef>
+      </dsp:style>
+      <dsp:txBody>
+        <a:bodyPr spcFirstLastPara="0" vert="horz" wrap="square" lIns="2540" tIns="2540" rIns="2540" bIns="2540" numCol="1" spcCol="1270" anchor="ctr" anchorCtr="0">
+          <a:noAutofit/>
+        </a:bodyPr>
+        <a:lstStyle/>
+        <a:p>
+          <a:pPr marL="0" lvl="0" indent="0" algn="ctr" defTabSz="177800">
+            <a:lnSpc>
+              <a:spcPct val="90000"/>
+            </a:lnSpc>
+            <a:spcBef>
+              <a:spcPct val="0"/>
+            </a:spcBef>
+            <a:spcAft>
+              <a:spcPct val="35000"/>
+            </a:spcAft>
+            <a:buNone/>
+          </a:pPr>
+          <a:r>
+            <a:rPr lang="en-US" sz="400" kern="1200" dirty="0"/>
+            <a:t>SIRS</a:t>
+          </a:r>
+        </a:p>
+      </dsp:txBody>
+      <dsp:txXfrm>
+        <a:off x="5071715" y="2379264"/>
+        <a:ext cx="372168" cy="180469"/>
+      </dsp:txXfrm>
+    </dsp:sp>
+    <dsp:sp modelId="{2A2F4FA0-26CD-E348-99D4-E6001C6B39D9}">
+      <dsp:nvSpPr>
+        <dsp:cNvPr id="0" name=""/>
+        <dsp:cNvSpPr/>
+      </dsp:nvSpPr>
+      <dsp:spPr>
+        <a:xfrm>
+          <a:off x="5449499" y="2466027"/>
+          <a:ext cx="153359" cy="6943"/>
+        </a:xfrm>
+        <a:custGeom>
+          <a:avLst/>
+          <a:gdLst/>
+          <a:ahLst/>
+          <a:cxnLst/>
+          <a:rect l="0" t="0" r="0" b="0"/>
+          <a:pathLst>
+            <a:path>
+              <a:moveTo>
+                <a:pt x="0" y="3471"/>
+              </a:moveTo>
+              <a:lnTo>
+                <a:pt x="153359" y="3471"/>
+              </a:lnTo>
+            </a:path>
+          </a:pathLst>
+        </a:custGeom>
+        <a:noFill/>
+        <a:ln w="19050" cap="flat" cmpd="sng" algn="ctr">
+          <a:solidFill>
+            <a:schemeClr val="accent1">
+              <a:shade val="80000"/>
+              <a:hueOff val="0"/>
+              <a:satOff val="0"/>
+              <a:lumOff val="0"/>
+              <a:alphaOff val="0"/>
+            </a:schemeClr>
+          </a:solidFill>
+          <a:prstDash val="solid"/>
+          <a:miter lim="800000"/>
+        </a:ln>
+        <a:effectLst/>
+      </dsp:spPr>
+      <dsp:style>
+        <a:lnRef idx="2">
+          <a:scrgbClr r="0" g="0" b="0"/>
+        </a:lnRef>
+        <a:fillRef idx="0">
+          <a:scrgbClr r="0" g="0" b="0"/>
+        </a:fillRef>
+        <a:effectRef idx="0">
+          <a:scrgbClr r="0" g="0" b="0"/>
+        </a:effectRef>
+        <a:fontRef idx="minor"/>
+      </dsp:style>
+      <dsp:txBody>
+        <a:bodyPr spcFirstLastPara="0" vert="horz" wrap="square" lIns="12700" tIns="0" rIns="12700" bIns="0" numCol="1" spcCol="1270" anchor="ctr" anchorCtr="0">
+          <a:noAutofit/>
+        </a:bodyPr>
+        <a:lstStyle/>
+        <a:p>
+          <a:pPr marL="0" lvl="0" indent="0" algn="ctr" defTabSz="88900">
+            <a:lnSpc>
+              <a:spcPct val="90000"/>
+            </a:lnSpc>
+            <a:spcBef>
+              <a:spcPct val="0"/>
+            </a:spcBef>
+            <a:spcAft>
+              <a:spcPct val="35000"/>
+            </a:spcAft>
+            <a:buNone/>
+          </a:pPr>
+          <a:endParaRPr lang="en-US" sz="200" kern="1200"/>
+        </a:p>
+      </dsp:txBody>
+      <dsp:txXfrm>
+        <a:off x="5522345" y="2465665"/>
+        <a:ext cx="7667" cy="7667"/>
+      </dsp:txXfrm>
+    </dsp:sp>
+    <dsp:sp modelId="{01C26458-C01D-344C-A921-1F530B2B8E97}">
+      <dsp:nvSpPr>
+        <dsp:cNvPr id="0" name=""/>
+        <dsp:cNvSpPr/>
+      </dsp:nvSpPr>
+      <dsp:spPr>
+        <a:xfrm>
+          <a:off x="5602858" y="2373649"/>
+          <a:ext cx="383398" cy="191699"/>
+        </a:xfrm>
+        <a:prstGeom prst="roundRect">
+          <a:avLst>
+            <a:gd name="adj" fmla="val 10000"/>
+          </a:avLst>
+        </a:prstGeom>
+        <a:solidFill>
+          <a:schemeClr val="accent3"/>
+        </a:solidFill>
+        <a:ln w="19050" cap="flat" cmpd="sng" algn="ctr">
+          <a:solidFill>
+            <a:schemeClr val="lt1">
+              <a:hueOff val="0"/>
+              <a:satOff val="0"/>
+              <a:lumOff val="0"/>
+              <a:alphaOff val="0"/>
+            </a:schemeClr>
+          </a:solidFill>
+          <a:prstDash val="solid"/>
+          <a:miter lim="800000"/>
+        </a:ln>
+        <a:effectLst/>
+      </dsp:spPr>
+      <dsp:style>
+        <a:lnRef idx="2">
+          <a:scrgbClr r="0" g="0" b="0"/>
+        </a:lnRef>
+        <a:fillRef idx="1">
+          <a:scrgbClr r="0" g="0" b="0"/>
+        </a:fillRef>
+        <a:effectRef idx="0">
+          <a:scrgbClr r="0" g="0" b="0"/>
+        </a:effectRef>
+        <a:fontRef idx="minor">
+          <a:schemeClr val="lt1"/>
+        </a:fontRef>
+      </dsp:style>
+      <dsp:txBody>
+        <a:bodyPr spcFirstLastPara="0" vert="horz" wrap="square" lIns="2540" tIns="2540" rIns="2540" bIns="2540" numCol="1" spcCol="1270" anchor="ctr" anchorCtr="0">
+          <a:noAutofit/>
+        </a:bodyPr>
+        <a:lstStyle/>
+        <a:p>
+          <a:pPr marL="0" lvl="0" indent="0" algn="ctr" defTabSz="177800">
+            <a:lnSpc>
+              <a:spcPct val="90000"/>
+            </a:lnSpc>
+            <a:spcBef>
+              <a:spcPct val="0"/>
+            </a:spcBef>
+            <a:spcAft>
+              <a:spcPct val="35000"/>
+            </a:spcAft>
+            <a:buNone/>
+          </a:pPr>
+          <a:endParaRPr lang="en-US" sz="400" kern="1200" dirty="0"/>
+        </a:p>
+      </dsp:txBody>
+      <dsp:txXfrm>
+        <a:off x="5608473" y="2379264"/>
+        <a:ext cx="372168" cy="180469"/>
+      </dsp:txXfrm>
+    </dsp:sp>
+    <dsp:sp modelId="{2DDE800F-EF95-AD4C-883E-994B9CE2C0CB}">
+      <dsp:nvSpPr>
+        <dsp:cNvPr id="0" name=""/>
+        <dsp:cNvSpPr/>
+      </dsp:nvSpPr>
+      <dsp:spPr>
+        <a:xfrm rot="4616685">
+          <a:off x="4649965" y="3237617"/>
+          <a:ext cx="678910" cy="6943"/>
+        </a:xfrm>
+        <a:custGeom>
+          <a:avLst/>
+          <a:gdLst/>
+          <a:ahLst/>
+          <a:cxnLst/>
+          <a:rect l="0" t="0" r="0" b="0"/>
+          <a:pathLst>
+            <a:path>
+              <a:moveTo>
+                <a:pt x="0" y="3471"/>
+              </a:moveTo>
+              <a:lnTo>
+                <a:pt x="678910" y="3471"/>
+              </a:lnTo>
+            </a:path>
+          </a:pathLst>
+        </a:custGeom>
+        <a:noFill/>
+        <a:ln w="19050" cap="flat" cmpd="sng" algn="ctr">
+          <a:solidFill>
+            <a:schemeClr val="accent1">
+              <a:shade val="80000"/>
+              <a:hueOff val="0"/>
+              <a:satOff val="0"/>
+              <a:lumOff val="0"/>
+              <a:alphaOff val="0"/>
+            </a:schemeClr>
+          </a:solidFill>
+          <a:prstDash val="solid"/>
+          <a:miter lim="800000"/>
+        </a:ln>
+        <a:effectLst/>
+      </dsp:spPr>
+      <dsp:style>
+        <a:lnRef idx="2">
+          <a:scrgbClr r="0" g="0" b="0"/>
+        </a:lnRef>
+        <a:fillRef idx="0">
+          <a:scrgbClr r="0" g="0" b="0"/>
+        </a:fillRef>
+        <a:effectRef idx="0">
+          <a:scrgbClr r="0" g="0" b="0"/>
+        </a:effectRef>
+        <a:fontRef idx="minor"/>
+      </dsp:style>
+      <dsp:txBody>
+        <a:bodyPr spcFirstLastPara="0" vert="horz" wrap="square" lIns="12700" tIns="0" rIns="12700" bIns="0" numCol="1" spcCol="1270" anchor="ctr" anchorCtr="0">
+          <a:noAutofit/>
+        </a:bodyPr>
+        <a:lstStyle/>
+        <a:p>
+          <a:pPr marL="0" lvl="0" indent="0" algn="ctr" defTabSz="133350">
+            <a:lnSpc>
+              <a:spcPct val="90000"/>
+            </a:lnSpc>
+            <a:spcBef>
+              <a:spcPct val="0"/>
+            </a:spcBef>
+            <a:spcAft>
+              <a:spcPct val="35000"/>
+            </a:spcAft>
+            <a:buNone/>
+          </a:pPr>
+          <a:endParaRPr lang="en-US" sz="300" kern="1200"/>
+        </a:p>
+      </dsp:txBody>
+      <dsp:txXfrm>
+        <a:off x="4972448" y="3224116"/>
+        <a:ext cx="33945" cy="33945"/>
       </dsp:txXfrm>
     </dsp:sp>
     <dsp:sp modelId="{90697CAE-E537-D140-96D0-85C5132B705B}">
@@ -9841,8 +10295,2515 @@
       </dsp:nvSpPr>
       <dsp:spPr>
         <a:xfrm>
-          <a:off x="4969037" y="2820442"/>
-          <a:ext cx="577524" cy="288762"/>
+          <a:off x="5066100" y="3475920"/>
+          <a:ext cx="383398" cy="191699"/>
+        </a:xfrm>
+        <a:prstGeom prst="roundRect">
+          <a:avLst>
+            <a:gd name="adj" fmla="val 10000"/>
+          </a:avLst>
+        </a:prstGeom>
+        <a:solidFill>
+          <a:schemeClr val="accent3"/>
+        </a:solidFill>
+        <a:ln w="19050" cap="flat" cmpd="sng" algn="ctr">
+          <a:solidFill>
+            <a:schemeClr val="lt1">
+              <a:hueOff val="0"/>
+              <a:satOff val="0"/>
+              <a:lumOff val="0"/>
+              <a:alphaOff val="0"/>
+            </a:schemeClr>
+          </a:solidFill>
+          <a:prstDash val="solid"/>
+          <a:miter lim="800000"/>
+        </a:ln>
+        <a:effectLst/>
+      </dsp:spPr>
+      <dsp:style>
+        <a:lnRef idx="2">
+          <a:scrgbClr r="0" g="0" b="0"/>
+        </a:lnRef>
+        <a:fillRef idx="1">
+          <a:scrgbClr r="0" g="0" b="0"/>
+        </a:fillRef>
+        <a:effectRef idx="0">
+          <a:scrgbClr r="0" g="0" b="0"/>
+        </a:effectRef>
+        <a:fontRef idx="minor">
+          <a:schemeClr val="lt1"/>
+        </a:fontRef>
+      </dsp:style>
+      <dsp:txBody>
+        <a:bodyPr spcFirstLastPara="0" vert="horz" wrap="square" lIns="2540" tIns="2540" rIns="2540" bIns="2540" numCol="1" spcCol="1270" anchor="ctr" anchorCtr="0">
+          <a:noAutofit/>
+        </a:bodyPr>
+        <a:lstStyle/>
+        <a:p>
+          <a:pPr marL="0" lvl="0" indent="0" algn="ctr" defTabSz="177800">
+            <a:lnSpc>
+              <a:spcPct val="90000"/>
+            </a:lnSpc>
+            <a:spcBef>
+              <a:spcPct val="0"/>
+            </a:spcBef>
+            <a:spcAft>
+              <a:spcPct val="35000"/>
+            </a:spcAft>
+            <a:buNone/>
+          </a:pPr>
+          <a:r>
+            <a:rPr lang="en-US" sz="400" kern="1200" dirty="0"/>
+            <a:t>SOFA score</a:t>
+          </a:r>
+        </a:p>
+      </dsp:txBody>
+      <dsp:txXfrm>
+        <a:off x="5071715" y="3481535"/>
+        <a:ext cx="372168" cy="180469"/>
+      </dsp:txXfrm>
+    </dsp:sp>
+    <dsp:sp modelId="{4565D375-D648-0A44-BA8C-C3D1C2395B2A}">
+      <dsp:nvSpPr>
+        <dsp:cNvPr id="0" name=""/>
+        <dsp:cNvSpPr/>
+      </dsp:nvSpPr>
+      <dsp:spPr>
+        <a:xfrm rot="16794622">
+          <a:off x="5080644" y="3129412"/>
+          <a:ext cx="891068" cy="6943"/>
+        </a:xfrm>
+        <a:custGeom>
+          <a:avLst/>
+          <a:gdLst/>
+          <a:ahLst/>
+          <a:cxnLst/>
+          <a:rect l="0" t="0" r="0" b="0"/>
+          <a:pathLst>
+            <a:path>
+              <a:moveTo>
+                <a:pt x="0" y="3471"/>
+              </a:moveTo>
+              <a:lnTo>
+                <a:pt x="891068" y="3471"/>
+              </a:lnTo>
+            </a:path>
+          </a:pathLst>
+        </a:custGeom>
+        <a:noFill/>
+        <a:ln w="19050" cap="flat" cmpd="sng" algn="ctr">
+          <a:solidFill>
+            <a:schemeClr val="accent1">
+              <a:shade val="80000"/>
+              <a:hueOff val="0"/>
+              <a:satOff val="0"/>
+              <a:lumOff val="0"/>
+              <a:alphaOff val="0"/>
+            </a:schemeClr>
+          </a:solidFill>
+          <a:prstDash val="solid"/>
+          <a:miter lim="800000"/>
+        </a:ln>
+        <a:effectLst/>
+      </dsp:spPr>
+      <dsp:style>
+        <a:lnRef idx="2">
+          <a:scrgbClr r="0" g="0" b="0"/>
+        </a:lnRef>
+        <a:fillRef idx="0">
+          <a:scrgbClr r="0" g="0" b="0"/>
+        </a:fillRef>
+        <a:effectRef idx="0">
+          <a:scrgbClr r="0" g="0" b="0"/>
+        </a:effectRef>
+        <a:fontRef idx="minor"/>
+      </dsp:style>
+      <dsp:txBody>
+        <a:bodyPr spcFirstLastPara="0" vert="horz" wrap="square" lIns="12700" tIns="0" rIns="12700" bIns="0" numCol="1" spcCol="1270" anchor="ctr" anchorCtr="0">
+          <a:noAutofit/>
+        </a:bodyPr>
+        <a:lstStyle/>
+        <a:p>
+          <a:pPr marL="0" lvl="0" indent="0" algn="ctr" defTabSz="133350">
+            <a:lnSpc>
+              <a:spcPct val="90000"/>
+            </a:lnSpc>
+            <a:spcBef>
+              <a:spcPct val="0"/>
+            </a:spcBef>
+            <a:spcAft>
+              <a:spcPct val="35000"/>
+            </a:spcAft>
+            <a:buNone/>
+          </a:pPr>
+          <a:endParaRPr lang="en-US" sz="300" kern="1200"/>
+        </a:p>
+      </dsp:txBody>
+      <dsp:txXfrm>
+        <a:off x="5503902" y="3110607"/>
+        <a:ext cx="44553" cy="44553"/>
+      </dsp:txXfrm>
+    </dsp:sp>
+    <dsp:sp modelId="{8BA651B2-7E1B-5D48-9D78-E36A1BB55113}">
+      <dsp:nvSpPr>
+        <dsp:cNvPr id="0" name=""/>
+        <dsp:cNvSpPr/>
+      </dsp:nvSpPr>
+      <dsp:spPr>
+        <a:xfrm>
+          <a:off x="5602858" y="2598148"/>
+          <a:ext cx="383398" cy="191699"/>
+        </a:xfrm>
+        <a:prstGeom prst="roundRect">
+          <a:avLst>
+            <a:gd name="adj" fmla="val 10000"/>
+          </a:avLst>
+        </a:prstGeom>
+        <a:solidFill>
+          <a:schemeClr val="accent3"/>
+        </a:solidFill>
+        <a:ln w="19050" cap="flat" cmpd="sng" algn="ctr">
+          <a:solidFill>
+            <a:schemeClr val="lt1">
+              <a:hueOff val="0"/>
+              <a:satOff val="0"/>
+              <a:lumOff val="0"/>
+              <a:alphaOff val="0"/>
+            </a:schemeClr>
+          </a:solidFill>
+          <a:prstDash val="solid"/>
+          <a:miter lim="800000"/>
+        </a:ln>
+        <a:effectLst/>
+      </dsp:spPr>
+      <dsp:style>
+        <a:lnRef idx="2">
+          <a:scrgbClr r="0" g="0" b="0"/>
+        </a:lnRef>
+        <a:fillRef idx="1">
+          <a:scrgbClr r="0" g="0" b="0"/>
+        </a:fillRef>
+        <a:effectRef idx="0">
+          <a:scrgbClr r="0" g="0" b="0"/>
+        </a:effectRef>
+        <a:fontRef idx="minor">
+          <a:schemeClr val="lt1"/>
+        </a:fontRef>
+      </dsp:style>
+      <dsp:txBody>
+        <a:bodyPr spcFirstLastPara="0" vert="horz" wrap="square" lIns="2540" tIns="2540" rIns="2540" bIns="2540" numCol="1" spcCol="1270" anchor="ctr" anchorCtr="0">
+          <a:noAutofit/>
+        </a:bodyPr>
+        <a:lstStyle/>
+        <a:p>
+          <a:pPr marL="0" lvl="0" indent="0" algn="ctr" defTabSz="177800">
+            <a:lnSpc>
+              <a:spcPct val="90000"/>
+            </a:lnSpc>
+            <a:spcBef>
+              <a:spcPct val="0"/>
+            </a:spcBef>
+            <a:spcAft>
+              <a:spcPct val="35000"/>
+            </a:spcAft>
+            <a:buNone/>
+          </a:pPr>
+          <a:r>
+            <a:rPr lang="en-US" sz="400" kern="1200" dirty="0" err="1"/>
+            <a:t>first_day_urine_output</a:t>
+          </a:r>
+          <a:endParaRPr lang="en-US" sz="400" kern="1200" dirty="0"/>
+        </a:p>
+      </dsp:txBody>
+      <dsp:txXfrm>
+        <a:off x="5608473" y="2603763"/>
+        <a:ext cx="372168" cy="180469"/>
+      </dsp:txXfrm>
+    </dsp:sp>
+    <dsp:sp modelId="{8BE5ADEA-9D79-6F46-9D9D-6755321B3CA6}">
+      <dsp:nvSpPr>
+        <dsp:cNvPr id="0" name=""/>
+        <dsp:cNvSpPr/>
+      </dsp:nvSpPr>
+      <dsp:spPr>
+        <a:xfrm rot="16983315">
+          <a:off x="5186723" y="3237617"/>
+          <a:ext cx="678910" cy="6943"/>
+        </a:xfrm>
+        <a:custGeom>
+          <a:avLst/>
+          <a:gdLst/>
+          <a:ahLst/>
+          <a:cxnLst/>
+          <a:rect l="0" t="0" r="0" b="0"/>
+          <a:pathLst>
+            <a:path>
+              <a:moveTo>
+                <a:pt x="0" y="3471"/>
+              </a:moveTo>
+              <a:lnTo>
+                <a:pt x="678910" y="3471"/>
+              </a:lnTo>
+            </a:path>
+          </a:pathLst>
+        </a:custGeom>
+        <a:noFill/>
+        <a:ln w="19050" cap="flat" cmpd="sng" algn="ctr">
+          <a:solidFill>
+            <a:schemeClr val="accent1">
+              <a:shade val="80000"/>
+              <a:hueOff val="0"/>
+              <a:satOff val="0"/>
+              <a:lumOff val="0"/>
+              <a:alphaOff val="0"/>
+            </a:schemeClr>
+          </a:solidFill>
+          <a:prstDash val="solid"/>
+          <a:miter lim="800000"/>
+        </a:ln>
+        <a:effectLst/>
+      </dsp:spPr>
+      <dsp:style>
+        <a:lnRef idx="2">
+          <a:scrgbClr r="0" g="0" b="0"/>
+        </a:lnRef>
+        <a:fillRef idx="0">
+          <a:scrgbClr r="0" g="0" b="0"/>
+        </a:fillRef>
+        <a:effectRef idx="0">
+          <a:scrgbClr r="0" g="0" b="0"/>
+        </a:effectRef>
+        <a:fontRef idx="minor"/>
+      </dsp:style>
+      <dsp:txBody>
+        <a:bodyPr spcFirstLastPara="0" vert="horz" wrap="square" lIns="12700" tIns="0" rIns="12700" bIns="0" numCol="1" spcCol="1270" anchor="ctr" anchorCtr="0">
+          <a:noAutofit/>
+        </a:bodyPr>
+        <a:lstStyle/>
+        <a:p>
+          <a:pPr marL="0" lvl="0" indent="0" algn="ctr" defTabSz="133350">
+            <a:lnSpc>
+              <a:spcPct val="90000"/>
+            </a:lnSpc>
+            <a:spcBef>
+              <a:spcPct val="0"/>
+            </a:spcBef>
+            <a:spcAft>
+              <a:spcPct val="35000"/>
+            </a:spcAft>
+            <a:buNone/>
+          </a:pPr>
+          <a:endParaRPr lang="en-US" sz="300" kern="1200"/>
+        </a:p>
+      </dsp:txBody>
+      <dsp:txXfrm>
+        <a:off x="5509206" y="3224116"/>
+        <a:ext cx="33945" cy="33945"/>
+      </dsp:txXfrm>
+    </dsp:sp>
+    <dsp:sp modelId="{A5005477-1C54-6246-991D-FA87EE356F5C}">
+      <dsp:nvSpPr>
+        <dsp:cNvPr id="0" name=""/>
+        <dsp:cNvSpPr/>
+      </dsp:nvSpPr>
+      <dsp:spPr>
+        <a:xfrm>
+          <a:off x="5602858" y="2814558"/>
+          <a:ext cx="383398" cy="191699"/>
+        </a:xfrm>
+        <a:prstGeom prst="roundRect">
+          <a:avLst>
+            <a:gd name="adj" fmla="val 10000"/>
+          </a:avLst>
+        </a:prstGeom>
+        <a:solidFill>
+          <a:schemeClr val="accent3"/>
+        </a:solidFill>
+        <a:ln w="19050" cap="flat" cmpd="sng" algn="ctr">
+          <a:solidFill>
+            <a:schemeClr val="lt1">
+              <a:hueOff val="0"/>
+              <a:satOff val="0"/>
+              <a:lumOff val="0"/>
+              <a:alphaOff val="0"/>
+            </a:schemeClr>
+          </a:solidFill>
+          <a:prstDash val="solid"/>
+          <a:miter lim="800000"/>
+        </a:ln>
+        <a:effectLst/>
+      </dsp:spPr>
+      <dsp:style>
+        <a:lnRef idx="2">
+          <a:scrgbClr r="0" g="0" b="0"/>
+        </a:lnRef>
+        <a:fillRef idx="1">
+          <a:scrgbClr r="0" g="0" b="0"/>
+        </a:fillRef>
+        <a:effectRef idx="0">
+          <a:scrgbClr r="0" g="0" b="0"/>
+        </a:effectRef>
+        <a:fontRef idx="minor">
+          <a:schemeClr val="lt1"/>
+        </a:fontRef>
+      </dsp:style>
+      <dsp:txBody>
+        <a:bodyPr spcFirstLastPara="0" vert="horz" wrap="square" lIns="2540" tIns="2540" rIns="2540" bIns="2540" numCol="1" spcCol="1270" anchor="ctr" anchorCtr="0">
+          <a:noAutofit/>
+        </a:bodyPr>
+        <a:lstStyle/>
+        <a:p>
+          <a:pPr marL="0" lvl="0" indent="0" algn="ctr" defTabSz="177800">
+            <a:lnSpc>
+              <a:spcPct val="90000"/>
+            </a:lnSpc>
+            <a:spcBef>
+              <a:spcPct val="0"/>
+            </a:spcBef>
+            <a:spcAft>
+              <a:spcPct val="35000"/>
+            </a:spcAft>
+            <a:buNone/>
+          </a:pPr>
+          <a:r>
+            <a:rPr lang="en-US" sz="400" kern="1200" dirty="0" err="1"/>
+            <a:t>first_day_vitalsign</a:t>
+          </a:r>
+          <a:endParaRPr lang="en-US" sz="400" kern="1200" dirty="0"/>
+        </a:p>
+      </dsp:txBody>
+      <dsp:txXfrm>
+        <a:off x="5608473" y="2820173"/>
+        <a:ext cx="372168" cy="180469"/>
+      </dsp:txXfrm>
+    </dsp:sp>
+    <dsp:sp modelId="{8D0AC846-2E7E-CE48-B2AF-130AE31825E4}">
+      <dsp:nvSpPr>
+        <dsp:cNvPr id="0" name=""/>
+        <dsp:cNvSpPr/>
+      </dsp:nvSpPr>
+      <dsp:spPr>
+        <a:xfrm rot="17350740">
+          <a:off x="5292769" y="3347844"/>
+          <a:ext cx="466818" cy="6943"/>
+        </a:xfrm>
+        <a:custGeom>
+          <a:avLst/>
+          <a:gdLst/>
+          <a:ahLst/>
+          <a:cxnLst/>
+          <a:rect l="0" t="0" r="0" b="0"/>
+          <a:pathLst>
+            <a:path>
+              <a:moveTo>
+                <a:pt x="0" y="3471"/>
+              </a:moveTo>
+              <a:lnTo>
+                <a:pt x="466818" y="3471"/>
+              </a:lnTo>
+            </a:path>
+          </a:pathLst>
+        </a:custGeom>
+        <a:noFill/>
+        <a:ln w="19050" cap="flat" cmpd="sng" algn="ctr">
+          <a:solidFill>
+            <a:schemeClr val="accent1">
+              <a:shade val="80000"/>
+              <a:hueOff val="0"/>
+              <a:satOff val="0"/>
+              <a:lumOff val="0"/>
+              <a:alphaOff val="0"/>
+            </a:schemeClr>
+          </a:solidFill>
+          <a:prstDash val="solid"/>
+          <a:miter lim="800000"/>
+        </a:ln>
+        <a:effectLst/>
+      </dsp:spPr>
+      <dsp:style>
+        <a:lnRef idx="2">
+          <a:scrgbClr r="0" g="0" b="0"/>
+        </a:lnRef>
+        <a:fillRef idx="0">
+          <a:scrgbClr r="0" g="0" b="0"/>
+        </a:fillRef>
+        <a:effectRef idx="0">
+          <a:scrgbClr r="0" g="0" b="0"/>
+        </a:effectRef>
+        <a:fontRef idx="minor"/>
+      </dsp:style>
+      <dsp:txBody>
+        <a:bodyPr spcFirstLastPara="0" vert="horz" wrap="square" lIns="12700" tIns="0" rIns="12700" bIns="0" numCol="1" spcCol="1270" anchor="ctr" anchorCtr="0">
+          <a:noAutofit/>
+        </a:bodyPr>
+        <a:lstStyle/>
+        <a:p>
+          <a:pPr marL="0" lvl="0" indent="0" algn="ctr" defTabSz="133350">
+            <a:lnSpc>
+              <a:spcPct val="90000"/>
+            </a:lnSpc>
+            <a:spcBef>
+              <a:spcPct val="0"/>
+            </a:spcBef>
+            <a:spcAft>
+              <a:spcPct val="35000"/>
+            </a:spcAft>
+            <a:buNone/>
+          </a:pPr>
+          <a:endParaRPr lang="en-US" sz="300" kern="1200"/>
+        </a:p>
+      </dsp:txBody>
+      <dsp:txXfrm>
+        <a:off x="5514508" y="3339645"/>
+        <a:ext cx="23340" cy="23340"/>
+      </dsp:txXfrm>
+    </dsp:sp>
+    <dsp:sp modelId="{B0CD120C-B9B6-8343-B528-7E737BB197F3}">
+      <dsp:nvSpPr>
+        <dsp:cNvPr id="0" name=""/>
+        <dsp:cNvSpPr/>
+      </dsp:nvSpPr>
+      <dsp:spPr>
+        <a:xfrm>
+          <a:off x="5602858" y="3035012"/>
+          <a:ext cx="383398" cy="191699"/>
+        </a:xfrm>
+        <a:prstGeom prst="roundRect">
+          <a:avLst>
+            <a:gd name="adj" fmla="val 10000"/>
+          </a:avLst>
+        </a:prstGeom>
+        <a:solidFill>
+          <a:schemeClr val="accent3"/>
+        </a:solidFill>
+        <a:ln w="19050" cap="flat" cmpd="sng" algn="ctr">
+          <a:solidFill>
+            <a:schemeClr val="lt1">
+              <a:hueOff val="0"/>
+              <a:satOff val="0"/>
+              <a:lumOff val="0"/>
+              <a:alphaOff val="0"/>
+            </a:schemeClr>
+          </a:solidFill>
+          <a:prstDash val="solid"/>
+          <a:miter lim="800000"/>
+        </a:ln>
+        <a:effectLst/>
+      </dsp:spPr>
+      <dsp:style>
+        <a:lnRef idx="2">
+          <a:scrgbClr r="0" g="0" b="0"/>
+        </a:lnRef>
+        <a:fillRef idx="1">
+          <a:scrgbClr r="0" g="0" b="0"/>
+        </a:fillRef>
+        <a:effectRef idx="0">
+          <a:scrgbClr r="0" g="0" b="0"/>
+        </a:effectRef>
+        <a:fontRef idx="minor">
+          <a:schemeClr val="lt1"/>
+        </a:fontRef>
+      </dsp:style>
+      <dsp:txBody>
+        <a:bodyPr spcFirstLastPara="0" vert="horz" wrap="square" lIns="2540" tIns="2540" rIns="2540" bIns="2540" numCol="1" spcCol="1270" anchor="ctr" anchorCtr="0">
+          <a:noAutofit/>
+        </a:bodyPr>
+        <a:lstStyle/>
+        <a:p>
+          <a:pPr marL="0" lvl="0" indent="0" algn="ctr" defTabSz="177800">
+            <a:lnSpc>
+              <a:spcPct val="90000"/>
+            </a:lnSpc>
+            <a:spcBef>
+              <a:spcPct val="0"/>
+            </a:spcBef>
+            <a:spcAft>
+              <a:spcPct val="35000"/>
+            </a:spcAft>
+            <a:buNone/>
+          </a:pPr>
+          <a:r>
+            <a:rPr lang="en-US" sz="400" kern="1200" dirty="0" err="1"/>
+            <a:t>first_day_gcs</a:t>
+          </a:r>
+          <a:endParaRPr lang="en-US" sz="400" kern="1200" dirty="0"/>
+        </a:p>
+      </dsp:txBody>
+      <dsp:txXfrm>
+        <a:off x="5608473" y="3040627"/>
+        <a:ext cx="372168" cy="180469"/>
+      </dsp:txXfrm>
+    </dsp:sp>
+    <dsp:sp modelId="{677A30CC-13FE-B44A-87D5-6FB1CAEB80CA}">
+      <dsp:nvSpPr>
+        <dsp:cNvPr id="0" name=""/>
+        <dsp:cNvSpPr/>
+      </dsp:nvSpPr>
+      <dsp:spPr>
+        <a:xfrm rot="18289469">
+          <a:off x="5391903" y="3458071"/>
+          <a:ext cx="268550" cy="6943"/>
+        </a:xfrm>
+        <a:custGeom>
+          <a:avLst/>
+          <a:gdLst/>
+          <a:ahLst/>
+          <a:cxnLst/>
+          <a:rect l="0" t="0" r="0" b="0"/>
+          <a:pathLst>
+            <a:path>
+              <a:moveTo>
+                <a:pt x="0" y="3471"/>
+              </a:moveTo>
+              <a:lnTo>
+                <a:pt x="268550" y="3471"/>
+              </a:lnTo>
+            </a:path>
+          </a:pathLst>
+        </a:custGeom>
+        <a:noFill/>
+        <a:ln w="19050" cap="flat" cmpd="sng" algn="ctr">
+          <a:solidFill>
+            <a:schemeClr val="accent1">
+              <a:shade val="80000"/>
+              <a:hueOff val="0"/>
+              <a:satOff val="0"/>
+              <a:lumOff val="0"/>
+              <a:alphaOff val="0"/>
+            </a:schemeClr>
+          </a:solidFill>
+          <a:prstDash val="solid"/>
+          <a:miter lim="800000"/>
+        </a:ln>
+        <a:effectLst/>
+      </dsp:spPr>
+      <dsp:style>
+        <a:lnRef idx="2">
+          <a:scrgbClr r="0" g="0" b="0"/>
+        </a:lnRef>
+        <a:fillRef idx="0">
+          <a:scrgbClr r="0" g="0" b="0"/>
+        </a:fillRef>
+        <a:effectRef idx="0">
+          <a:scrgbClr r="0" g="0" b="0"/>
+        </a:effectRef>
+        <a:fontRef idx="minor"/>
+      </dsp:style>
+      <dsp:txBody>
+        <a:bodyPr spcFirstLastPara="0" vert="horz" wrap="square" lIns="12700" tIns="0" rIns="12700" bIns="0" numCol="1" spcCol="1270" anchor="ctr" anchorCtr="0">
+          <a:noAutofit/>
+        </a:bodyPr>
+        <a:lstStyle/>
+        <a:p>
+          <a:pPr marL="0" lvl="0" indent="0" algn="ctr" defTabSz="133350">
+            <a:lnSpc>
+              <a:spcPct val="90000"/>
+            </a:lnSpc>
+            <a:spcBef>
+              <a:spcPct val="0"/>
+            </a:spcBef>
+            <a:spcAft>
+              <a:spcPct val="35000"/>
+            </a:spcAft>
+            <a:buNone/>
+          </a:pPr>
+          <a:endParaRPr lang="en-US" sz="300" kern="1200"/>
+        </a:p>
+      </dsp:txBody>
+      <dsp:txXfrm>
+        <a:off x="5519465" y="3454829"/>
+        <a:ext cx="13427" cy="13427"/>
+      </dsp:txXfrm>
+    </dsp:sp>
+    <dsp:sp modelId="{FDCB6371-8A16-4149-B016-4CDB2C049E23}">
+      <dsp:nvSpPr>
+        <dsp:cNvPr id="0" name=""/>
+        <dsp:cNvSpPr/>
+      </dsp:nvSpPr>
+      <dsp:spPr>
+        <a:xfrm>
+          <a:off x="5602858" y="3255466"/>
+          <a:ext cx="383398" cy="191699"/>
+        </a:xfrm>
+        <a:prstGeom prst="roundRect">
+          <a:avLst>
+            <a:gd name="adj" fmla="val 10000"/>
+          </a:avLst>
+        </a:prstGeom>
+        <a:solidFill>
+          <a:schemeClr val="accent3"/>
+        </a:solidFill>
+        <a:ln w="19050" cap="flat" cmpd="sng" algn="ctr">
+          <a:solidFill>
+            <a:schemeClr val="lt1">
+              <a:hueOff val="0"/>
+              <a:satOff val="0"/>
+              <a:lumOff val="0"/>
+              <a:alphaOff val="0"/>
+            </a:schemeClr>
+          </a:solidFill>
+          <a:prstDash val="solid"/>
+          <a:miter lim="800000"/>
+        </a:ln>
+        <a:effectLst/>
+      </dsp:spPr>
+      <dsp:style>
+        <a:lnRef idx="2">
+          <a:scrgbClr r="0" g="0" b="0"/>
+        </a:lnRef>
+        <a:fillRef idx="1">
+          <a:scrgbClr r="0" g="0" b="0"/>
+        </a:fillRef>
+        <a:effectRef idx="0">
+          <a:scrgbClr r="0" g="0" b="0"/>
+        </a:effectRef>
+        <a:fontRef idx="minor">
+          <a:schemeClr val="lt1"/>
+        </a:fontRef>
+      </dsp:style>
+      <dsp:txBody>
+        <a:bodyPr spcFirstLastPara="0" vert="horz" wrap="square" lIns="2540" tIns="2540" rIns="2540" bIns="2540" numCol="1" spcCol="1270" anchor="ctr" anchorCtr="0">
+          <a:noAutofit/>
+        </a:bodyPr>
+        <a:lstStyle/>
+        <a:p>
+          <a:pPr marL="0" lvl="0" indent="0" algn="ctr" defTabSz="177800">
+            <a:lnSpc>
+              <a:spcPct val="90000"/>
+            </a:lnSpc>
+            <a:spcBef>
+              <a:spcPct val="0"/>
+            </a:spcBef>
+            <a:spcAft>
+              <a:spcPct val="35000"/>
+            </a:spcAft>
+            <a:buNone/>
+          </a:pPr>
+          <a:r>
+            <a:rPr lang="en-US" sz="400" kern="1200" dirty="0" err="1"/>
+            <a:t>first_day_lab</a:t>
+          </a:r>
+          <a:endParaRPr lang="en-US" sz="400" kern="1200" dirty="0"/>
+        </a:p>
+      </dsp:txBody>
+      <dsp:txXfrm>
+        <a:off x="5608473" y="3261081"/>
+        <a:ext cx="372168" cy="180469"/>
+      </dsp:txXfrm>
+    </dsp:sp>
+    <dsp:sp modelId="{94F7A78D-9BB5-3F42-8CBC-9F71ACD2CAA0}">
+      <dsp:nvSpPr>
+        <dsp:cNvPr id="0" name=""/>
+        <dsp:cNvSpPr/>
+      </dsp:nvSpPr>
+      <dsp:spPr>
+        <a:xfrm rot="17350740">
+          <a:off x="5829527" y="3127390"/>
+          <a:ext cx="466818" cy="6943"/>
+        </a:xfrm>
+        <a:custGeom>
+          <a:avLst/>
+          <a:gdLst/>
+          <a:ahLst/>
+          <a:cxnLst/>
+          <a:rect l="0" t="0" r="0" b="0"/>
+          <a:pathLst>
+            <a:path>
+              <a:moveTo>
+                <a:pt x="0" y="3471"/>
+              </a:moveTo>
+              <a:lnTo>
+                <a:pt x="466818" y="3471"/>
+              </a:lnTo>
+            </a:path>
+          </a:pathLst>
+        </a:custGeom>
+        <a:noFill/>
+        <a:ln w="19050" cap="flat" cmpd="sng" algn="ctr">
+          <a:solidFill>
+            <a:schemeClr val="accent1">
+              <a:shade val="80000"/>
+              <a:hueOff val="0"/>
+              <a:satOff val="0"/>
+              <a:lumOff val="0"/>
+              <a:alphaOff val="0"/>
+            </a:schemeClr>
+          </a:solidFill>
+          <a:prstDash val="solid"/>
+          <a:miter lim="800000"/>
+        </a:ln>
+        <a:effectLst/>
+      </dsp:spPr>
+      <dsp:style>
+        <a:lnRef idx="2">
+          <a:scrgbClr r="0" g="0" b="0"/>
+        </a:lnRef>
+        <a:fillRef idx="0">
+          <a:scrgbClr r="0" g="0" b="0"/>
+        </a:fillRef>
+        <a:effectRef idx="0">
+          <a:scrgbClr r="0" g="0" b="0"/>
+        </a:effectRef>
+        <a:fontRef idx="minor"/>
+      </dsp:style>
+      <dsp:txBody>
+        <a:bodyPr spcFirstLastPara="0" vert="horz" wrap="square" lIns="12700" tIns="0" rIns="12700" bIns="0" numCol="1" spcCol="1270" anchor="ctr" anchorCtr="0">
+          <a:noAutofit/>
+        </a:bodyPr>
+        <a:lstStyle/>
+        <a:p>
+          <a:pPr marL="0" lvl="0" indent="0" algn="ctr" defTabSz="88900">
+            <a:lnSpc>
+              <a:spcPct val="90000"/>
+            </a:lnSpc>
+            <a:spcBef>
+              <a:spcPct val="0"/>
+            </a:spcBef>
+            <a:spcAft>
+              <a:spcPct val="35000"/>
+            </a:spcAft>
+            <a:buNone/>
+          </a:pPr>
+          <a:endParaRPr lang="en-US" sz="200" kern="1200"/>
+        </a:p>
+      </dsp:txBody>
+      <dsp:txXfrm>
+        <a:off x="6051266" y="3119191"/>
+        <a:ext cx="23340" cy="23340"/>
+      </dsp:txXfrm>
+    </dsp:sp>
+    <dsp:sp modelId="{36D3E8D8-29EB-CB44-8C6B-85650D88BE91}">
+      <dsp:nvSpPr>
+        <dsp:cNvPr id="0" name=""/>
+        <dsp:cNvSpPr/>
+      </dsp:nvSpPr>
+      <dsp:spPr>
+        <a:xfrm>
+          <a:off x="6139616" y="2814558"/>
+          <a:ext cx="383398" cy="191699"/>
+        </a:xfrm>
+        <a:prstGeom prst="roundRect">
+          <a:avLst>
+            <a:gd name="adj" fmla="val 10000"/>
+          </a:avLst>
+        </a:prstGeom>
+        <a:solidFill>
+          <a:schemeClr val="accent3"/>
+        </a:solidFill>
+        <a:ln w="19050" cap="flat" cmpd="sng" algn="ctr">
+          <a:solidFill>
+            <a:schemeClr val="lt1">
+              <a:hueOff val="0"/>
+              <a:satOff val="0"/>
+              <a:lumOff val="0"/>
+              <a:alphaOff val="0"/>
+            </a:schemeClr>
+          </a:solidFill>
+          <a:prstDash val="solid"/>
+          <a:miter lim="800000"/>
+        </a:ln>
+        <a:effectLst/>
+      </dsp:spPr>
+      <dsp:style>
+        <a:lnRef idx="2">
+          <a:scrgbClr r="0" g="0" b="0"/>
+        </a:lnRef>
+        <a:fillRef idx="1">
+          <a:scrgbClr r="0" g="0" b="0"/>
+        </a:fillRef>
+        <a:effectRef idx="0">
+          <a:scrgbClr r="0" g="0" b="0"/>
+        </a:effectRef>
+        <a:fontRef idx="minor">
+          <a:schemeClr val="lt1"/>
+        </a:fontRef>
+      </dsp:style>
+      <dsp:txBody>
+        <a:bodyPr spcFirstLastPara="0" vert="horz" wrap="square" lIns="2540" tIns="2540" rIns="2540" bIns="2540" numCol="1" spcCol="1270" anchor="ctr" anchorCtr="0">
+          <a:noAutofit/>
+        </a:bodyPr>
+        <a:lstStyle/>
+        <a:p>
+          <a:pPr marL="0" lvl="0" indent="0" algn="ctr" defTabSz="177800">
+            <a:lnSpc>
+              <a:spcPct val="90000"/>
+            </a:lnSpc>
+            <a:spcBef>
+              <a:spcPct val="0"/>
+            </a:spcBef>
+            <a:spcAft>
+              <a:spcPct val="35000"/>
+            </a:spcAft>
+            <a:buNone/>
+          </a:pPr>
+          <a:r>
+            <a:rPr lang="en-US" sz="400" kern="1200" dirty="0" err="1"/>
+            <a:t>complete_blood_count</a:t>
+          </a:r>
+          <a:endParaRPr lang="en-US" sz="400" kern="1200" dirty="0"/>
+        </a:p>
+      </dsp:txBody>
+      <dsp:txXfrm>
+        <a:off x="6145231" y="2820173"/>
+        <a:ext cx="372168" cy="180469"/>
+      </dsp:txXfrm>
+    </dsp:sp>
+    <dsp:sp modelId="{678F3D96-AD5A-AC4E-940B-06BE4081F249}">
+      <dsp:nvSpPr>
+        <dsp:cNvPr id="0" name=""/>
+        <dsp:cNvSpPr/>
+      </dsp:nvSpPr>
+      <dsp:spPr>
+        <a:xfrm rot="18289469">
+          <a:off x="5928661" y="3237617"/>
+          <a:ext cx="268550" cy="6943"/>
+        </a:xfrm>
+        <a:custGeom>
+          <a:avLst/>
+          <a:gdLst/>
+          <a:ahLst/>
+          <a:cxnLst/>
+          <a:rect l="0" t="0" r="0" b="0"/>
+          <a:pathLst>
+            <a:path>
+              <a:moveTo>
+                <a:pt x="0" y="3471"/>
+              </a:moveTo>
+              <a:lnTo>
+                <a:pt x="268550" y="3471"/>
+              </a:lnTo>
+            </a:path>
+          </a:pathLst>
+        </a:custGeom>
+        <a:noFill/>
+        <a:ln w="19050" cap="flat" cmpd="sng" algn="ctr">
+          <a:solidFill>
+            <a:schemeClr val="accent1">
+              <a:shade val="80000"/>
+              <a:hueOff val="0"/>
+              <a:satOff val="0"/>
+              <a:lumOff val="0"/>
+              <a:alphaOff val="0"/>
+            </a:schemeClr>
+          </a:solidFill>
+          <a:prstDash val="solid"/>
+          <a:miter lim="800000"/>
+        </a:ln>
+        <a:effectLst/>
+      </dsp:spPr>
+      <dsp:style>
+        <a:lnRef idx="2">
+          <a:scrgbClr r="0" g="0" b="0"/>
+        </a:lnRef>
+        <a:fillRef idx="0">
+          <a:scrgbClr r="0" g="0" b="0"/>
+        </a:fillRef>
+        <a:effectRef idx="0">
+          <a:scrgbClr r="0" g="0" b="0"/>
+        </a:effectRef>
+        <a:fontRef idx="minor"/>
+      </dsp:style>
+      <dsp:txBody>
+        <a:bodyPr spcFirstLastPara="0" vert="horz" wrap="square" lIns="12700" tIns="0" rIns="12700" bIns="0" numCol="1" spcCol="1270" anchor="ctr" anchorCtr="0">
+          <a:noAutofit/>
+        </a:bodyPr>
+        <a:lstStyle/>
+        <a:p>
+          <a:pPr marL="0" lvl="0" indent="0" algn="ctr" defTabSz="88900">
+            <a:lnSpc>
+              <a:spcPct val="90000"/>
+            </a:lnSpc>
+            <a:spcBef>
+              <a:spcPct val="0"/>
+            </a:spcBef>
+            <a:spcAft>
+              <a:spcPct val="35000"/>
+            </a:spcAft>
+            <a:buNone/>
+          </a:pPr>
+          <a:endParaRPr lang="en-US" sz="200" kern="1200"/>
+        </a:p>
+      </dsp:txBody>
+      <dsp:txXfrm>
+        <a:off x="6056223" y="3234375"/>
+        <a:ext cx="13427" cy="13427"/>
+      </dsp:txXfrm>
+    </dsp:sp>
+    <dsp:sp modelId="{1C4445A4-36A6-D84A-90AF-4CFBC0B541A2}">
+      <dsp:nvSpPr>
+        <dsp:cNvPr id="0" name=""/>
+        <dsp:cNvSpPr/>
+      </dsp:nvSpPr>
+      <dsp:spPr>
+        <a:xfrm>
+          <a:off x="6139616" y="3035012"/>
+          <a:ext cx="383398" cy="191699"/>
+        </a:xfrm>
+        <a:prstGeom prst="roundRect">
+          <a:avLst>
+            <a:gd name="adj" fmla="val 10000"/>
+          </a:avLst>
+        </a:prstGeom>
+        <a:solidFill>
+          <a:schemeClr val="accent3"/>
+        </a:solidFill>
+        <a:ln w="19050" cap="flat" cmpd="sng" algn="ctr">
+          <a:solidFill>
+            <a:schemeClr val="lt1">
+              <a:hueOff val="0"/>
+              <a:satOff val="0"/>
+              <a:lumOff val="0"/>
+              <a:alphaOff val="0"/>
+            </a:schemeClr>
+          </a:solidFill>
+          <a:prstDash val="solid"/>
+          <a:miter lim="800000"/>
+        </a:ln>
+        <a:effectLst/>
+      </dsp:spPr>
+      <dsp:style>
+        <a:lnRef idx="2">
+          <a:scrgbClr r="0" g="0" b="0"/>
+        </a:lnRef>
+        <a:fillRef idx="1">
+          <a:scrgbClr r="0" g="0" b="0"/>
+        </a:fillRef>
+        <a:effectRef idx="0">
+          <a:scrgbClr r="0" g="0" b="0"/>
+        </a:effectRef>
+        <a:fontRef idx="minor">
+          <a:schemeClr val="lt1"/>
+        </a:fontRef>
+      </dsp:style>
+      <dsp:txBody>
+        <a:bodyPr spcFirstLastPara="0" vert="horz" wrap="square" lIns="2540" tIns="2540" rIns="2540" bIns="2540" numCol="1" spcCol="1270" anchor="ctr" anchorCtr="0">
+          <a:noAutofit/>
+        </a:bodyPr>
+        <a:lstStyle/>
+        <a:p>
+          <a:pPr marL="0" lvl="0" indent="0" algn="ctr" defTabSz="177800">
+            <a:lnSpc>
+              <a:spcPct val="90000"/>
+            </a:lnSpc>
+            <a:spcBef>
+              <a:spcPct val="0"/>
+            </a:spcBef>
+            <a:spcAft>
+              <a:spcPct val="35000"/>
+            </a:spcAft>
+            <a:buNone/>
+          </a:pPr>
+          <a:r>
+            <a:rPr lang="en-US" sz="400" kern="1200" dirty="0"/>
+            <a:t>chemistry</a:t>
+          </a:r>
+        </a:p>
+      </dsp:txBody>
+      <dsp:txXfrm>
+        <a:off x="6145231" y="3040627"/>
+        <a:ext cx="372168" cy="180469"/>
+      </dsp:txXfrm>
+    </dsp:sp>
+    <dsp:sp modelId="{CF3F69E9-A60E-3B4A-A599-30202ABB69F3}">
+      <dsp:nvSpPr>
+        <dsp:cNvPr id="0" name=""/>
+        <dsp:cNvSpPr/>
+      </dsp:nvSpPr>
+      <dsp:spPr>
+        <a:xfrm>
+          <a:off x="5986257" y="3347844"/>
+          <a:ext cx="153359" cy="6943"/>
+        </a:xfrm>
+        <a:custGeom>
+          <a:avLst/>
+          <a:gdLst/>
+          <a:ahLst/>
+          <a:cxnLst/>
+          <a:rect l="0" t="0" r="0" b="0"/>
+          <a:pathLst>
+            <a:path>
+              <a:moveTo>
+                <a:pt x="0" y="3471"/>
+              </a:moveTo>
+              <a:lnTo>
+                <a:pt x="153359" y="3471"/>
+              </a:lnTo>
+            </a:path>
+          </a:pathLst>
+        </a:custGeom>
+        <a:noFill/>
+        <a:ln w="19050" cap="flat" cmpd="sng" algn="ctr">
+          <a:solidFill>
+            <a:schemeClr val="accent1">
+              <a:shade val="80000"/>
+              <a:hueOff val="0"/>
+              <a:satOff val="0"/>
+              <a:lumOff val="0"/>
+              <a:alphaOff val="0"/>
+            </a:schemeClr>
+          </a:solidFill>
+          <a:prstDash val="solid"/>
+          <a:miter lim="800000"/>
+        </a:ln>
+        <a:effectLst/>
+      </dsp:spPr>
+      <dsp:style>
+        <a:lnRef idx="2">
+          <a:scrgbClr r="0" g="0" b="0"/>
+        </a:lnRef>
+        <a:fillRef idx="0">
+          <a:scrgbClr r="0" g="0" b="0"/>
+        </a:fillRef>
+        <a:effectRef idx="0">
+          <a:scrgbClr r="0" g="0" b="0"/>
+        </a:effectRef>
+        <a:fontRef idx="minor"/>
+      </dsp:style>
+      <dsp:txBody>
+        <a:bodyPr spcFirstLastPara="0" vert="horz" wrap="square" lIns="12700" tIns="0" rIns="12700" bIns="0" numCol="1" spcCol="1270" anchor="ctr" anchorCtr="0">
+          <a:noAutofit/>
+        </a:bodyPr>
+        <a:lstStyle/>
+        <a:p>
+          <a:pPr marL="0" lvl="0" indent="0" algn="ctr" defTabSz="88900">
+            <a:lnSpc>
+              <a:spcPct val="90000"/>
+            </a:lnSpc>
+            <a:spcBef>
+              <a:spcPct val="0"/>
+            </a:spcBef>
+            <a:spcAft>
+              <a:spcPct val="35000"/>
+            </a:spcAft>
+            <a:buNone/>
+          </a:pPr>
+          <a:endParaRPr lang="en-US" sz="200" kern="1200"/>
+        </a:p>
+      </dsp:txBody>
+      <dsp:txXfrm>
+        <a:off x="6059103" y="3347482"/>
+        <a:ext cx="7667" cy="7667"/>
+      </dsp:txXfrm>
+    </dsp:sp>
+    <dsp:sp modelId="{834E2982-E522-504F-BBA5-47DF42536759}">
+      <dsp:nvSpPr>
+        <dsp:cNvPr id="0" name=""/>
+        <dsp:cNvSpPr/>
+      </dsp:nvSpPr>
+      <dsp:spPr>
+        <a:xfrm>
+          <a:off x="6139616" y="3255466"/>
+          <a:ext cx="383398" cy="191699"/>
+        </a:xfrm>
+        <a:prstGeom prst="roundRect">
+          <a:avLst>
+            <a:gd name="adj" fmla="val 10000"/>
+          </a:avLst>
+        </a:prstGeom>
+        <a:solidFill>
+          <a:schemeClr val="accent3"/>
+        </a:solidFill>
+        <a:ln w="19050" cap="flat" cmpd="sng" algn="ctr">
+          <a:solidFill>
+            <a:schemeClr val="lt1">
+              <a:hueOff val="0"/>
+              <a:satOff val="0"/>
+              <a:lumOff val="0"/>
+              <a:alphaOff val="0"/>
+            </a:schemeClr>
+          </a:solidFill>
+          <a:prstDash val="solid"/>
+          <a:miter lim="800000"/>
+        </a:ln>
+        <a:effectLst/>
+      </dsp:spPr>
+      <dsp:style>
+        <a:lnRef idx="2">
+          <a:scrgbClr r="0" g="0" b="0"/>
+        </a:lnRef>
+        <a:fillRef idx="1">
+          <a:scrgbClr r="0" g="0" b="0"/>
+        </a:fillRef>
+        <a:effectRef idx="0">
+          <a:scrgbClr r="0" g="0" b="0"/>
+        </a:effectRef>
+        <a:fontRef idx="minor">
+          <a:schemeClr val="lt1"/>
+        </a:fontRef>
+      </dsp:style>
+      <dsp:txBody>
+        <a:bodyPr spcFirstLastPara="0" vert="horz" wrap="square" lIns="2540" tIns="2540" rIns="2540" bIns="2540" numCol="1" spcCol="1270" anchor="ctr" anchorCtr="0">
+          <a:noAutofit/>
+        </a:bodyPr>
+        <a:lstStyle/>
+        <a:p>
+          <a:pPr marL="0" lvl="0" indent="0" algn="ctr" defTabSz="177800">
+            <a:lnSpc>
+              <a:spcPct val="90000"/>
+            </a:lnSpc>
+            <a:spcBef>
+              <a:spcPct val="0"/>
+            </a:spcBef>
+            <a:spcAft>
+              <a:spcPct val="35000"/>
+            </a:spcAft>
+            <a:buNone/>
+          </a:pPr>
+          <a:r>
+            <a:rPr lang="en-US" sz="400" kern="1200" dirty="0" err="1"/>
+            <a:t>blood_differential</a:t>
+          </a:r>
+          <a:endParaRPr lang="en-US" sz="400" kern="1200" dirty="0"/>
+        </a:p>
+      </dsp:txBody>
+      <dsp:txXfrm>
+        <a:off x="6145231" y="3261081"/>
+        <a:ext cx="372168" cy="180469"/>
+      </dsp:txXfrm>
+    </dsp:sp>
+    <dsp:sp modelId="{603FD555-271E-3244-BF52-8F67F3348C5B}">
+      <dsp:nvSpPr>
+        <dsp:cNvPr id="0" name=""/>
+        <dsp:cNvSpPr/>
+      </dsp:nvSpPr>
+      <dsp:spPr>
+        <a:xfrm rot="3310531">
+          <a:off x="5928661" y="3458071"/>
+          <a:ext cx="268550" cy="6943"/>
+        </a:xfrm>
+        <a:custGeom>
+          <a:avLst/>
+          <a:gdLst/>
+          <a:ahLst/>
+          <a:cxnLst/>
+          <a:rect l="0" t="0" r="0" b="0"/>
+          <a:pathLst>
+            <a:path>
+              <a:moveTo>
+                <a:pt x="0" y="3471"/>
+              </a:moveTo>
+              <a:lnTo>
+                <a:pt x="268550" y="3471"/>
+              </a:lnTo>
+            </a:path>
+          </a:pathLst>
+        </a:custGeom>
+        <a:noFill/>
+        <a:ln w="19050" cap="flat" cmpd="sng" algn="ctr">
+          <a:solidFill>
+            <a:schemeClr val="accent1">
+              <a:shade val="80000"/>
+              <a:hueOff val="0"/>
+              <a:satOff val="0"/>
+              <a:lumOff val="0"/>
+              <a:alphaOff val="0"/>
+            </a:schemeClr>
+          </a:solidFill>
+          <a:prstDash val="solid"/>
+          <a:miter lim="800000"/>
+        </a:ln>
+        <a:effectLst/>
+      </dsp:spPr>
+      <dsp:style>
+        <a:lnRef idx="2">
+          <a:scrgbClr r="0" g="0" b="0"/>
+        </a:lnRef>
+        <a:fillRef idx="0">
+          <a:scrgbClr r="0" g="0" b="0"/>
+        </a:fillRef>
+        <a:effectRef idx="0">
+          <a:scrgbClr r="0" g="0" b="0"/>
+        </a:effectRef>
+        <a:fontRef idx="minor"/>
+      </dsp:style>
+      <dsp:txBody>
+        <a:bodyPr spcFirstLastPara="0" vert="horz" wrap="square" lIns="12700" tIns="0" rIns="12700" bIns="0" numCol="1" spcCol="1270" anchor="ctr" anchorCtr="0">
+          <a:noAutofit/>
+        </a:bodyPr>
+        <a:lstStyle/>
+        <a:p>
+          <a:pPr marL="0" lvl="0" indent="0" algn="ctr" defTabSz="88900">
+            <a:lnSpc>
+              <a:spcPct val="90000"/>
+            </a:lnSpc>
+            <a:spcBef>
+              <a:spcPct val="0"/>
+            </a:spcBef>
+            <a:spcAft>
+              <a:spcPct val="35000"/>
+            </a:spcAft>
+            <a:buNone/>
+          </a:pPr>
+          <a:endParaRPr lang="en-US" sz="200" kern="1200"/>
+        </a:p>
+      </dsp:txBody>
+      <dsp:txXfrm>
+        <a:off x="6056223" y="3454829"/>
+        <a:ext cx="13427" cy="13427"/>
+      </dsp:txXfrm>
+    </dsp:sp>
+    <dsp:sp modelId="{4310DD81-B19B-DA42-9362-A8F7D026FADE}">
+      <dsp:nvSpPr>
+        <dsp:cNvPr id="0" name=""/>
+        <dsp:cNvSpPr/>
+      </dsp:nvSpPr>
+      <dsp:spPr>
+        <a:xfrm>
+          <a:off x="6139616" y="3475920"/>
+          <a:ext cx="383398" cy="191699"/>
+        </a:xfrm>
+        <a:prstGeom prst="roundRect">
+          <a:avLst>
+            <a:gd name="adj" fmla="val 10000"/>
+          </a:avLst>
+        </a:prstGeom>
+        <a:solidFill>
+          <a:schemeClr val="accent3"/>
+        </a:solidFill>
+        <a:ln w="19050" cap="flat" cmpd="sng" algn="ctr">
+          <a:solidFill>
+            <a:schemeClr val="lt1">
+              <a:hueOff val="0"/>
+              <a:satOff val="0"/>
+              <a:lumOff val="0"/>
+              <a:alphaOff val="0"/>
+            </a:schemeClr>
+          </a:solidFill>
+          <a:prstDash val="solid"/>
+          <a:miter lim="800000"/>
+        </a:ln>
+        <a:effectLst/>
+      </dsp:spPr>
+      <dsp:style>
+        <a:lnRef idx="2">
+          <a:scrgbClr r="0" g="0" b="0"/>
+        </a:lnRef>
+        <a:fillRef idx="1">
+          <a:scrgbClr r="0" g="0" b="0"/>
+        </a:fillRef>
+        <a:effectRef idx="0">
+          <a:scrgbClr r="0" g="0" b="0"/>
+        </a:effectRef>
+        <a:fontRef idx="minor">
+          <a:schemeClr val="lt1"/>
+        </a:fontRef>
+      </dsp:style>
+      <dsp:txBody>
+        <a:bodyPr spcFirstLastPara="0" vert="horz" wrap="square" lIns="2540" tIns="2540" rIns="2540" bIns="2540" numCol="1" spcCol="1270" anchor="ctr" anchorCtr="0">
+          <a:noAutofit/>
+        </a:bodyPr>
+        <a:lstStyle/>
+        <a:p>
+          <a:pPr marL="0" lvl="0" indent="0" algn="ctr" defTabSz="177800">
+            <a:lnSpc>
+              <a:spcPct val="90000"/>
+            </a:lnSpc>
+            <a:spcBef>
+              <a:spcPct val="0"/>
+            </a:spcBef>
+            <a:spcAft>
+              <a:spcPct val="35000"/>
+            </a:spcAft>
+            <a:buNone/>
+          </a:pPr>
+          <a:r>
+            <a:rPr lang="en-US" sz="400" kern="1200" dirty="0"/>
+            <a:t>coagulation</a:t>
+          </a:r>
+        </a:p>
+      </dsp:txBody>
+      <dsp:txXfrm>
+        <a:off x="6145231" y="3481535"/>
+        <a:ext cx="372168" cy="180469"/>
+      </dsp:txXfrm>
+    </dsp:sp>
+    <dsp:sp modelId="{E6DEBC8E-AEE9-2345-B702-217A6B935626}">
+      <dsp:nvSpPr>
+        <dsp:cNvPr id="0" name=""/>
+        <dsp:cNvSpPr/>
+      </dsp:nvSpPr>
+      <dsp:spPr>
+        <a:xfrm rot="4249260">
+          <a:off x="5829527" y="3568298"/>
+          <a:ext cx="466818" cy="6943"/>
+        </a:xfrm>
+        <a:custGeom>
+          <a:avLst/>
+          <a:gdLst/>
+          <a:ahLst/>
+          <a:cxnLst/>
+          <a:rect l="0" t="0" r="0" b="0"/>
+          <a:pathLst>
+            <a:path>
+              <a:moveTo>
+                <a:pt x="0" y="3471"/>
+              </a:moveTo>
+              <a:lnTo>
+                <a:pt x="466818" y="3471"/>
+              </a:lnTo>
+            </a:path>
+          </a:pathLst>
+        </a:custGeom>
+        <a:noFill/>
+        <a:ln w="19050" cap="flat" cmpd="sng" algn="ctr">
+          <a:solidFill>
+            <a:schemeClr val="accent1">
+              <a:shade val="80000"/>
+              <a:hueOff val="0"/>
+              <a:satOff val="0"/>
+              <a:lumOff val="0"/>
+              <a:alphaOff val="0"/>
+            </a:schemeClr>
+          </a:solidFill>
+          <a:prstDash val="solid"/>
+          <a:miter lim="800000"/>
+        </a:ln>
+        <a:effectLst/>
+      </dsp:spPr>
+      <dsp:style>
+        <a:lnRef idx="2">
+          <a:scrgbClr r="0" g="0" b="0"/>
+        </a:lnRef>
+        <a:fillRef idx="0">
+          <a:scrgbClr r="0" g="0" b="0"/>
+        </a:fillRef>
+        <a:effectRef idx="0">
+          <a:scrgbClr r="0" g="0" b="0"/>
+        </a:effectRef>
+        <a:fontRef idx="minor"/>
+      </dsp:style>
+      <dsp:txBody>
+        <a:bodyPr spcFirstLastPara="0" vert="horz" wrap="square" lIns="12700" tIns="0" rIns="12700" bIns="0" numCol="1" spcCol="1270" anchor="ctr" anchorCtr="0">
+          <a:noAutofit/>
+        </a:bodyPr>
+        <a:lstStyle/>
+        <a:p>
+          <a:pPr marL="0" lvl="0" indent="0" algn="ctr" defTabSz="88900">
+            <a:lnSpc>
+              <a:spcPct val="90000"/>
+            </a:lnSpc>
+            <a:spcBef>
+              <a:spcPct val="0"/>
+            </a:spcBef>
+            <a:spcAft>
+              <a:spcPct val="35000"/>
+            </a:spcAft>
+            <a:buNone/>
+          </a:pPr>
+          <a:endParaRPr lang="en-US" sz="200" kern="1200"/>
+        </a:p>
+      </dsp:txBody>
+      <dsp:txXfrm>
+        <a:off x="6051266" y="3560099"/>
+        <a:ext cx="23340" cy="23340"/>
+      </dsp:txXfrm>
+    </dsp:sp>
+    <dsp:sp modelId="{807214F2-BC85-BD43-BDF1-45AB8419F1A3}">
+      <dsp:nvSpPr>
+        <dsp:cNvPr id="0" name=""/>
+        <dsp:cNvSpPr/>
+      </dsp:nvSpPr>
+      <dsp:spPr>
+        <a:xfrm>
+          <a:off x="6139616" y="3696374"/>
+          <a:ext cx="383398" cy="191699"/>
+        </a:xfrm>
+        <a:prstGeom prst="roundRect">
+          <a:avLst>
+            <a:gd name="adj" fmla="val 10000"/>
+          </a:avLst>
+        </a:prstGeom>
+        <a:solidFill>
+          <a:schemeClr val="accent3"/>
+        </a:solidFill>
+        <a:ln w="19050" cap="flat" cmpd="sng" algn="ctr">
+          <a:solidFill>
+            <a:schemeClr val="lt1">
+              <a:hueOff val="0"/>
+              <a:satOff val="0"/>
+              <a:lumOff val="0"/>
+              <a:alphaOff val="0"/>
+            </a:schemeClr>
+          </a:solidFill>
+          <a:prstDash val="solid"/>
+          <a:miter lim="800000"/>
+        </a:ln>
+        <a:effectLst/>
+      </dsp:spPr>
+      <dsp:style>
+        <a:lnRef idx="2">
+          <a:scrgbClr r="0" g="0" b="0"/>
+        </a:lnRef>
+        <a:fillRef idx="1">
+          <a:scrgbClr r="0" g="0" b="0"/>
+        </a:fillRef>
+        <a:effectRef idx="0">
+          <a:scrgbClr r="0" g="0" b="0"/>
+        </a:effectRef>
+        <a:fontRef idx="minor">
+          <a:schemeClr val="lt1"/>
+        </a:fontRef>
+      </dsp:style>
+      <dsp:txBody>
+        <a:bodyPr spcFirstLastPara="0" vert="horz" wrap="square" lIns="2540" tIns="2540" rIns="2540" bIns="2540" numCol="1" spcCol="1270" anchor="ctr" anchorCtr="0">
+          <a:noAutofit/>
+        </a:bodyPr>
+        <a:lstStyle/>
+        <a:p>
+          <a:pPr marL="0" lvl="0" indent="0" algn="ctr" defTabSz="177800">
+            <a:lnSpc>
+              <a:spcPct val="90000"/>
+            </a:lnSpc>
+            <a:spcBef>
+              <a:spcPct val="0"/>
+            </a:spcBef>
+            <a:spcAft>
+              <a:spcPct val="35000"/>
+            </a:spcAft>
+            <a:buNone/>
+          </a:pPr>
+          <a:r>
+            <a:rPr lang="en-US" sz="400" kern="1200" dirty="0"/>
+            <a:t>enzyme</a:t>
+          </a:r>
+        </a:p>
+      </dsp:txBody>
+      <dsp:txXfrm>
+        <a:off x="6145231" y="3701989"/>
+        <a:ext cx="372168" cy="180469"/>
+      </dsp:txXfrm>
+    </dsp:sp>
+    <dsp:sp modelId="{E45304B9-C045-8D48-A3CB-98D066928A8F}">
+      <dsp:nvSpPr>
+        <dsp:cNvPr id="0" name=""/>
+        <dsp:cNvSpPr/>
+      </dsp:nvSpPr>
+      <dsp:spPr>
+        <a:xfrm rot="4249260">
+          <a:off x="5292769" y="3788752"/>
+          <a:ext cx="466818" cy="6943"/>
+        </a:xfrm>
+        <a:custGeom>
+          <a:avLst/>
+          <a:gdLst/>
+          <a:ahLst/>
+          <a:cxnLst/>
+          <a:rect l="0" t="0" r="0" b="0"/>
+          <a:pathLst>
+            <a:path>
+              <a:moveTo>
+                <a:pt x="0" y="3471"/>
+              </a:moveTo>
+              <a:lnTo>
+                <a:pt x="466818" y="3471"/>
+              </a:lnTo>
+            </a:path>
+          </a:pathLst>
+        </a:custGeom>
+        <a:noFill/>
+        <a:ln w="19050" cap="flat" cmpd="sng" algn="ctr">
+          <a:solidFill>
+            <a:schemeClr val="accent1">
+              <a:shade val="80000"/>
+              <a:hueOff val="0"/>
+              <a:satOff val="0"/>
+              <a:lumOff val="0"/>
+              <a:alphaOff val="0"/>
+            </a:schemeClr>
+          </a:solidFill>
+          <a:prstDash val="solid"/>
+          <a:miter lim="800000"/>
+        </a:ln>
+        <a:effectLst/>
+      </dsp:spPr>
+      <dsp:style>
+        <a:lnRef idx="2">
+          <a:scrgbClr r="0" g="0" b="0"/>
+        </a:lnRef>
+        <a:fillRef idx="0">
+          <a:scrgbClr r="0" g="0" b="0"/>
+        </a:fillRef>
+        <a:effectRef idx="0">
+          <a:scrgbClr r="0" g="0" b="0"/>
+        </a:effectRef>
+        <a:fontRef idx="minor"/>
+      </dsp:style>
+      <dsp:txBody>
+        <a:bodyPr spcFirstLastPara="0" vert="horz" wrap="square" lIns="12700" tIns="0" rIns="12700" bIns="0" numCol="1" spcCol="1270" anchor="ctr" anchorCtr="0">
+          <a:noAutofit/>
+        </a:bodyPr>
+        <a:lstStyle/>
+        <a:p>
+          <a:pPr marL="0" lvl="0" indent="0" algn="ctr" defTabSz="133350">
+            <a:lnSpc>
+              <a:spcPct val="90000"/>
+            </a:lnSpc>
+            <a:spcBef>
+              <a:spcPct val="0"/>
+            </a:spcBef>
+            <a:spcAft>
+              <a:spcPct val="35000"/>
+            </a:spcAft>
+            <a:buNone/>
+          </a:pPr>
+          <a:endParaRPr lang="en-US" sz="300" kern="1200"/>
+        </a:p>
+      </dsp:txBody>
+      <dsp:txXfrm>
+        <a:off x="5514508" y="3780553"/>
+        <a:ext cx="23340" cy="23340"/>
+      </dsp:txXfrm>
+    </dsp:sp>
+    <dsp:sp modelId="{9DB1A6D8-FBBC-054C-984F-09D1A2E79ABB}">
+      <dsp:nvSpPr>
+        <dsp:cNvPr id="0" name=""/>
+        <dsp:cNvSpPr/>
+      </dsp:nvSpPr>
+      <dsp:spPr>
+        <a:xfrm>
+          <a:off x="5602858" y="3916828"/>
+          <a:ext cx="383398" cy="191699"/>
+        </a:xfrm>
+        <a:prstGeom prst="roundRect">
+          <a:avLst>
+            <a:gd name="adj" fmla="val 10000"/>
+          </a:avLst>
+        </a:prstGeom>
+        <a:solidFill>
+          <a:schemeClr val="accent3"/>
+        </a:solidFill>
+        <a:ln w="19050" cap="flat" cmpd="sng" algn="ctr">
+          <a:solidFill>
+            <a:schemeClr val="lt1">
+              <a:hueOff val="0"/>
+              <a:satOff val="0"/>
+              <a:lumOff val="0"/>
+              <a:alphaOff val="0"/>
+            </a:schemeClr>
+          </a:solidFill>
+          <a:prstDash val="solid"/>
+          <a:miter lim="800000"/>
+        </a:ln>
+        <a:effectLst/>
+      </dsp:spPr>
+      <dsp:style>
+        <a:lnRef idx="2">
+          <a:scrgbClr r="0" g="0" b="0"/>
+        </a:lnRef>
+        <a:fillRef idx="1">
+          <a:scrgbClr r="0" g="0" b="0"/>
+        </a:fillRef>
+        <a:effectRef idx="0">
+          <a:scrgbClr r="0" g="0" b="0"/>
+        </a:effectRef>
+        <a:fontRef idx="minor">
+          <a:schemeClr val="lt1"/>
+        </a:fontRef>
+      </dsp:style>
+      <dsp:txBody>
+        <a:bodyPr spcFirstLastPara="0" vert="horz" wrap="square" lIns="2540" tIns="2540" rIns="2540" bIns="2540" numCol="1" spcCol="1270" anchor="ctr" anchorCtr="0">
+          <a:noAutofit/>
+        </a:bodyPr>
+        <a:lstStyle/>
+        <a:p>
+          <a:pPr marL="0" lvl="0" indent="0" algn="ctr" defTabSz="177800">
+            <a:lnSpc>
+              <a:spcPct val="90000"/>
+            </a:lnSpc>
+            <a:spcBef>
+              <a:spcPct val="0"/>
+            </a:spcBef>
+            <a:spcAft>
+              <a:spcPct val="35000"/>
+            </a:spcAft>
+            <a:buNone/>
+          </a:pPr>
+          <a:r>
+            <a:rPr lang="en-US" sz="400" kern="1200" dirty="0" err="1"/>
+            <a:t>first_day_bg_art</a:t>
+          </a:r>
+          <a:endParaRPr lang="en-US" sz="400" kern="1200" dirty="0"/>
+        </a:p>
+      </dsp:txBody>
+      <dsp:txXfrm>
+        <a:off x="5608473" y="3922443"/>
+        <a:ext cx="372168" cy="180469"/>
+      </dsp:txXfrm>
+    </dsp:sp>
+    <dsp:sp modelId="{CD0ADD91-4318-A045-AEA4-EA2D3F32195A}">
+      <dsp:nvSpPr>
+        <dsp:cNvPr id="0" name=""/>
+        <dsp:cNvSpPr/>
+      </dsp:nvSpPr>
+      <dsp:spPr>
+        <a:xfrm>
+          <a:off x="5986257" y="4009206"/>
+          <a:ext cx="153359" cy="6943"/>
+        </a:xfrm>
+        <a:custGeom>
+          <a:avLst/>
+          <a:gdLst/>
+          <a:ahLst/>
+          <a:cxnLst/>
+          <a:rect l="0" t="0" r="0" b="0"/>
+          <a:pathLst>
+            <a:path>
+              <a:moveTo>
+                <a:pt x="0" y="3471"/>
+              </a:moveTo>
+              <a:lnTo>
+                <a:pt x="153359" y="3471"/>
+              </a:lnTo>
+            </a:path>
+          </a:pathLst>
+        </a:custGeom>
+        <a:noFill/>
+        <a:ln w="19050" cap="flat" cmpd="sng" algn="ctr">
+          <a:solidFill>
+            <a:schemeClr val="accent1">
+              <a:shade val="80000"/>
+              <a:hueOff val="0"/>
+              <a:satOff val="0"/>
+              <a:lumOff val="0"/>
+              <a:alphaOff val="0"/>
+            </a:schemeClr>
+          </a:solidFill>
+          <a:prstDash val="solid"/>
+          <a:miter lim="800000"/>
+        </a:ln>
+        <a:effectLst/>
+      </dsp:spPr>
+      <dsp:style>
+        <a:lnRef idx="2">
+          <a:scrgbClr r="0" g="0" b="0"/>
+        </a:lnRef>
+        <a:fillRef idx="0">
+          <a:scrgbClr r="0" g="0" b="0"/>
+        </a:fillRef>
+        <a:effectRef idx="0">
+          <a:scrgbClr r="0" g="0" b="0"/>
+        </a:effectRef>
+        <a:fontRef idx="minor"/>
+      </dsp:style>
+      <dsp:txBody>
+        <a:bodyPr spcFirstLastPara="0" vert="horz" wrap="square" lIns="12700" tIns="0" rIns="12700" bIns="0" numCol="1" spcCol="1270" anchor="ctr" anchorCtr="0">
+          <a:noAutofit/>
+        </a:bodyPr>
+        <a:lstStyle/>
+        <a:p>
+          <a:pPr marL="0" lvl="0" indent="0" algn="ctr" defTabSz="88900">
+            <a:lnSpc>
+              <a:spcPct val="90000"/>
+            </a:lnSpc>
+            <a:spcBef>
+              <a:spcPct val="0"/>
+            </a:spcBef>
+            <a:spcAft>
+              <a:spcPct val="35000"/>
+            </a:spcAft>
+            <a:buNone/>
+          </a:pPr>
+          <a:endParaRPr lang="en-US" sz="200" kern="1200"/>
+        </a:p>
+      </dsp:txBody>
+      <dsp:txXfrm>
+        <a:off x="6059103" y="4008844"/>
+        <a:ext cx="7667" cy="7667"/>
+      </dsp:txXfrm>
+    </dsp:sp>
+    <dsp:sp modelId="{941CBE10-6446-494C-85DB-E0A64B945C2B}">
+      <dsp:nvSpPr>
+        <dsp:cNvPr id="0" name=""/>
+        <dsp:cNvSpPr/>
+      </dsp:nvSpPr>
+      <dsp:spPr>
+        <a:xfrm>
+          <a:off x="6139616" y="3916828"/>
+          <a:ext cx="383398" cy="191699"/>
+        </a:xfrm>
+        <a:prstGeom prst="roundRect">
+          <a:avLst>
+            <a:gd name="adj" fmla="val 10000"/>
+          </a:avLst>
+        </a:prstGeom>
+        <a:solidFill>
+          <a:schemeClr val="accent3"/>
+        </a:solidFill>
+        <a:ln w="19050" cap="flat" cmpd="sng" algn="ctr">
+          <a:solidFill>
+            <a:schemeClr val="lt1">
+              <a:hueOff val="0"/>
+              <a:satOff val="0"/>
+              <a:lumOff val="0"/>
+              <a:alphaOff val="0"/>
+            </a:schemeClr>
+          </a:solidFill>
+          <a:prstDash val="solid"/>
+          <a:miter lim="800000"/>
+        </a:ln>
+        <a:effectLst/>
+      </dsp:spPr>
+      <dsp:style>
+        <a:lnRef idx="2">
+          <a:scrgbClr r="0" g="0" b="0"/>
+        </a:lnRef>
+        <a:fillRef idx="1">
+          <a:scrgbClr r="0" g="0" b="0"/>
+        </a:fillRef>
+        <a:effectRef idx="0">
+          <a:scrgbClr r="0" g="0" b="0"/>
+        </a:effectRef>
+        <a:fontRef idx="minor">
+          <a:schemeClr val="lt1"/>
+        </a:fontRef>
+      </dsp:style>
+      <dsp:txBody>
+        <a:bodyPr spcFirstLastPara="0" vert="horz" wrap="square" lIns="2540" tIns="2540" rIns="2540" bIns="2540" numCol="1" spcCol="1270" anchor="ctr" anchorCtr="0">
+          <a:noAutofit/>
+        </a:bodyPr>
+        <a:lstStyle/>
+        <a:p>
+          <a:pPr marL="0" lvl="0" indent="0" algn="ctr" defTabSz="177800">
+            <a:lnSpc>
+              <a:spcPct val="90000"/>
+            </a:lnSpc>
+            <a:spcBef>
+              <a:spcPct val="0"/>
+            </a:spcBef>
+            <a:spcAft>
+              <a:spcPct val="35000"/>
+            </a:spcAft>
+            <a:buNone/>
+          </a:pPr>
+          <a:r>
+            <a:rPr lang="en-US" sz="400" kern="1200" dirty="0" err="1"/>
+            <a:t>first_day_blood_gas</a:t>
+          </a:r>
+          <a:endParaRPr lang="en-US" sz="400" kern="1200" dirty="0"/>
+        </a:p>
+      </dsp:txBody>
+      <dsp:txXfrm>
+        <a:off x="6145231" y="3922443"/>
+        <a:ext cx="372168" cy="180469"/>
+      </dsp:txXfrm>
+    </dsp:sp>
+    <dsp:sp modelId="{F3045651-92B6-1943-B3E1-B7568B03448F}">
+      <dsp:nvSpPr>
+        <dsp:cNvPr id="0" name=""/>
+        <dsp:cNvSpPr/>
+      </dsp:nvSpPr>
+      <dsp:spPr>
+        <a:xfrm rot="4808052">
+          <a:off x="5078652" y="4009206"/>
+          <a:ext cx="895052" cy="6943"/>
+        </a:xfrm>
+        <a:custGeom>
+          <a:avLst/>
+          <a:gdLst/>
+          <a:ahLst/>
+          <a:cxnLst/>
+          <a:rect l="0" t="0" r="0" b="0"/>
+          <a:pathLst>
+            <a:path>
+              <a:moveTo>
+                <a:pt x="0" y="3471"/>
+              </a:moveTo>
+              <a:lnTo>
+                <a:pt x="895052" y="3471"/>
+              </a:lnTo>
+            </a:path>
+          </a:pathLst>
+        </a:custGeom>
+        <a:noFill/>
+        <a:ln w="19050" cap="flat" cmpd="sng" algn="ctr">
+          <a:solidFill>
+            <a:schemeClr val="accent1">
+              <a:shade val="80000"/>
+              <a:hueOff val="0"/>
+              <a:satOff val="0"/>
+              <a:lumOff val="0"/>
+              <a:alphaOff val="0"/>
+            </a:schemeClr>
+          </a:solidFill>
+          <a:prstDash val="solid"/>
+          <a:miter lim="800000"/>
+        </a:ln>
+        <a:effectLst/>
+      </dsp:spPr>
+      <dsp:style>
+        <a:lnRef idx="2">
+          <a:scrgbClr r="0" g="0" b="0"/>
+        </a:lnRef>
+        <a:fillRef idx="0">
+          <a:scrgbClr r="0" g="0" b="0"/>
+        </a:fillRef>
+        <a:effectRef idx="0">
+          <a:scrgbClr r="0" g="0" b="0"/>
+        </a:effectRef>
+        <a:fontRef idx="minor"/>
+      </dsp:style>
+      <dsp:txBody>
+        <a:bodyPr spcFirstLastPara="0" vert="horz" wrap="square" lIns="12700" tIns="0" rIns="12700" bIns="0" numCol="1" spcCol="1270" anchor="ctr" anchorCtr="0">
+          <a:noAutofit/>
+        </a:bodyPr>
+        <a:lstStyle/>
+        <a:p>
+          <a:pPr marL="0" lvl="0" indent="0" algn="ctr" defTabSz="133350">
+            <a:lnSpc>
+              <a:spcPct val="90000"/>
+            </a:lnSpc>
+            <a:spcBef>
+              <a:spcPct val="0"/>
+            </a:spcBef>
+            <a:spcAft>
+              <a:spcPct val="35000"/>
+            </a:spcAft>
+            <a:buNone/>
+          </a:pPr>
+          <a:endParaRPr lang="en-US" sz="300" kern="1200"/>
+        </a:p>
+      </dsp:txBody>
+      <dsp:txXfrm>
+        <a:off x="5503802" y="3990302"/>
+        <a:ext cx="44752" cy="44752"/>
+      </dsp:txXfrm>
+    </dsp:sp>
+    <dsp:sp modelId="{29E5B209-3639-9A4B-98CD-5EB7E1988747}">
+      <dsp:nvSpPr>
+        <dsp:cNvPr id="0" name=""/>
+        <dsp:cNvSpPr/>
+      </dsp:nvSpPr>
+      <dsp:spPr>
+        <a:xfrm>
+          <a:off x="5602858" y="4357737"/>
+          <a:ext cx="383398" cy="191699"/>
+        </a:xfrm>
+        <a:prstGeom prst="roundRect">
+          <a:avLst>
+            <a:gd name="adj" fmla="val 10000"/>
+          </a:avLst>
+        </a:prstGeom>
+        <a:solidFill>
+          <a:schemeClr val="accent3"/>
+        </a:solidFill>
+        <a:ln w="19050" cap="flat" cmpd="sng" algn="ctr">
+          <a:solidFill>
+            <a:schemeClr val="lt1">
+              <a:hueOff val="0"/>
+              <a:satOff val="0"/>
+              <a:lumOff val="0"/>
+              <a:alphaOff val="0"/>
+            </a:schemeClr>
+          </a:solidFill>
+          <a:prstDash val="solid"/>
+          <a:miter lim="800000"/>
+        </a:ln>
+        <a:effectLst/>
+      </dsp:spPr>
+      <dsp:style>
+        <a:lnRef idx="2">
+          <a:scrgbClr r="0" g="0" b="0"/>
+        </a:lnRef>
+        <a:fillRef idx="1">
+          <a:scrgbClr r="0" g="0" b="0"/>
+        </a:fillRef>
+        <a:effectRef idx="0">
+          <a:scrgbClr r="0" g="0" b="0"/>
+        </a:effectRef>
+        <a:fontRef idx="minor">
+          <a:schemeClr val="lt1"/>
+        </a:fontRef>
+      </dsp:style>
+      <dsp:txBody>
+        <a:bodyPr spcFirstLastPara="0" vert="horz" wrap="square" lIns="2540" tIns="2540" rIns="2540" bIns="2540" numCol="1" spcCol="1270" anchor="ctr" anchorCtr="0">
+          <a:noAutofit/>
+        </a:bodyPr>
+        <a:lstStyle/>
+        <a:p>
+          <a:pPr marL="0" lvl="0" indent="0" algn="ctr" defTabSz="177800">
+            <a:lnSpc>
+              <a:spcPct val="90000"/>
+            </a:lnSpc>
+            <a:spcBef>
+              <a:spcPct val="0"/>
+            </a:spcBef>
+            <a:spcAft>
+              <a:spcPct val="35000"/>
+            </a:spcAft>
+            <a:buNone/>
+          </a:pPr>
+          <a:r>
+            <a:rPr lang="en-US" sz="400" kern="1200" dirty="0" err="1"/>
+            <a:t>ventdurations</a:t>
+          </a:r>
+          <a:endParaRPr lang="en-US" sz="400" kern="1200" dirty="0"/>
+        </a:p>
+      </dsp:txBody>
+      <dsp:txXfrm>
+        <a:off x="5608473" y="4363352"/>
+        <a:ext cx="372168" cy="180469"/>
+      </dsp:txXfrm>
+    </dsp:sp>
+    <dsp:sp modelId="{0D7275E3-EF56-FB4A-8E25-9F77B6A6E0F1}">
+      <dsp:nvSpPr>
+        <dsp:cNvPr id="0" name=""/>
+        <dsp:cNvSpPr/>
+      </dsp:nvSpPr>
+      <dsp:spPr>
+        <a:xfrm rot="18289469">
+          <a:off x="5928661" y="4339888"/>
+          <a:ext cx="268550" cy="6943"/>
+        </a:xfrm>
+        <a:custGeom>
+          <a:avLst/>
+          <a:gdLst/>
+          <a:ahLst/>
+          <a:cxnLst/>
+          <a:rect l="0" t="0" r="0" b="0"/>
+          <a:pathLst>
+            <a:path>
+              <a:moveTo>
+                <a:pt x="0" y="3471"/>
+              </a:moveTo>
+              <a:lnTo>
+                <a:pt x="268550" y="3471"/>
+              </a:lnTo>
+            </a:path>
+          </a:pathLst>
+        </a:custGeom>
+        <a:noFill/>
+        <a:ln w="19050" cap="flat" cmpd="sng" algn="ctr">
+          <a:solidFill>
+            <a:schemeClr val="accent1">
+              <a:shade val="80000"/>
+              <a:hueOff val="0"/>
+              <a:satOff val="0"/>
+              <a:lumOff val="0"/>
+              <a:alphaOff val="0"/>
+            </a:schemeClr>
+          </a:solidFill>
+          <a:prstDash val="solid"/>
+          <a:miter lim="800000"/>
+        </a:ln>
+        <a:effectLst/>
+      </dsp:spPr>
+      <dsp:style>
+        <a:lnRef idx="2">
+          <a:scrgbClr r="0" g="0" b="0"/>
+        </a:lnRef>
+        <a:fillRef idx="0">
+          <a:scrgbClr r="0" g="0" b="0"/>
+        </a:fillRef>
+        <a:effectRef idx="0">
+          <a:scrgbClr r="0" g="0" b="0"/>
+        </a:effectRef>
+        <a:fontRef idx="minor"/>
+      </dsp:style>
+      <dsp:txBody>
+        <a:bodyPr spcFirstLastPara="0" vert="horz" wrap="square" lIns="12700" tIns="0" rIns="12700" bIns="0" numCol="1" spcCol="1270" anchor="ctr" anchorCtr="0">
+          <a:noAutofit/>
+        </a:bodyPr>
+        <a:lstStyle/>
+        <a:p>
+          <a:pPr marL="0" lvl="0" indent="0" algn="ctr" defTabSz="88900">
+            <a:lnSpc>
+              <a:spcPct val="90000"/>
+            </a:lnSpc>
+            <a:spcBef>
+              <a:spcPct val="0"/>
+            </a:spcBef>
+            <a:spcAft>
+              <a:spcPct val="35000"/>
+            </a:spcAft>
+            <a:buNone/>
+          </a:pPr>
+          <a:endParaRPr lang="en-US" sz="200" kern="1200"/>
+        </a:p>
+      </dsp:txBody>
+      <dsp:txXfrm>
+        <a:off x="6056223" y="4336646"/>
+        <a:ext cx="13427" cy="13427"/>
+      </dsp:txXfrm>
+    </dsp:sp>
+    <dsp:sp modelId="{6A62EF1F-6082-0C46-876F-21767A36FAD7}">
+      <dsp:nvSpPr>
+        <dsp:cNvPr id="0" name=""/>
+        <dsp:cNvSpPr/>
+      </dsp:nvSpPr>
+      <dsp:spPr>
+        <a:xfrm>
+          <a:off x="6139616" y="4137283"/>
+          <a:ext cx="383398" cy="191699"/>
+        </a:xfrm>
+        <a:prstGeom prst="roundRect">
+          <a:avLst>
+            <a:gd name="adj" fmla="val 10000"/>
+          </a:avLst>
+        </a:prstGeom>
+        <a:solidFill>
+          <a:schemeClr val="accent3"/>
+        </a:solidFill>
+        <a:ln w="19050" cap="flat" cmpd="sng" algn="ctr">
+          <a:solidFill>
+            <a:schemeClr val="lt1">
+              <a:hueOff val="0"/>
+              <a:satOff val="0"/>
+              <a:lumOff val="0"/>
+              <a:alphaOff val="0"/>
+            </a:schemeClr>
+          </a:solidFill>
+          <a:prstDash val="solid"/>
+          <a:miter lim="800000"/>
+        </a:ln>
+        <a:effectLst/>
+      </dsp:spPr>
+      <dsp:style>
+        <a:lnRef idx="2">
+          <a:scrgbClr r="0" g="0" b="0"/>
+        </a:lnRef>
+        <a:fillRef idx="1">
+          <a:scrgbClr r="0" g="0" b="0"/>
+        </a:fillRef>
+        <a:effectRef idx="0">
+          <a:scrgbClr r="0" g="0" b="0"/>
+        </a:effectRef>
+        <a:fontRef idx="minor">
+          <a:schemeClr val="lt1"/>
+        </a:fontRef>
+      </dsp:style>
+      <dsp:txBody>
+        <a:bodyPr spcFirstLastPara="0" vert="horz" wrap="square" lIns="2540" tIns="2540" rIns="2540" bIns="2540" numCol="1" spcCol="1270" anchor="ctr" anchorCtr="0">
+          <a:noAutofit/>
+        </a:bodyPr>
+        <a:lstStyle/>
+        <a:p>
+          <a:pPr marL="0" lvl="0" indent="0" algn="ctr" defTabSz="177800">
+            <a:lnSpc>
+              <a:spcPct val="90000"/>
+            </a:lnSpc>
+            <a:spcBef>
+              <a:spcPct val="0"/>
+            </a:spcBef>
+            <a:spcAft>
+              <a:spcPct val="35000"/>
+            </a:spcAft>
+            <a:buNone/>
+          </a:pPr>
+          <a:r>
+            <a:rPr lang="en-US" sz="400" kern="1200" dirty="0" err="1"/>
+            <a:t>ventilator_setting</a:t>
+          </a:r>
+          <a:endParaRPr lang="en-US" sz="400" kern="1200" dirty="0"/>
+        </a:p>
+      </dsp:txBody>
+      <dsp:txXfrm>
+        <a:off x="6145231" y="4142898"/>
+        <a:ext cx="372168" cy="180469"/>
+      </dsp:txXfrm>
+    </dsp:sp>
+    <dsp:sp modelId="{F9DC96AA-ECDB-FD42-9EFD-B17EB3DF0E9E}">
+      <dsp:nvSpPr>
+        <dsp:cNvPr id="0" name=""/>
+        <dsp:cNvSpPr/>
+      </dsp:nvSpPr>
+      <dsp:spPr>
+        <a:xfrm>
+          <a:off x="5986257" y="4450115"/>
+          <a:ext cx="153359" cy="6943"/>
+        </a:xfrm>
+        <a:custGeom>
+          <a:avLst/>
+          <a:gdLst/>
+          <a:ahLst/>
+          <a:cxnLst/>
+          <a:rect l="0" t="0" r="0" b="0"/>
+          <a:pathLst>
+            <a:path>
+              <a:moveTo>
+                <a:pt x="0" y="3471"/>
+              </a:moveTo>
+              <a:lnTo>
+                <a:pt x="153359" y="3471"/>
+              </a:lnTo>
+            </a:path>
+          </a:pathLst>
+        </a:custGeom>
+        <a:noFill/>
+        <a:ln w="19050" cap="flat" cmpd="sng" algn="ctr">
+          <a:solidFill>
+            <a:schemeClr val="accent1">
+              <a:shade val="80000"/>
+              <a:hueOff val="0"/>
+              <a:satOff val="0"/>
+              <a:lumOff val="0"/>
+              <a:alphaOff val="0"/>
+            </a:schemeClr>
+          </a:solidFill>
+          <a:prstDash val="solid"/>
+          <a:miter lim="800000"/>
+        </a:ln>
+        <a:effectLst/>
+      </dsp:spPr>
+      <dsp:style>
+        <a:lnRef idx="2">
+          <a:scrgbClr r="0" g="0" b="0"/>
+        </a:lnRef>
+        <a:fillRef idx="0">
+          <a:scrgbClr r="0" g="0" b="0"/>
+        </a:fillRef>
+        <a:effectRef idx="0">
+          <a:scrgbClr r="0" g="0" b="0"/>
+        </a:effectRef>
+        <a:fontRef idx="minor"/>
+      </dsp:style>
+      <dsp:txBody>
+        <a:bodyPr spcFirstLastPara="0" vert="horz" wrap="square" lIns="12700" tIns="0" rIns="12700" bIns="0" numCol="1" spcCol="1270" anchor="ctr" anchorCtr="0">
+          <a:noAutofit/>
+        </a:bodyPr>
+        <a:lstStyle/>
+        <a:p>
+          <a:pPr marL="0" lvl="0" indent="0" algn="ctr" defTabSz="88900">
+            <a:lnSpc>
+              <a:spcPct val="90000"/>
+            </a:lnSpc>
+            <a:spcBef>
+              <a:spcPct val="0"/>
+            </a:spcBef>
+            <a:spcAft>
+              <a:spcPct val="35000"/>
+            </a:spcAft>
+            <a:buNone/>
+          </a:pPr>
+          <a:endParaRPr lang="en-US" sz="200" kern="1200"/>
+        </a:p>
+      </dsp:txBody>
+      <dsp:txXfrm>
+        <a:off x="6059103" y="4449752"/>
+        <a:ext cx="7667" cy="7667"/>
+      </dsp:txXfrm>
+    </dsp:sp>
+    <dsp:sp modelId="{3738BB40-3B1F-AC4B-BBA1-8E854481F73D}">
+      <dsp:nvSpPr>
+        <dsp:cNvPr id="0" name=""/>
+        <dsp:cNvSpPr/>
+      </dsp:nvSpPr>
+      <dsp:spPr>
+        <a:xfrm>
+          <a:off x="6139616" y="4357737"/>
+          <a:ext cx="383398" cy="191699"/>
+        </a:xfrm>
+        <a:prstGeom prst="roundRect">
+          <a:avLst>
+            <a:gd name="adj" fmla="val 10000"/>
+          </a:avLst>
+        </a:prstGeom>
+        <a:solidFill>
+          <a:schemeClr val="accent3"/>
+        </a:solidFill>
+        <a:ln w="19050" cap="flat" cmpd="sng" algn="ctr">
+          <a:solidFill>
+            <a:schemeClr val="lt1">
+              <a:hueOff val="0"/>
+              <a:satOff val="0"/>
+              <a:lumOff val="0"/>
+              <a:alphaOff val="0"/>
+            </a:schemeClr>
+          </a:solidFill>
+          <a:prstDash val="solid"/>
+          <a:miter lim="800000"/>
+        </a:ln>
+        <a:effectLst/>
+      </dsp:spPr>
+      <dsp:style>
+        <a:lnRef idx="2">
+          <a:scrgbClr r="0" g="0" b="0"/>
+        </a:lnRef>
+        <a:fillRef idx="1">
+          <a:scrgbClr r="0" g="0" b="0"/>
+        </a:fillRef>
+        <a:effectRef idx="0">
+          <a:scrgbClr r="0" g="0" b="0"/>
+        </a:effectRef>
+        <a:fontRef idx="minor">
+          <a:schemeClr val="lt1"/>
+        </a:fontRef>
+      </dsp:style>
+      <dsp:txBody>
+        <a:bodyPr spcFirstLastPara="0" vert="horz" wrap="square" lIns="2540" tIns="2540" rIns="2540" bIns="2540" numCol="1" spcCol="1270" anchor="ctr" anchorCtr="0">
+          <a:noAutofit/>
+        </a:bodyPr>
+        <a:lstStyle/>
+        <a:p>
+          <a:pPr marL="0" lvl="0" indent="0" algn="ctr" defTabSz="177800">
+            <a:lnSpc>
+              <a:spcPct val="90000"/>
+            </a:lnSpc>
+            <a:spcBef>
+              <a:spcPct val="0"/>
+            </a:spcBef>
+            <a:spcAft>
+              <a:spcPct val="35000"/>
+            </a:spcAft>
+            <a:buNone/>
+          </a:pPr>
+          <a:r>
+            <a:rPr lang="en-US" sz="400" kern="1200" dirty="0" err="1"/>
+            <a:t>oxygen_delivery</a:t>
+          </a:r>
+          <a:endParaRPr lang="en-US" sz="400" kern="1200" dirty="0"/>
+        </a:p>
+      </dsp:txBody>
+      <dsp:txXfrm>
+        <a:off x="6145231" y="4363352"/>
+        <a:ext cx="372168" cy="180469"/>
+      </dsp:txXfrm>
+    </dsp:sp>
+    <dsp:sp modelId="{BDAF62A9-23EA-8A4D-9131-BC4A96F2E0DE}">
+      <dsp:nvSpPr>
+        <dsp:cNvPr id="0" name=""/>
+        <dsp:cNvSpPr/>
+      </dsp:nvSpPr>
+      <dsp:spPr>
+        <a:xfrm rot="3310531">
+          <a:off x="5928661" y="4560342"/>
+          <a:ext cx="268550" cy="6943"/>
+        </a:xfrm>
+        <a:custGeom>
+          <a:avLst/>
+          <a:gdLst/>
+          <a:ahLst/>
+          <a:cxnLst/>
+          <a:rect l="0" t="0" r="0" b="0"/>
+          <a:pathLst>
+            <a:path>
+              <a:moveTo>
+                <a:pt x="0" y="3471"/>
+              </a:moveTo>
+              <a:lnTo>
+                <a:pt x="268550" y="3471"/>
+              </a:lnTo>
+            </a:path>
+          </a:pathLst>
+        </a:custGeom>
+        <a:noFill/>
+        <a:ln w="19050" cap="flat" cmpd="sng" algn="ctr">
+          <a:solidFill>
+            <a:schemeClr val="accent1">
+              <a:shade val="80000"/>
+              <a:hueOff val="0"/>
+              <a:satOff val="0"/>
+              <a:lumOff val="0"/>
+              <a:alphaOff val="0"/>
+            </a:schemeClr>
+          </a:solidFill>
+          <a:prstDash val="solid"/>
+          <a:miter lim="800000"/>
+        </a:ln>
+        <a:effectLst/>
+      </dsp:spPr>
+      <dsp:style>
+        <a:lnRef idx="2">
+          <a:scrgbClr r="0" g="0" b="0"/>
+        </a:lnRef>
+        <a:fillRef idx="0">
+          <a:scrgbClr r="0" g="0" b="0"/>
+        </a:fillRef>
+        <a:effectRef idx="0">
+          <a:scrgbClr r="0" g="0" b="0"/>
+        </a:effectRef>
+        <a:fontRef idx="minor"/>
+      </dsp:style>
+      <dsp:txBody>
+        <a:bodyPr spcFirstLastPara="0" vert="horz" wrap="square" lIns="12700" tIns="0" rIns="12700" bIns="0" numCol="1" spcCol="1270" anchor="ctr" anchorCtr="0">
+          <a:noAutofit/>
+        </a:bodyPr>
+        <a:lstStyle/>
+        <a:p>
+          <a:pPr marL="0" lvl="0" indent="0" algn="ctr" defTabSz="88900">
+            <a:lnSpc>
+              <a:spcPct val="90000"/>
+            </a:lnSpc>
+            <a:spcBef>
+              <a:spcPct val="0"/>
+            </a:spcBef>
+            <a:spcAft>
+              <a:spcPct val="35000"/>
+            </a:spcAft>
+            <a:buNone/>
+          </a:pPr>
+          <a:endParaRPr lang="en-US" sz="200" kern="1200"/>
+        </a:p>
+      </dsp:txBody>
+      <dsp:txXfrm>
+        <a:off x="6056223" y="4557100"/>
+        <a:ext cx="13427" cy="13427"/>
+      </dsp:txXfrm>
+    </dsp:sp>
+    <dsp:sp modelId="{035DB36D-79AD-CA48-9B1B-6056C9B70213}">
+      <dsp:nvSpPr>
+        <dsp:cNvPr id="0" name=""/>
+        <dsp:cNvSpPr/>
+      </dsp:nvSpPr>
+      <dsp:spPr>
+        <a:xfrm>
+          <a:off x="6139616" y="4578191"/>
+          <a:ext cx="383398" cy="191699"/>
+        </a:xfrm>
+        <a:prstGeom prst="roundRect">
+          <a:avLst>
+            <a:gd name="adj" fmla="val 10000"/>
+          </a:avLst>
+        </a:prstGeom>
+        <a:solidFill>
+          <a:schemeClr val="accent3"/>
+        </a:solidFill>
+        <a:ln w="19050" cap="flat" cmpd="sng" algn="ctr">
+          <a:solidFill>
+            <a:schemeClr val="lt1">
+              <a:hueOff val="0"/>
+              <a:satOff val="0"/>
+              <a:lumOff val="0"/>
+              <a:alphaOff val="0"/>
+            </a:schemeClr>
+          </a:solidFill>
+          <a:prstDash val="solid"/>
+          <a:miter lim="800000"/>
+        </a:ln>
+        <a:effectLst/>
+      </dsp:spPr>
+      <dsp:style>
+        <a:lnRef idx="2">
+          <a:scrgbClr r="0" g="0" b="0"/>
+        </a:lnRef>
+        <a:fillRef idx="1">
+          <a:scrgbClr r="0" g="0" b="0"/>
+        </a:fillRef>
+        <a:effectRef idx="0">
+          <a:scrgbClr r="0" g="0" b="0"/>
+        </a:effectRef>
+        <a:fontRef idx="minor">
+          <a:schemeClr val="lt1"/>
+        </a:fontRef>
+      </dsp:style>
+      <dsp:txBody>
+        <a:bodyPr spcFirstLastPara="0" vert="horz" wrap="square" lIns="2540" tIns="2540" rIns="2540" bIns="2540" numCol="1" spcCol="1270" anchor="ctr" anchorCtr="0">
+          <a:noAutofit/>
+        </a:bodyPr>
+        <a:lstStyle/>
+        <a:p>
+          <a:pPr marL="0" lvl="0" indent="0" algn="ctr" defTabSz="177800">
+            <a:lnSpc>
+              <a:spcPct val="90000"/>
+            </a:lnSpc>
+            <a:spcBef>
+              <a:spcPct val="0"/>
+            </a:spcBef>
+            <a:spcAft>
+              <a:spcPct val="35000"/>
+            </a:spcAft>
+            <a:buNone/>
+          </a:pPr>
+          <a:r>
+            <a:rPr lang="en-US" sz="400" kern="1200" dirty="0"/>
+            <a:t>ventilation</a:t>
+          </a:r>
+        </a:p>
+      </dsp:txBody>
+      <dsp:txXfrm>
+        <a:off x="6145231" y="4583806"/>
+        <a:ext cx="372168" cy="180469"/>
+      </dsp:txXfrm>
+    </dsp:sp>
+    <dsp:sp modelId="{3C96E066-97C8-EA47-B71B-B9BBAB922826}">
+      <dsp:nvSpPr>
+        <dsp:cNvPr id="0" name=""/>
+        <dsp:cNvSpPr/>
+      </dsp:nvSpPr>
+      <dsp:spPr>
+        <a:xfrm rot="4924756">
+          <a:off x="3896218" y="3237617"/>
+          <a:ext cx="1112888" cy="6943"/>
+        </a:xfrm>
+        <a:custGeom>
+          <a:avLst/>
+          <a:gdLst/>
+          <a:ahLst/>
+          <a:cxnLst/>
+          <a:rect l="0" t="0" r="0" b="0"/>
+          <a:pathLst>
+            <a:path>
+              <a:moveTo>
+                <a:pt x="0" y="3471"/>
+              </a:moveTo>
+              <a:lnTo>
+                <a:pt x="1112888" y="3471"/>
+              </a:lnTo>
+            </a:path>
+          </a:pathLst>
+        </a:custGeom>
+        <a:noFill/>
+        <a:ln w="19050" cap="flat" cmpd="sng" algn="ctr">
+          <a:solidFill>
+            <a:schemeClr val="accent1">
+              <a:shade val="60000"/>
+              <a:hueOff val="0"/>
+              <a:satOff val="0"/>
+              <a:lumOff val="0"/>
+              <a:alphaOff val="0"/>
+            </a:schemeClr>
+          </a:solidFill>
+          <a:prstDash val="solid"/>
+          <a:miter lim="800000"/>
+        </a:ln>
+        <a:effectLst/>
+      </dsp:spPr>
+      <dsp:style>
+        <a:lnRef idx="2">
+          <a:scrgbClr r="0" g="0" b="0"/>
+        </a:lnRef>
+        <a:fillRef idx="0">
+          <a:scrgbClr r="0" g="0" b="0"/>
+        </a:fillRef>
+        <a:effectRef idx="0">
+          <a:scrgbClr r="0" g="0" b="0"/>
+        </a:effectRef>
+        <a:fontRef idx="minor"/>
+      </dsp:style>
+      <dsp:txBody>
+        <a:bodyPr spcFirstLastPara="0" vert="horz" wrap="square" lIns="12700" tIns="0" rIns="12700" bIns="0" numCol="1" spcCol="1270" anchor="ctr" anchorCtr="0">
+          <a:noAutofit/>
+        </a:bodyPr>
+        <a:lstStyle/>
+        <a:p>
+          <a:pPr marL="0" lvl="0" indent="0" algn="ctr" defTabSz="133350">
+            <a:lnSpc>
+              <a:spcPct val="90000"/>
+            </a:lnSpc>
+            <a:spcBef>
+              <a:spcPct val="0"/>
+            </a:spcBef>
+            <a:spcAft>
+              <a:spcPct val="35000"/>
+            </a:spcAft>
+            <a:buNone/>
+          </a:pPr>
+          <a:endParaRPr lang="en-US" sz="300" kern="1200"/>
+        </a:p>
+      </dsp:txBody>
+      <dsp:txXfrm>
+        <a:off x="4424840" y="3213266"/>
+        <a:ext cx="55644" cy="55644"/>
+      </dsp:txXfrm>
+    </dsp:sp>
+    <dsp:sp modelId="{0E170CEF-B681-2547-BABC-C7C748B9371A}">
+      <dsp:nvSpPr>
+        <dsp:cNvPr id="0" name=""/>
+        <dsp:cNvSpPr/>
+      </dsp:nvSpPr>
+      <dsp:spPr>
+        <a:xfrm>
+          <a:off x="4529342" y="3696374"/>
+          <a:ext cx="383398" cy="191699"/>
         </a:xfrm>
         <a:prstGeom prst="roundRect">
           <a:avLst>
@@ -9886,12 +12847,12 @@
         </a:fontRef>
       </dsp:style>
       <dsp:txBody>
-        <a:bodyPr spcFirstLastPara="0" vert="horz" wrap="square" lIns="4445" tIns="4445" rIns="4445" bIns="4445" numCol="1" spcCol="1270" anchor="ctr" anchorCtr="0">
+        <a:bodyPr spcFirstLastPara="0" vert="horz" wrap="square" lIns="2540" tIns="2540" rIns="2540" bIns="2540" numCol="1" spcCol="1270" anchor="ctr" anchorCtr="0">
           <a:noAutofit/>
         </a:bodyPr>
         <a:lstStyle/>
         <a:p>
-          <a:pPr marL="0" lvl="0" indent="0" algn="ctr" defTabSz="311150">
+          <a:pPr marL="0" lvl="0" indent="0" algn="ctr" defTabSz="177800">
             <a:lnSpc>
               <a:spcPct val="90000"/>
             </a:lnSpc>
@@ -9904,25 +12865,25 @@
             <a:buNone/>
           </a:pPr>
           <a:r>
-            <a:rPr lang="en-US" sz="700" kern="1200" dirty="0"/>
-            <a:t>SOFA score</a:t>
+            <a:rPr lang="en-US" sz="400" kern="1200" dirty="0"/>
+            <a:t>Comorbidities </a:t>
           </a:r>
         </a:p>
       </dsp:txBody>
       <dsp:txXfrm>
-        <a:off x="4977495" y="2828900"/>
-        <a:ext cx="560608" cy="271846"/>
+        <a:off x="4534957" y="3701989"/>
+        <a:ext cx="372168" cy="180469"/>
       </dsp:txXfrm>
     </dsp:sp>
-    <dsp:sp modelId="{4565D375-D648-0A44-BA8C-C3D1C2395B2A}">
+    <dsp:sp modelId="{3E231FEB-3764-E346-AA22-2BBE79C9199B}">
       <dsp:nvSpPr>
         <dsp:cNvPr id="0" name=""/>
         <dsp:cNvSpPr/>
       </dsp:nvSpPr>
       <dsp:spPr>
-        <a:xfrm rot="16794622">
-          <a:off x="4990946" y="2298487"/>
-          <a:ext cx="1342241" cy="10458"/>
+        <a:xfrm>
+          <a:off x="4912741" y="3788752"/>
+          <a:ext cx="153359" cy="6943"/>
         </a:xfrm>
         <a:custGeom>
           <a:avLst/>
@@ -9933,10 +12894,10 @@
           <a:pathLst>
             <a:path>
               <a:moveTo>
-                <a:pt x="0" y="5229"/>
+                <a:pt x="0" y="3471"/>
               </a:moveTo>
               <a:lnTo>
-                <a:pt x="1342241" y="5229"/>
+                <a:pt x="153359" y="3471"/>
               </a:lnTo>
             </a:path>
           </a:pathLst>
@@ -9975,7 +12936,7 @@
         </a:bodyPr>
         <a:lstStyle/>
         <a:p>
-          <a:pPr marL="0" lvl="0" indent="0" algn="ctr" defTabSz="266700">
+          <a:pPr marL="0" lvl="0" indent="0" algn="ctr" defTabSz="88900">
             <a:lnSpc>
               <a:spcPct val="90000"/>
             </a:lnSpc>
@@ -9987,23 +12948,23 @@
             </a:spcAft>
             <a:buNone/>
           </a:pPr>
-          <a:endParaRPr lang="en-US" sz="600" kern="1200"/>
+          <a:endParaRPr lang="en-US" sz="200" kern="1200"/>
         </a:p>
       </dsp:txBody>
       <dsp:txXfrm>
-        <a:off x="5628511" y="2270160"/>
-        <a:ext cx="67112" cy="67112"/>
+        <a:off x="4985587" y="3788390"/>
+        <a:ext cx="7667" cy="7667"/>
       </dsp:txXfrm>
     </dsp:sp>
-    <dsp:sp modelId="{8BA651B2-7E1B-5D48-9D78-E36A1BB55113}">
+    <dsp:sp modelId="{041B4434-8670-ED43-9361-370A524EF802}">
       <dsp:nvSpPr>
         <dsp:cNvPr id="0" name=""/>
         <dsp:cNvSpPr/>
       </dsp:nvSpPr>
       <dsp:spPr>
         <a:xfrm>
-          <a:off x="5777571" y="1498229"/>
-          <a:ext cx="577524" cy="288762"/>
+          <a:off x="5066100" y="3696374"/>
+          <a:ext cx="383398" cy="191699"/>
         </a:xfrm>
         <a:prstGeom prst="roundRect">
           <a:avLst>
@@ -10042,12 +13003,12 @@
         </a:fontRef>
       </dsp:style>
       <dsp:txBody>
-        <a:bodyPr spcFirstLastPara="0" vert="horz" wrap="square" lIns="4445" tIns="4445" rIns="4445" bIns="4445" numCol="1" spcCol="1270" anchor="ctr" anchorCtr="0">
+        <a:bodyPr spcFirstLastPara="0" vert="horz" wrap="square" lIns="2540" tIns="2540" rIns="2540" bIns="2540" numCol="1" spcCol="1270" anchor="ctr" anchorCtr="0">
           <a:noAutofit/>
         </a:bodyPr>
         <a:lstStyle/>
         <a:p>
-          <a:pPr marL="0" lvl="0" indent="0" algn="ctr" defTabSz="311150">
+          <a:pPr marL="0" lvl="0" indent="0" algn="ctr" defTabSz="177800">
             <a:lnSpc>
               <a:spcPct val="90000"/>
             </a:lnSpc>
@@ -10060,2526 +13021,14 @@
             <a:buNone/>
           </a:pPr>
           <a:r>
-            <a:rPr lang="en-US" sz="700" kern="1200" dirty="0" err="1"/>
-            <a:t>first_day_urine_output</a:t>
+            <a:rPr lang="en-US" sz="400" kern="1200" dirty="0"/>
+            <a:t>Charlson index</a:t>
           </a:r>
-          <a:endParaRPr lang="en-US" sz="700" kern="1200" dirty="0"/>
         </a:p>
       </dsp:txBody>
       <dsp:txXfrm>
-        <a:off x="5786029" y="1506687"/>
-        <a:ext cx="560608" cy="271846"/>
-      </dsp:txXfrm>
-    </dsp:sp>
-    <dsp:sp modelId="{8BE5ADEA-9D79-6F46-9D9D-6755321B3CA6}">
-      <dsp:nvSpPr>
-        <dsp:cNvPr id="0" name=""/>
-        <dsp:cNvSpPr/>
-      </dsp:nvSpPr>
-      <dsp:spPr>
-        <a:xfrm rot="16983315">
-          <a:off x="5150735" y="2461479"/>
-          <a:ext cx="1022662" cy="10458"/>
-        </a:xfrm>
-        <a:custGeom>
-          <a:avLst/>
-          <a:gdLst/>
-          <a:ahLst/>
-          <a:cxnLst/>
-          <a:rect l="0" t="0" r="0" b="0"/>
-          <a:pathLst>
-            <a:path>
-              <a:moveTo>
-                <a:pt x="0" y="5229"/>
-              </a:moveTo>
-              <a:lnTo>
-                <a:pt x="1022662" y="5229"/>
-              </a:lnTo>
-            </a:path>
-          </a:pathLst>
-        </a:custGeom>
-        <a:noFill/>
-        <a:ln w="19050" cap="flat" cmpd="sng" algn="ctr">
-          <a:solidFill>
-            <a:schemeClr val="accent1">
-              <a:shade val="80000"/>
-              <a:hueOff val="0"/>
-              <a:satOff val="0"/>
-              <a:lumOff val="0"/>
-              <a:alphaOff val="0"/>
-            </a:schemeClr>
-          </a:solidFill>
-          <a:prstDash val="solid"/>
-          <a:miter lim="800000"/>
-        </a:ln>
-        <a:effectLst/>
-      </dsp:spPr>
-      <dsp:style>
-        <a:lnRef idx="2">
-          <a:scrgbClr r="0" g="0" b="0"/>
-        </a:lnRef>
-        <a:fillRef idx="0">
-          <a:scrgbClr r="0" g="0" b="0"/>
-        </a:fillRef>
-        <a:effectRef idx="0">
-          <a:scrgbClr r="0" g="0" b="0"/>
-        </a:effectRef>
-        <a:fontRef idx="minor"/>
-      </dsp:style>
-      <dsp:txBody>
-        <a:bodyPr spcFirstLastPara="0" vert="horz" wrap="square" lIns="12700" tIns="0" rIns="12700" bIns="0" numCol="1" spcCol="1270" anchor="ctr" anchorCtr="0">
-          <a:noAutofit/>
-        </a:bodyPr>
-        <a:lstStyle/>
-        <a:p>
-          <a:pPr marL="0" lvl="0" indent="0" algn="ctr" defTabSz="266700">
-            <a:lnSpc>
-              <a:spcPct val="90000"/>
-            </a:lnSpc>
-            <a:spcBef>
-              <a:spcPct val="0"/>
-            </a:spcBef>
-            <a:spcAft>
-              <a:spcPct val="35000"/>
-            </a:spcAft>
-            <a:buNone/>
-          </a:pPr>
-          <a:endParaRPr lang="en-US" sz="600" kern="1200"/>
-        </a:p>
-      </dsp:txBody>
-      <dsp:txXfrm>
-        <a:off x="5636500" y="2441142"/>
-        <a:ext cx="51133" cy="51133"/>
-      </dsp:txXfrm>
-    </dsp:sp>
-    <dsp:sp modelId="{A5005477-1C54-6246-991D-FA87EE356F5C}">
-      <dsp:nvSpPr>
-        <dsp:cNvPr id="0" name=""/>
-        <dsp:cNvSpPr/>
-      </dsp:nvSpPr>
-      <dsp:spPr>
-        <a:xfrm>
-          <a:off x="5777571" y="1824212"/>
-          <a:ext cx="577524" cy="288762"/>
-        </a:xfrm>
-        <a:prstGeom prst="roundRect">
-          <a:avLst>
-            <a:gd name="adj" fmla="val 10000"/>
-          </a:avLst>
-        </a:prstGeom>
-        <a:solidFill>
-          <a:schemeClr val="accent3"/>
-        </a:solidFill>
-        <a:ln w="19050" cap="flat" cmpd="sng" algn="ctr">
-          <a:solidFill>
-            <a:schemeClr val="lt1">
-              <a:hueOff val="0"/>
-              <a:satOff val="0"/>
-              <a:lumOff val="0"/>
-              <a:alphaOff val="0"/>
-            </a:schemeClr>
-          </a:solidFill>
-          <a:prstDash val="solid"/>
-          <a:miter lim="800000"/>
-        </a:ln>
-        <a:effectLst/>
-      </dsp:spPr>
-      <dsp:style>
-        <a:lnRef idx="2">
-          <a:scrgbClr r="0" g="0" b="0"/>
-        </a:lnRef>
-        <a:fillRef idx="1">
-          <a:scrgbClr r="0" g="0" b="0"/>
-        </a:fillRef>
-        <a:effectRef idx="0">
-          <a:scrgbClr r="0" g="0" b="0"/>
-        </a:effectRef>
-        <a:fontRef idx="minor">
-          <a:schemeClr val="lt1"/>
-        </a:fontRef>
-      </dsp:style>
-      <dsp:txBody>
-        <a:bodyPr spcFirstLastPara="0" vert="horz" wrap="square" lIns="4445" tIns="4445" rIns="4445" bIns="4445" numCol="1" spcCol="1270" anchor="ctr" anchorCtr="0">
-          <a:noAutofit/>
-        </a:bodyPr>
-        <a:lstStyle/>
-        <a:p>
-          <a:pPr marL="0" lvl="0" indent="0" algn="ctr" defTabSz="311150">
-            <a:lnSpc>
-              <a:spcPct val="90000"/>
-            </a:lnSpc>
-            <a:spcBef>
-              <a:spcPct val="0"/>
-            </a:spcBef>
-            <a:spcAft>
-              <a:spcPct val="35000"/>
-            </a:spcAft>
-            <a:buNone/>
-          </a:pPr>
-          <a:r>
-            <a:rPr lang="en-US" sz="700" kern="1200" dirty="0" err="1"/>
-            <a:t>first_day_vitalsign</a:t>
-          </a:r>
-          <a:endParaRPr lang="en-US" sz="700" kern="1200" dirty="0"/>
-        </a:p>
-      </dsp:txBody>
-      <dsp:txXfrm>
-        <a:off x="5786029" y="1832670"/>
-        <a:ext cx="560608" cy="271846"/>
-      </dsp:txXfrm>
-    </dsp:sp>
-    <dsp:sp modelId="{8D0AC846-2E7E-CE48-B2AF-130AE31825E4}">
-      <dsp:nvSpPr>
-        <dsp:cNvPr id="0" name=""/>
-        <dsp:cNvSpPr/>
-      </dsp:nvSpPr>
-      <dsp:spPr>
-        <a:xfrm rot="17350740">
-          <a:off x="5310476" y="2627517"/>
-          <a:ext cx="703181" cy="10458"/>
-        </a:xfrm>
-        <a:custGeom>
-          <a:avLst/>
-          <a:gdLst/>
-          <a:ahLst/>
-          <a:cxnLst/>
-          <a:rect l="0" t="0" r="0" b="0"/>
-          <a:pathLst>
-            <a:path>
-              <a:moveTo>
-                <a:pt x="0" y="5229"/>
-              </a:moveTo>
-              <a:lnTo>
-                <a:pt x="703181" y="5229"/>
-              </a:lnTo>
-            </a:path>
-          </a:pathLst>
-        </a:custGeom>
-        <a:noFill/>
-        <a:ln w="19050" cap="flat" cmpd="sng" algn="ctr">
-          <a:solidFill>
-            <a:schemeClr val="accent1">
-              <a:shade val="80000"/>
-              <a:hueOff val="0"/>
-              <a:satOff val="0"/>
-              <a:lumOff val="0"/>
-              <a:alphaOff val="0"/>
-            </a:schemeClr>
-          </a:solidFill>
-          <a:prstDash val="solid"/>
-          <a:miter lim="800000"/>
-        </a:ln>
-        <a:effectLst/>
-      </dsp:spPr>
-      <dsp:style>
-        <a:lnRef idx="2">
-          <a:scrgbClr r="0" g="0" b="0"/>
-        </a:lnRef>
-        <a:fillRef idx="0">
-          <a:scrgbClr r="0" g="0" b="0"/>
-        </a:fillRef>
-        <a:effectRef idx="0">
-          <a:scrgbClr r="0" g="0" b="0"/>
-        </a:effectRef>
-        <a:fontRef idx="minor"/>
-      </dsp:style>
-      <dsp:txBody>
-        <a:bodyPr spcFirstLastPara="0" vert="horz" wrap="square" lIns="12700" tIns="0" rIns="12700" bIns="0" numCol="1" spcCol="1270" anchor="ctr" anchorCtr="0">
-          <a:noAutofit/>
-        </a:bodyPr>
-        <a:lstStyle/>
-        <a:p>
-          <a:pPr marL="0" lvl="0" indent="0" algn="ctr" defTabSz="266700">
-            <a:lnSpc>
-              <a:spcPct val="90000"/>
-            </a:lnSpc>
-            <a:spcBef>
-              <a:spcPct val="0"/>
-            </a:spcBef>
-            <a:spcAft>
-              <a:spcPct val="35000"/>
-            </a:spcAft>
-            <a:buNone/>
-          </a:pPr>
-          <a:endParaRPr lang="en-US" sz="600" kern="1200"/>
-        </a:p>
-      </dsp:txBody>
-      <dsp:txXfrm>
-        <a:off x="5644487" y="2615167"/>
-        <a:ext cx="35159" cy="35159"/>
-      </dsp:txXfrm>
-    </dsp:sp>
-    <dsp:sp modelId="{B0CD120C-B9B6-8343-B528-7E737BB197F3}">
-      <dsp:nvSpPr>
-        <dsp:cNvPr id="0" name=""/>
-        <dsp:cNvSpPr/>
-      </dsp:nvSpPr>
-      <dsp:spPr>
-        <a:xfrm>
-          <a:off x="5777571" y="2156289"/>
-          <a:ext cx="577524" cy="288762"/>
-        </a:xfrm>
-        <a:prstGeom prst="roundRect">
-          <a:avLst>
-            <a:gd name="adj" fmla="val 10000"/>
-          </a:avLst>
-        </a:prstGeom>
-        <a:solidFill>
-          <a:schemeClr val="accent3"/>
-        </a:solidFill>
-        <a:ln w="19050" cap="flat" cmpd="sng" algn="ctr">
-          <a:solidFill>
-            <a:schemeClr val="lt1">
-              <a:hueOff val="0"/>
-              <a:satOff val="0"/>
-              <a:lumOff val="0"/>
-              <a:alphaOff val="0"/>
-            </a:schemeClr>
-          </a:solidFill>
-          <a:prstDash val="solid"/>
-          <a:miter lim="800000"/>
-        </a:ln>
-        <a:effectLst/>
-      </dsp:spPr>
-      <dsp:style>
-        <a:lnRef idx="2">
-          <a:scrgbClr r="0" g="0" b="0"/>
-        </a:lnRef>
-        <a:fillRef idx="1">
-          <a:scrgbClr r="0" g="0" b="0"/>
-        </a:fillRef>
-        <a:effectRef idx="0">
-          <a:scrgbClr r="0" g="0" b="0"/>
-        </a:effectRef>
-        <a:fontRef idx="minor">
-          <a:schemeClr val="lt1"/>
-        </a:fontRef>
-      </dsp:style>
-      <dsp:txBody>
-        <a:bodyPr spcFirstLastPara="0" vert="horz" wrap="square" lIns="4445" tIns="4445" rIns="4445" bIns="4445" numCol="1" spcCol="1270" anchor="ctr" anchorCtr="0">
-          <a:noAutofit/>
-        </a:bodyPr>
-        <a:lstStyle/>
-        <a:p>
-          <a:pPr marL="0" lvl="0" indent="0" algn="ctr" defTabSz="311150">
-            <a:lnSpc>
-              <a:spcPct val="90000"/>
-            </a:lnSpc>
-            <a:spcBef>
-              <a:spcPct val="0"/>
-            </a:spcBef>
-            <a:spcAft>
-              <a:spcPct val="35000"/>
-            </a:spcAft>
-            <a:buNone/>
-          </a:pPr>
-          <a:r>
-            <a:rPr lang="en-US" sz="700" kern="1200" dirty="0" err="1"/>
-            <a:t>first_day_gcs</a:t>
-          </a:r>
-          <a:endParaRPr lang="en-US" sz="700" kern="1200" dirty="0"/>
-        </a:p>
-      </dsp:txBody>
-      <dsp:txXfrm>
-        <a:off x="5786029" y="2164747"/>
-        <a:ext cx="560608" cy="271846"/>
-      </dsp:txXfrm>
-    </dsp:sp>
-    <dsp:sp modelId="{677A30CC-13FE-B44A-87D5-6FB1CAEB80CA}">
-      <dsp:nvSpPr>
-        <dsp:cNvPr id="0" name=""/>
-        <dsp:cNvSpPr/>
-      </dsp:nvSpPr>
-      <dsp:spPr>
-        <a:xfrm rot="18289469">
-          <a:off x="5459804" y="2793555"/>
-          <a:ext cx="404524" cy="10458"/>
-        </a:xfrm>
-        <a:custGeom>
-          <a:avLst/>
-          <a:gdLst/>
-          <a:ahLst/>
-          <a:cxnLst/>
-          <a:rect l="0" t="0" r="0" b="0"/>
-          <a:pathLst>
-            <a:path>
-              <a:moveTo>
-                <a:pt x="0" y="5229"/>
-              </a:moveTo>
-              <a:lnTo>
-                <a:pt x="404524" y="5229"/>
-              </a:lnTo>
-            </a:path>
-          </a:pathLst>
-        </a:custGeom>
-        <a:noFill/>
-        <a:ln w="19050" cap="flat" cmpd="sng" algn="ctr">
-          <a:solidFill>
-            <a:schemeClr val="accent1">
-              <a:shade val="80000"/>
-              <a:hueOff val="0"/>
-              <a:satOff val="0"/>
-              <a:lumOff val="0"/>
-              <a:alphaOff val="0"/>
-            </a:schemeClr>
-          </a:solidFill>
-          <a:prstDash val="solid"/>
-          <a:miter lim="800000"/>
-        </a:ln>
-        <a:effectLst/>
-      </dsp:spPr>
-      <dsp:style>
-        <a:lnRef idx="2">
-          <a:scrgbClr r="0" g="0" b="0"/>
-        </a:lnRef>
-        <a:fillRef idx="0">
-          <a:scrgbClr r="0" g="0" b="0"/>
-        </a:fillRef>
-        <a:effectRef idx="0">
-          <a:scrgbClr r="0" g="0" b="0"/>
-        </a:effectRef>
-        <a:fontRef idx="minor"/>
-      </dsp:style>
-      <dsp:txBody>
-        <a:bodyPr spcFirstLastPara="0" vert="horz" wrap="square" lIns="12700" tIns="0" rIns="12700" bIns="0" numCol="1" spcCol="1270" anchor="ctr" anchorCtr="0">
-          <a:noAutofit/>
-        </a:bodyPr>
-        <a:lstStyle/>
-        <a:p>
-          <a:pPr marL="0" lvl="0" indent="0" algn="ctr" defTabSz="266700">
-            <a:lnSpc>
-              <a:spcPct val="90000"/>
-            </a:lnSpc>
-            <a:spcBef>
-              <a:spcPct val="0"/>
-            </a:spcBef>
-            <a:spcAft>
-              <a:spcPct val="35000"/>
-            </a:spcAft>
-            <a:buNone/>
-          </a:pPr>
-          <a:endParaRPr lang="en-US" sz="600" kern="1200"/>
-        </a:p>
-      </dsp:txBody>
-      <dsp:txXfrm>
-        <a:off x="5651953" y="2788672"/>
-        <a:ext cx="20226" cy="20226"/>
-      </dsp:txXfrm>
-    </dsp:sp>
-    <dsp:sp modelId="{FDCB6371-8A16-4149-B016-4CDB2C049E23}">
-      <dsp:nvSpPr>
-        <dsp:cNvPr id="0" name=""/>
-        <dsp:cNvSpPr/>
-      </dsp:nvSpPr>
-      <dsp:spPr>
-        <a:xfrm>
-          <a:off x="5777571" y="2488365"/>
-          <a:ext cx="577524" cy="288762"/>
-        </a:xfrm>
-        <a:prstGeom prst="roundRect">
-          <a:avLst>
-            <a:gd name="adj" fmla="val 10000"/>
-          </a:avLst>
-        </a:prstGeom>
-        <a:solidFill>
-          <a:schemeClr val="accent3"/>
-        </a:solidFill>
-        <a:ln w="19050" cap="flat" cmpd="sng" algn="ctr">
-          <a:solidFill>
-            <a:schemeClr val="lt1">
-              <a:hueOff val="0"/>
-              <a:satOff val="0"/>
-              <a:lumOff val="0"/>
-              <a:alphaOff val="0"/>
-            </a:schemeClr>
-          </a:solidFill>
-          <a:prstDash val="solid"/>
-          <a:miter lim="800000"/>
-        </a:ln>
-        <a:effectLst/>
-      </dsp:spPr>
-      <dsp:style>
-        <a:lnRef idx="2">
-          <a:scrgbClr r="0" g="0" b="0"/>
-        </a:lnRef>
-        <a:fillRef idx="1">
-          <a:scrgbClr r="0" g="0" b="0"/>
-        </a:fillRef>
-        <a:effectRef idx="0">
-          <a:scrgbClr r="0" g="0" b="0"/>
-        </a:effectRef>
-        <a:fontRef idx="minor">
-          <a:schemeClr val="lt1"/>
-        </a:fontRef>
-      </dsp:style>
-      <dsp:txBody>
-        <a:bodyPr spcFirstLastPara="0" vert="horz" wrap="square" lIns="4445" tIns="4445" rIns="4445" bIns="4445" numCol="1" spcCol="1270" anchor="ctr" anchorCtr="0">
-          <a:noAutofit/>
-        </a:bodyPr>
-        <a:lstStyle/>
-        <a:p>
-          <a:pPr marL="0" lvl="0" indent="0" algn="ctr" defTabSz="311150">
-            <a:lnSpc>
-              <a:spcPct val="90000"/>
-            </a:lnSpc>
-            <a:spcBef>
-              <a:spcPct val="0"/>
-            </a:spcBef>
-            <a:spcAft>
-              <a:spcPct val="35000"/>
-            </a:spcAft>
-            <a:buNone/>
-          </a:pPr>
-          <a:r>
-            <a:rPr lang="en-US" sz="700" kern="1200" dirty="0" err="1"/>
-            <a:t>first_day_lab</a:t>
-          </a:r>
-          <a:endParaRPr lang="en-US" sz="700" kern="1200" dirty="0"/>
-        </a:p>
-      </dsp:txBody>
-      <dsp:txXfrm>
-        <a:off x="5786029" y="2496823"/>
-        <a:ext cx="560608" cy="271846"/>
-      </dsp:txXfrm>
-    </dsp:sp>
-    <dsp:sp modelId="{94F7A78D-9BB5-3F42-8CBC-9F71ACD2CAA0}">
-      <dsp:nvSpPr>
-        <dsp:cNvPr id="0" name=""/>
-        <dsp:cNvSpPr/>
-      </dsp:nvSpPr>
-      <dsp:spPr>
-        <a:xfrm rot="17350740">
-          <a:off x="6119010" y="2295440"/>
-          <a:ext cx="703181" cy="10458"/>
-        </a:xfrm>
-        <a:custGeom>
-          <a:avLst/>
-          <a:gdLst/>
-          <a:ahLst/>
-          <a:cxnLst/>
-          <a:rect l="0" t="0" r="0" b="0"/>
-          <a:pathLst>
-            <a:path>
-              <a:moveTo>
-                <a:pt x="0" y="5229"/>
-              </a:moveTo>
-              <a:lnTo>
-                <a:pt x="703181" y="5229"/>
-              </a:lnTo>
-            </a:path>
-          </a:pathLst>
-        </a:custGeom>
-        <a:noFill/>
-        <a:ln w="19050" cap="flat" cmpd="sng" algn="ctr">
-          <a:solidFill>
-            <a:schemeClr val="accent1">
-              <a:shade val="80000"/>
-              <a:hueOff val="0"/>
-              <a:satOff val="0"/>
-              <a:lumOff val="0"/>
-              <a:alphaOff val="0"/>
-            </a:schemeClr>
-          </a:solidFill>
-          <a:prstDash val="solid"/>
-          <a:miter lim="800000"/>
-        </a:ln>
-        <a:effectLst/>
-      </dsp:spPr>
-      <dsp:style>
-        <a:lnRef idx="2">
-          <a:scrgbClr r="0" g="0" b="0"/>
-        </a:lnRef>
-        <a:fillRef idx="0">
-          <a:scrgbClr r="0" g="0" b="0"/>
-        </a:fillRef>
-        <a:effectRef idx="0">
-          <a:scrgbClr r="0" g="0" b="0"/>
-        </a:effectRef>
-        <a:fontRef idx="minor"/>
-      </dsp:style>
-      <dsp:txBody>
-        <a:bodyPr spcFirstLastPara="0" vert="horz" wrap="square" lIns="12700" tIns="0" rIns="12700" bIns="0" numCol="1" spcCol="1270" anchor="ctr" anchorCtr="0">
-          <a:noAutofit/>
-        </a:bodyPr>
-        <a:lstStyle/>
-        <a:p>
-          <a:pPr marL="0" lvl="0" indent="0" algn="ctr" defTabSz="222250">
-            <a:lnSpc>
-              <a:spcPct val="90000"/>
-            </a:lnSpc>
-            <a:spcBef>
-              <a:spcPct val="0"/>
-            </a:spcBef>
-            <a:spcAft>
-              <a:spcPct val="35000"/>
-            </a:spcAft>
-            <a:buNone/>
-          </a:pPr>
-          <a:endParaRPr lang="en-US" sz="500" kern="1200"/>
-        </a:p>
-      </dsp:txBody>
-      <dsp:txXfrm>
-        <a:off x="6453021" y="2283090"/>
-        <a:ext cx="35159" cy="35159"/>
-      </dsp:txXfrm>
-    </dsp:sp>
-    <dsp:sp modelId="{36D3E8D8-29EB-CB44-8C6B-85650D88BE91}">
-      <dsp:nvSpPr>
-        <dsp:cNvPr id="0" name=""/>
-        <dsp:cNvSpPr/>
-      </dsp:nvSpPr>
-      <dsp:spPr>
-        <a:xfrm>
-          <a:off x="6586106" y="1824212"/>
-          <a:ext cx="577524" cy="288762"/>
-        </a:xfrm>
-        <a:prstGeom prst="roundRect">
-          <a:avLst>
-            <a:gd name="adj" fmla="val 10000"/>
-          </a:avLst>
-        </a:prstGeom>
-        <a:solidFill>
-          <a:schemeClr val="accent3"/>
-        </a:solidFill>
-        <a:ln w="19050" cap="flat" cmpd="sng" algn="ctr">
-          <a:solidFill>
-            <a:schemeClr val="lt1">
-              <a:hueOff val="0"/>
-              <a:satOff val="0"/>
-              <a:lumOff val="0"/>
-              <a:alphaOff val="0"/>
-            </a:schemeClr>
-          </a:solidFill>
-          <a:prstDash val="solid"/>
-          <a:miter lim="800000"/>
-        </a:ln>
-        <a:effectLst/>
-      </dsp:spPr>
-      <dsp:style>
-        <a:lnRef idx="2">
-          <a:scrgbClr r="0" g="0" b="0"/>
-        </a:lnRef>
-        <a:fillRef idx="1">
-          <a:scrgbClr r="0" g="0" b="0"/>
-        </a:fillRef>
-        <a:effectRef idx="0">
-          <a:scrgbClr r="0" g="0" b="0"/>
-        </a:effectRef>
-        <a:fontRef idx="minor">
-          <a:schemeClr val="lt1"/>
-        </a:fontRef>
-      </dsp:style>
-      <dsp:txBody>
-        <a:bodyPr spcFirstLastPara="0" vert="horz" wrap="square" lIns="4445" tIns="4445" rIns="4445" bIns="4445" numCol="1" spcCol="1270" anchor="ctr" anchorCtr="0">
-          <a:noAutofit/>
-        </a:bodyPr>
-        <a:lstStyle/>
-        <a:p>
-          <a:pPr marL="0" lvl="0" indent="0" algn="ctr" defTabSz="311150">
-            <a:lnSpc>
-              <a:spcPct val="90000"/>
-            </a:lnSpc>
-            <a:spcBef>
-              <a:spcPct val="0"/>
-            </a:spcBef>
-            <a:spcAft>
-              <a:spcPct val="35000"/>
-            </a:spcAft>
-            <a:buNone/>
-          </a:pPr>
-          <a:r>
-            <a:rPr lang="en-US" sz="700" kern="1200" dirty="0" err="1"/>
-            <a:t>complete_blood_count</a:t>
-          </a:r>
-          <a:endParaRPr lang="en-US" sz="700" kern="1200" dirty="0"/>
-        </a:p>
-      </dsp:txBody>
-      <dsp:txXfrm>
-        <a:off x="6594564" y="1832670"/>
-        <a:ext cx="560608" cy="271846"/>
-      </dsp:txXfrm>
-    </dsp:sp>
-    <dsp:sp modelId="{678F3D96-AD5A-AC4E-940B-06BE4081F249}">
-      <dsp:nvSpPr>
-        <dsp:cNvPr id="0" name=""/>
-        <dsp:cNvSpPr/>
-      </dsp:nvSpPr>
-      <dsp:spPr>
-        <a:xfrm rot="18289469">
-          <a:off x="6268338" y="2461479"/>
-          <a:ext cx="404524" cy="10458"/>
-        </a:xfrm>
-        <a:custGeom>
-          <a:avLst/>
-          <a:gdLst/>
-          <a:ahLst/>
-          <a:cxnLst/>
-          <a:rect l="0" t="0" r="0" b="0"/>
-          <a:pathLst>
-            <a:path>
-              <a:moveTo>
-                <a:pt x="0" y="5229"/>
-              </a:moveTo>
-              <a:lnTo>
-                <a:pt x="404524" y="5229"/>
-              </a:lnTo>
-            </a:path>
-          </a:pathLst>
-        </a:custGeom>
-        <a:noFill/>
-        <a:ln w="19050" cap="flat" cmpd="sng" algn="ctr">
-          <a:solidFill>
-            <a:schemeClr val="accent1">
-              <a:shade val="80000"/>
-              <a:hueOff val="0"/>
-              <a:satOff val="0"/>
-              <a:lumOff val="0"/>
-              <a:alphaOff val="0"/>
-            </a:schemeClr>
-          </a:solidFill>
-          <a:prstDash val="solid"/>
-          <a:miter lim="800000"/>
-        </a:ln>
-        <a:effectLst/>
-      </dsp:spPr>
-      <dsp:style>
-        <a:lnRef idx="2">
-          <a:scrgbClr r="0" g="0" b="0"/>
-        </a:lnRef>
-        <a:fillRef idx="0">
-          <a:scrgbClr r="0" g="0" b="0"/>
-        </a:fillRef>
-        <a:effectRef idx="0">
-          <a:scrgbClr r="0" g="0" b="0"/>
-        </a:effectRef>
-        <a:fontRef idx="minor"/>
-      </dsp:style>
-      <dsp:txBody>
-        <a:bodyPr spcFirstLastPara="0" vert="horz" wrap="square" lIns="12700" tIns="0" rIns="12700" bIns="0" numCol="1" spcCol="1270" anchor="ctr" anchorCtr="0">
-          <a:noAutofit/>
-        </a:bodyPr>
-        <a:lstStyle/>
-        <a:p>
-          <a:pPr marL="0" lvl="0" indent="0" algn="ctr" defTabSz="222250">
-            <a:lnSpc>
-              <a:spcPct val="90000"/>
-            </a:lnSpc>
-            <a:spcBef>
-              <a:spcPct val="0"/>
-            </a:spcBef>
-            <a:spcAft>
-              <a:spcPct val="35000"/>
-            </a:spcAft>
-            <a:buNone/>
-          </a:pPr>
-          <a:endParaRPr lang="en-US" sz="500" kern="1200"/>
-        </a:p>
-      </dsp:txBody>
-      <dsp:txXfrm>
-        <a:off x="6460488" y="2456595"/>
-        <a:ext cx="20226" cy="20226"/>
-      </dsp:txXfrm>
-    </dsp:sp>
-    <dsp:sp modelId="{1C4445A4-36A6-D84A-90AF-4CFBC0B541A2}">
-      <dsp:nvSpPr>
-        <dsp:cNvPr id="0" name=""/>
-        <dsp:cNvSpPr/>
-      </dsp:nvSpPr>
-      <dsp:spPr>
-        <a:xfrm>
-          <a:off x="6586106" y="2156289"/>
-          <a:ext cx="577524" cy="288762"/>
-        </a:xfrm>
-        <a:prstGeom prst="roundRect">
-          <a:avLst>
-            <a:gd name="adj" fmla="val 10000"/>
-          </a:avLst>
-        </a:prstGeom>
-        <a:solidFill>
-          <a:schemeClr val="accent3"/>
-        </a:solidFill>
-        <a:ln w="19050" cap="flat" cmpd="sng" algn="ctr">
-          <a:solidFill>
-            <a:schemeClr val="lt1">
-              <a:hueOff val="0"/>
-              <a:satOff val="0"/>
-              <a:lumOff val="0"/>
-              <a:alphaOff val="0"/>
-            </a:schemeClr>
-          </a:solidFill>
-          <a:prstDash val="solid"/>
-          <a:miter lim="800000"/>
-        </a:ln>
-        <a:effectLst/>
-      </dsp:spPr>
-      <dsp:style>
-        <a:lnRef idx="2">
-          <a:scrgbClr r="0" g="0" b="0"/>
-        </a:lnRef>
-        <a:fillRef idx="1">
-          <a:scrgbClr r="0" g="0" b="0"/>
-        </a:fillRef>
-        <a:effectRef idx="0">
-          <a:scrgbClr r="0" g="0" b="0"/>
-        </a:effectRef>
-        <a:fontRef idx="minor">
-          <a:schemeClr val="lt1"/>
-        </a:fontRef>
-      </dsp:style>
-      <dsp:txBody>
-        <a:bodyPr spcFirstLastPara="0" vert="horz" wrap="square" lIns="4445" tIns="4445" rIns="4445" bIns="4445" numCol="1" spcCol="1270" anchor="ctr" anchorCtr="0">
-          <a:noAutofit/>
-        </a:bodyPr>
-        <a:lstStyle/>
-        <a:p>
-          <a:pPr marL="0" lvl="0" indent="0" algn="ctr" defTabSz="311150">
-            <a:lnSpc>
-              <a:spcPct val="90000"/>
-            </a:lnSpc>
-            <a:spcBef>
-              <a:spcPct val="0"/>
-            </a:spcBef>
-            <a:spcAft>
-              <a:spcPct val="35000"/>
-            </a:spcAft>
-            <a:buNone/>
-          </a:pPr>
-          <a:r>
-            <a:rPr lang="en-US" sz="700" kern="1200" dirty="0"/>
-            <a:t>chemistry</a:t>
-          </a:r>
-        </a:p>
-      </dsp:txBody>
-      <dsp:txXfrm>
-        <a:off x="6594564" y="2164747"/>
-        <a:ext cx="560608" cy="271846"/>
-      </dsp:txXfrm>
-    </dsp:sp>
-    <dsp:sp modelId="{CF3F69E9-A60E-3B4A-A599-30202ABB69F3}">
-      <dsp:nvSpPr>
-        <dsp:cNvPr id="0" name=""/>
-        <dsp:cNvSpPr/>
-      </dsp:nvSpPr>
-      <dsp:spPr>
-        <a:xfrm>
-          <a:off x="6355096" y="2627517"/>
-          <a:ext cx="231009" cy="10458"/>
-        </a:xfrm>
-        <a:custGeom>
-          <a:avLst/>
-          <a:gdLst/>
-          <a:ahLst/>
-          <a:cxnLst/>
-          <a:rect l="0" t="0" r="0" b="0"/>
-          <a:pathLst>
-            <a:path>
-              <a:moveTo>
-                <a:pt x="0" y="5229"/>
-              </a:moveTo>
-              <a:lnTo>
-                <a:pt x="231009" y="5229"/>
-              </a:lnTo>
-            </a:path>
-          </a:pathLst>
-        </a:custGeom>
-        <a:noFill/>
-        <a:ln w="19050" cap="flat" cmpd="sng" algn="ctr">
-          <a:solidFill>
-            <a:schemeClr val="accent1">
-              <a:shade val="80000"/>
-              <a:hueOff val="0"/>
-              <a:satOff val="0"/>
-              <a:lumOff val="0"/>
-              <a:alphaOff val="0"/>
-            </a:schemeClr>
-          </a:solidFill>
-          <a:prstDash val="solid"/>
-          <a:miter lim="800000"/>
-        </a:ln>
-        <a:effectLst/>
-      </dsp:spPr>
-      <dsp:style>
-        <a:lnRef idx="2">
-          <a:scrgbClr r="0" g="0" b="0"/>
-        </a:lnRef>
-        <a:fillRef idx="0">
-          <a:scrgbClr r="0" g="0" b="0"/>
-        </a:fillRef>
-        <a:effectRef idx="0">
-          <a:scrgbClr r="0" g="0" b="0"/>
-        </a:effectRef>
-        <a:fontRef idx="minor"/>
-      </dsp:style>
-      <dsp:txBody>
-        <a:bodyPr spcFirstLastPara="0" vert="horz" wrap="square" lIns="12700" tIns="0" rIns="12700" bIns="0" numCol="1" spcCol="1270" anchor="ctr" anchorCtr="0">
-          <a:noAutofit/>
-        </a:bodyPr>
-        <a:lstStyle/>
-        <a:p>
-          <a:pPr marL="0" lvl="0" indent="0" algn="ctr" defTabSz="222250">
-            <a:lnSpc>
-              <a:spcPct val="90000"/>
-            </a:lnSpc>
-            <a:spcBef>
-              <a:spcPct val="0"/>
-            </a:spcBef>
-            <a:spcAft>
-              <a:spcPct val="35000"/>
-            </a:spcAft>
-            <a:buNone/>
-          </a:pPr>
-          <a:endParaRPr lang="en-US" sz="500" kern="1200"/>
-        </a:p>
-      </dsp:txBody>
-      <dsp:txXfrm>
-        <a:off x="6464826" y="2626971"/>
-        <a:ext cx="11550" cy="11550"/>
-      </dsp:txXfrm>
-    </dsp:sp>
-    <dsp:sp modelId="{834E2982-E522-504F-BBA5-47DF42536759}">
-      <dsp:nvSpPr>
-        <dsp:cNvPr id="0" name=""/>
-        <dsp:cNvSpPr/>
-      </dsp:nvSpPr>
-      <dsp:spPr>
-        <a:xfrm>
-          <a:off x="6586106" y="2488365"/>
-          <a:ext cx="577524" cy="288762"/>
-        </a:xfrm>
-        <a:prstGeom prst="roundRect">
-          <a:avLst>
-            <a:gd name="adj" fmla="val 10000"/>
-          </a:avLst>
-        </a:prstGeom>
-        <a:solidFill>
-          <a:schemeClr val="accent3"/>
-        </a:solidFill>
-        <a:ln w="19050" cap="flat" cmpd="sng" algn="ctr">
-          <a:solidFill>
-            <a:schemeClr val="lt1">
-              <a:hueOff val="0"/>
-              <a:satOff val="0"/>
-              <a:lumOff val="0"/>
-              <a:alphaOff val="0"/>
-            </a:schemeClr>
-          </a:solidFill>
-          <a:prstDash val="solid"/>
-          <a:miter lim="800000"/>
-        </a:ln>
-        <a:effectLst/>
-      </dsp:spPr>
-      <dsp:style>
-        <a:lnRef idx="2">
-          <a:scrgbClr r="0" g="0" b="0"/>
-        </a:lnRef>
-        <a:fillRef idx="1">
-          <a:scrgbClr r="0" g="0" b="0"/>
-        </a:fillRef>
-        <a:effectRef idx="0">
-          <a:scrgbClr r="0" g="0" b="0"/>
-        </a:effectRef>
-        <a:fontRef idx="minor">
-          <a:schemeClr val="lt1"/>
-        </a:fontRef>
-      </dsp:style>
-      <dsp:txBody>
-        <a:bodyPr spcFirstLastPara="0" vert="horz" wrap="square" lIns="4445" tIns="4445" rIns="4445" bIns="4445" numCol="1" spcCol="1270" anchor="ctr" anchorCtr="0">
-          <a:noAutofit/>
-        </a:bodyPr>
-        <a:lstStyle/>
-        <a:p>
-          <a:pPr marL="0" lvl="0" indent="0" algn="ctr" defTabSz="311150">
-            <a:lnSpc>
-              <a:spcPct val="90000"/>
-            </a:lnSpc>
-            <a:spcBef>
-              <a:spcPct val="0"/>
-            </a:spcBef>
-            <a:spcAft>
-              <a:spcPct val="35000"/>
-            </a:spcAft>
-            <a:buNone/>
-          </a:pPr>
-          <a:r>
-            <a:rPr lang="en-US" sz="700" kern="1200" dirty="0" err="1"/>
-            <a:t>blood_differential</a:t>
-          </a:r>
-          <a:endParaRPr lang="en-US" sz="700" kern="1200" dirty="0"/>
-        </a:p>
-      </dsp:txBody>
-      <dsp:txXfrm>
-        <a:off x="6594564" y="2496823"/>
-        <a:ext cx="560608" cy="271846"/>
-      </dsp:txXfrm>
-    </dsp:sp>
-    <dsp:sp modelId="{603FD555-271E-3244-BF52-8F67F3348C5B}">
-      <dsp:nvSpPr>
-        <dsp:cNvPr id="0" name=""/>
-        <dsp:cNvSpPr/>
-      </dsp:nvSpPr>
-      <dsp:spPr>
-        <a:xfrm rot="3310531">
-          <a:off x="6268338" y="2793555"/>
-          <a:ext cx="404524" cy="10458"/>
-        </a:xfrm>
-        <a:custGeom>
-          <a:avLst/>
-          <a:gdLst/>
-          <a:ahLst/>
-          <a:cxnLst/>
-          <a:rect l="0" t="0" r="0" b="0"/>
-          <a:pathLst>
-            <a:path>
-              <a:moveTo>
-                <a:pt x="0" y="5229"/>
-              </a:moveTo>
-              <a:lnTo>
-                <a:pt x="404524" y="5229"/>
-              </a:lnTo>
-            </a:path>
-          </a:pathLst>
-        </a:custGeom>
-        <a:noFill/>
-        <a:ln w="19050" cap="flat" cmpd="sng" algn="ctr">
-          <a:solidFill>
-            <a:schemeClr val="accent1">
-              <a:shade val="80000"/>
-              <a:hueOff val="0"/>
-              <a:satOff val="0"/>
-              <a:lumOff val="0"/>
-              <a:alphaOff val="0"/>
-            </a:schemeClr>
-          </a:solidFill>
-          <a:prstDash val="solid"/>
-          <a:miter lim="800000"/>
-        </a:ln>
-        <a:effectLst/>
-      </dsp:spPr>
-      <dsp:style>
-        <a:lnRef idx="2">
-          <a:scrgbClr r="0" g="0" b="0"/>
-        </a:lnRef>
-        <a:fillRef idx="0">
-          <a:scrgbClr r="0" g="0" b="0"/>
-        </a:fillRef>
-        <a:effectRef idx="0">
-          <a:scrgbClr r="0" g="0" b="0"/>
-        </a:effectRef>
-        <a:fontRef idx="minor"/>
-      </dsp:style>
-      <dsp:txBody>
-        <a:bodyPr spcFirstLastPara="0" vert="horz" wrap="square" lIns="12700" tIns="0" rIns="12700" bIns="0" numCol="1" spcCol="1270" anchor="ctr" anchorCtr="0">
-          <a:noAutofit/>
-        </a:bodyPr>
-        <a:lstStyle/>
-        <a:p>
-          <a:pPr marL="0" lvl="0" indent="0" algn="ctr" defTabSz="222250">
-            <a:lnSpc>
-              <a:spcPct val="90000"/>
-            </a:lnSpc>
-            <a:spcBef>
-              <a:spcPct val="0"/>
-            </a:spcBef>
-            <a:spcAft>
-              <a:spcPct val="35000"/>
-            </a:spcAft>
-            <a:buNone/>
-          </a:pPr>
-          <a:endParaRPr lang="en-US" sz="500" kern="1200"/>
-        </a:p>
-      </dsp:txBody>
-      <dsp:txXfrm>
-        <a:off x="6460488" y="2788672"/>
-        <a:ext cx="20226" cy="20226"/>
-      </dsp:txXfrm>
-    </dsp:sp>
-    <dsp:sp modelId="{4310DD81-B19B-DA42-9362-A8F7D026FADE}">
-      <dsp:nvSpPr>
-        <dsp:cNvPr id="0" name=""/>
-        <dsp:cNvSpPr/>
-      </dsp:nvSpPr>
-      <dsp:spPr>
-        <a:xfrm>
-          <a:off x="6586106" y="2820442"/>
-          <a:ext cx="577524" cy="288762"/>
-        </a:xfrm>
-        <a:prstGeom prst="roundRect">
-          <a:avLst>
-            <a:gd name="adj" fmla="val 10000"/>
-          </a:avLst>
-        </a:prstGeom>
-        <a:solidFill>
-          <a:schemeClr val="accent3"/>
-        </a:solidFill>
-        <a:ln w="19050" cap="flat" cmpd="sng" algn="ctr">
-          <a:solidFill>
-            <a:schemeClr val="lt1">
-              <a:hueOff val="0"/>
-              <a:satOff val="0"/>
-              <a:lumOff val="0"/>
-              <a:alphaOff val="0"/>
-            </a:schemeClr>
-          </a:solidFill>
-          <a:prstDash val="solid"/>
-          <a:miter lim="800000"/>
-        </a:ln>
-        <a:effectLst/>
-      </dsp:spPr>
-      <dsp:style>
-        <a:lnRef idx="2">
-          <a:scrgbClr r="0" g="0" b="0"/>
-        </a:lnRef>
-        <a:fillRef idx="1">
-          <a:scrgbClr r="0" g="0" b="0"/>
-        </a:fillRef>
-        <a:effectRef idx="0">
-          <a:scrgbClr r="0" g="0" b="0"/>
-        </a:effectRef>
-        <a:fontRef idx="minor">
-          <a:schemeClr val="lt1"/>
-        </a:fontRef>
-      </dsp:style>
-      <dsp:txBody>
-        <a:bodyPr spcFirstLastPara="0" vert="horz" wrap="square" lIns="4445" tIns="4445" rIns="4445" bIns="4445" numCol="1" spcCol="1270" anchor="ctr" anchorCtr="0">
-          <a:noAutofit/>
-        </a:bodyPr>
-        <a:lstStyle/>
-        <a:p>
-          <a:pPr marL="0" lvl="0" indent="0" algn="ctr" defTabSz="311150">
-            <a:lnSpc>
-              <a:spcPct val="90000"/>
-            </a:lnSpc>
-            <a:spcBef>
-              <a:spcPct val="0"/>
-            </a:spcBef>
-            <a:spcAft>
-              <a:spcPct val="35000"/>
-            </a:spcAft>
-            <a:buNone/>
-          </a:pPr>
-          <a:r>
-            <a:rPr lang="en-US" sz="700" kern="1200" dirty="0"/>
-            <a:t>coagulation</a:t>
-          </a:r>
-        </a:p>
-      </dsp:txBody>
-      <dsp:txXfrm>
-        <a:off x="6594564" y="2828900"/>
-        <a:ext cx="560608" cy="271846"/>
-      </dsp:txXfrm>
-    </dsp:sp>
-    <dsp:sp modelId="{E6DEBC8E-AEE9-2345-B702-217A6B935626}">
-      <dsp:nvSpPr>
-        <dsp:cNvPr id="0" name=""/>
-        <dsp:cNvSpPr/>
-      </dsp:nvSpPr>
-      <dsp:spPr>
-        <a:xfrm rot="4249260">
-          <a:off x="6119010" y="2959594"/>
-          <a:ext cx="703181" cy="10458"/>
-        </a:xfrm>
-        <a:custGeom>
-          <a:avLst/>
-          <a:gdLst/>
-          <a:ahLst/>
-          <a:cxnLst/>
-          <a:rect l="0" t="0" r="0" b="0"/>
-          <a:pathLst>
-            <a:path>
-              <a:moveTo>
-                <a:pt x="0" y="5229"/>
-              </a:moveTo>
-              <a:lnTo>
-                <a:pt x="703181" y="5229"/>
-              </a:lnTo>
-            </a:path>
-          </a:pathLst>
-        </a:custGeom>
-        <a:noFill/>
-        <a:ln w="19050" cap="flat" cmpd="sng" algn="ctr">
-          <a:solidFill>
-            <a:schemeClr val="accent1">
-              <a:shade val="80000"/>
-              <a:hueOff val="0"/>
-              <a:satOff val="0"/>
-              <a:lumOff val="0"/>
-              <a:alphaOff val="0"/>
-            </a:schemeClr>
-          </a:solidFill>
-          <a:prstDash val="solid"/>
-          <a:miter lim="800000"/>
-        </a:ln>
-        <a:effectLst/>
-      </dsp:spPr>
-      <dsp:style>
-        <a:lnRef idx="2">
-          <a:scrgbClr r="0" g="0" b="0"/>
-        </a:lnRef>
-        <a:fillRef idx="0">
-          <a:scrgbClr r="0" g="0" b="0"/>
-        </a:fillRef>
-        <a:effectRef idx="0">
-          <a:scrgbClr r="0" g="0" b="0"/>
-        </a:effectRef>
-        <a:fontRef idx="minor"/>
-      </dsp:style>
-      <dsp:txBody>
-        <a:bodyPr spcFirstLastPara="0" vert="horz" wrap="square" lIns="12700" tIns="0" rIns="12700" bIns="0" numCol="1" spcCol="1270" anchor="ctr" anchorCtr="0">
-          <a:noAutofit/>
-        </a:bodyPr>
-        <a:lstStyle/>
-        <a:p>
-          <a:pPr marL="0" lvl="0" indent="0" algn="ctr" defTabSz="222250">
-            <a:lnSpc>
-              <a:spcPct val="90000"/>
-            </a:lnSpc>
-            <a:spcBef>
-              <a:spcPct val="0"/>
-            </a:spcBef>
-            <a:spcAft>
-              <a:spcPct val="35000"/>
-            </a:spcAft>
-            <a:buNone/>
-          </a:pPr>
-          <a:endParaRPr lang="en-US" sz="500" kern="1200"/>
-        </a:p>
-      </dsp:txBody>
-      <dsp:txXfrm>
-        <a:off x="6453021" y="2947244"/>
-        <a:ext cx="35159" cy="35159"/>
-      </dsp:txXfrm>
-    </dsp:sp>
-    <dsp:sp modelId="{807214F2-BC85-BD43-BDF1-45AB8419F1A3}">
-      <dsp:nvSpPr>
-        <dsp:cNvPr id="0" name=""/>
-        <dsp:cNvSpPr/>
-      </dsp:nvSpPr>
-      <dsp:spPr>
-        <a:xfrm>
-          <a:off x="6586106" y="3152519"/>
-          <a:ext cx="577524" cy="288762"/>
-        </a:xfrm>
-        <a:prstGeom prst="roundRect">
-          <a:avLst>
-            <a:gd name="adj" fmla="val 10000"/>
-          </a:avLst>
-        </a:prstGeom>
-        <a:solidFill>
-          <a:schemeClr val="accent3"/>
-        </a:solidFill>
-        <a:ln w="19050" cap="flat" cmpd="sng" algn="ctr">
-          <a:solidFill>
-            <a:schemeClr val="lt1">
-              <a:hueOff val="0"/>
-              <a:satOff val="0"/>
-              <a:lumOff val="0"/>
-              <a:alphaOff val="0"/>
-            </a:schemeClr>
-          </a:solidFill>
-          <a:prstDash val="solid"/>
-          <a:miter lim="800000"/>
-        </a:ln>
-        <a:effectLst/>
-      </dsp:spPr>
-      <dsp:style>
-        <a:lnRef idx="2">
-          <a:scrgbClr r="0" g="0" b="0"/>
-        </a:lnRef>
-        <a:fillRef idx="1">
-          <a:scrgbClr r="0" g="0" b="0"/>
-        </a:fillRef>
-        <a:effectRef idx="0">
-          <a:scrgbClr r="0" g="0" b="0"/>
-        </a:effectRef>
-        <a:fontRef idx="minor">
-          <a:schemeClr val="lt1"/>
-        </a:fontRef>
-      </dsp:style>
-      <dsp:txBody>
-        <a:bodyPr spcFirstLastPara="0" vert="horz" wrap="square" lIns="4445" tIns="4445" rIns="4445" bIns="4445" numCol="1" spcCol="1270" anchor="ctr" anchorCtr="0">
-          <a:noAutofit/>
-        </a:bodyPr>
-        <a:lstStyle/>
-        <a:p>
-          <a:pPr marL="0" lvl="0" indent="0" algn="ctr" defTabSz="311150">
-            <a:lnSpc>
-              <a:spcPct val="90000"/>
-            </a:lnSpc>
-            <a:spcBef>
-              <a:spcPct val="0"/>
-            </a:spcBef>
-            <a:spcAft>
-              <a:spcPct val="35000"/>
-            </a:spcAft>
-            <a:buNone/>
-          </a:pPr>
-          <a:r>
-            <a:rPr lang="en-US" sz="700" kern="1200" dirty="0"/>
-            <a:t>enzyme</a:t>
-          </a:r>
-        </a:p>
-      </dsp:txBody>
-      <dsp:txXfrm>
-        <a:off x="6594564" y="3160977"/>
-        <a:ext cx="560608" cy="271846"/>
-      </dsp:txXfrm>
-    </dsp:sp>
-    <dsp:sp modelId="{E45304B9-C045-8D48-A3CB-98D066928A8F}">
-      <dsp:nvSpPr>
-        <dsp:cNvPr id="0" name=""/>
-        <dsp:cNvSpPr/>
-      </dsp:nvSpPr>
-      <dsp:spPr>
-        <a:xfrm rot="4249260">
-          <a:off x="5310476" y="3291670"/>
-          <a:ext cx="703181" cy="10458"/>
-        </a:xfrm>
-        <a:custGeom>
-          <a:avLst/>
-          <a:gdLst/>
-          <a:ahLst/>
-          <a:cxnLst/>
-          <a:rect l="0" t="0" r="0" b="0"/>
-          <a:pathLst>
-            <a:path>
-              <a:moveTo>
-                <a:pt x="0" y="5229"/>
-              </a:moveTo>
-              <a:lnTo>
-                <a:pt x="703181" y="5229"/>
-              </a:lnTo>
-            </a:path>
-          </a:pathLst>
-        </a:custGeom>
-        <a:noFill/>
-        <a:ln w="19050" cap="flat" cmpd="sng" algn="ctr">
-          <a:solidFill>
-            <a:schemeClr val="accent1">
-              <a:shade val="80000"/>
-              <a:hueOff val="0"/>
-              <a:satOff val="0"/>
-              <a:lumOff val="0"/>
-              <a:alphaOff val="0"/>
-            </a:schemeClr>
-          </a:solidFill>
-          <a:prstDash val="solid"/>
-          <a:miter lim="800000"/>
-        </a:ln>
-        <a:effectLst/>
-      </dsp:spPr>
-      <dsp:style>
-        <a:lnRef idx="2">
-          <a:scrgbClr r="0" g="0" b="0"/>
-        </a:lnRef>
-        <a:fillRef idx="0">
-          <a:scrgbClr r="0" g="0" b="0"/>
-        </a:fillRef>
-        <a:effectRef idx="0">
-          <a:scrgbClr r="0" g="0" b="0"/>
-        </a:effectRef>
-        <a:fontRef idx="minor"/>
-      </dsp:style>
-      <dsp:txBody>
-        <a:bodyPr spcFirstLastPara="0" vert="horz" wrap="square" lIns="12700" tIns="0" rIns="12700" bIns="0" numCol="1" spcCol="1270" anchor="ctr" anchorCtr="0">
-          <a:noAutofit/>
-        </a:bodyPr>
-        <a:lstStyle/>
-        <a:p>
-          <a:pPr marL="0" lvl="0" indent="0" algn="ctr" defTabSz="266700">
-            <a:lnSpc>
-              <a:spcPct val="90000"/>
-            </a:lnSpc>
-            <a:spcBef>
-              <a:spcPct val="0"/>
-            </a:spcBef>
-            <a:spcAft>
-              <a:spcPct val="35000"/>
-            </a:spcAft>
-            <a:buNone/>
-          </a:pPr>
-          <a:endParaRPr lang="en-US" sz="600" kern="1200"/>
-        </a:p>
-      </dsp:txBody>
-      <dsp:txXfrm>
-        <a:off x="5644487" y="3279320"/>
-        <a:ext cx="35159" cy="35159"/>
-      </dsp:txXfrm>
-    </dsp:sp>
-    <dsp:sp modelId="{9DB1A6D8-FBBC-054C-984F-09D1A2E79ABB}">
-      <dsp:nvSpPr>
-        <dsp:cNvPr id="0" name=""/>
-        <dsp:cNvSpPr/>
-      </dsp:nvSpPr>
-      <dsp:spPr>
-        <a:xfrm>
-          <a:off x="5777571" y="3484595"/>
-          <a:ext cx="577524" cy="288762"/>
-        </a:xfrm>
-        <a:prstGeom prst="roundRect">
-          <a:avLst>
-            <a:gd name="adj" fmla="val 10000"/>
-          </a:avLst>
-        </a:prstGeom>
-        <a:solidFill>
-          <a:schemeClr val="accent3"/>
-        </a:solidFill>
-        <a:ln w="19050" cap="flat" cmpd="sng" algn="ctr">
-          <a:solidFill>
-            <a:schemeClr val="lt1">
-              <a:hueOff val="0"/>
-              <a:satOff val="0"/>
-              <a:lumOff val="0"/>
-              <a:alphaOff val="0"/>
-            </a:schemeClr>
-          </a:solidFill>
-          <a:prstDash val="solid"/>
-          <a:miter lim="800000"/>
-        </a:ln>
-        <a:effectLst/>
-      </dsp:spPr>
-      <dsp:style>
-        <a:lnRef idx="2">
-          <a:scrgbClr r="0" g="0" b="0"/>
-        </a:lnRef>
-        <a:fillRef idx="1">
-          <a:scrgbClr r="0" g="0" b="0"/>
-        </a:fillRef>
-        <a:effectRef idx="0">
-          <a:scrgbClr r="0" g="0" b="0"/>
-        </a:effectRef>
-        <a:fontRef idx="minor">
-          <a:schemeClr val="lt1"/>
-        </a:fontRef>
-      </dsp:style>
-      <dsp:txBody>
-        <a:bodyPr spcFirstLastPara="0" vert="horz" wrap="square" lIns="4445" tIns="4445" rIns="4445" bIns="4445" numCol="1" spcCol="1270" anchor="ctr" anchorCtr="0">
-          <a:noAutofit/>
-        </a:bodyPr>
-        <a:lstStyle/>
-        <a:p>
-          <a:pPr marL="0" lvl="0" indent="0" algn="ctr" defTabSz="311150">
-            <a:lnSpc>
-              <a:spcPct val="90000"/>
-            </a:lnSpc>
-            <a:spcBef>
-              <a:spcPct val="0"/>
-            </a:spcBef>
-            <a:spcAft>
-              <a:spcPct val="35000"/>
-            </a:spcAft>
-            <a:buNone/>
-          </a:pPr>
-          <a:r>
-            <a:rPr lang="en-US" sz="700" kern="1200" dirty="0" err="1"/>
-            <a:t>first_day_bg_art</a:t>
-          </a:r>
-          <a:endParaRPr lang="en-US" sz="700" kern="1200" dirty="0"/>
-        </a:p>
-      </dsp:txBody>
-      <dsp:txXfrm>
-        <a:off x="5786029" y="3493053"/>
-        <a:ext cx="560608" cy="271846"/>
-      </dsp:txXfrm>
-    </dsp:sp>
-    <dsp:sp modelId="{CD0ADD91-4318-A045-AEA4-EA2D3F32195A}">
-      <dsp:nvSpPr>
-        <dsp:cNvPr id="0" name=""/>
-        <dsp:cNvSpPr/>
-      </dsp:nvSpPr>
-      <dsp:spPr>
-        <a:xfrm>
-          <a:off x="6355096" y="3623747"/>
-          <a:ext cx="231009" cy="10458"/>
-        </a:xfrm>
-        <a:custGeom>
-          <a:avLst/>
-          <a:gdLst/>
-          <a:ahLst/>
-          <a:cxnLst/>
-          <a:rect l="0" t="0" r="0" b="0"/>
-          <a:pathLst>
-            <a:path>
-              <a:moveTo>
-                <a:pt x="0" y="5229"/>
-              </a:moveTo>
-              <a:lnTo>
-                <a:pt x="231009" y="5229"/>
-              </a:lnTo>
-            </a:path>
-          </a:pathLst>
-        </a:custGeom>
-        <a:noFill/>
-        <a:ln w="19050" cap="flat" cmpd="sng" algn="ctr">
-          <a:solidFill>
-            <a:schemeClr val="accent1">
-              <a:shade val="80000"/>
-              <a:hueOff val="0"/>
-              <a:satOff val="0"/>
-              <a:lumOff val="0"/>
-              <a:alphaOff val="0"/>
-            </a:schemeClr>
-          </a:solidFill>
-          <a:prstDash val="solid"/>
-          <a:miter lim="800000"/>
-        </a:ln>
-        <a:effectLst/>
-      </dsp:spPr>
-      <dsp:style>
-        <a:lnRef idx="2">
-          <a:scrgbClr r="0" g="0" b="0"/>
-        </a:lnRef>
-        <a:fillRef idx="0">
-          <a:scrgbClr r="0" g="0" b="0"/>
-        </a:fillRef>
-        <a:effectRef idx="0">
-          <a:scrgbClr r="0" g="0" b="0"/>
-        </a:effectRef>
-        <a:fontRef idx="minor"/>
-      </dsp:style>
-      <dsp:txBody>
-        <a:bodyPr spcFirstLastPara="0" vert="horz" wrap="square" lIns="12700" tIns="0" rIns="12700" bIns="0" numCol="1" spcCol="1270" anchor="ctr" anchorCtr="0">
-          <a:noAutofit/>
-        </a:bodyPr>
-        <a:lstStyle/>
-        <a:p>
-          <a:pPr marL="0" lvl="0" indent="0" algn="ctr" defTabSz="222250">
-            <a:lnSpc>
-              <a:spcPct val="90000"/>
-            </a:lnSpc>
-            <a:spcBef>
-              <a:spcPct val="0"/>
-            </a:spcBef>
-            <a:spcAft>
-              <a:spcPct val="35000"/>
-            </a:spcAft>
-            <a:buNone/>
-          </a:pPr>
-          <a:endParaRPr lang="en-US" sz="500" kern="1200"/>
-        </a:p>
-      </dsp:txBody>
-      <dsp:txXfrm>
-        <a:off x="6464826" y="3623201"/>
-        <a:ext cx="11550" cy="11550"/>
-      </dsp:txXfrm>
-    </dsp:sp>
-    <dsp:sp modelId="{941CBE10-6446-494C-85DB-E0A64B945C2B}">
-      <dsp:nvSpPr>
-        <dsp:cNvPr id="0" name=""/>
-        <dsp:cNvSpPr/>
-      </dsp:nvSpPr>
-      <dsp:spPr>
-        <a:xfrm>
-          <a:off x="6586106" y="3484595"/>
-          <a:ext cx="577524" cy="288762"/>
-        </a:xfrm>
-        <a:prstGeom prst="roundRect">
-          <a:avLst>
-            <a:gd name="adj" fmla="val 10000"/>
-          </a:avLst>
-        </a:prstGeom>
-        <a:solidFill>
-          <a:schemeClr val="accent3"/>
-        </a:solidFill>
-        <a:ln w="19050" cap="flat" cmpd="sng" algn="ctr">
-          <a:solidFill>
-            <a:schemeClr val="lt1">
-              <a:hueOff val="0"/>
-              <a:satOff val="0"/>
-              <a:lumOff val="0"/>
-              <a:alphaOff val="0"/>
-            </a:schemeClr>
-          </a:solidFill>
-          <a:prstDash val="solid"/>
-          <a:miter lim="800000"/>
-        </a:ln>
-        <a:effectLst/>
-      </dsp:spPr>
-      <dsp:style>
-        <a:lnRef idx="2">
-          <a:scrgbClr r="0" g="0" b="0"/>
-        </a:lnRef>
-        <a:fillRef idx="1">
-          <a:scrgbClr r="0" g="0" b="0"/>
-        </a:fillRef>
-        <a:effectRef idx="0">
-          <a:scrgbClr r="0" g="0" b="0"/>
-        </a:effectRef>
-        <a:fontRef idx="minor">
-          <a:schemeClr val="lt1"/>
-        </a:fontRef>
-      </dsp:style>
-      <dsp:txBody>
-        <a:bodyPr spcFirstLastPara="0" vert="horz" wrap="square" lIns="4445" tIns="4445" rIns="4445" bIns="4445" numCol="1" spcCol="1270" anchor="ctr" anchorCtr="0">
-          <a:noAutofit/>
-        </a:bodyPr>
-        <a:lstStyle/>
-        <a:p>
-          <a:pPr marL="0" lvl="0" indent="0" algn="ctr" defTabSz="311150">
-            <a:lnSpc>
-              <a:spcPct val="90000"/>
-            </a:lnSpc>
-            <a:spcBef>
-              <a:spcPct val="0"/>
-            </a:spcBef>
-            <a:spcAft>
-              <a:spcPct val="35000"/>
-            </a:spcAft>
-            <a:buNone/>
-          </a:pPr>
-          <a:r>
-            <a:rPr lang="en-US" sz="700" kern="1200" dirty="0" err="1"/>
-            <a:t>first_day_blood_gas</a:t>
-          </a:r>
-          <a:endParaRPr lang="en-US" sz="700" kern="1200" dirty="0"/>
-        </a:p>
-      </dsp:txBody>
-      <dsp:txXfrm>
-        <a:off x="6594564" y="3493053"/>
-        <a:ext cx="560608" cy="271846"/>
-      </dsp:txXfrm>
-    </dsp:sp>
-    <dsp:sp modelId="{F3045651-92B6-1943-B3E1-B7568B03448F}">
-      <dsp:nvSpPr>
-        <dsp:cNvPr id="0" name=""/>
-        <dsp:cNvSpPr/>
-      </dsp:nvSpPr>
-      <dsp:spPr>
-        <a:xfrm rot="4808052">
-          <a:off x="4987944" y="3623747"/>
-          <a:ext cx="1348244" cy="10458"/>
-        </a:xfrm>
-        <a:custGeom>
-          <a:avLst/>
-          <a:gdLst/>
-          <a:ahLst/>
-          <a:cxnLst/>
-          <a:rect l="0" t="0" r="0" b="0"/>
-          <a:pathLst>
-            <a:path>
-              <a:moveTo>
-                <a:pt x="0" y="5229"/>
-              </a:moveTo>
-              <a:lnTo>
-                <a:pt x="1348244" y="5229"/>
-              </a:lnTo>
-            </a:path>
-          </a:pathLst>
-        </a:custGeom>
-        <a:noFill/>
-        <a:ln w="19050" cap="flat" cmpd="sng" algn="ctr">
-          <a:solidFill>
-            <a:schemeClr val="accent1">
-              <a:shade val="80000"/>
-              <a:hueOff val="0"/>
-              <a:satOff val="0"/>
-              <a:lumOff val="0"/>
-              <a:alphaOff val="0"/>
-            </a:schemeClr>
-          </a:solidFill>
-          <a:prstDash val="solid"/>
-          <a:miter lim="800000"/>
-        </a:ln>
-        <a:effectLst/>
-      </dsp:spPr>
-      <dsp:style>
-        <a:lnRef idx="2">
-          <a:scrgbClr r="0" g="0" b="0"/>
-        </a:lnRef>
-        <a:fillRef idx="0">
-          <a:scrgbClr r="0" g="0" b="0"/>
-        </a:fillRef>
-        <a:effectRef idx="0">
-          <a:scrgbClr r="0" g="0" b="0"/>
-        </a:effectRef>
-        <a:fontRef idx="minor"/>
-      </dsp:style>
-      <dsp:txBody>
-        <a:bodyPr spcFirstLastPara="0" vert="horz" wrap="square" lIns="12700" tIns="0" rIns="12700" bIns="0" numCol="1" spcCol="1270" anchor="ctr" anchorCtr="0">
-          <a:noAutofit/>
-        </a:bodyPr>
-        <a:lstStyle/>
-        <a:p>
-          <a:pPr marL="0" lvl="0" indent="0" algn="ctr" defTabSz="266700">
-            <a:lnSpc>
-              <a:spcPct val="90000"/>
-            </a:lnSpc>
-            <a:spcBef>
-              <a:spcPct val="0"/>
-            </a:spcBef>
-            <a:spcAft>
-              <a:spcPct val="35000"/>
-            </a:spcAft>
-            <a:buNone/>
-          </a:pPr>
-          <a:endParaRPr lang="en-US" sz="600" kern="1200"/>
-        </a:p>
-      </dsp:txBody>
-      <dsp:txXfrm>
-        <a:off x="5628360" y="3595270"/>
-        <a:ext cx="67412" cy="67412"/>
-      </dsp:txXfrm>
-    </dsp:sp>
-    <dsp:sp modelId="{29E5B209-3639-9A4B-98CD-5EB7E1988747}">
-      <dsp:nvSpPr>
-        <dsp:cNvPr id="0" name=""/>
-        <dsp:cNvSpPr/>
-      </dsp:nvSpPr>
-      <dsp:spPr>
-        <a:xfrm>
-          <a:off x="5777571" y="4148748"/>
-          <a:ext cx="577524" cy="288762"/>
-        </a:xfrm>
-        <a:prstGeom prst="roundRect">
-          <a:avLst>
-            <a:gd name="adj" fmla="val 10000"/>
-          </a:avLst>
-        </a:prstGeom>
-        <a:solidFill>
-          <a:schemeClr val="accent3"/>
-        </a:solidFill>
-        <a:ln w="19050" cap="flat" cmpd="sng" algn="ctr">
-          <a:solidFill>
-            <a:schemeClr val="lt1">
-              <a:hueOff val="0"/>
-              <a:satOff val="0"/>
-              <a:lumOff val="0"/>
-              <a:alphaOff val="0"/>
-            </a:schemeClr>
-          </a:solidFill>
-          <a:prstDash val="solid"/>
-          <a:miter lim="800000"/>
-        </a:ln>
-        <a:effectLst/>
-      </dsp:spPr>
-      <dsp:style>
-        <a:lnRef idx="2">
-          <a:scrgbClr r="0" g="0" b="0"/>
-        </a:lnRef>
-        <a:fillRef idx="1">
-          <a:scrgbClr r="0" g="0" b="0"/>
-        </a:fillRef>
-        <a:effectRef idx="0">
-          <a:scrgbClr r="0" g="0" b="0"/>
-        </a:effectRef>
-        <a:fontRef idx="minor">
-          <a:schemeClr val="lt1"/>
-        </a:fontRef>
-      </dsp:style>
-      <dsp:txBody>
-        <a:bodyPr spcFirstLastPara="0" vert="horz" wrap="square" lIns="4445" tIns="4445" rIns="4445" bIns="4445" numCol="1" spcCol="1270" anchor="ctr" anchorCtr="0">
-          <a:noAutofit/>
-        </a:bodyPr>
-        <a:lstStyle/>
-        <a:p>
-          <a:pPr marL="0" lvl="0" indent="0" algn="ctr" defTabSz="311150">
-            <a:lnSpc>
-              <a:spcPct val="90000"/>
-            </a:lnSpc>
-            <a:spcBef>
-              <a:spcPct val="0"/>
-            </a:spcBef>
-            <a:spcAft>
-              <a:spcPct val="35000"/>
-            </a:spcAft>
-            <a:buNone/>
-          </a:pPr>
-          <a:r>
-            <a:rPr lang="en-US" sz="700" kern="1200" dirty="0" err="1"/>
-            <a:t>ventdurations</a:t>
-          </a:r>
-          <a:endParaRPr lang="en-US" sz="700" kern="1200" dirty="0"/>
-        </a:p>
-      </dsp:txBody>
-      <dsp:txXfrm>
-        <a:off x="5786029" y="4157206"/>
-        <a:ext cx="560608" cy="271846"/>
-      </dsp:txXfrm>
-    </dsp:sp>
-    <dsp:sp modelId="{0D7275E3-EF56-FB4A-8E25-9F77B6A6E0F1}">
-      <dsp:nvSpPr>
-        <dsp:cNvPr id="0" name=""/>
-        <dsp:cNvSpPr/>
-      </dsp:nvSpPr>
-      <dsp:spPr>
-        <a:xfrm rot="18289469">
-          <a:off x="6268338" y="4121862"/>
-          <a:ext cx="404524" cy="10458"/>
-        </a:xfrm>
-        <a:custGeom>
-          <a:avLst/>
-          <a:gdLst/>
-          <a:ahLst/>
-          <a:cxnLst/>
-          <a:rect l="0" t="0" r="0" b="0"/>
-          <a:pathLst>
-            <a:path>
-              <a:moveTo>
-                <a:pt x="0" y="5229"/>
-              </a:moveTo>
-              <a:lnTo>
-                <a:pt x="404524" y="5229"/>
-              </a:lnTo>
-            </a:path>
-          </a:pathLst>
-        </a:custGeom>
-        <a:noFill/>
-        <a:ln w="19050" cap="flat" cmpd="sng" algn="ctr">
-          <a:solidFill>
-            <a:schemeClr val="accent1">
-              <a:shade val="80000"/>
-              <a:hueOff val="0"/>
-              <a:satOff val="0"/>
-              <a:lumOff val="0"/>
-              <a:alphaOff val="0"/>
-            </a:schemeClr>
-          </a:solidFill>
-          <a:prstDash val="solid"/>
-          <a:miter lim="800000"/>
-        </a:ln>
-        <a:effectLst/>
-      </dsp:spPr>
-      <dsp:style>
-        <a:lnRef idx="2">
-          <a:scrgbClr r="0" g="0" b="0"/>
-        </a:lnRef>
-        <a:fillRef idx="0">
-          <a:scrgbClr r="0" g="0" b="0"/>
-        </a:fillRef>
-        <a:effectRef idx="0">
-          <a:scrgbClr r="0" g="0" b="0"/>
-        </a:effectRef>
-        <a:fontRef idx="minor"/>
-      </dsp:style>
-      <dsp:txBody>
-        <a:bodyPr spcFirstLastPara="0" vert="horz" wrap="square" lIns="12700" tIns="0" rIns="12700" bIns="0" numCol="1" spcCol="1270" anchor="ctr" anchorCtr="0">
-          <a:noAutofit/>
-        </a:bodyPr>
-        <a:lstStyle/>
-        <a:p>
-          <a:pPr marL="0" lvl="0" indent="0" algn="ctr" defTabSz="222250">
-            <a:lnSpc>
-              <a:spcPct val="90000"/>
-            </a:lnSpc>
-            <a:spcBef>
-              <a:spcPct val="0"/>
-            </a:spcBef>
-            <a:spcAft>
-              <a:spcPct val="35000"/>
-            </a:spcAft>
-            <a:buNone/>
-          </a:pPr>
-          <a:endParaRPr lang="en-US" sz="500" kern="1200"/>
-        </a:p>
-      </dsp:txBody>
-      <dsp:txXfrm>
-        <a:off x="6460488" y="4116978"/>
-        <a:ext cx="20226" cy="20226"/>
-      </dsp:txXfrm>
-    </dsp:sp>
-    <dsp:sp modelId="{6A62EF1F-6082-0C46-876F-21767A36FAD7}">
-      <dsp:nvSpPr>
-        <dsp:cNvPr id="0" name=""/>
-        <dsp:cNvSpPr/>
-      </dsp:nvSpPr>
-      <dsp:spPr>
-        <a:xfrm>
-          <a:off x="6586106" y="3816672"/>
-          <a:ext cx="577524" cy="288762"/>
-        </a:xfrm>
-        <a:prstGeom prst="roundRect">
-          <a:avLst>
-            <a:gd name="adj" fmla="val 10000"/>
-          </a:avLst>
-        </a:prstGeom>
-        <a:solidFill>
-          <a:schemeClr val="accent3"/>
-        </a:solidFill>
-        <a:ln w="19050" cap="flat" cmpd="sng" algn="ctr">
-          <a:solidFill>
-            <a:schemeClr val="lt1">
-              <a:hueOff val="0"/>
-              <a:satOff val="0"/>
-              <a:lumOff val="0"/>
-              <a:alphaOff val="0"/>
-            </a:schemeClr>
-          </a:solidFill>
-          <a:prstDash val="solid"/>
-          <a:miter lim="800000"/>
-        </a:ln>
-        <a:effectLst/>
-      </dsp:spPr>
-      <dsp:style>
-        <a:lnRef idx="2">
-          <a:scrgbClr r="0" g="0" b="0"/>
-        </a:lnRef>
-        <a:fillRef idx="1">
-          <a:scrgbClr r="0" g="0" b="0"/>
-        </a:fillRef>
-        <a:effectRef idx="0">
-          <a:scrgbClr r="0" g="0" b="0"/>
-        </a:effectRef>
-        <a:fontRef idx="minor">
-          <a:schemeClr val="lt1"/>
-        </a:fontRef>
-      </dsp:style>
-      <dsp:txBody>
-        <a:bodyPr spcFirstLastPara="0" vert="horz" wrap="square" lIns="4445" tIns="4445" rIns="4445" bIns="4445" numCol="1" spcCol="1270" anchor="ctr" anchorCtr="0">
-          <a:noAutofit/>
-        </a:bodyPr>
-        <a:lstStyle/>
-        <a:p>
-          <a:pPr marL="0" lvl="0" indent="0" algn="ctr" defTabSz="311150">
-            <a:lnSpc>
-              <a:spcPct val="90000"/>
-            </a:lnSpc>
-            <a:spcBef>
-              <a:spcPct val="0"/>
-            </a:spcBef>
-            <a:spcAft>
-              <a:spcPct val="35000"/>
-            </a:spcAft>
-            <a:buNone/>
-          </a:pPr>
-          <a:r>
-            <a:rPr lang="en-US" sz="700" kern="1200" dirty="0" err="1"/>
-            <a:t>ventilator_setting</a:t>
-          </a:r>
-          <a:endParaRPr lang="en-US" sz="700" kern="1200" dirty="0"/>
-        </a:p>
-      </dsp:txBody>
-      <dsp:txXfrm>
-        <a:off x="6594564" y="3825130"/>
-        <a:ext cx="560608" cy="271846"/>
-      </dsp:txXfrm>
-    </dsp:sp>
-    <dsp:sp modelId="{F9DC96AA-ECDB-FD42-9EFD-B17EB3DF0E9E}">
-      <dsp:nvSpPr>
-        <dsp:cNvPr id="0" name=""/>
-        <dsp:cNvSpPr/>
-      </dsp:nvSpPr>
-      <dsp:spPr>
-        <a:xfrm>
-          <a:off x="6355096" y="4287900"/>
-          <a:ext cx="231009" cy="10458"/>
-        </a:xfrm>
-        <a:custGeom>
-          <a:avLst/>
-          <a:gdLst/>
-          <a:ahLst/>
-          <a:cxnLst/>
-          <a:rect l="0" t="0" r="0" b="0"/>
-          <a:pathLst>
-            <a:path>
-              <a:moveTo>
-                <a:pt x="0" y="5229"/>
-              </a:moveTo>
-              <a:lnTo>
-                <a:pt x="231009" y="5229"/>
-              </a:lnTo>
-            </a:path>
-          </a:pathLst>
-        </a:custGeom>
-        <a:noFill/>
-        <a:ln w="19050" cap="flat" cmpd="sng" algn="ctr">
-          <a:solidFill>
-            <a:schemeClr val="accent1">
-              <a:shade val="80000"/>
-              <a:hueOff val="0"/>
-              <a:satOff val="0"/>
-              <a:lumOff val="0"/>
-              <a:alphaOff val="0"/>
-            </a:schemeClr>
-          </a:solidFill>
-          <a:prstDash val="solid"/>
-          <a:miter lim="800000"/>
-        </a:ln>
-        <a:effectLst/>
-      </dsp:spPr>
-      <dsp:style>
-        <a:lnRef idx="2">
-          <a:scrgbClr r="0" g="0" b="0"/>
-        </a:lnRef>
-        <a:fillRef idx="0">
-          <a:scrgbClr r="0" g="0" b="0"/>
-        </a:fillRef>
-        <a:effectRef idx="0">
-          <a:scrgbClr r="0" g="0" b="0"/>
-        </a:effectRef>
-        <a:fontRef idx="minor"/>
-      </dsp:style>
-      <dsp:txBody>
-        <a:bodyPr spcFirstLastPara="0" vert="horz" wrap="square" lIns="12700" tIns="0" rIns="12700" bIns="0" numCol="1" spcCol="1270" anchor="ctr" anchorCtr="0">
-          <a:noAutofit/>
-        </a:bodyPr>
-        <a:lstStyle/>
-        <a:p>
-          <a:pPr marL="0" lvl="0" indent="0" algn="ctr" defTabSz="222250">
-            <a:lnSpc>
-              <a:spcPct val="90000"/>
-            </a:lnSpc>
-            <a:spcBef>
-              <a:spcPct val="0"/>
-            </a:spcBef>
-            <a:spcAft>
-              <a:spcPct val="35000"/>
-            </a:spcAft>
-            <a:buNone/>
-          </a:pPr>
-          <a:endParaRPr lang="en-US" sz="500" kern="1200"/>
-        </a:p>
-      </dsp:txBody>
-      <dsp:txXfrm>
-        <a:off x="6464826" y="4287354"/>
-        <a:ext cx="11550" cy="11550"/>
-      </dsp:txXfrm>
-    </dsp:sp>
-    <dsp:sp modelId="{3738BB40-3B1F-AC4B-BBA1-8E854481F73D}">
-      <dsp:nvSpPr>
-        <dsp:cNvPr id="0" name=""/>
-        <dsp:cNvSpPr/>
-      </dsp:nvSpPr>
-      <dsp:spPr>
-        <a:xfrm>
-          <a:off x="6586106" y="4148748"/>
-          <a:ext cx="577524" cy="288762"/>
-        </a:xfrm>
-        <a:prstGeom prst="roundRect">
-          <a:avLst>
-            <a:gd name="adj" fmla="val 10000"/>
-          </a:avLst>
-        </a:prstGeom>
-        <a:solidFill>
-          <a:schemeClr val="accent3"/>
-        </a:solidFill>
-        <a:ln w="19050" cap="flat" cmpd="sng" algn="ctr">
-          <a:solidFill>
-            <a:schemeClr val="lt1">
-              <a:hueOff val="0"/>
-              <a:satOff val="0"/>
-              <a:lumOff val="0"/>
-              <a:alphaOff val="0"/>
-            </a:schemeClr>
-          </a:solidFill>
-          <a:prstDash val="solid"/>
-          <a:miter lim="800000"/>
-        </a:ln>
-        <a:effectLst/>
-      </dsp:spPr>
-      <dsp:style>
-        <a:lnRef idx="2">
-          <a:scrgbClr r="0" g="0" b="0"/>
-        </a:lnRef>
-        <a:fillRef idx="1">
-          <a:scrgbClr r="0" g="0" b="0"/>
-        </a:fillRef>
-        <a:effectRef idx="0">
-          <a:scrgbClr r="0" g="0" b="0"/>
-        </a:effectRef>
-        <a:fontRef idx="minor">
-          <a:schemeClr val="lt1"/>
-        </a:fontRef>
-      </dsp:style>
-      <dsp:txBody>
-        <a:bodyPr spcFirstLastPara="0" vert="horz" wrap="square" lIns="4445" tIns="4445" rIns="4445" bIns="4445" numCol="1" spcCol="1270" anchor="ctr" anchorCtr="0">
-          <a:noAutofit/>
-        </a:bodyPr>
-        <a:lstStyle/>
-        <a:p>
-          <a:pPr marL="0" lvl="0" indent="0" algn="ctr" defTabSz="311150">
-            <a:lnSpc>
-              <a:spcPct val="90000"/>
-            </a:lnSpc>
-            <a:spcBef>
-              <a:spcPct val="0"/>
-            </a:spcBef>
-            <a:spcAft>
-              <a:spcPct val="35000"/>
-            </a:spcAft>
-            <a:buNone/>
-          </a:pPr>
-          <a:r>
-            <a:rPr lang="en-US" sz="700" kern="1200" dirty="0" err="1"/>
-            <a:t>oxygen_delivery</a:t>
-          </a:r>
-          <a:endParaRPr lang="en-US" sz="700" kern="1200" dirty="0"/>
-        </a:p>
-      </dsp:txBody>
-      <dsp:txXfrm>
-        <a:off x="6594564" y="4157206"/>
-        <a:ext cx="560608" cy="271846"/>
-      </dsp:txXfrm>
-    </dsp:sp>
-    <dsp:sp modelId="{BDAF62A9-23EA-8A4D-9131-BC4A96F2E0DE}">
-      <dsp:nvSpPr>
-        <dsp:cNvPr id="0" name=""/>
-        <dsp:cNvSpPr/>
-      </dsp:nvSpPr>
-      <dsp:spPr>
-        <a:xfrm rot="3310531">
-          <a:off x="6268338" y="4453938"/>
-          <a:ext cx="404524" cy="10458"/>
-        </a:xfrm>
-        <a:custGeom>
-          <a:avLst/>
-          <a:gdLst/>
-          <a:ahLst/>
-          <a:cxnLst/>
-          <a:rect l="0" t="0" r="0" b="0"/>
-          <a:pathLst>
-            <a:path>
-              <a:moveTo>
-                <a:pt x="0" y="5229"/>
-              </a:moveTo>
-              <a:lnTo>
-                <a:pt x="404524" y="5229"/>
-              </a:lnTo>
-            </a:path>
-          </a:pathLst>
-        </a:custGeom>
-        <a:noFill/>
-        <a:ln w="19050" cap="flat" cmpd="sng" algn="ctr">
-          <a:solidFill>
-            <a:schemeClr val="accent1">
-              <a:shade val="80000"/>
-              <a:hueOff val="0"/>
-              <a:satOff val="0"/>
-              <a:lumOff val="0"/>
-              <a:alphaOff val="0"/>
-            </a:schemeClr>
-          </a:solidFill>
-          <a:prstDash val="solid"/>
-          <a:miter lim="800000"/>
-        </a:ln>
-        <a:effectLst/>
-      </dsp:spPr>
-      <dsp:style>
-        <a:lnRef idx="2">
-          <a:scrgbClr r="0" g="0" b="0"/>
-        </a:lnRef>
-        <a:fillRef idx="0">
-          <a:scrgbClr r="0" g="0" b="0"/>
-        </a:fillRef>
-        <a:effectRef idx="0">
-          <a:scrgbClr r="0" g="0" b="0"/>
-        </a:effectRef>
-        <a:fontRef idx="minor"/>
-      </dsp:style>
-      <dsp:txBody>
-        <a:bodyPr spcFirstLastPara="0" vert="horz" wrap="square" lIns="12700" tIns="0" rIns="12700" bIns="0" numCol="1" spcCol="1270" anchor="ctr" anchorCtr="0">
-          <a:noAutofit/>
-        </a:bodyPr>
-        <a:lstStyle/>
-        <a:p>
-          <a:pPr marL="0" lvl="0" indent="0" algn="ctr" defTabSz="222250">
-            <a:lnSpc>
-              <a:spcPct val="90000"/>
-            </a:lnSpc>
-            <a:spcBef>
-              <a:spcPct val="0"/>
-            </a:spcBef>
-            <a:spcAft>
-              <a:spcPct val="35000"/>
-            </a:spcAft>
-            <a:buNone/>
-          </a:pPr>
-          <a:endParaRPr lang="en-US" sz="500" kern="1200"/>
-        </a:p>
-      </dsp:txBody>
-      <dsp:txXfrm>
-        <a:off x="6460488" y="4449054"/>
-        <a:ext cx="20226" cy="20226"/>
-      </dsp:txXfrm>
-    </dsp:sp>
-    <dsp:sp modelId="{035DB36D-79AD-CA48-9B1B-6056C9B70213}">
-      <dsp:nvSpPr>
-        <dsp:cNvPr id="0" name=""/>
-        <dsp:cNvSpPr/>
-      </dsp:nvSpPr>
-      <dsp:spPr>
-        <a:xfrm>
-          <a:off x="6586106" y="4480825"/>
-          <a:ext cx="577524" cy="288762"/>
-        </a:xfrm>
-        <a:prstGeom prst="roundRect">
-          <a:avLst>
-            <a:gd name="adj" fmla="val 10000"/>
-          </a:avLst>
-        </a:prstGeom>
-        <a:solidFill>
-          <a:schemeClr val="accent3"/>
-        </a:solidFill>
-        <a:ln w="19050" cap="flat" cmpd="sng" algn="ctr">
-          <a:solidFill>
-            <a:schemeClr val="lt1">
-              <a:hueOff val="0"/>
-              <a:satOff val="0"/>
-              <a:lumOff val="0"/>
-              <a:alphaOff val="0"/>
-            </a:schemeClr>
-          </a:solidFill>
-          <a:prstDash val="solid"/>
-          <a:miter lim="800000"/>
-        </a:ln>
-        <a:effectLst/>
-      </dsp:spPr>
-      <dsp:style>
-        <a:lnRef idx="2">
-          <a:scrgbClr r="0" g="0" b="0"/>
-        </a:lnRef>
-        <a:fillRef idx="1">
-          <a:scrgbClr r="0" g="0" b="0"/>
-        </a:fillRef>
-        <a:effectRef idx="0">
-          <a:scrgbClr r="0" g="0" b="0"/>
-        </a:effectRef>
-        <a:fontRef idx="minor">
-          <a:schemeClr val="lt1"/>
-        </a:fontRef>
-      </dsp:style>
-      <dsp:txBody>
-        <a:bodyPr spcFirstLastPara="0" vert="horz" wrap="square" lIns="4445" tIns="4445" rIns="4445" bIns="4445" numCol="1" spcCol="1270" anchor="ctr" anchorCtr="0">
-          <a:noAutofit/>
-        </a:bodyPr>
-        <a:lstStyle/>
-        <a:p>
-          <a:pPr marL="0" lvl="0" indent="0" algn="ctr" defTabSz="311150">
-            <a:lnSpc>
-              <a:spcPct val="90000"/>
-            </a:lnSpc>
-            <a:spcBef>
-              <a:spcPct val="0"/>
-            </a:spcBef>
-            <a:spcAft>
-              <a:spcPct val="35000"/>
-            </a:spcAft>
-            <a:buNone/>
-          </a:pPr>
-          <a:r>
-            <a:rPr lang="en-US" sz="700" kern="1200" dirty="0"/>
-            <a:t>ventilation</a:t>
-          </a:r>
-        </a:p>
-      </dsp:txBody>
-      <dsp:txXfrm>
-        <a:off x="6594564" y="4489283"/>
-        <a:ext cx="560608" cy="271846"/>
-      </dsp:txXfrm>
-    </dsp:sp>
-    <dsp:sp modelId="{3C96E066-97C8-EA47-B71B-B9BBAB922826}">
-      <dsp:nvSpPr>
-        <dsp:cNvPr id="0" name=""/>
-        <dsp:cNvSpPr/>
-      </dsp:nvSpPr>
-      <dsp:spPr>
-        <a:xfrm rot="4467012">
-          <a:off x="3614132" y="2876574"/>
-          <a:ext cx="861732" cy="10458"/>
-        </a:xfrm>
-        <a:custGeom>
-          <a:avLst/>
-          <a:gdLst/>
-          <a:ahLst/>
-          <a:cxnLst/>
-          <a:rect l="0" t="0" r="0" b="0"/>
-          <a:pathLst>
-            <a:path>
-              <a:moveTo>
-                <a:pt x="0" y="5229"/>
-              </a:moveTo>
-              <a:lnTo>
-                <a:pt x="861732" y="5229"/>
-              </a:lnTo>
-            </a:path>
-          </a:pathLst>
-        </a:custGeom>
-        <a:noFill/>
-        <a:ln w="19050" cap="flat" cmpd="sng" algn="ctr">
-          <a:solidFill>
-            <a:schemeClr val="accent1">
-              <a:shade val="60000"/>
-              <a:hueOff val="0"/>
-              <a:satOff val="0"/>
-              <a:lumOff val="0"/>
-              <a:alphaOff val="0"/>
-            </a:schemeClr>
-          </a:solidFill>
-          <a:prstDash val="solid"/>
-          <a:miter lim="800000"/>
-        </a:ln>
-        <a:effectLst/>
-      </dsp:spPr>
-      <dsp:style>
-        <a:lnRef idx="2">
-          <a:scrgbClr r="0" g="0" b="0"/>
-        </a:lnRef>
-        <a:fillRef idx="0">
-          <a:scrgbClr r="0" g="0" b="0"/>
-        </a:fillRef>
-        <a:effectRef idx="0">
-          <a:scrgbClr r="0" g="0" b="0"/>
-        </a:effectRef>
-        <a:fontRef idx="minor"/>
-      </dsp:style>
-      <dsp:txBody>
-        <a:bodyPr spcFirstLastPara="0" vert="horz" wrap="square" lIns="12700" tIns="0" rIns="12700" bIns="0" numCol="1" spcCol="1270" anchor="ctr" anchorCtr="0">
-          <a:noAutofit/>
-        </a:bodyPr>
-        <a:lstStyle/>
-        <a:p>
-          <a:pPr marL="0" lvl="0" indent="0" algn="ctr" defTabSz="266700">
-            <a:lnSpc>
-              <a:spcPct val="90000"/>
-            </a:lnSpc>
-            <a:spcBef>
-              <a:spcPct val="0"/>
-            </a:spcBef>
-            <a:spcAft>
-              <a:spcPct val="35000"/>
-            </a:spcAft>
-            <a:buNone/>
-          </a:pPr>
-          <a:endParaRPr lang="en-US" sz="600" kern="1200"/>
-        </a:p>
-      </dsp:txBody>
-      <dsp:txXfrm>
-        <a:off x="4023455" y="2860261"/>
-        <a:ext cx="43086" cy="43086"/>
-      </dsp:txXfrm>
-    </dsp:sp>
-    <dsp:sp modelId="{0E170CEF-B681-2547-BABC-C7C748B9371A}">
-      <dsp:nvSpPr>
-        <dsp:cNvPr id="0" name=""/>
-        <dsp:cNvSpPr/>
-      </dsp:nvSpPr>
-      <dsp:spPr>
-        <a:xfrm>
-          <a:off x="4160503" y="3152519"/>
-          <a:ext cx="577524" cy="288762"/>
-        </a:xfrm>
-        <a:prstGeom prst="roundRect">
-          <a:avLst>
-            <a:gd name="adj" fmla="val 10000"/>
-          </a:avLst>
-        </a:prstGeom>
-        <a:solidFill>
-          <a:schemeClr val="accent1">
-            <a:hueOff val="0"/>
-            <a:satOff val="0"/>
-            <a:lumOff val="0"/>
-            <a:alphaOff val="0"/>
-          </a:schemeClr>
-        </a:solidFill>
-        <a:ln w="19050" cap="flat" cmpd="sng" algn="ctr">
-          <a:solidFill>
-            <a:schemeClr val="lt1">
-              <a:hueOff val="0"/>
-              <a:satOff val="0"/>
-              <a:lumOff val="0"/>
-              <a:alphaOff val="0"/>
-            </a:schemeClr>
-          </a:solidFill>
-          <a:prstDash val="solid"/>
-          <a:miter lim="800000"/>
-        </a:ln>
-        <a:effectLst/>
-      </dsp:spPr>
-      <dsp:style>
-        <a:lnRef idx="2">
-          <a:scrgbClr r="0" g="0" b="0"/>
-        </a:lnRef>
-        <a:fillRef idx="1">
-          <a:scrgbClr r="0" g="0" b="0"/>
-        </a:fillRef>
-        <a:effectRef idx="0">
-          <a:scrgbClr r="0" g="0" b="0"/>
-        </a:effectRef>
-        <a:fontRef idx="minor">
-          <a:schemeClr val="lt1"/>
-        </a:fontRef>
-      </dsp:style>
-      <dsp:txBody>
-        <a:bodyPr spcFirstLastPara="0" vert="horz" wrap="square" lIns="4445" tIns="4445" rIns="4445" bIns="4445" numCol="1" spcCol="1270" anchor="ctr" anchorCtr="0">
-          <a:noAutofit/>
-        </a:bodyPr>
-        <a:lstStyle/>
-        <a:p>
-          <a:pPr marL="0" lvl="0" indent="0" algn="ctr" defTabSz="311150">
-            <a:lnSpc>
-              <a:spcPct val="90000"/>
-            </a:lnSpc>
-            <a:spcBef>
-              <a:spcPct val="0"/>
-            </a:spcBef>
-            <a:spcAft>
-              <a:spcPct val="35000"/>
-            </a:spcAft>
-            <a:buNone/>
-          </a:pPr>
-          <a:r>
-            <a:rPr lang="en-US" sz="700" kern="1200" dirty="0"/>
-            <a:t>Comorbidities </a:t>
-          </a:r>
-        </a:p>
-      </dsp:txBody>
-      <dsp:txXfrm>
-        <a:off x="4168961" y="3160977"/>
-        <a:ext cx="560608" cy="271846"/>
-      </dsp:txXfrm>
-    </dsp:sp>
-    <dsp:sp modelId="{3E231FEB-3764-E346-AA22-2BBE79C9199B}">
-      <dsp:nvSpPr>
-        <dsp:cNvPr id="0" name=""/>
-        <dsp:cNvSpPr/>
-      </dsp:nvSpPr>
-      <dsp:spPr>
-        <a:xfrm>
-          <a:off x="4738028" y="3291670"/>
-          <a:ext cx="231009" cy="10458"/>
-        </a:xfrm>
-        <a:custGeom>
-          <a:avLst/>
-          <a:gdLst/>
-          <a:ahLst/>
-          <a:cxnLst/>
-          <a:rect l="0" t="0" r="0" b="0"/>
-          <a:pathLst>
-            <a:path>
-              <a:moveTo>
-                <a:pt x="0" y="5229"/>
-              </a:moveTo>
-              <a:lnTo>
-                <a:pt x="231009" y="5229"/>
-              </a:lnTo>
-            </a:path>
-          </a:pathLst>
-        </a:custGeom>
-        <a:noFill/>
-        <a:ln w="19050" cap="flat" cmpd="sng" algn="ctr">
-          <a:solidFill>
-            <a:schemeClr val="accent1">
-              <a:shade val="80000"/>
-              <a:hueOff val="0"/>
-              <a:satOff val="0"/>
-              <a:lumOff val="0"/>
-              <a:alphaOff val="0"/>
-            </a:schemeClr>
-          </a:solidFill>
-          <a:prstDash val="solid"/>
-          <a:miter lim="800000"/>
-        </a:ln>
-        <a:effectLst/>
-      </dsp:spPr>
-      <dsp:style>
-        <a:lnRef idx="2">
-          <a:scrgbClr r="0" g="0" b="0"/>
-        </a:lnRef>
-        <a:fillRef idx="0">
-          <a:scrgbClr r="0" g="0" b="0"/>
-        </a:fillRef>
-        <a:effectRef idx="0">
-          <a:scrgbClr r="0" g="0" b="0"/>
-        </a:effectRef>
-        <a:fontRef idx="minor"/>
-      </dsp:style>
-      <dsp:txBody>
-        <a:bodyPr spcFirstLastPara="0" vert="horz" wrap="square" lIns="12700" tIns="0" rIns="12700" bIns="0" numCol="1" spcCol="1270" anchor="ctr" anchorCtr="0">
-          <a:noAutofit/>
-        </a:bodyPr>
-        <a:lstStyle/>
-        <a:p>
-          <a:pPr marL="0" lvl="0" indent="0" algn="ctr" defTabSz="222250">
-            <a:lnSpc>
-              <a:spcPct val="90000"/>
-            </a:lnSpc>
-            <a:spcBef>
-              <a:spcPct val="0"/>
-            </a:spcBef>
-            <a:spcAft>
-              <a:spcPct val="35000"/>
-            </a:spcAft>
-            <a:buNone/>
-          </a:pPr>
-          <a:endParaRPr lang="en-US" sz="500" kern="1200"/>
-        </a:p>
-      </dsp:txBody>
-      <dsp:txXfrm>
-        <a:off x="4847757" y="3291124"/>
-        <a:ext cx="11550" cy="11550"/>
-      </dsp:txXfrm>
-    </dsp:sp>
-    <dsp:sp modelId="{041B4434-8670-ED43-9361-370A524EF802}">
-      <dsp:nvSpPr>
-        <dsp:cNvPr id="0" name=""/>
-        <dsp:cNvSpPr/>
-      </dsp:nvSpPr>
-      <dsp:spPr>
-        <a:xfrm>
-          <a:off x="4969037" y="3152519"/>
-          <a:ext cx="577524" cy="288762"/>
-        </a:xfrm>
-        <a:prstGeom prst="roundRect">
-          <a:avLst>
-            <a:gd name="adj" fmla="val 10000"/>
-          </a:avLst>
-        </a:prstGeom>
-        <a:solidFill>
-          <a:schemeClr val="accent2"/>
-        </a:solidFill>
-        <a:ln w="19050" cap="flat" cmpd="sng" algn="ctr">
-          <a:solidFill>
-            <a:schemeClr val="lt1">
-              <a:hueOff val="0"/>
-              <a:satOff val="0"/>
-              <a:lumOff val="0"/>
-              <a:alphaOff val="0"/>
-            </a:schemeClr>
-          </a:solidFill>
-          <a:prstDash val="solid"/>
-          <a:miter lim="800000"/>
-        </a:ln>
-        <a:effectLst/>
-      </dsp:spPr>
-      <dsp:style>
-        <a:lnRef idx="2">
-          <a:scrgbClr r="0" g="0" b="0"/>
-        </a:lnRef>
-        <a:fillRef idx="1">
-          <a:scrgbClr r="0" g="0" b="0"/>
-        </a:fillRef>
-        <a:effectRef idx="0">
-          <a:scrgbClr r="0" g="0" b="0"/>
-        </a:effectRef>
-        <a:fontRef idx="minor">
-          <a:schemeClr val="lt1"/>
-        </a:fontRef>
-      </dsp:style>
-      <dsp:txBody>
-        <a:bodyPr spcFirstLastPara="0" vert="horz" wrap="square" lIns="4445" tIns="4445" rIns="4445" bIns="4445" numCol="1" spcCol="1270" anchor="ctr" anchorCtr="0">
-          <a:noAutofit/>
-        </a:bodyPr>
-        <a:lstStyle/>
-        <a:p>
-          <a:pPr marL="0" lvl="0" indent="0" algn="ctr" defTabSz="311150">
-            <a:lnSpc>
-              <a:spcPct val="90000"/>
-            </a:lnSpc>
-            <a:spcBef>
-              <a:spcPct val="0"/>
-            </a:spcBef>
-            <a:spcAft>
-              <a:spcPct val="35000"/>
-            </a:spcAft>
-            <a:buNone/>
-          </a:pPr>
-          <a:r>
-            <a:rPr lang="en-US" sz="700" kern="1200" dirty="0"/>
-            <a:t>Charlson index</a:t>
-          </a:r>
-        </a:p>
-      </dsp:txBody>
-      <dsp:txXfrm>
-        <a:off x="4977495" y="3160977"/>
-        <a:ext cx="560608" cy="271846"/>
+        <a:off x="5071715" y="3701989"/>
+        <a:ext cx="372168" cy="180469"/>
       </dsp:txXfrm>
     </dsp:sp>
   </dsp:spTree>
@@ -17189,7 +17638,7 @@
           <a:p>
             <a:fld id="{4CBE44E2-F8E4-5240-8C37-ECF7D174C236}" type="datetimeFigureOut">
               <a:rPr lang="en-US" smtClean="0"/>
-              <a:t>6/4/25</a:t>
+              <a:t>6/16/25</a:t>
             </a:fld>
             <a:endParaRPr lang="en-US"/>
           </a:p>
@@ -17387,7 +17836,7 @@
           <a:p>
             <a:fld id="{4CBE44E2-F8E4-5240-8C37-ECF7D174C236}" type="datetimeFigureOut">
               <a:rPr lang="en-US" smtClean="0"/>
-              <a:t>6/4/25</a:t>
+              <a:t>6/16/25</a:t>
             </a:fld>
             <a:endParaRPr lang="en-US"/>
           </a:p>
@@ -17595,7 +18044,7 @@
           <a:p>
             <a:fld id="{4CBE44E2-F8E4-5240-8C37-ECF7D174C236}" type="datetimeFigureOut">
               <a:rPr lang="en-US" smtClean="0"/>
-              <a:t>6/4/25</a:t>
+              <a:t>6/16/25</a:t>
             </a:fld>
             <a:endParaRPr lang="en-US"/>
           </a:p>
@@ -17793,7 +18242,7 @@
           <a:p>
             <a:fld id="{4CBE44E2-F8E4-5240-8C37-ECF7D174C236}" type="datetimeFigureOut">
               <a:rPr lang="en-US" smtClean="0"/>
-              <a:t>6/4/25</a:t>
+              <a:t>6/16/25</a:t>
             </a:fld>
             <a:endParaRPr lang="en-US"/>
           </a:p>
@@ -18068,7 +18517,7 @@
           <a:p>
             <a:fld id="{4CBE44E2-F8E4-5240-8C37-ECF7D174C236}" type="datetimeFigureOut">
               <a:rPr lang="en-US" smtClean="0"/>
-              <a:t>6/4/25</a:t>
+              <a:t>6/16/25</a:t>
             </a:fld>
             <a:endParaRPr lang="en-US"/>
           </a:p>
@@ -18333,7 +18782,7 @@
           <a:p>
             <a:fld id="{4CBE44E2-F8E4-5240-8C37-ECF7D174C236}" type="datetimeFigureOut">
               <a:rPr lang="en-US" smtClean="0"/>
-              <a:t>6/4/25</a:t>
+              <a:t>6/16/25</a:t>
             </a:fld>
             <a:endParaRPr lang="en-US"/>
           </a:p>
@@ -18745,7 +19194,7 @@
           <a:p>
             <a:fld id="{4CBE44E2-F8E4-5240-8C37-ECF7D174C236}" type="datetimeFigureOut">
               <a:rPr lang="en-US" smtClean="0"/>
-              <a:t>6/4/25</a:t>
+              <a:t>6/16/25</a:t>
             </a:fld>
             <a:endParaRPr lang="en-US"/>
           </a:p>
@@ -18886,7 +19335,7 @@
           <a:p>
             <a:fld id="{4CBE44E2-F8E4-5240-8C37-ECF7D174C236}" type="datetimeFigureOut">
               <a:rPr lang="en-US" smtClean="0"/>
-              <a:t>6/4/25</a:t>
+              <a:t>6/16/25</a:t>
             </a:fld>
             <a:endParaRPr lang="en-US"/>
           </a:p>
@@ -18999,7 +19448,7 @@
           <a:p>
             <a:fld id="{4CBE44E2-F8E4-5240-8C37-ECF7D174C236}" type="datetimeFigureOut">
               <a:rPr lang="en-US" smtClean="0"/>
-              <a:t>6/4/25</a:t>
+              <a:t>6/16/25</a:t>
             </a:fld>
             <a:endParaRPr lang="en-US"/>
           </a:p>
@@ -19310,7 +19759,7 @@
           <a:p>
             <a:fld id="{4CBE44E2-F8E4-5240-8C37-ECF7D174C236}" type="datetimeFigureOut">
               <a:rPr lang="en-US" smtClean="0"/>
-              <a:t>6/4/25</a:t>
+              <a:t>6/16/25</a:t>
             </a:fld>
             <a:endParaRPr lang="en-US"/>
           </a:p>
@@ -19598,7 +20047,7 @@
           <a:p>
             <a:fld id="{4CBE44E2-F8E4-5240-8C37-ECF7D174C236}" type="datetimeFigureOut">
               <a:rPr lang="en-US" smtClean="0"/>
-              <a:t>6/4/25</a:t>
+              <a:t>6/16/25</a:t>
             </a:fld>
             <a:endParaRPr lang="en-US"/>
           </a:p>
@@ -19839,7 +20288,7 @@
           <a:p>
             <a:fld id="{4CBE44E2-F8E4-5240-8C37-ECF7D174C236}" type="datetimeFigureOut">
               <a:rPr lang="en-US" smtClean="0"/>
-              <a:t>6/4/25</a:t>
+              <a:t>6/16/25</a:t>
             </a:fld>
             <a:endParaRPr lang="en-US"/>
           </a:p>
@@ -23247,7 +23696,7 @@
             <p:ph idx="1"/>
             <p:extLst>
               <p:ext uri="{D42A27DB-BD31-4B8C-83A1-F6EECF244321}">
-                <p14:modId xmlns:p14="http://schemas.microsoft.com/office/powerpoint/2010/main" val="3566948662"/>
+                <p14:modId xmlns:p14="http://schemas.microsoft.com/office/powerpoint/2010/main" val="4211243653"/>
               </p:ext>
             </p:extLst>
           </p:nvPr>

--- a/Objective4_plan.pptx
+++ b/Objective4_plan.pptx
@@ -7,18 +7,21 @@
   <p:sldIdLst>
     <p:sldId id="264" r:id="rId2"/>
     <p:sldId id="267" r:id="rId3"/>
-    <p:sldId id="265" r:id="rId4"/>
-    <p:sldId id="266" r:id="rId5"/>
-    <p:sldId id="268" r:id="rId6"/>
-    <p:sldId id="270" r:id="rId7"/>
-    <p:sldId id="269" r:id="rId8"/>
-    <p:sldId id="256" r:id="rId9"/>
-    <p:sldId id="257" r:id="rId10"/>
-    <p:sldId id="258" r:id="rId11"/>
-    <p:sldId id="260" r:id="rId12"/>
-    <p:sldId id="259" r:id="rId13"/>
-    <p:sldId id="261" r:id="rId14"/>
-    <p:sldId id="262" r:id="rId15"/>
+    <p:sldId id="271" r:id="rId4"/>
+    <p:sldId id="265" r:id="rId5"/>
+    <p:sldId id="266" r:id="rId6"/>
+    <p:sldId id="268" r:id="rId7"/>
+    <p:sldId id="272" r:id="rId8"/>
+    <p:sldId id="270" r:id="rId9"/>
+    <p:sldId id="269" r:id="rId10"/>
+    <p:sldId id="273" r:id="rId11"/>
+    <p:sldId id="256" r:id="rId12"/>
+    <p:sldId id="257" r:id="rId13"/>
+    <p:sldId id="258" r:id="rId14"/>
+    <p:sldId id="260" r:id="rId15"/>
+    <p:sldId id="259" r:id="rId16"/>
+    <p:sldId id="261" r:id="rId17"/>
+    <p:sldId id="262" r:id="rId18"/>
   </p:sldIdLst>
   <p:sldSz cx="12192000" cy="6858000"/>
   <p:notesSz cx="6858000" cy="9144000"/>
@@ -17638,7 +17641,7 @@
           <a:p>
             <a:fld id="{4CBE44E2-F8E4-5240-8C37-ECF7D174C236}" type="datetimeFigureOut">
               <a:rPr lang="en-US" smtClean="0"/>
-              <a:t>6/16/25</a:t>
+              <a:t>7/7/25</a:t>
             </a:fld>
             <a:endParaRPr lang="en-US"/>
           </a:p>
@@ -17836,7 +17839,7 @@
           <a:p>
             <a:fld id="{4CBE44E2-F8E4-5240-8C37-ECF7D174C236}" type="datetimeFigureOut">
               <a:rPr lang="en-US" smtClean="0"/>
-              <a:t>6/16/25</a:t>
+              <a:t>7/7/25</a:t>
             </a:fld>
             <a:endParaRPr lang="en-US"/>
           </a:p>
@@ -18044,7 +18047,7 @@
           <a:p>
             <a:fld id="{4CBE44E2-F8E4-5240-8C37-ECF7D174C236}" type="datetimeFigureOut">
               <a:rPr lang="en-US" smtClean="0"/>
-              <a:t>6/16/25</a:t>
+              <a:t>7/7/25</a:t>
             </a:fld>
             <a:endParaRPr lang="en-US"/>
           </a:p>
@@ -18242,7 +18245,7 @@
           <a:p>
             <a:fld id="{4CBE44E2-F8E4-5240-8C37-ECF7D174C236}" type="datetimeFigureOut">
               <a:rPr lang="en-US" smtClean="0"/>
-              <a:t>6/16/25</a:t>
+              <a:t>7/7/25</a:t>
             </a:fld>
             <a:endParaRPr lang="en-US"/>
           </a:p>
@@ -18517,7 +18520,7 @@
           <a:p>
             <a:fld id="{4CBE44E2-F8E4-5240-8C37-ECF7D174C236}" type="datetimeFigureOut">
               <a:rPr lang="en-US" smtClean="0"/>
-              <a:t>6/16/25</a:t>
+              <a:t>7/7/25</a:t>
             </a:fld>
             <a:endParaRPr lang="en-US"/>
           </a:p>
@@ -18782,7 +18785,7 @@
           <a:p>
             <a:fld id="{4CBE44E2-F8E4-5240-8C37-ECF7D174C236}" type="datetimeFigureOut">
               <a:rPr lang="en-US" smtClean="0"/>
-              <a:t>6/16/25</a:t>
+              <a:t>7/7/25</a:t>
             </a:fld>
             <a:endParaRPr lang="en-US"/>
           </a:p>
@@ -19194,7 +19197,7 @@
           <a:p>
             <a:fld id="{4CBE44E2-F8E4-5240-8C37-ECF7D174C236}" type="datetimeFigureOut">
               <a:rPr lang="en-US" smtClean="0"/>
-              <a:t>6/16/25</a:t>
+              <a:t>7/7/25</a:t>
             </a:fld>
             <a:endParaRPr lang="en-US"/>
           </a:p>
@@ -19335,7 +19338,7 @@
           <a:p>
             <a:fld id="{4CBE44E2-F8E4-5240-8C37-ECF7D174C236}" type="datetimeFigureOut">
               <a:rPr lang="en-US" smtClean="0"/>
-              <a:t>6/16/25</a:t>
+              <a:t>7/7/25</a:t>
             </a:fld>
             <a:endParaRPr lang="en-US"/>
           </a:p>
@@ -19448,7 +19451,7 @@
           <a:p>
             <a:fld id="{4CBE44E2-F8E4-5240-8C37-ECF7D174C236}" type="datetimeFigureOut">
               <a:rPr lang="en-US" smtClean="0"/>
-              <a:t>6/16/25</a:t>
+              <a:t>7/7/25</a:t>
             </a:fld>
             <a:endParaRPr lang="en-US"/>
           </a:p>
@@ -19759,7 +19762,7 @@
           <a:p>
             <a:fld id="{4CBE44E2-F8E4-5240-8C37-ECF7D174C236}" type="datetimeFigureOut">
               <a:rPr lang="en-US" smtClean="0"/>
-              <a:t>6/16/25</a:t>
+              <a:t>7/7/25</a:t>
             </a:fld>
             <a:endParaRPr lang="en-US"/>
           </a:p>
@@ -20047,7 +20050,7 @@
           <a:p>
             <a:fld id="{4CBE44E2-F8E4-5240-8C37-ECF7D174C236}" type="datetimeFigureOut">
               <a:rPr lang="en-US" smtClean="0"/>
-              <a:t>6/16/25</a:t>
+              <a:t>7/7/25</a:t>
             </a:fld>
             <a:endParaRPr lang="en-US"/>
           </a:p>
@@ -20288,7 +20291,7 @@
           <a:p>
             <a:fld id="{4CBE44E2-F8E4-5240-8C37-ECF7D174C236}" type="datetimeFigureOut">
               <a:rPr lang="en-US" smtClean="0"/>
-              <a:t>6/16/25</a:t>
+              <a:t>7/7/25</a:t>
             </a:fld>
             <a:endParaRPr lang="en-US"/>
           </a:p>
@@ -20790,6 +20793,930 @@
           <p:cNvPr id="2" name="Title 1">
             <a:extLst>
               <a:ext uri="{FF2B5EF4-FFF2-40B4-BE49-F238E27FC236}">
+                <a16:creationId xmlns:a16="http://schemas.microsoft.com/office/drawing/2014/main" id="{01E4CD0E-349F-7F48-ACF4-B0AC69863EE5}"/>
+              </a:ext>
+            </a:extLst>
+          </p:cNvPr>
+          <p:cNvSpPr>
+            <a:spLocks noGrp="1"/>
+          </p:cNvSpPr>
+          <p:nvPr>
+            <p:ph type="title"/>
+          </p:nvPr>
+        </p:nvSpPr>
+        <p:spPr/>
+        <p:txBody>
+          <a:bodyPr/>
+          <a:lstStyle/>
+          <a:p>
+            <a:endParaRPr lang="en-US"/>
+          </a:p>
+        </p:txBody>
+      </p:sp>
+      <p:graphicFrame>
+        <p:nvGraphicFramePr>
+          <p:cNvPr id="4" name="Content Placeholder 3">
+            <a:extLst>
+              <a:ext uri="{FF2B5EF4-FFF2-40B4-BE49-F238E27FC236}">
+                <a16:creationId xmlns:a16="http://schemas.microsoft.com/office/drawing/2014/main" id="{5C691A2F-6F13-EE03-5DD4-8A58C5A5EC15}"/>
+              </a:ext>
+            </a:extLst>
+          </p:cNvPr>
+          <p:cNvGraphicFramePr>
+            <a:graphicFrameLocks noGrp="1"/>
+          </p:cNvGraphicFramePr>
+          <p:nvPr>
+            <p:ph idx="1"/>
+            <p:extLst>
+              <p:ext uri="{D42A27DB-BD31-4B8C-83A1-F6EECF244321}">
+                <p14:modId xmlns:p14="http://schemas.microsoft.com/office/powerpoint/2010/main" val="1894993896"/>
+              </p:ext>
+            </p:extLst>
+          </p:nvPr>
+        </p:nvGraphicFramePr>
+        <p:xfrm>
+          <a:off x="224725" y="1752245"/>
+          <a:ext cx="11742552" cy="3567313"/>
+        </p:xfrm>
+        <a:graphic>
+          <a:graphicData uri="http://schemas.openxmlformats.org/drawingml/2006/table">
+            <a:tbl>
+              <a:tblPr>
+                <a:tableStyleId>{B301B821-A1FF-4177-AEE7-76D212191A09}</a:tableStyleId>
+              </a:tblPr>
+              <a:tblGrid>
+                <a:gridCol w="2383008">
+                  <a:extLst>
+                    <a:ext uri="{9D8B030D-6E8A-4147-A177-3AD203B41FA5}">
+                      <a16:colId xmlns:a16="http://schemas.microsoft.com/office/drawing/2014/main" val="2508310327"/>
+                    </a:ext>
+                  </a:extLst>
+                </a:gridCol>
+                <a:gridCol w="3488268">
+                  <a:extLst>
+                    <a:ext uri="{9D8B030D-6E8A-4147-A177-3AD203B41FA5}">
+                      <a16:colId xmlns:a16="http://schemas.microsoft.com/office/drawing/2014/main" val="1181168755"/>
+                    </a:ext>
+                  </a:extLst>
+                </a:gridCol>
+                <a:gridCol w="2935638">
+                  <a:extLst>
+                    <a:ext uri="{9D8B030D-6E8A-4147-A177-3AD203B41FA5}">
+                      <a16:colId xmlns:a16="http://schemas.microsoft.com/office/drawing/2014/main" val="1018911438"/>
+                    </a:ext>
+                  </a:extLst>
+                </a:gridCol>
+                <a:gridCol w="2935638">
+                  <a:extLst>
+                    <a:ext uri="{9D8B030D-6E8A-4147-A177-3AD203B41FA5}">
+                      <a16:colId xmlns:a16="http://schemas.microsoft.com/office/drawing/2014/main" val="2253158463"/>
+                    </a:ext>
+                  </a:extLst>
+                </a:gridCol>
+              </a:tblGrid>
+              <a:tr h="274409">
+                <a:tc>
+                  <a:txBody>
+                    <a:bodyPr/>
+                    <a:lstStyle/>
+                    <a:p>
+                      <a:pPr>
+                        <a:buNone/>
+                      </a:pPr>
+                      <a:r>
+                        <a:rPr lang="en-US" sz="1050" b="1" dirty="0"/>
+                        <a:t>Step</a:t>
+                      </a:r>
+                    </a:p>
+                  </a:txBody>
+                  <a:tcPr marL="39201" marR="39201" marT="19601" marB="19601" anchor="ctr"/>
+                </a:tc>
+                <a:tc>
+                  <a:txBody>
+                    <a:bodyPr/>
+                    <a:lstStyle/>
+                    <a:p>
+                      <a:pPr>
+                        <a:buNone/>
+                      </a:pPr>
+                      <a:r>
+                        <a:rPr lang="en-US" sz="1050" b="1" dirty="0"/>
+                        <a:t>Actions</a:t>
+                      </a:r>
+                    </a:p>
+                  </a:txBody>
+                  <a:tcPr marL="39201" marR="39201" marT="19601" marB="19601" anchor="ctr"/>
+                </a:tc>
+                <a:tc>
+                  <a:txBody>
+                    <a:bodyPr/>
+                    <a:lstStyle/>
+                    <a:p>
+                      <a:pPr>
+                        <a:buNone/>
+                      </a:pPr>
+                      <a:r>
+                        <a:rPr lang="en-US" sz="1050" b="1" dirty="0"/>
+                        <a:t>Main method / algorithm</a:t>
+                      </a:r>
+                    </a:p>
+                  </a:txBody>
+                  <a:tcPr marL="39201" marR="39201" marT="19601" marB="19601" anchor="ctr"/>
+                </a:tc>
+                <a:tc>
+                  <a:txBody>
+                    <a:bodyPr/>
+                    <a:lstStyle/>
+                    <a:p>
+                      <a:pPr>
+                        <a:buNone/>
+                      </a:pPr>
+                      <a:r>
+                        <a:rPr lang="en-US" sz="1050" b="1" dirty="0"/>
+                        <a:t>Output</a:t>
+                      </a:r>
+                    </a:p>
+                  </a:txBody>
+                  <a:tcPr marL="39201" marR="39201" marT="19601" marB="19601" anchor="ctr"/>
+                </a:tc>
+                <a:extLst>
+                  <a:ext uri="{0D108BD9-81ED-4DB2-BD59-A6C34878D82A}">
+                    <a16:rowId xmlns:a16="http://schemas.microsoft.com/office/drawing/2014/main" val="1449533821"/>
+                  </a:ext>
+                </a:extLst>
+              </a:tr>
+              <a:tr h="627220">
+                <a:tc>
+                  <a:txBody>
+                    <a:bodyPr/>
+                    <a:lstStyle/>
+                    <a:p>
+                      <a:pPr>
+                        <a:buNone/>
+                      </a:pPr>
+                      <a:r>
+                        <a:rPr lang="en-US" sz="1050" b="0" dirty="0"/>
+                        <a:t>1. Pre-process data</a:t>
+                      </a:r>
+                    </a:p>
+                  </a:txBody>
+                  <a:tcPr marL="39201" marR="39201" marT="19601" marB="19601" anchor="ctr"/>
+                </a:tc>
+                <a:tc>
+                  <a:txBody>
+                    <a:bodyPr/>
+                    <a:lstStyle/>
+                    <a:p>
+                      <a:pPr>
+                        <a:buNone/>
+                      </a:pPr>
+                      <a:r>
+                        <a:rPr lang="en-US" sz="1050" b="0" dirty="0" err="1"/>
+                        <a:t>Standardise</a:t>
+                      </a:r>
+                      <a:r>
+                        <a:rPr lang="en-US" sz="1050" b="0" dirty="0"/>
+                        <a:t> numeric columns, one-hot encode </a:t>
+                      </a:r>
+                      <a:r>
+                        <a:rPr lang="en-US" sz="1050" b="0" dirty="0" err="1"/>
+                        <a:t>categoricals</a:t>
+                      </a:r>
+                      <a:r>
+                        <a:rPr lang="en-US" sz="1050" b="0" dirty="0"/>
+                        <a:t> inside a </a:t>
+                      </a:r>
+                      <a:r>
+                        <a:rPr lang="en-US" sz="1050" b="0" dirty="0" err="1"/>
+                        <a:t>ColumnTransformer</a:t>
+                      </a:r>
+                      <a:r>
+                        <a:rPr lang="en-US" sz="1050" b="0" dirty="0"/>
+                        <a:t>.</a:t>
+                      </a:r>
+                    </a:p>
+                  </a:txBody>
+                  <a:tcPr marL="39201" marR="39201" marT="19601" marB="19601" anchor="ctr"/>
+                </a:tc>
+                <a:tc>
+                  <a:txBody>
+                    <a:bodyPr/>
+                    <a:lstStyle/>
+                    <a:p>
+                      <a:pPr>
+                        <a:buNone/>
+                      </a:pPr>
+                      <a:r>
+                        <a:rPr lang="en-US" sz="1050" b="0" dirty="0" err="1"/>
+                        <a:t>StandardScaler</a:t>
+                      </a:r>
+                      <a:r>
+                        <a:rPr lang="en-US" sz="1050" b="0" dirty="0"/>
+                        <a:t>, </a:t>
+                      </a:r>
+                      <a:r>
+                        <a:rPr lang="en-US" sz="1050" b="0" dirty="0" err="1"/>
+                        <a:t>OneHotEncoder</a:t>
+                      </a:r>
+                      <a:r>
+                        <a:rPr lang="en-US" sz="1050" b="0" dirty="0"/>
+                        <a:t> wrapped in Pipeline</a:t>
+                      </a:r>
+                    </a:p>
+                  </a:txBody>
+                  <a:tcPr marL="39201" marR="39201" marT="19601" marB="19601" anchor="ctr"/>
+                </a:tc>
+                <a:tc>
+                  <a:txBody>
+                    <a:bodyPr/>
+                    <a:lstStyle/>
+                    <a:p>
+                      <a:pPr>
+                        <a:buNone/>
+                      </a:pPr>
+                      <a:r>
+                        <a:rPr lang="en-US" sz="1050" b="0" dirty="0"/>
+                        <a:t>Consistent, model-ready design matrix</a:t>
+                      </a:r>
+                    </a:p>
+                  </a:txBody>
+                  <a:tcPr marL="39201" marR="39201" marT="19601" marB="19601" anchor="ctr"/>
+                </a:tc>
+                <a:extLst>
+                  <a:ext uri="{0D108BD9-81ED-4DB2-BD59-A6C34878D82A}">
+                    <a16:rowId xmlns:a16="http://schemas.microsoft.com/office/drawing/2014/main" val="1424102280"/>
+                  </a:ext>
+                </a:extLst>
+              </a:tr>
+              <a:tr h="627220">
+                <a:tc>
+                  <a:txBody>
+                    <a:bodyPr/>
+                    <a:lstStyle/>
+                    <a:p>
+                      <a:pPr>
+                        <a:buNone/>
+                      </a:pPr>
+                      <a:r>
+                        <a:rPr lang="en-US" sz="1050" b="0" dirty="0"/>
+                        <a:t>2. Fit lasso-</a:t>
+                      </a:r>
+                      <a:r>
+                        <a:rPr lang="en-US" sz="1050" b="0" dirty="0" err="1"/>
+                        <a:t>regularised</a:t>
+                      </a:r>
+                      <a:r>
+                        <a:rPr lang="en-US" sz="1050" b="0" dirty="0"/>
+                        <a:t> logistic regression</a:t>
+                      </a:r>
+                    </a:p>
+                  </a:txBody>
+                  <a:tcPr marL="39201" marR="39201" marT="19601" marB="19601" anchor="ctr"/>
+                </a:tc>
+                <a:tc>
+                  <a:txBody>
+                    <a:bodyPr/>
+                    <a:lstStyle/>
+                    <a:p>
+                      <a:pPr>
+                        <a:buNone/>
+                      </a:pPr>
+                      <a:r>
+                        <a:rPr lang="en-US" sz="1050" b="0" dirty="0"/>
+                        <a:t>Train </a:t>
+                      </a:r>
+                      <a:r>
+                        <a:rPr lang="en-US" sz="1050" b="0" dirty="0" err="1"/>
+                        <a:t>LogisticRegression</a:t>
+                      </a:r>
+                      <a:r>
+                        <a:rPr lang="en-US" sz="1050" b="0" dirty="0"/>
+                        <a:t>(solver="saga", penalty="l1") over a grid of C values, pick C = 0.1.</a:t>
+                      </a:r>
+                    </a:p>
+                  </a:txBody>
+                  <a:tcPr marL="39201" marR="39201" marT="19601" marB="19601" anchor="ctr"/>
+                </a:tc>
+                <a:tc>
+                  <a:txBody>
+                    <a:bodyPr/>
+                    <a:lstStyle/>
+                    <a:p>
+                      <a:pPr>
+                        <a:buNone/>
+                      </a:pPr>
+                      <a:r>
+                        <a:rPr lang="en-US" sz="1050" b="0" dirty="0"/>
+                        <a:t>L1 shrinks coefficients, performs embedded feature selection</a:t>
+                      </a:r>
+                    </a:p>
+                  </a:txBody>
+                  <a:tcPr marL="39201" marR="39201" marT="19601" marB="19601" anchor="ctr"/>
+                </a:tc>
+                <a:tc>
+                  <a:txBody>
+                    <a:bodyPr/>
+                    <a:lstStyle/>
+                    <a:p>
+                      <a:pPr>
+                        <a:buNone/>
+                      </a:pPr>
+                      <a:r>
+                        <a:rPr lang="en-US" sz="1050" b="0"/>
+                        <a:t>Best ROC-AUC printed and plotted</a:t>
+                      </a:r>
+                    </a:p>
+                  </a:txBody>
+                  <a:tcPr marL="39201" marR="39201" marT="19601" marB="19601" anchor="ctr"/>
+                </a:tc>
+                <a:extLst>
+                  <a:ext uri="{0D108BD9-81ED-4DB2-BD59-A6C34878D82A}">
+                    <a16:rowId xmlns:a16="http://schemas.microsoft.com/office/drawing/2014/main" val="155217261"/>
+                  </a:ext>
+                </a:extLst>
+              </a:tr>
+              <a:tr h="509616">
+                <a:tc>
+                  <a:txBody>
+                    <a:bodyPr/>
+                    <a:lstStyle/>
+                    <a:p>
+                      <a:pPr>
+                        <a:buNone/>
+                      </a:pPr>
+                      <a:r>
+                        <a:rPr lang="en-US" sz="1050" b="0" dirty="0"/>
+                        <a:t>3. Model-level p-value (logistic)</a:t>
+                      </a:r>
+                    </a:p>
+                  </a:txBody>
+                  <a:tcPr marL="39201" marR="39201" marT="19601" marB="19601" anchor="ctr"/>
+                </a:tc>
+                <a:tc>
+                  <a:txBody>
+                    <a:bodyPr/>
+                    <a:lstStyle/>
+                    <a:p>
+                      <a:pPr>
+                        <a:buNone/>
+                      </a:pPr>
+                      <a:r>
+                        <a:rPr lang="en-US" sz="1050" b="0" dirty="0"/>
+                        <a:t>1 000-fold permutation test with 5-fold CV: shuffle labels, refit, compare AUCs.</a:t>
+                      </a:r>
+                    </a:p>
+                  </a:txBody>
+                  <a:tcPr marL="39201" marR="39201" marT="19601" marB="19601" anchor="ctr"/>
+                </a:tc>
+                <a:tc>
+                  <a:txBody>
+                    <a:bodyPr/>
+                    <a:lstStyle/>
+                    <a:p>
+                      <a:pPr>
+                        <a:buNone/>
+                      </a:pPr>
+                      <a:r>
+                        <a:rPr lang="en-US" sz="1050" b="0" dirty="0" err="1"/>
+                        <a:t>permutation_test_score</a:t>
+                      </a:r>
+                      <a:endParaRPr lang="en-US" sz="1050" b="0" dirty="0"/>
+                    </a:p>
+                  </a:txBody>
+                  <a:tcPr marL="39201" marR="39201" marT="19601" marB="19601" anchor="ctr"/>
+                </a:tc>
+                <a:tc>
+                  <a:txBody>
+                    <a:bodyPr/>
+                    <a:lstStyle/>
+                    <a:p>
+                      <a:pPr>
+                        <a:buNone/>
+                      </a:pPr>
+                      <a:r>
+                        <a:rPr lang="en-US" sz="1050" b="0"/>
+                        <a:t>p_log — probability that a random label assignment gives ≥ observed AUC</a:t>
+                      </a:r>
+                    </a:p>
+                  </a:txBody>
+                  <a:tcPr marL="39201" marR="39201" marT="19601" marB="19601" anchor="ctr"/>
+                </a:tc>
+                <a:extLst>
+                  <a:ext uri="{0D108BD9-81ED-4DB2-BD59-A6C34878D82A}">
+                    <a16:rowId xmlns:a16="http://schemas.microsoft.com/office/drawing/2014/main" val="2145332445"/>
+                  </a:ext>
+                </a:extLst>
+              </a:tr>
+              <a:tr h="627220">
+                <a:tc>
+                  <a:txBody>
+                    <a:bodyPr/>
+                    <a:lstStyle/>
+                    <a:p>
+                      <a:pPr>
+                        <a:buNone/>
+                      </a:pPr>
+                      <a:r>
+                        <a:rPr lang="en-US" sz="1050" b="0"/>
+                        <a:t>4. Coefficient p-values (logistic)</a:t>
+                      </a:r>
+                    </a:p>
+                  </a:txBody>
+                  <a:tcPr marL="39201" marR="39201" marT="19601" marB="19601" anchor="ctr"/>
+                </a:tc>
+                <a:tc>
+                  <a:txBody>
+                    <a:bodyPr/>
+                    <a:lstStyle/>
+                    <a:p>
+                      <a:pPr>
+                        <a:buNone/>
+                      </a:pPr>
+                      <a:r>
+                        <a:rPr lang="en-US" sz="1050" b="0"/>
+                        <a:t>Refit an unpenalised logit in statsmodels on the subset of features whose L1 </a:t>
+                      </a:r>
+                      <a:r>
+                        <a:rPr lang="el-GR" sz="1050" b="0"/>
+                        <a:t>β ≠ 0; </a:t>
+                      </a:r>
+                      <a:r>
+                        <a:rPr lang="en-US" sz="1050" b="0"/>
+                        <a:t>read Wald z-tests.</a:t>
+                      </a:r>
+                    </a:p>
+                  </a:txBody>
+                  <a:tcPr marL="39201" marR="39201" marT="19601" marB="19601" anchor="ctr"/>
+                </a:tc>
+                <a:tc>
+                  <a:txBody>
+                    <a:bodyPr/>
+                    <a:lstStyle/>
+                    <a:p>
+                      <a:pPr>
+                        <a:buNone/>
+                      </a:pPr>
+                      <a:r>
+                        <a:rPr lang="en-US" sz="1050" b="0"/>
+                        <a:t>statsmodels.Logit</a:t>
+                      </a:r>
+                    </a:p>
+                  </a:txBody>
+                  <a:tcPr marL="39201" marR="39201" marT="19601" marB="19601" anchor="ctr"/>
+                </a:tc>
+                <a:tc>
+                  <a:txBody>
+                    <a:bodyPr/>
+                    <a:lstStyle/>
+                    <a:p>
+                      <a:pPr>
+                        <a:buNone/>
+                      </a:pPr>
+                      <a:r>
+                        <a:rPr lang="en-US" sz="1050" b="0"/>
+                        <a:t>Per-feature </a:t>
+                      </a:r>
+                      <a:r>
+                        <a:rPr lang="el-GR" sz="1050" b="0"/>
+                        <a:t>β, </a:t>
+                      </a:r>
+                      <a:r>
+                        <a:rPr lang="en-US" sz="1050" b="0"/>
+                        <a:t>SE, z, p, CI</a:t>
+                      </a:r>
+                    </a:p>
+                  </a:txBody>
+                  <a:tcPr marL="39201" marR="39201" marT="19601" marB="19601" anchor="ctr"/>
+                </a:tc>
+                <a:extLst>
+                  <a:ext uri="{0D108BD9-81ED-4DB2-BD59-A6C34878D82A}">
+                    <a16:rowId xmlns:a16="http://schemas.microsoft.com/office/drawing/2014/main" val="1293579794"/>
+                  </a:ext>
+                </a:extLst>
+              </a:tr>
+              <a:tr h="392012">
+                <a:tc>
+                  <a:txBody>
+                    <a:bodyPr/>
+                    <a:lstStyle/>
+                    <a:p>
+                      <a:pPr>
+                        <a:buNone/>
+                      </a:pPr>
+                      <a:r>
+                        <a:rPr lang="en-US" sz="1050" b="0"/>
+                        <a:t>5. Feature importance (logistic)</a:t>
+                      </a:r>
+                    </a:p>
+                  </a:txBody>
+                  <a:tcPr marL="39201" marR="39201" marT="19601" marB="19601" anchor="ctr"/>
+                </a:tc>
+                <a:tc>
+                  <a:txBody>
+                    <a:bodyPr/>
+                    <a:lstStyle/>
+                    <a:p>
+                      <a:pPr>
+                        <a:buNone/>
+                      </a:pPr>
+                      <a:r>
+                        <a:rPr lang="en-US" sz="1050" b="0"/>
+                        <a:t>Repeated permutation importance on the held-out set.</a:t>
+                      </a:r>
+                    </a:p>
+                  </a:txBody>
+                  <a:tcPr marL="39201" marR="39201" marT="19601" marB="19601" anchor="ctr"/>
+                </a:tc>
+                <a:tc>
+                  <a:txBody>
+                    <a:bodyPr/>
+                    <a:lstStyle/>
+                    <a:p>
+                      <a:pPr>
+                        <a:buNone/>
+                      </a:pPr>
+                      <a:r>
+                        <a:rPr lang="en-US" sz="1050" b="0"/>
+                        <a:t>permutation_importance</a:t>
+                      </a:r>
+                    </a:p>
+                  </a:txBody>
+                  <a:tcPr marL="39201" marR="39201" marT="19601" marB="19601" anchor="ctr"/>
+                </a:tc>
+                <a:tc>
+                  <a:txBody>
+                    <a:bodyPr/>
+                    <a:lstStyle/>
+                    <a:p>
+                      <a:pPr>
+                        <a:buNone/>
+                      </a:pPr>
+                      <a:r>
+                        <a:rPr lang="en-US" sz="1050" b="0"/>
+                        <a:t>Mean drop in AUC per feature (top 15 printed)</a:t>
+                      </a:r>
+                    </a:p>
+                  </a:txBody>
+                  <a:tcPr marL="39201" marR="39201" marT="19601" marB="19601" anchor="ctr"/>
+                </a:tc>
+                <a:extLst>
+                  <a:ext uri="{0D108BD9-81ED-4DB2-BD59-A6C34878D82A}">
+                    <a16:rowId xmlns:a16="http://schemas.microsoft.com/office/drawing/2014/main" val="749416347"/>
+                  </a:ext>
+                </a:extLst>
+              </a:tr>
+              <a:tr h="509616">
+                <a:tc>
+                  <a:txBody>
+                    <a:bodyPr/>
+                    <a:lstStyle/>
+                    <a:p>
+                      <a:pPr>
+                        <a:buNone/>
+                      </a:pPr>
+                      <a:r>
+                        <a:rPr lang="en-US" sz="1050" b="0" dirty="0"/>
+                        <a:t>6. SHAP / further analysis</a:t>
+                      </a:r>
+                    </a:p>
+                  </a:txBody>
+                  <a:tcPr marL="39201" marR="39201" marT="19601" marB="19601" anchor="ctr"/>
+                </a:tc>
+                <a:tc>
+                  <a:txBody>
+                    <a:bodyPr/>
+                    <a:lstStyle/>
+                    <a:p>
+                      <a:pPr>
+                        <a:buNone/>
+                      </a:pPr>
+                      <a:r>
+                        <a:rPr lang="en-US" sz="1050" b="0"/>
+                        <a:t>(Commented in outline) SHAP can explain LightGBM; not executed here.</a:t>
+                      </a:r>
+                    </a:p>
+                  </a:txBody>
+                  <a:tcPr marL="39201" marR="39201" marT="19601" marB="19601" anchor="ctr"/>
+                </a:tc>
+                <a:tc>
+                  <a:txBody>
+                    <a:bodyPr/>
+                    <a:lstStyle/>
+                    <a:p>
+                      <a:pPr>
+                        <a:buNone/>
+                      </a:pPr>
+                      <a:r>
+                        <a:rPr lang="en-US" sz="1050" b="0"/>
+                        <a:t>shap.TreeExplainer</a:t>
+                      </a:r>
+                    </a:p>
+                  </a:txBody>
+                  <a:tcPr marL="39201" marR="39201" marT="19601" marB="19601" anchor="ctr"/>
+                </a:tc>
+                <a:tc>
+                  <a:txBody>
+                    <a:bodyPr/>
+                    <a:lstStyle/>
+                    <a:p>
+                      <a:pPr>
+                        <a:buNone/>
+                      </a:pPr>
+                      <a:r>
+                        <a:rPr lang="en-US" sz="1050" b="0" dirty="0"/>
+                        <a:t>Potential local/global explanations</a:t>
+                      </a:r>
+                    </a:p>
+                  </a:txBody>
+                  <a:tcPr marL="39201" marR="39201" marT="19601" marB="19601" anchor="ctr"/>
+                </a:tc>
+                <a:extLst>
+                  <a:ext uri="{0D108BD9-81ED-4DB2-BD59-A6C34878D82A}">
+                    <a16:rowId xmlns:a16="http://schemas.microsoft.com/office/drawing/2014/main" val="518673350"/>
+                  </a:ext>
+                </a:extLst>
+              </a:tr>
+            </a:tbl>
+          </a:graphicData>
+        </a:graphic>
+      </p:graphicFrame>
+    </p:spTree>
+    <p:extLst>
+      <p:ext uri="{BB962C8B-B14F-4D97-AF65-F5344CB8AC3E}">
+        <p14:creationId xmlns:p14="http://schemas.microsoft.com/office/powerpoint/2010/main" val="1811737000"/>
+      </p:ext>
+    </p:extLst>
+  </p:cSld>
+  <p:clrMapOvr>
+    <a:masterClrMapping/>
+  </p:clrMapOvr>
+</p:sld>
+</file>
+
+<file path=ppt/slides/slide11.xml><?xml version="1.0" encoding="utf-8"?>
+<p:sld xmlns:a="http://schemas.openxmlformats.org/drawingml/2006/main" xmlns:r="http://schemas.openxmlformats.org/officeDocument/2006/relationships" xmlns:p="http://schemas.openxmlformats.org/presentationml/2006/main">
+  <p:cSld>
+    <p:spTree>
+      <p:nvGrpSpPr>
+        <p:cNvPr id="1" name=""/>
+        <p:cNvGrpSpPr/>
+        <p:nvPr/>
+      </p:nvGrpSpPr>
+      <p:grpSpPr>
+        <a:xfrm>
+          <a:off x="0" y="0"/>
+          <a:ext cx="0" cy="0"/>
+          <a:chOff x="0" y="0"/>
+          <a:chExt cx="0" cy="0"/>
+        </a:xfrm>
+      </p:grpSpPr>
+      <p:sp>
+        <p:nvSpPr>
+          <p:cNvPr id="2" name="Title 1">
+            <a:extLst>
+              <a:ext uri="{FF2B5EF4-FFF2-40B4-BE49-F238E27FC236}">
+                <a16:creationId xmlns:a16="http://schemas.microsoft.com/office/drawing/2014/main" id="{05D8CF6D-7913-D848-9A5F-70158592CE00}"/>
+              </a:ext>
+            </a:extLst>
+          </p:cNvPr>
+          <p:cNvSpPr>
+            <a:spLocks noGrp="1"/>
+          </p:cNvSpPr>
+          <p:nvPr>
+            <p:ph type="ctrTitle"/>
+          </p:nvPr>
+        </p:nvSpPr>
+        <p:spPr/>
+        <p:txBody>
+          <a:bodyPr/>
+          <a:lstStyle/>
+          <a:p>
+            <a:r>
+              <a:rPr lang="en-US" dirty="0"/>
+              <a:t>Objective 4 plan</a:t>
+            </a:r>
+          </a:p>
+        </p:txBody>
+      </p:sp>
+      <p:sp>
+        <p:nvSpPr>
+          <p:cNvPr id="3" name="Subtitle 2">
+            <a:extLst>
+              <a:ext uri="{FF2B5EF4-FFF2-40B4-BE49-F238E27FC236}">
+                <a16:creationId xmlns:a16="http://schemas.microsoft.com/office/drawing/2014/main" id="{29570837-DCF8-4331-923F-B997BE1E4F44}"/>
+              </a:ext>
+            </a:extLst>
+          </p:cNvPr>
+          <p:cNvSpPr>
+            <a:spLocks noGrp="1"/>
+          </p:cNvSpPr>
+          <p:nvPr>
+            <p:ph type="subTitle" idx="1"/>
+          </p:nvPr>
+        </p:nvSpPr>
+        <p:spPr/>
+        <p:txBody>
+          <a:bodyPr/>
+          <a:lstStyle/>
+          <a:p>
+            <a:r>
+              <a:rPr lang="en-US" dirty="0"/>
+              <a:t>Predict readmission rate of Psychologic patients base on admission history</a:t>
+            </a:r>
+          </a:p>
+        </p:txBody>
+      </p:sp>
+    </p:spTree>
+    <p:extLst>
+      <p:ext uri="{BB962C8B-B14F-4D97-AF65-F5344CB8AC3E}">
+        <p14:creationId xmlns:p14="http://schemas.microsoft.com/office/powerpoint/2010/main" val="3047299247"/>
+      </p:ext>
+    </p:extLst>
+  </p:cSld>
+  <p:clrMapOvr>
+    <a:masterClrMapping/>
+  </p:clrMapOvr>
+</p:sld>
+</file>
+
+<file path=ppt/slides/slide12.xml><?xml version="1.0" encoding="utf-8"?>
+<p:sld xmlns:a="http://schemas.openxmlformats.org/drawingml/2006/main" xmlns:r="http://schemas.openxmlformats.org/officeDocument/2006/relationships" xmlns:p="http://schemas.openxmlformats.org/presentationml/2006/main">
+  <p:cSld>
+    <p:spTree>
+      <p:nvGrpSpPr>
+        <p:cNvPr id="1" name=""/>
+        <p:cNvGrpSpPr/>
+        <p:nvPr/>
+      </p:nvGrpSpPr>
+      <p:grpSpPr>
+        <a:xfrm>
+          <a:off x="0" y="0"/>
+          <a:ext cx="0" cy="0"/>
+          <a:chOff x="0" y="0"/>
+          <a:chExt cx="0" cy="0"/>
+        </a:xfrm>
+      </p:grpSpPr>
+      <p:sp>
+        <p:nvSpPr>
+          <p:cNvPr id="2" name="Title 1">
+            <a:extLst>
+              <a:ext uri="{FF2B5EF4-FFF2-40B4-BE49-F238E27FC236}">
+                <a16:creationId xmlns:a16="http://schemas.microsoft.com/office/drawing/2014/main" id="{A22E2921-ECA5-0731-A977-A642512519C7}"/>
+              </a:ext>
+            </a:extLst>
+          </p:cNvPr>
+          <p:cNvSpPr>
+            <a:spLocks noGrp="1"/>
+          </p:cNvSpPr>
+          <p:nvPr>
+            <p:ph type="title"/>
+          </p:nvPr>
+        </p:nvSpPr>
+        <p:spPr/>
+        <p:txBody>
+          <a:bodyPr/>
+          <a:lstStyle/>
+          <a:p>
+            <a:r>
+              <a:rPr lang="en-US" dirty="0"/>
+              <a:t>Data</a:t>
+            </a:r>
+          </a:p>
+        </p:txBody>
+      </p:sp>
+      <p:sp>
+        <p:nvSpPr>
+          <p:cNvPr id="3" name="Content Placeholder 2">
+            <a:extLst>
+              <a:ext uri="{FF2B5EF4-FFF2-40B4-BE49-F238E27FC236}">
+                <a16:creationId xmlns:a16="http://schemas.microsoft.com/office/drawing/2014/main" id="{328FD57B-A060-287F-216D-A284965D2E81}"/>
+              </a:ext>
+            </a:extLst>
+          </p:cNvPr>
+          <p:cNvSpPr>
+            <a:spLocks noGrp="1"/>
+          </p:cNvSpPr>
+          <p:nvPr>
+            <p:ph idx="1"/>
+          </p:nvPr>
+        </p:nvSpPr>
+        <p:spPr/>
+        <p:txBody>
+          <a:bodyPr/>
+          <a:lstStyle/>
+          <a:p>
+            <a:r>
+              <a:rPr lang="en-US" dirty="0"/>
+              <a:t>Tables: </a:t>
+            </a:r>
+          </a:p>
+          <a:p>
+            <a:pPr lvl="1"/>
+            <a:r>
+              <a:rPr lang="en-US" dirty="0"/>
+              <a:t>./</a:t>
+            </a:r>
+            <a:r>
+              <a:rPr lang="en-US" dirty="0" err="1"/>
+              <a:t>hosp</a:t>
+            </a:r>
+            <a:r>
+              <a:rPr lang="en-US" dirty="0"/>
+              <a:t>: patients, admissions, </a:t>
+            </a:r>
+            <a:r>
+              <a:rPr lang="en-US" dirty="0" err="1"/>
+              <a:t>diagnoses_icd</a:t>
+            </a:r>
+            <a:r>
+              <a:rPr lang="en-US" dirty="0"/>
+              <a:t>.</a:t>
+            </a:r>
+          </a:p>
+          <a:p>
+            <a:pPr lvl="1"/>
+            <a:r>
+              <a:rPr lang="en-US" dirty="0"/>
+              <a:t>./</a:t>
+            </a:r>
+            <a:r>
+              <a:rPr lang="en-US" dirty="0" err="1"/>
+              <a:t>icu</a:t>
+            </a:r>
+            <a:r>
+              <a:rPr lang="en-US" dirty="0"/>
+              <a:t>: </a:t>
+            </a:r>
+            <a:r>
+              <a:rPr lang="en-US" dirty="0" err="1"/>
+              <a:t>icustays</a:t>
+            </a:r>
+            <a:endParaRPr lang="en-US" dirty="0"/>
+          </a:p>
+          <a:p>
+            <a:pPr lvl="1"/>
+            <a:r>
+              <a:rPr lang="en-US" dirty="0">
+                <a:hlinkClick r:id="rId2"/>
+              </a:rPr>
+              <a:t>MIMIC-IV-Note</a:t>
+            </a:r>
+            <a:r>
+              <a:rPr lang="en-US" dirty="0"/>
+              <a:t> (</a:t>
+            </a:r>
+            <a:r>
+              <a:rPr lang="en-US" dirty="0" err="1"/>
+              <a:t>NOTEEVENTS.csv</a:t>
+            </a:r>
+            <a:r>
+              <a:rPr lang="en-US" dirty="0"/>
+              <a:t> in MIMIC-III)</a:t>
+            </a:r>
+          </a:p>
+          <a:p>
+            <a:pPr marL="457200" lvl="1" indent="0">
+              <a:buNone/>
+            </a:pPr>
+            <a:endParaRPr lang="en-US" dirty="0"/>
+          </a:p>
+        </p:txBody>
+      </p:sp>
+    </p:spTree>
+    <p:extLst>
+      <p:ext uri="{BB962C8B-B14F-4D97-AF65-F5344CB8AC3E}">
+        <p14:creationId xmlns:p14="http://schemas.microsoft.com/office/powerpoint/2010/main" val="2373569153"/>
+      </p:ext>
+    </p:extLst>
+  </p:cSld>
+  <p:clrMapOvr>
+    <a:masterClrMapping/>
+  </p:clrMapOvr>
+</p:sld>
+</file>
+
+<file path=ppt/slides/slide13.xml><?xml version="1.0" encoding="utf-8"?>
+<p:sld xmlns:a="http://schemas.openxmlformats.org/drawingml/2006/main" xmlns:r="http://schemas.openxmlformats.org/officeDocument/2006/relationships" xmlns:p="http://schemas.openxmlformats.org/presentationml/2006/main">
+  <p:cSld>
+    <p:spTree>
+      <p:nvGrpSpPr>
+        <p:cNvPr id="1" name=""/>
+        <p:cNvGrpSpPr/>
+        <p:nvPr/>
+      </p:nvGrpSpPr>
+      <p:grpSpPr>
+        <a:xfrm>
+          <a:off x="0" y="0"/>
+          <a:ext cx="0" cy="0"/>
+          <a:chOff x="0" y="0"/>
+          <a:chExt cx="0" cy="0"/>
+        </a:xfrm>
+      </p:grpSpPr>
+      <p:sp>
+        <p:nvSpPr>
+          <p:cNvPr id="2" name="Title 1">
+            <a:extLst>
+              <a:ext uri="{FF2B5EF4-FFF2-40B4-BE49-F238E27FC236}">
                 <a16:creationId xmlns:a16="http://schemas.microsoft.com/office/drawing/2014/main" id="{98EC04CE-1C6E-3BCC-EF80-15C8A1636482}"/>
               </a:ext>
             </a:extLst>
@@ -21211,7 +22138,7 @@
 </p:sld>
 </file>
 
-<file path=ppt/slides/slide11.xml><?xml version="1.0" encoding="utf-8"?>
+<file path=ppt/slides/slide14.xml><?xml version="1.0" encoding="utf-8"?>
 <p:sld xmlns:a="http://schemas.openxmlformats.org/drawingml/2006/main" xmlns:r="http://schemas.openxmlformats.org/officeDocument/2006/relationships" xmlns:p="http://schemas.openxmlformats.org/presentationml/2006/main">
   <p:cSld>
     <p:spTree>
@@ -21542,7 +22469,7 @@
 </p:sld>
 </file>
 
-<file path=ppt/slides/slide12.xml><?xml version="1.0" encoding="utf-8"?>
+<file path=ppt/slides/slide15.xml><?xml version="1.0" encoding="utf-8"?>
 <p:sld xmlns:a="http://schemas.openxmlformats.org/drawingml/2006/main" xmlns:r="http://schemas.openxmlformats.org/officeDocument/2006/relationships" xmlns:p="http://schemas.openxmlformats.org/presentationml/2006/main">
   <p:cSld>
     <p:spTree>
@@ -22119,7 +23046,7 @@
 </p:sld>
 </file>
 
-<file path=ppt/slides/slide13.xml><?xml version="1.0" encoding="utf-8"?>
+<file path=ppt/slides/slide16.xml><?xml version="1.0" encoding="utf-8"?>
 <p:sld xmlns:a="http://schemas.openxmlformats.org/drawingml/2006/main" xmlns:r="http://schemas.openxmlformats.org/officeDocument/2006/relationships" xmlns:p="http://schemas.openxmlformats.org/presentationml/2006/main">
   <p:cSld>
     <p:spTree>
@@ -22956,7 +23883,7 @@
 </p:sld>
 </file>
 
-<file path=ppt/slides/slide14.xml><?xml version="1.0" encoding="utf-8"?>
+<file path=ppt/slides/slide17.xml><?xml version="1.0" encoding="utf-8"?>
 <p:sld xmlns:a="http://schemas.openxmlformats.org/drawingml/2006/main" xmlns:r="http://schemas.openxmlformats.org/officeDocument/2006/relationships" xmlns:p="http://schemas.openxmlformats.org/presentationml/2006/main">
   <p:cSld>
     <p:spTree>
@@ -23178,6 +24105,913 @@
           <p:cNvPr id="2" name="Title 1">
             <a:extLst>
               <a:ext uri="{FF2B5EF4-FFF2-40B4-BE49-F238E27FC236}">
+                <a16:creationId xmlns:a16="http://schemas.microsoft.com/office/drawing/2014/main" id="{95D47932-59FD-2123-3B9E-8CE383346762}"/>
+              </a:ext>
+            </a:extLst>
+          </p:cNvPr>
+          <p:cNvSpPr>
+            <a:spLocks noGrp="1"/>
+          </p:cNvSpPr>
+          <p:nvPr>
+            <p:ph type="title"/>
+          </p:nvPr>
+        </p:nvSpPr>
+        <p:spPr/>
+        <p:txBody>
+          <a:bodyPr/>
+          <a:lstStyle/>
+          <a:p>
+            <a:r>
+              <a:rPr lang="en-US" dirty="0"/>
+              <a:t>Q1</a:t>
+            </a:r>
+          </a:p>
+        </p:txBody>
+      </p:sp>
+      <p:graphicFrame>
+        <p:nvGraphicFramePr>
+          <p:cNvPr id="7" name="Content Placeholder 6">
+            <a:extLst>
+              <a:ext uri="{FF2B5EF4-FFF2-40B4-BE49-F238E27FC236}">
+                <a16:creationId xmlns:a16="http://schemas.microsoft.com/office/drawing/2014/main" id="{D73D5163-4454-7FB1-1843-1ED2D2CF9FDF}"/>
+              </a:ext>
+            </a:extLst>
+          </p:cNvPr>
+          <p:cNvGraphicFramePr>
+            <a:graphicFrameLocks noGrp="1"/>
+          </p:cNvGraphicFramePr>
+          <p:nvPr>
+            <p:ph idx="1"/>
+            <p:extLst>
+              <p:ext uri="{D42A27DB-BD31-4B8C-83A1-F6EECF244321}">
+                <p14:modId xmlns:p14="http://schemas.microsoft.com/office/powerpoint/2010/main" val="639463926"/>
+              </p:ext>
+            </p:extLst>
+          </p:nvPr>
+        </p:nvGraphicFramePr>
+        <p:xfrm>
+          <a:off x="169334" y="1825625"/>
+          <a:ext cx="11853334" cy="4713805"/>
+        </p:xfrm>
+        <a:graphic>
+          <a:graphicData uri="http://schemas.openxmlformats.org/drawingml/2006/table">
+            <a:tbl>
+              <a:tblPr>
+                <a:tableStyleId>{793D81CF-94F2-401A-BA57-92F5A7B2D0C5}</a:tableStyleId>
+              </a:tblPr>
+              <a:tblGrid>
+                <a:gridCol w="1301126">
+                  <a:extLst>
+                    <a:ext uri="{9D8B030D-6E8A-4147-A177-3AD203B41FA5}">
+                      <a16:colId xmlns:a16="http://schemas.microsoft.com/office/drawing/2014/main" val="687115019"/>
+                    </a:ext>
+                  </a:extLst>
+                </a:gridCol>
+                <a:gridCol w="3652390">
+                  <a:extLst>
+                    <a:ext uri="{9D8B030D-6E8A-4147-A177-3AD203B41FA5}">
+                      <a16:colId xmlns:a16="http://schemas.microsoft.com/office/drawing/2014/main" val="444178062"/>
+                    </a:ext>
+                  </a:extLst>
+                </a:gridCol>
+                <a:gridCol w="2291214">
+                  <a:extLst>
+                    <a:ext uri="{9D8B030D-6E8A-4147-A177-3AD203B41FA5}">
+                      <a16:colId xmlns:a16="http://schemas.microsoft.com/office/drawing/2014/main" val="2648970090"/>
+                    </a:ext>
+                  </a:extLst>
+                </a:gridCol>
+                <a:gridCol w="2291214">
+                  <a:extLst>
+                    <a:ext uri="{9D8B030D-6E8A-4147-A177-3AD203B41FA5}">
+                      <a16:colId xmlns:a16="http://schemas.microsoft.com/office/drawing/2014/main" val="959076262"/>
+                    </a:ext>
+                  </a:extLst>
+                </a:gridCol>
+                <a:gridCol w="2317390">
+                  <a:extLst>
+                    <a:ext uri="{9D8B030D-6E8A-4147-A177-3AD203B41FA5}">
+                      <a16:colId xmlns:a16="http://schemas.microsoft.com/office/drawing/2014/main" val="1286126707"/>
+                    </a:ext>
+                  </a:extLst>
+                </a:gridCol>
+              </a:tblGrid>
+              <a:tr h="258130">
+                <a:tc>
+                  <a:txBody>
+                    <a:bodyPr/>
+                    <a:lstStyle/>
+                    <a:p>
+                      <a:pPr>
+                        <a:buNone/>
+                      </a:pPr>
+                      <a:r>
+                        <a:rPr lang="en-US" sz="1100" b="1" dirty="0"/>
+                        <a:t>Step</a:t>
+                      </a:r>
+                      <a:endParaRPr lang="en-US" sz="1100" dirty="0"/>
+                    </a:p>
+                  </a:txBody>
+                  <a:tcPr marL="36876" marR="36876" marT="18438" marB="18438" anchor="ctr"/>
+                </a:tc>
+                <a:tc>
+                  <a:txBody>
+                    <a:bodyPr/>
+                    <a:lstStyle/>
+                    <a:p>
+                      <a:pPr>
+                        <a:buNone/>
+                      </a:pPr>
+                      <a:r>
+                        <a:rPr lang="en-US" sz="1100" b="1" dirty="0"/>
+                        <a:t>Actions</a:t>
+                      </a:r>
+                      <a:endParaRPr lang="en-US" sz="1100" dirty="0"/>
+                    </a:p>
+                  </a:txBody>
+                  <a:tcPr marL="36876" marR="36876" marT="18438" marB="18438" anchor="ctr"/>
+                </a:tc>
+                <a:tc>
+                  <a:txBody>
+                    <a:bodyPr/>
+                    <a:lstStyle/>
+                    <a:p>
+                      <a:pPr>
+                        <a:buNone/>
+                      </a:pPr>
+                      <a:r>
+                        <a:rPr lang="en-US" sz="1100" b="1" dirty="0"/>
+                        <a:t>Key methods / Algo</a:t>
+                      </a:r>
+                      <a:endParaRPr lang="en-US" sz="1100" dirty="0"/>
+                    </a:p>
+                  </a:txBody>
+                  <a:tcPr marL="36876" marR="36876" marT="18438" marB="18438" anchor="ctr"/>
+                </a:tc>
+                <a:tc>
+                  <a:txBody>
+                    <a:bodyPr/>
+                    <a:lstStyle/>
+                    <a:p>
+                      <a:pPr>
+                        <a:buNone/>
+                      </a:pPr>
+                      <a:r>
+                        <a:rPr lang="en-US" sz="1100" b="1" dirty="0"/>
+                        <a:t>Alternatives - Reason</a:t>
+                      </a:r>
+                    </a:p>
+                  </a:txBody>
+                  <a:tcPr marL="36876" marR="36876" marT="18438" marB="18438" anchor="ctr"/>
+                </a:tc>
+                <a:tc>
+                  <a:txBody>
+                    <a:bodyPr/>
+                    <a:lstStyle/>
+                    <a:p>
+                      <a:pPr>
+                        <a:buNone/>
+                      </a:pPr>
+                      <a:r>
+                        <a:rPr lang="en-US" sz="1100" b="1" dirty="0"/>
+                        <a:t>Outputs</a:t>
+                      </a:r>
+                      <a:endParaRPr lang="en-US" sz="1100" dirty="0"/>
+                    </a:p>
+                  </a:txBody>
+                  <a:tcPr marL="36876" marR="36876" marT="18438" marB="18438" anchor="ctr"/>
+                </a:tc>
+                <a:extLst>
+                  <a:ext uri="{0D108BD9-81ED-4DB2-BD59-A6C34878D82A}">
+                    <a16:rowId xmlns:a16="http://schemas.microsoft.com/office/drawing/2014/main" val="3855646514"/>
+                  </a:ext>
+                </a:extLst>
+              </a:tr>
+              <a:tr h="700639">
+                <a:tc>
+                  <a:txBody>
+                    <a:bodyPr/>
+                    <a:lstStyle/>
+                    <a:p>
+                      <a:pPr>
+                        <a:buNone/>
+                      </a:pPr>
+                      <a:r>
+                        <a:rPr lang="en-US" sz="1100" b="0" dirty="0"/>
+                        <a:t>0. Helpers</a:t>
+                      </a:r>
+                    </a:p>
+                  </a:txBody>
+                  <a:tcPr marL="36876" marR="36876" marT="18438" marB="18438" anchor="ctr"/>
+                </a:tc>
+                <a:tc>
+                  <a:txBody>
+                    <a:bodyPr/>
+                    <a:lstStyle/>
+                    <a:p>
+                      <a:pPr>
+                        <a:buNone/>
+                      </a:pPr>
+                      <a:r>
+                        <a:rPr lang="en-US" sz="1100" dirty="0" err="1"/>
+                        <a:t>icd_group</a:t>
+                      </a:r>
+                      <a:r>
+                        <a:rPr lang="en-US" sz="1100" dirty="0"/>
+                        <a:t>() collapses ICD codes to three-character buckets; </a:t>
+                      </a:r>
+                      <a:r>
+                        <a:rPr lang="en-US" sz="1100" dirty="0" err="1"/>
+                        <a:t>rate_ci</a:t>
+                      </a:r>
+                      <a:r>
+                        <a:rPr lang="en-US" sz="1100" dirty="0"/>
+                        <a:t>() gives a quick Wald 95 % CI for a proportion.</a:t>
+                      </a:r>
+                    </a:p>
+                  </a:txBody>
+                  <a:tcPr marL="36876" marR="36876" marT="18438" marB="18438" anchor="ctr"/>
+                </a:tc>
+                <a:tc>
+                  <a:txBody>
+                    <a:bodyPr/>
+                    <a:lstStyle/>
+                    <a:p>
+                      <a:pPr>
+                        <a:buNone/>
+                      </a:pPr>
+                      <a:r>
+                        <a:rPr lang="en-US" sz="1100" dirty="0"/>
+                        <a:t>rule-based string parsing; Wald CI</a:t>
+                      </a:r>
+                    </a:p>
+                  </a:txBody>
+                  <a:tcPr marL="36876" marR="36876" marT="18438" marB="18438" anchor="ctr"/>
+                </a:tc>
+                <a:tc>
+                  <a:txBody>
+                    <a:bodyPr/>
+                    <a:lstStyle/>
+                    <a:p>
+                      <a:pPr>
+                        <a:buNone/>
+                      </a:pPr>
+                      <a:endParaRPr lang="en-US" sz="1100" dirty="0"/>
+                    </a:p>
+                  </a:txBody>
+                  <a:tcPr marL="36876" marR="36876" marT="18438" marB="18438" anchor="ctr"/>
+                </a:tc>
+                <a:tc>
+                  <a:txBody>
+                    <a:bodyPr/>
+                    <a:lstStyle/>
+                    <a:p>
+                      <a:pPr>
+                        <a:buNone/>
+                      </a:pPr>
+                      <a:r>
+                        <a:rPr lang="en-US" sz="1100" dirty="0"/>
+                        <a:t>functions</a:t>
+                      </a:r>
+                    </a:p>
+                  </a:txBody>
+                  <a:tcPr marL="36876" marR="36876" marT="18438" marB="18438" anchor="ctr"/>
+                </a:tc>
+                <a:extLst>
+                  <a:ext uri="{0D108BD9-81ED-4DB2-BD59-A6C34878D82A}">
+                    <a16:rowId xmlns:a16="http://schemas.microsoft.com/office/drawing/2014/main" val="2588607914"/>
+                  </a:ext>
+                </a:extLst>
+              </a:tr>
+              <a:tr h="590012">
+                <a:tc>
+                  <a:txBody>
+                    <a:bodyPr/>
+                    <a:lstStyle/>
+                    <a:p>
+                      <a:pPr>
+                        <a:buNone/>
+                      </a:pPr>
+                      <a:r>
+                        <a:rPr lang="en-US" sz="1100" b="0" dirty="0"/>
+                        <a:t>1. Load data</a:t>
+                      </a:r>
+                    </a:p>
+                  </a:txBody>
+                  <a:tcPr marL="36876" marR="36876" marT="18438" marB="18438" anchor="ctr"/>
+                </a:tc>
+                <a:tc>
+                  <a:txBody>
+                    <a:bodyPr/>
+                    <a:lstStyle/>
+                    <a:p>
+                      <a:pPr>
+                        <a:buNone/>
+                      </a:pPr>
+                      <a:r>
+                        <a:rPr lang="en-US" sz="1100" dirty="0"/>
+                        <a:t>Read:</a:t>
+                      </a:r>
+                    </a:p>
+                    <a:p>
+                      <a:pPr>
+                        <a:buNone/>
+                      </a:pPr>
+                      <a:r>
+                        <a:rPr lang="en-US" sz="1100" dirty="0"/>
+                        <a:t>- Psych ICU admissions (</a:t>
+                      </a:r>
+                      <a:r>
+                        <a:rPr lang="en-US" sz="1100" dirty="0" err="1"/>
+                        <a:t>icu_psych_readmissions.csv</a:t>
+                      </a:r>
+                      <a:r>
+                        <a:rPr lang="en-US" sz="1100" dirty="0"/>
+                        <a:t>)</a:t>
+                      </a:r>
+                    </a:p>
+                    <a:p>
+                      <a:pPr marL="171450" indent="-171450">
+                        <a:buFontTx/>
+                        <a:buChar char="-"/>
+                      </a:pPr>
+                      <a:r>
+                        <a:rPr lang="en-US" sz="1100" dirty="0"/>
+                        <a:t>Psych diagnoses</a:t>
+                      </a:r>
+                    </a:p>
+                    <a:p>
+                      <a:pPr marL="171450" indent="-171450">
+                        <a:buFontTx/>
+                        <a:buChar char="-"/>
+                      </a:pPr>
+                      <a:r>
+                        <a:rPr lang="en-US" sz="1100" dirty="0"/>
+                        <a:t>Psych prescriptions, and </a:t>
+                      </a:r>
+                    </a:p>
+                    <a:p>
+                      <a:pPr marL="171450" indent="-171450">
+                        <a:buFontTx/>
+                        <a:buChar char="-"/>
+                      </a:pPr>
+                      <a:r>
+                        <a:rPr lang="en-US" sz="1100" dirty="0"/>
+                        <a:t>ICD long titles.</a:t>
+                      </a:r>
+                    </a:p>
+                  </a:txBody>
+                  <a:tcPr marL="36876" marR="36876" marT="18438" marB="18438" anchor="ctr"/>
+                </a:tc>
+                <a:tc>
+                  <a:txBody>
+                    <a:bodyPr/>
+                    <a:lstStyle/>
+                    <a:p>
+                      <a:pPr>
+                        <a:buNone/>
+                      </a:pPr>
+                      <a:r>
+                        <a:rPr lang="en-US" sz="1100" dirty="0" err="1"/>
+                        <a:t>pandas.read_csv</a:t>
+                      </a:r>
+                      <a:endParaRPr lang="en-US" sz="1100" dirty="0"/>
+                    </a:p>
+                  </a:txBody>
+                  <a:tcPr marL="36876" marR="36876" marT="18438" marB="18438" anchor="ctr"/>
+                </a:tc>
+                <a:tc>
+                  <a:txBody>
+                    <a:bodyPr/>
+                    <a:lstStyle/>
+                    <a:p>
+                      <a:pPr>
+                        <a:buNone/>
+                      </a:pPr>
+                      <a:endParaRPr lang="en-US" sz="1100" dirty="0"/>
+                    </a:p>
+                  </a:txBody>
+                  <a:tcPr marL="36876" marR="36876" marT="18438" marB="18438" anchor="ctr"/>
+                </a:tc>
+                <a:tc>
+                  <a:txBody>
+                    <a:bodyPr/>
+                    <a:lstStyle/>
+                    <a:p>
+                      <a:pPr>
+                        <a:buNone/>
+                      </a:pPr>
+                      <a:r>
+                        <a:rPr lang="en-US" sz="1100" dirty="0"/>
+                        <a:t>4 </a:t>
+                      </a:r>
+                      <a:r>
+                        <a:rPr lang="en-US" sz="1100" dirty="0" err="1"/>
+                        <a:t>DataFrames</a:t>
+                      </a:r>
+                      <a:endParaRPr lang="en-US" sz="1100" dirty="0"/>
+                    </a:p>
+                  </a:txBody>
+                  <a:tcPr marL="36876" marR="36876" marT="18438" marB="18438" anchor="ctr"/>
+                </a:tc>
+                <a:extLst>
+                  <a:ext uri="{0D108BD9-81ED-4DB2-BD59-A6C34878D82A}">
+                    <a16:rowId xmlns:a16="http://schemas.microsoft.com/office/drawing/2014/main" val="2147962000"/>
+                  </a:ext>
+                </a:extLst>
+              </a:tr>
+              <a:tr h="1122503">
+                <a:tc>
+                  <a:txBody>
+                    <a:bodyPr/>
+                    <a:lstStyle/>
+                    <a:p>
+                      <a:pPr>
+                        <a:buNone/>
+                      </a:pPr>
+                      <a:r>
+                        <a:rPr lang="en-US" sz="1100" b="0" dirty="0"/>
+                        <a:t>2. Disorder screen</a:t>
+                      </a:r>
+                    </a:p>
+                  </a:txBody>
+                  <a:tcPr marL="36876" marR="36876" marT="18438" marB="18438" anchor="ctr"/>
+                </a:tc>
+                <a:tc>
+                  <a:txBody>
+                    <a:bodyPr/>
+                    <a:lstStyle/>
+                    <a:p>
+                      <a:pPr>
+                        <a:buNone/>
+                      </a:pPr>
+                      <a:r>
+                        <a:rPr lang="en-US" sz="1100" dirty="0"/>
+                        <a:t>-  Attach </a:t>
+                      </a:r>
+                      <a:r>
+                        <a:rPr lang="en-US" sz="1100" dirty="0" err="1"/>
+                        <a:t>dx_group</a:t>
+                      </a:r>
+                      <a:r>
+                        <a:rPr lang="en-US" sz="1100" dirty="0"/>
+                        <a:t> to every diagnosis row.</a:t>
+                      </a:r>
+                    </a:p>
+                    <a:p>
+                      <a:pPr>
+                        <a:buNone/>
+                      </a:pPr>
+                      <a:r>
+                        <a:rPr lang="en-US" sz="1100" dirty="0"/>
+                        <a:t>- Keep one row per (</a:t>
+                      </a:r>
+                      <a:r>
+                        <a:rPr lang="en-US" sz="1100" dirty="0" err="1"/>
+                        <a:t>hadm_id</a:t>
+                      </a:r>
+                      <a:r>
+                        <a:rPr lang="en-US" sz="1100" dirty="0"/>
+                        <a:t>, </a:t>
+                      </a:r>
+                      <a:r>
+                        <a:rPr lang="en-US" sz="1100" dirty="0" err="1"/>
+                        <a:t>dx_group</a:t>
+                      </a:r>
+                      <a:r>
+                        <a:rPr lang="en-US" sz="1100" dirty="0"/>
+                        <a:t>) and join the 30-day readmission flag.</a:t>
+                      </a:r>
+                    </a:p>
+                    <a:p>
+                      <a:pPr>
+                        <a:buNone/>
+                      </a:pPr>
+                      <a:r>
+                        <a:rPr lang="en-US" sz="1100" dirty="0"/>
+                        <a:t>- For each group g:  – Build a 2 × 2 table (g vs. rest × readmit vs. not).  </a:t>
+                      </a:r>
+                    </a:p>
+                    <a:p>
+                      <a:pPr>
+                        <a:buNone/>
+                      </a:pPr>
+                      <a:r>
+                        <a:rPr lang="en-US" sz="1100" dirty="0"/>
+                        <a:t>– Assess association btw 2 cat vars: </a:t>
+                      </a:r>
+                      <a:r>
+                        <a:rPr lang="en-US" sz="1100" b="1" dirty="0"/>
+                        <a:t>Fisher’s exact test</a:t>
+                      </a:r>
+                      <a:r>
+                        <a:rPr lang="en-US" sz="1100" dirty="0"/>
+                        <a:t> (small contingency table) → odds ratio + p-value.  </a:t>
+                      </a:r>
+                    </a:p>
+                    <a:p>
+                      <a:pPr>
+                        <a:buNone/>
+                      </a:pPr>
+                      <a:r>
+                        <a:rPr lang="en-US" sz="1100" dirty="0"/>
+                        <a:t>– Compute readmission rate ± CI.</a:t>
+                      </a:r>
+                    </a:p>
+                    <a:p>
+                      <a:pPr>
+                        <a:buNone/>
+                      </a:pPr>
+                      <a:r>
+                        <a:rPr lang="en-US" sz="1100" dirty="0"/>
+                        <a:t>-  Collect into </a:t>
+                      </a:r>
+                      <a:r>
+                        <a:rPr lang="en-US" sz="1100" dirty="0" err="1"/>
+                        <a:t>dx_stats</a:t>
+                      </a:r>
+                      <a:r>
+                        <a:rPr lang="en-US" sz="1100" dirty="0"/>
+                        <a:t> and sort by OR.</a:t>
+                      </a:r>
+                    </a:p>
+                  </a:txBody>
+                  <a:tcPr marL="36876" marR="36876" marT="18438" marB="18438" anchor="ctr"/>
+                </a:tc>
+                <a:tc>
+                  <a:txBody>
+                    <a:bodyPr/>
+                    <a:lstStyle/>
+                    <a:p>
+                      <a:pPr>
+                        <a:buNone/>
+                      </a:pPr>
+                      <a:r>
+                        <a:rPr lang="en-US" sz="1100" dirty="0" err="1"/>
+                        <a:t>scipy.stats.fisher_exact</a:t>
+                      </a:r>
+                      <a:r>
+                        <a:rPr lang="en-US" sz="1100" dirty="0"/>
+                        <a:t> (exact OR/p), custom CI</a:t>
+                      </a:r>
+                    </a:p>
+                  </a:txBody>
+                  <a:tcPr marL="36876" marR="36876" marT="18438" marB="18438" anchor="ctr"/>
+                </a:tc>
+                <a:tc>
+                  <a:txBody>
+                    <a:bodyPr/>
+                    <a:lstStyle/>
+                    <a:p>
+                      <a:pPr>
+                        <a:buNone/>
+                      </a:pPr>
+                      <a:r>
+                        <a:rPr lang="en-US" sz="1100" dirty="0"/>
+                        <a:t>Chi-square requires contingency table cells’ value &gt;=5 which some disorder and dx have less.</a:t>
+                      </a:r>
+                    </a:p>
+                  </a:txBody>
+                  <a:tcPr marL="36876" marR="36876" marT="18438" marB="18438" anchor="ctr"/>
+                </a:tc>
+                <a:tc>
+                  <a:txBody>
+                    <a:bodyPr/>
+                    <a:lstStyle/>
+                    <a:p>
+                      <a:pPr>
+                        <a:buNone/>
+                      </a:pPr>
+                      <a:r>
+                        <a:rPr lang="en-US" sz="1100" dirty="0" err="1"/>
+                        <a:t>dx_stats</a:t>
+                      </a:r>
+                      <a:r>
+                        <a:rPr lang="en-US" sz="1100" dirty="0"/>
+                        <a:t> (one row per disorder bucket)</a:t>
+                      </a:r>
+                    </a:p>
+                  </a:txBody>
+                  <a:tcPr marL="36876" marR="36876" marT="18438" marB="18438" anchor="ctr"/>
+                </a:tc>
+                <a:extLst>
+                  <a:ext uri="{0D108BD9-81ED-4DB2-BD59-A6C34878D82A}">
+                    <a16:rowId xmlns:a16="http://schemas.microsoft.com/office/drawing/2014/main" val="3454582417"/>
+                  </a:ext>
+                </a:extLst>
+              </a:tr>
+              <a:tr h="258130">
+                <a:tc>
+                  <a:txBody>
+                    <a:bodyPr/>
+                    <a:lstStyle/>
+                    <a:p>
+                      <a:pPr>
+                        <a:buNone/>
+                      </a:pPr>
+                      <a:r>
+                        <a:rPr lang="en-US" sz="1100" b="0" dirty="0"/>
+                        <a:t>3. Medication screen</a:t>
+                      </a:r>
+                    </a:p>
+                  </a:txBody>
+                  <a:tcPr marL="36876" marR="36876" marT="18438" marB="18438" anchor="ctr"/>
+                </a:tc>
+                <a:tc>
+                  <a:txBody>
+                    <a:bodyPr/>
+                    <a:lstStyle/>
+                    <a:p>
+                      <a:pPr>
+                        <a:buNone/>
+                      </a:pPr>
+                      <a:r>
+                        <a:rPr lang="en-US" sz="1100" dirty="0"/>
+                        <a:t>Mirror of step 2 but group by drug.</a:t>
+                      </a:r>
+                    </a:p>
+                  </a:txBody>
+                  <a:tcPr marL="36876" marR="36876" marT="18438" marB="18438" anchor="ctr"/>
+                </a:tc>
+                <a:tc>
+                  <a:txBody>
+                    <a:bodyPr/>
+                    <a:lstStyle/>
+                    <a:p>
+                      <a:pPr>
+                        <a:buNone/>
+                      </a:pPr>
+                      <a:r>
+                        <a:rPr lang="en-US" sz="1100" dirty="0"/>
+                        <a:t>same</a:t>
+                      </a:r>
+                    </a:p>
+                  </a:txBody>
+                  <a:tcPr marL="36876" marR="36876" marT="18438" marB="18438" anchor="ctr"/>
+                </a:tc>
+                <a:tc>
+                  <a:txBody>
+                    <a:bodyPr/>
+                    <a:lstStyle/>
+                    <a:p>
+                      <a:pPr>
+                        <a:buNone/>
+                      </a:pPr>
+                      <a:endParaRPr lang="en-US" sz="1100" dirty="0"/>
+                    </a:p>
+                  </a:txBody>
+                  <a:tcPr marL="36876" marR="36876" marT="18438" marB="18438" anchor="ctr"/>
+                </a:tc>
+                <a:tc>
+                  <a:txBody>
+                    <a:bodyPr/>
+                    <a:lstStyle/>
+                    <a:p>
+                      <a:pPr>
+                        <a:buNone/>
+                      </a:pPr>
+                      <a:r>
+                        <a:rPr lang="en-US" sz="1100" dirty="0" err="1"/>
+                        <a:t>rx_stats</a:t>
+                      </a:r>
+                      <a:r>
+                        <a:rPr lang="en-US" sz="1100" dirty="0"/>
+                        <a:t> (one row per drug)</a:t>
+                      </a:r>
+                    </a:p>
+                  </a:txBody>
+                  <a:tcPr marL="36876" marR="36876" marT="18438" marB="18438" anchor="ctr"/>
+                </a:tc>
+                <a:extLst>
+                  <a:ext uri="{0D108BD9-81ED-4DB2-BD59-A6C34878D82A}">
+                    <a16:rowId xmlns:a16="http://schemas.microsoft.com/office/drawing/2014/main" val="1240269722"/>
+                  </a:ext>
+                </a:extLst>
+              </a:tr>
+              <a:tr h="590012">
+                <a:tc>
+                  <a:txBody>
+                    <a:bodyPr/>
+                    <a:lstStyle/>
+                    <a:p>
+                      <a:pPr>
+                        <a:buNone/>
+                      </a:pPr>
+                      <a:r>
+                        <a:rPr lang="en-US" sz="1100" b="0" dirty="0"/>
+                        <a:t>4. </a:t>
+                      </a:r>
+                      <a:r>
+                        <a:rPr lang="en-US" sz="1100" b="0" dirty="0" err="1"/>
+                        <a:t>Visualise</a:t>
+                      </a:r>
+                      <a:endParaRPr lang="en-US" sz="1100" b="0" dirty="0"/>
+                    </a:p>
+                  </a:txBody>
+                  <a:tcPr marL="36876" marR="36876" marT="18438" marB="18438" anchor="ctr"/>
+                </a:tc>
+                <a:tc>
+                  <a:txBody>
+                    <a:bodyPr/>
+                    <a:lstStyle/>
+                    <a:p>
+                      <a:pPr>
+                        <a:buNone/>
+                      </a:pPr>
+                      <a:r>
+                        <a:rPr lang="en-US" sz="1100" dirty="0"/>
+                        <a:t>Scatter plot: OR (x) vs. readmission rate (y); blue = disorders, red = drugs, each point labelled.</a:t>
+                      </a:r>
+                    </a:p>
+                  </a:txBody>
+                  <a:tcPr marL="36876" marR="36876" marT="18438" marB="18438" anchor="ctr"/>
+                </a:tc>
+                <a:tc>
+                  <a:txBody>
+                    <a:bodyPr/>
+                    <a:lstStyle/>
+                    <a:p>
+                      <a:pPr>
+                        <a:buNone/>
+                      </a:pPr>
+                      <a:r>
+                        <a:rPr lang="en-US" sz="1100"/>
+                        <a:t>matplotlib</a:t>
+                      </a:r>
+                    </a:p>
+                  </a:txBody>
+                  <a:tcPr marL="36876" marR="36876" marT="18438" marB="18438" anchor="ctr"/>
+                </a:tc>
+                <a:tc>
+                  <a:txBody>
+                    <a:bodyPr/>
+                    <a:lstStyle/>
+                    <a:p>
+                      <a:pPr>
+                        <a:buNone/>
+                      </a:pPr>
+                      <a:endParaRPr lang="en-US" sz="1100"/>
+                    </a:p>
+                  </a:txBody>
+                  <a:tcPr marL="36876" marR="36876" marT="18438" marB="18438" anchor="ctr"/>
+                </a:tc>
+                <a:tc>
+                  <a:txBody>
+                    <a:bodyPr/>
+                    <a:lstStyle/>
+                    <a:p>
+                      <a:pPr>
+                        <a:buNone/>
+                      </a:pPr>
+                      <a:r>
+                        <a:rPr lang="en-US" sz="1100"/>
+                        <a:t>figure</a:t>
+                      </a:r>
+                    </a:p>
+                  </a:txBody>
+                  <a:tcPr marL="36876" marR="36876" marT="18438" marB="18438" anchor="ctr"/>
+                </a:tc>
+                <a:extLst>
+                  <a:ext uri="{0D108BD9-81ED-4DB2-BD59-A6C34878D82A}">
+                    <a16:rowId xmlns:a16="http://schemas.microsoft.com/office/drawing/2014/main" val="2549531451"/>
+                  </a:ext>
+                </a:extLst>
+              </a:tr>
+              <a:tr h="368757">
+                <a:tc>
+                  <a:txBody>
+                    <a:bodyPr/>
+                    <a:lstStyle/>
+                    <a:p>
+                      <a:pPr>
+                        <a:buNone/>
+                      </a:pPr>
+                      <a:r>
+                        <a:rPr lang="en-US" sz="1100" b="0" dirty="0"/>
+                        <a:t>5. Report</a:t>
+                      </a:r>
+                    </a:p>
+                  </a:txBody>
+                  <a:tcPr marL="36876" marR="36876" marT="18438" marB="18438" anchor="ctr"/>
+                </a:tc>
+                <a:tc>
+                  <a:txBody>
+                    <a:bodyPr/>
+                    <a:lstStyle/>
+                    <a:p>
+                      <a:pPr>
+                        <a:buNone/>
+                      </a:pPr>
+                      <a:r>
+                        <a:rPr lang="en-US" sz="1100"/>
+                        <a:t>Print top-10 disorder buckets and top-10 drugs by descending OR.</a:t>
+                      </a:r>
+                    </a:p>
+                  </a:txBody>
+                  <a:tcPr marL="36876" marR="36876" marT="18438" marB="18438" anchor="ctr"/>
+                </a:tc>
+                <a:tc>
+                  <a:txBody>
+                    <a:bodyPr/>
+                    <a:lstStyle/>
+                    <a:p>
+                      <a:pPr>
+                        <a:buNone/>
+                      </a:pPr>
+                      <a:r>
+                        <a:rPr lang="en-US" sz="1100" dirty="0" err="1"/>
+                        <a:t>DataFrame.head</a:t>
+                      </a:r>
+                      <a:r>
+                        <a:rPr lang="en-US" sz="1100" dirty="0"/>
+                        <a:t>().</a:t>
+                      </a:r>
+                      <a:r>
+                        <a:rPr lang="en-US" sz="1100" dirty="0" err="1"/>
+                        <a:t>to_string</a:t>
+                      </a:r>
+                      <a:r>
+                        <a:rPr lang="en-US" sz="1100" dirty="0"/>
+                        <a:t>()</a:t>
+                      </a:r>
+                    </a:p>
+                  </a:txBody>
+                  <a:tcPr marL="36876" marR="36876" marT="18438" marB="18438" anchor="ctr"/>
+                </a:tc>
+                <a:tc>
+                  <a:txBody>
+                    <a:bodyPr/>
+                    <a:lstStyle/>
+                    <a:p>
+                      <a:pPr>
+                        <a:buNone/>
+                      </a:pPr>
+                      <a:endParaRPr lang="en-US" sz="1100" dirty="0"/>
+                    </a:p>
+                  </a:txBody>
+                  <a:tcPr marL="36876" marR="36876" marT="18438" marB="18438" anchor="ctr"/>
+                </a:tc>
+                <a:tc>
+                  <a:txBody>
+                    <a:bodyPr/>
+                    <a:lstStyle/>
+                    <a:p>
+                      <a:pPr>
+                        <a:buNone/>
+                      </a:pPr>
+                      <a:r>
+                        <a:rPr lang="en-US" sz="1100" dirty="0"/>
+                        <a:t>console tables</a:t>
+                      </a:r>
+                    </a:p>
+                  </a:txBody>
+                  <a:tcPr marL="36876" marR="36876" marT="18438" marB="18438" anchor="ctr"/>
+                </a:tc>
+                <a:extLst>
+                  <a:ext uri="{0D108BD9-81ED-4DB2-BD59-A6C34878D82A}">
+                    <a16:rowId xmlns:a16="http://schemas.microsoft.com/office/drawing/2014/main" val="4142240565"/>
+                  </a:ext>
+                </a:extLst>
+              </a:tr>
+            </a:tbl>
+          </a:graphicData>
+        </a:graphic>
+      </p:graphicFrame>
+    </p:spTree>
+    <p:extLst>
+      <p:ext uri="{BB962C8B-B14F-4D97-AF65-F5344CB8AC3E}">
+        <p14:creationId xmlns:p14="http://schemas.microsoft.com/office/powerpoint/2010/main" val="3539085934"/>
+      </p:ext>
+    </p:extLst>
+  </p:cSld>
+  <p:clrMapOvr>
+    <a:masterClrMapping/>
+  </p:clrMapOvr>
+</p:sld>
+</file>
+
+<file path=ppt/slides/slide4.xml><?xml version="1.0" encoding="utf-8"?>
+<p:sld xmlns:a="http://schemas.openxmlformats.org/drawingml/2006/main" xmlns:r="http://schemas.openxmlformats.org/officeDocument/2006/relationships" xmlns:p="http://schemas.openxmlformats.org/presentationml/2006/main">
+  <p:cSld>
+    <p:spTree>
+      <p:nvGrpSpPr>
+        <p:cNvPr id="1" name=""/>
+        <p:cNvGrpSpPr/>
+        <p:nvPr/>
+      </p:nvGrpSpPr>
+      <p:grpSpPr>
+        <a:xfrm>
+          <a:off x="0" y="0"/>
+          <a:ext cx="0" cy="0"/>
+          <a:chOff x="0" y="0"/>
+          <a:chExt cx="0" cy="0"/>
+        </a:xfrm>
+      </p:grpSpPr>
+      <p:sp>
+        <p:nvSpPr>
+          <p:cNvPr id="2" name="Title 1">
+            <a:extLst>
+              <a:ext uri="{FF2B5EF4-FFF2-40B4-BE49-F238E27FC236}">
                 <a16:creationId xmlns:a16="http://schemas.microsoft.com/office/drawing/2014/main" id="{4C3B0467-091C-D418-779E-907543CD0470}"/>
               </a:ext>
             </a:extLst>
@@ -23296,7 +25130,7 @@
 </p:sld>
 </file>
 
-<file path=ppt/slides/slide4.xml><?xml version="1.0" encoding="utf-8"?>
+<file path=ppt/slides/slide5.xml><?xml version="1.0" encoding="utf-8"?>
 <p:sld xmlns:a="http://schemas.openxmlformats.org/drawingml/2006/main" xmlns:r="http://schemas.openxmlformats.org/officeDocument/2006/relationships" xmlns:p="http://schemas.openxmlformats.org/presentationml/2006/main">
   <p:cSld>
     <p:spTree>
@@ -23393,7 +25227,7 @@
 </p:sld>
 </file>
 
-<file path=ppt/slides/slide5.xml><?xml version="1.0" encoding="utf-8"?>
+<file path=ppt/slides/slide6.xml><?xml version="1.0" encoding="utf-8"?>
 <p:sld xmlns:a="http://schemas.openxmlformats.org/drawingml/2006/main" xmlns:r="http://schemas.openxmlformats.org/officeDocument/2006/relationships" xmlns:p="http://schemas.openxmlformats.org/presentationml/2006/main">
   <p:cSld>
     <p:spTree>
@@ -23489,7 +25323,701 @@
 </p:sld>
 </file>
 
-<file path=ppt/slides/slide6.xml><?xml version="1.0" encoding="utf-8"?>
+<file path=ppt/slides/slide7.xml><?xml version="1.0" encoding="utf-8"?>
+<p:sld xmlns:a="http://schemas.openxmlformats.org/drawingml/2006/main" xmlns:r="http://schemas.openxmlformats.org/officeDocument/2006/relationships" xmlns:p="http://schemas.openxmlformats.org/presentationml/2006/main">
+  <p:cSld>
+    <p:spTree>
+      <p:nvGrpSpPr>
+        <p:cNvPr id="1" name=""/>
+        <p:cNvGrpSpPr/>
+        <p:nvPr/>
+      </p:nvGrpSpPr>
+      <p:grpSpPr>
+        <a:xfrm>
+          <a:off x="0" y="0"/>
+          <a:ext cx="0" cy="0"/>
+          <a:chOff x="0" y="0"/>
+          <a:chExt cx="0" cy="0"/>
+        </a:xfrm>
+      </p:grpSpPr>
+      <p:sp>
+        <p:nvSpPr>
+          <p:cNvPr id="2" name="Title 1">
+            <a:extLst>
+              <a:ext uri="{FF2B5EF4-FFF2-40B4-BE49-F238E27FC236}">
+                <a16:creationId xmlns:a16="http://schemas.microsoft.com/office/drawing/2014/main" id="{87555285-6AD1-7EA4-526A-C3DE5592F85F}"/>
+              </a:ext>
+            </a:extLst>
+          </p:cNvPr>
+          <p:cNvSpPr>
+            <a:spLocks noGrp="1"/>
+          </p:cNvSpPr>
+          <p:nvPr>
+            <p:ph type="title"/>
+          </p:nvPr>
+        </p:nvSpPr>
+        <p:spPr/>
+        <p:txBody>
+          <a:bodyPr/>
+          <a:lstStyle/>
+          <a:p>
+            <a:r>
+              <a:rPr lang="en-US" dirty="0"/>
+              <a:t>Q2</a:t>
+            </a:r>
+          </a:p>
+        </p:txBody>
+      </p:sp>
+      <p:graphicFrame>
+        <p:nvGraphicFramePr>
+          <p:cNvPr id="4" name="Content Placeholder 3">
+            <a:extLst>
+              <a:ext uri="{FF2B5EF4-FFF2-40B4-BE49-F238E27FC236}">
+                <a16:creationId xmlns:a16="http://schemas.microsoft.com/office/drawing/2014/main" id="{0E0F027B-3400-429D-9F14-0EB2E48B44DF}"/>
+              </a:ext>
+            </a:extLst>
+          </p:cNvPr>
+          <p:cNvGraphicFramePr>
+            <a:graphicFrameLocks noGrp="1"/>
+          </p:cNvGraphicFramePr>
+          <p:nvPr>
+            <p:ph idx="1"/>
+            <p:extLst>
+              <p:ext uri="{D42A27DB-BD31-4B8C-83A1-F6EECF244321}">
+                <p14:modId xmlns:p14="http://schemas.microsoft.com/office/powerpoint/2010/main" val="414650981"/>
+              </p:ext>
+            </p:extLst>
+          </p:nvPr>
+        </p:nvGraphicFramePr>
+        <p:xfrm>
+          <a:off x="155787" y="1825625"/>
+          <a:ext cx="11880429" cy="4351339"/>
+        </p:xfrm>
+        <a:graphic>
+          <a:graphicData uri="http://schemas.openxmlformats.org/drawingml/2006/table">
+            <a:tbl>
+              <a:tblPr>
+                <a:tableStyleId>{5940675A-B579-460E-94D1-54222C63F5DA}</a:tableStyleId>
+              </a:tblPr>
+              <a:tblGrid>
+                <a:gridCol w="1232171">
+                  <a:extLst>
+                    <a:ext uri="{9D8B030D-6E8A-4147-A177-3AD203B41FA5}">
+                      <a16:colId xmlns:a16="http://schemas.microsoft.com/office/drawing/2014/main" val="1381268077"/>
+                    </a:ext>
+                  </a:extLst>
+                </a:gridCol>
+                <a:gridCol w="3071833">
+                  <a:extLst>
+                    <a:ext uri="{9D8B030D-6E8A-4147-A177-3AD203B41FA5}">
+                      <a16:colId xmlns:a16="http://schemas.microsoft.com/office/drawing/2014/main" val="1648154534"/>
+                    </a:ext>
+                  </a:extLst>
+                </a:gridCol>
+                <a:gridCol w="1828199">
+                  <a:extLst>
+                    <a:ext uri="{9D8B030D-6E8A-4147-A177-3AD203B41FA5}">
+                      <a16:colId xmlns:a16="http://schemas.microsoft.com/office/drawing/2014/main" val="4024251068"/>
+                    </a:ext>
+                  </a:extLst>
+                </a:gridCol>
+                <a:gridCol w="1828199">
+                  <a:extLst>
+                    <a:ext uri="{9D8B030D-6E8A-4147-A177-3AD203B41FA5}">
+                      <a16:colId xmlns:a16="http://schemas.microsoft.com/office/drawing/2014/main" val="382667662"/>
+                    </a:ext>
+                  </a:extLst>
+                </a:gridCol>
+                <a:gridCol w="3920027">
+                  <a:extLst>
+                    <a:ext uri="{9D8B030D-6E8A-4147-A177-3AD203B41FA5}">
+                      <a16:colId xmlns:a16="http://schemas.microsoft.com/office/drawing/2014/main" val="1911147218"/>
+                    </a:ext>
+                  </a:extLst>
+                </a:gridCol>
+              </a:tblGrid>
+              <a:tr h="262581">
+                <a:tc>
+                  <a:txBody>
+                    <a:bodyPr/>
+                    <a:lstStyle/>
+                    <a:p>
+                      <a:pPr>
+                        <a:buNone/>
+                      </a:pPr>
+                      <a:r>
+                        <a:rPr lang="en-US" sz="1000" b="1" dirty="0"/>
+                        <a:t>Step</a:t>
+                      </a:r>
+                    </a:p>
+                  </a:txBody>
+                  <a:tcPr marL="37512" marR="37512" marT="18756" marB="18756" anchor="ctr"/>
+                </a:tc>
+                <a:tc>
+                  <a:txBody>
+                    <a:bodyPr/>
+                    <a:lstStyle/>
+                    <a:p>
+                      <a:pPr>
+                        <a:buNone/>
+                      </a:pPr>
+                      <a:r>
+                        <a:rPr lang="en-US" sz="1000" b="1" dirty="0"/>
+                        <a:t>Actions</a:t>
+                      </a:r>
+                    </a:p>
+                  </a:txBody>
+                  <a:tcPr marL="37512" marR="37512" marT="18756" marB="18756" anchor="ctr"/>
+                </a:tc>
+                <a:tc>
+                  <a:txBody>
+                    <a:bodyPr/>
+                    <a:lstStyle/>
+                    <a:p>
+                      <a:pPr>
+                        <a:buNone/>
+                      </a:pPr>
+                      <a:r>
+                        <a:rPr lang="en-US" sz="1000" b="1" dirty="0"/>
+                        <a:t>Key methods/Algo</a:t>
+                      </a:r>
+                    </a:p>
+                  </a:txBody>
+                  <a:tcPr marL="37512" marR="37512" marT="18756" marB="18756" anchor="ctr"/>
+                </a:tc>
+                <a:tc>
+                  <a:txBody>
+                    <a:bodyPr/>
+                    <a:lstStyle/>
+                    <a:p>
+                      <a:pPr>
+                        <a:buNone/>
+                      </a:pPr>
+                      <a:r>
+                        <a:rPr lang="en-US" sz="1000" b="1" dirty="0"/>
+                        <a:t>Alternative - Reason</a:t>
+                      </a:r>
+                    </a:p>
+                  </a:txBody>
+                  <a:tcPr marL="37512" marR="37512" marT="18756" marB="18756" anchor="ctr"/>
+                </a:tc>
+                <a:tc>
+                  <a:txBody>
+                    <a:bodyPr/>
+                    <a:lstStyle/>
+                    <a:p>
+                      <a:pPr>
+                        <a:buNone/>
+                      </a:pPr>
+                      <a:r>
+                        <a:rPr lang="en-US" sz="1000" b="1" dirty="0"/>
+                        <a:t>Output</a:t>
+                      </a:r>
+                    </a:p>
+                  </a:txBody>
+                  <a:tcPr marL="37512" marR="37512" marT="18756" marB="18756" anchor="ctr"/>
+                </a:tc>
+                <a:extLst>
+                  <a:ext uri="{0D108BD9-81ED-4DB2-BD59-A6C34878D82A}">
+                    <a16:rowId xmlns:a16="http://schemas.microsoft.com/office/drawing/2014/main" val="3227866188"/>
+                  </a:ext>
+                </a:extLst>
+              </a:tr>
+              <a:tr h="1612996">
+                <a:tc>
+                  <a:txBody>
+                    <a:bodyPr/>
+                    <a:lstStyle/>
+                    <a:p>
+                      <a:pPr>
+                        <a:buNone/>
+                      </a:pPr>
+                      <a:r>
+                        <a:rPr lang="en-US" sz="1000" b="0" dirty="0"/>
+                        <a:t>1. Build cohort</a:t>
+                      </a:r>
+                    </a:p>
+                  </a:txBody>
+                  <a:tcPr marL="37512" marR="37512" marT="18756" marB="18756" anchor="ctr"/>
+                </a:tc>
+                <a:tc>
+                  <a:txBody>
+                    <a:bodyPr/>
+                    <a:lstStyle/>
+                    <a:p>
+                      <a:pPr>
+                        <a:buNone/>
+                      </a:pPr>
+                      <a:r>
+                        <a:rPr lang="en-US" sz="1000" dirty="0"/>
+                        <a:t>Read:</a:t>
+                      </a:r>
+                    </a:p>
+                    <a:p>
+                      <a:pPr>
+                        <a:buNone/>
+                      </a:pPr>
+                      <a:r>
+                        <a:rPr lang="en-US" sz="1000" dirty="0"/>
+                        <a:t>• ICU admissions with 30-day readmission flag (</a:t>
+                      </a:r>
+                      <a:r>
+                        <a:rPr lang="en-US" sz="1000" dirty="0" err="1"/>
+                        <a:t>icu_psych_readmissions.csv</a:t>
+                      </a:r>
+                      <a:r>
+                        <a:rPr lang="en-US" sz="1000" dirty="0"/>
+                        <a:t>).</a:t>
+                      </a:r>
+                    </a:p>
+                    <a:p>
+                      <a:pPr>
+                        <a:buNone/>
+                      </a:pPr>
+                      <a:r>
+                        <a:rPr lang="en-US" sz="1000" dirty="0"/>
+                        <a:t>• timestamp of each admission’s last inpatient psychotropic order (</a:t>
+                      </a:r>
+                      <a:r>
+                        <a:rPr lang="en-US" sz="1000" dirty="0" err="1"/>
+                        <a:t>last_prescriptions_processed.csv</a:t>
+                      </a:r>
+                      <a:r>
+                        <a:rPr lang="en-US" sz="1000" dirty="0"/>
+                        <a:t>).</a:t>
+                      </a:r>
+                    </a:p>
+                    <a:p>
+                      <a:pPr>
+                        <a:buNone/>
+                      </a:pPr>
+                      <a:r>
+                        <a:rPr lang="en-US" sz="1000" dirty="0"/>
+                        <a:t>• Inner-join on </a:t>
+                      </a:r>
+                      <a:r>
+                        <a:rPr lang="en-US" sz="1000" dirty="0" err="1"/>
+                        <a:t>hadm_id</a:t>
+                      </a:r>
+                      <a:r>
+                        <a:rPr lang="en-US" sz="1000" dirty="0"/>
+                        <a:t> → keeps only admissions that received at least one psych med.</a:t>
+                      </a:r>
+                    </a:p>
+                  </a:txBody>
+                  <a:tcPr marL="37512" marR="37512" marT="18756" marB="18756" anchor="ctr"/>
+                </a:tc>
+                <a:tc>
+                  <a:txBody>
+                    <a:bodyPr/>
+                    <a:lstStyle/>
+                    <a:p>
+                      <a:pPr>
+                        <a:buNone/>
+                      </a:pPr>
+                      <a:r>
+                        <a:rPr lang="en-US" sz="1000" dirty="0" err="1"/>
+                        <a:t>pandas.read_csv</a:t>
+                      </a:r>
+                      <a:r>
+                        <a:rPr lang="en-US" sz="1000" dirty="0"/>
+                        <a:t>, merge</a:t>
+                      </a:r>
+                    </a:p>
+                  </a:txBody>
+                  <a:tcPr marL="37512" marR="37512" marT="18756" marB="18756" anchor="ctr"/>
+                </a:tc>
+                <a:tc>
+                  <a:txBody>
+                    <a:bodyPr/>
+                    <a:lstStyle/>
+                    <a:p>
+                      <a:pPr>
+                        <a:buNone/>
+                      </a:pPr>
+                      <a:endParaRPr lang="en-US" sz="1000" dirty="0"/>
+                    </a:p>
+                  </a:txBody>
+                  <a:tcPr marL="37512" marR="37512" marT="18756" marB="18756" anchor="ctr"/>
+                </a:tc>
+                <a:tc>
+                  <a:txBody>
+                    <a:bodyPr/>
+                    <a:lstStyle/>
+                    <a:p>
+                      <a:pPr>
+                        <a:buNone/>
+                      </a:pPr>
+                      <a:r>
+                        <a:rPr lang="en-US" sz="1000" dirty="0"/>
+                        <a:t>cohort </a:t>
+                      </a:r>
+                      <a:r>
+                        <a:rPr lang="en-US" sz="1000" dirty="0" err="1"/>
+                        <a:t>DataFrame</a:t>
+                      </a:r>
+                      <a:r>
+                        <a:rPr lang="en-US" sz="1000" dirty="0"/>
+                        <a:t> (one row / ICU stay with med info)</a:t>
+                      </a:r>
+                    </a:p>
+                  </a:txBody>
+                  <a:tcPr marL="37512" marR="37512" marT="18756" marB="18756" anchor="ctr"/>
+                </a:tc>
+                <a:extLst>
+                  <a:ext uri="{0D108BD9-81ED-4DB2-BD59-A6C34878D82A}">
+                    <a16:rowId xmlns:a16="http://schemas.microsoft.com/office/drawing/2014/main" val="1963199206"/>
+                  </a:ext>
+                </a:extLst>
+              </a:tr>
+              <a:tr h="600185">
+                <a:tc>
+                  <a:txBody>
+                    <a:bodyPr/>
+                    <a:lstStyle/>
+                    <a:p>
+                      <a:pPr>
+                        <a:buNone/>
+                      </a:pPr>
+                      <a:r>
+                        <a:rPr lang="en-US" sz="1000" b="0" dirty="0"/>
+                        <a:t>2. Flag medication discontinuation</a:t>
+                      </a:r>
+                    </a:p>
+                  </a:txBody>
+                  <a:tcPr marL="37512" marR="37512" marT="18756" marB="18756" anchor="ctr"/>
+                </a:tc>
+                <a:tc>
+                  <a:txBody>
+                    <a:bodyPr/>
+                    <a:lstStyle/>
+                    <a:p>
+                      <a:pPr>
+                        <a:buNone/>
+                      </a:pPr>
+                      <a:r>
+                        <a:rPr lang="en-US" sz="1000" b="0" dirty="0"/>
+                        <a:t>Define </a:t>
+                      </a:r>
+                      <a:r>
+                        <a:rPr lang="en-US" sz="1000" b="0" dirty="0" err="1"/>
+                        <a:t>boolean</a:t>
+                      </a:r>
+                      <a:r>
+                        <a:rPr lang="en-US" sz="1000" b="0" dirty="0"/>
+                        <a:t> </a:t>
+                      </a:r>
+                      <a:r>
+                        <a:rPr lang="en-US" sz="1000" b="0" dirty="0" err="1"/>
+                        <a:t>psych_discontinued</a:t>
+                      </a:r>
+                      <a:r>
+                        <a:rPr lang="en-US" sz="1000" b="0" dirty="0"/>
+                        <a:t>: last med order finished &gt; 24 h before hospital </a:t>
+                      </a:r>
+                      <a:r>
+                        <a:rPr lang="en-US" sz="1000" dirty="0"/>
+                        <a:t>discharge.</a:t>
+                      </a:r>
+                    </a:p>
+                  </a:txBody>
+                  <a:tcPr marL="37512" marR="37512" marT="18756" marB="18756" anchor="ctr"/>
+                </a:tc>
+                <a:tc>
+                  <a:txBody>
+                    <a:bodyPr/>
+                    <a:lstStyle/>
+                    <a:p>
+                      <a:pPr>
+                        <a:buNone/>
+                      </a:pPr>
+                      <a:r>
+                        <a:rPr lang="en-US" sz="1000"/>
+                        <a:t>Simple time arithmetic (Timedelta('24h'))</a:t>
+                      </a:r>
+                    </a:p>
+                  </a:txBody>
+                  <a:tcPr marL="37512" marR="37512" marT="18756" marB="18756" anchor="ctr"/>
+                </a:tc>
+                <a:tc>
+                  <a:txBody>
+                    <a:bodyPr/>
+                    <a:lstStyle/>
+                    <a:p>
+                      <a:pPr>
+                        <a:buNone/>
+                      </a:pPr>
+                      <a:endParaRPr lang="en-US" sz="1000" dirty="0"/>
+                    </a:p>
+                  </a:txBody>
+                  <a:tcPr marL="37512" marR="37512" marT="18756" marB="18756" anchor="ctr"/>
+                </a:tc>
+                <a:tc>
+                  <a:txBody>
+                    <a:bodyPr/>
+                    <a:lstStyle/>
+                    <a:p>
+                      <a:pPr>
+                        <a:buNone/>
+                      </a:pPr>
+                      <a:r>
+                        <a:rPr lang="en-US" sz="1000" dirty="0"/>
+                        <a:t>True = early stop; False = continued/tapered</a:t>
+                      </a:r>
+                    </a:p>
+                  </a:txBody>
+                  <a:tcPr marL="37512" marR="37512" marT="18756" marB="18756" anchor="ctr"/>
+                </a:tc>
+                <a:extLst>
+                  <a:ext uri="{0D108BD9-81ED-4DB2-BD59-A6C34878D82A}">
+                    <a16:rowId xmlns:a16="http://schemas.microsoft.com/office/drawing/2014/main" val="2847277873"/>
+                  </a:ext>
+                </a:extLst>
+              </a:tr>
+              <a:tr h="1162858">
+                <a:tc>
+                  <a:txBody>
+                    <a:bodyPr/>
+                    <a:lstStyle/>
+                    <a:p>
+                      <a:pPr>
+                        <a:buNone/>
+                      </a:pPr>
+                      <a:r>
+                        <a:rPr lang="en-US" sz="1000" b="0" dirty="0"/>
+                        <a:t>3. Unadjusted association</a:t>
+                      </a:r>
+                    </a:p>
+                  </a:txBody>
+                  <a:tcPr marL="37512" marR="37512" marT="18756" marB="18756" anchor="ctr"/>
+                </a:tc>
+                <a:tc>
+                  <a:txBody>
+                    <a:bodyPr/>
+                    <a:lstStyle/>
+                    <a:p>
+                      <a:pPr>
+                        <a:buNone/>
+                      </a:pPr>
+                      <a:r>
+                        <a:rPr lang="en-US" sz="1000" dirty="0"/>
+                        <a:t>- </a:t>
+                      </a:r>
+                      <a:r>
+                        <a:rPr lang="en-US" sz="1000" b="0" dirty="0"/>
+                        <a:t>Construct 2 × 2 table: discontinued × readmitted.</a:t>
+                      </a:r>
+                    </a:p>
+                    <a:p>
+                      <a:pPr>
+                        <a:buNone/>
+                      </a:pPr>
+                      <a:r>
+                        <a:rPr lang="en-US" sz="1000" b="0" dirty="0"/>
+                        <a:t>- Run Fisher’s exact test to get odds ratio (OR) and exact p-value.</a:t>
+                      </a:r>
+                    </a:p>
+                    <a:p>
+                      <a:pPr>
+                        <a:buNone/>
+                      </a:pPr>
+                      <a:r>
+                        <a:rPr lang="en-US" sz="1000" b="0" dirty="0"/>
+                        <a:t>- Compute readmission rates and Wald 95 % CI for both rows of the table.</a:t>
+                      </a:r>
+                    </a:p>
+                  </a:txBody>
+                  <a:tcPr marL="37512" marR="37512" marT="18756" marB="18756" anchor="ctr"/>
+                </a:tc>
+                <a:tc>
+                  <a:txBody>
+                    <a:bodyPr/>
+                    <a:lstStyle/>
+                    <a:p>
+                      <a:pPr>
+                        <a:buNone/>
+                      </a:pPr>
+                      <a:r>
+                        <a:rPr lang="en-US" sz="1000"/>
+                        <a:t>scipy.stats.fisher_exact (exact OR, p).Custom rate_ci (Wald).</a:t>
+                      </a:r>
+                    </a:p>
+                  </a:txBody>
+                  <a:tcPr marL="37512" marR="37512" marT="18756" marB="18756" anchor="ctr"/>
+                </a:tc>
+                <a:tc>
+                  <a:txBody>
+                    <a:bodyPr/>
+                    <a:lstStyle/>
+                    <a:p>
+                      <a:pPr>
+                        <a:buNone/>
+                      </a:pPr>
+                      <a:r>
+                        <a:rPr lang="en-US" sz="1000" dirty="0"/>
+                        <a:t>Pearson Chi-square requires count &gt;=5</a:t>
+                      </a:r>
+                    </a:p>
+                  </a:txBody>
+                  <a:tcPr marL="37512" marR="37512" marT="18756" marB="18756" anchor="ctr"/>
+                </a:tc>
+                <a:tc>
+                  <a:txBody>
+                    <a:bodyPr/>
+                    <a:lstStyle/>
+                    <a:p>
+                      <a:pPr>
+                        <a:buNone/>
+                      </a:pPr>
+                      <a:r>
+                        <a:rPr lang="en-US" sz="1000"/>
+                        <a:t>Printed table, OR, p, rates ± CI</a:t>
+                      </a:r>
+                    </a:p>
+                  </a:txBody>
+                  <a:tcPr marL="37512" marR="37512" marT="18756" marB="18756" anchor="ctr"/>
+                </a:tc>
+                <a:extLst>
+                  <a:ext uri="{0D108BD9-81ED-4DB2-BD59-A6C34878D82A}">
+                    <a16:rowId xmlns:a16="http://schemas.microsoft.com/office/drawing/2014/main" val="3864286832"/>
+                  </a:ext>
+                </a:extLst>
+              </a:tr>
+              <a:tr h="712719">
+                <a:tc>
+                  <a:txBody>
+                    <a:bodyPr/>
+                    <a:lstStyle/>
+                    <a:p>
+                      <a:pPr>
+                        <a:buNone/>
+                      </a:pPr>
+                      <a:r>
+                        <a:rPr lang="en-US" sz="1000" b="0" dirty="0"/>
+                        <a:t>4. Adjusted association (still univariate)</a:t>
+                      </a:r>
+                    </a:p>
+                  </a:txBody>
+                  <a:tcPr marL="37512" marR="37512" marT="18756" marB="18756" anchor="ctr"/>
+                </a:tc>
+                <a:tc>
+                  <a:txBody>
+                    <a:bodyPr/>
+                    <a:lstStyle/>
+                    <a:p>
+                      <a:pPr>
+                        <a:buNone/>
+                      </a:pPr>
+                      <a:r>
+                        <a:rPr lang="en-US" sz="1000" dirty="0"/>
+                        <a:t>Fit a logistic regression with intercept and the discontinuation dummy to estimate log-odds effect and its standard error.</a:t>
+                      </a:r>
+                    </a:p>
+                  </a:txBody>
+                  <a:tcPr marL="37512" marR="37512" marT="18756" marB="18756" anchor="ctr"/>
+                </a:tc>
+                <a:tc>
+                  <a:txBody>
+                    <a:bodyPr/>
+                    <a:lstStyle/>
+                    <a:p>
+                      <a:pPr>
+                        <a:buNone/>
+                      </a:pPr>
+                      <a:r>
+                        <a:rPr lang="en-US" sz="1000" dirty="0" err="1"/>
+                        <a:t>statsmodels.api.Logit</a:t>
+                      </a:r>
+                      <a:r>
+                        <a:rPr lang="en-US" sz="1000" dirty="0"/>
+                        <a:t> (MLE, Wald z-tests).</a:t>
+                      </a:r>
+                    </a:p>
+                  </a:txBody>
+                  <a:tcPr marL="37512" marR="37512" marT="18756" marB="18756" anchor="ctr"/>
+                </a:tc>
+                <a:tc>
+                  <a:txBody>
+                    <a:bodyPr/>
+                    <a:lstStyle/>
+                    <a:p>
+                      <a:pPr marL="0" marR="0" lvl="0" indent="0" algn="l" defTabSz="914400" rtl="0" eaLnBrk="1" fontAlgn="auto" latinLnBrk="0" hangingPunct="1">
+                        <a:lnSpc>
+                          <a:spcPct val="100000"/>
+                        </a:lnSpc>
+                        <a:spcBef>
+                          <a:spcPts val="0"/>
+                        </a:spcBef>
+                        <a:spcAft>
+                          <a:spcPts val="0"/>
+                        </a:spcAft>
+                        <a:buClrTx/>
+                        <a:buSzTx/>
+                        <a:buFontTx/>
+                        <a:buNone/>
+                        <a:tabLst/>
+                        <a:defRPr/>
+                      </a:pPr>
+                      <a:r>
+                        <a:rPr lang="en-US" sz="1000" dirty="0"/>
+                        <a:t>Multivariable logistic need covariates</a:t>
+                      </a:r>
+                    </a:p>
+                  </a:txBody>
+                  <a:tcPr marL="37512" marR="37512" marT="18756" marB="18756" anchor="ctr"/>
+                </a:tc>
+                <a:tc>
+                  <a:txBody>
+                    <a:bodyPr/>
+                    <a:lstStyle/>
+                    <a:p>
+                      <a:pPr>
+                        <a:buNone/>
+                      </a:pPr>
+                      <a:r>
+                        <a:rPr lang="en-US" sz="1000" dirty="0" err="1"/>
+                        <a:t>model.summary</a:t>
+                      </a:r>
+                      <a:r>
+                        <a:rPr lang="en-US" sz="1000" dirty="0"/>
+                        <a:t>() (</a:t>
+                      </a:r>
+                      <a:r>
+                        <a:rPr lang="el-GR" sz="1000" dirty="0"/>
+                        <a:t>β, </a:t>
+                      </a:r>
+                      <a:r>
+                        <a:rPr lang="en-US" sz="1000" dirty="0"/>
+                        <a:t>SE, z, p, CI, LL)</a:t>
+                      </a:r>
+                    </a:p>
+                  </a:txBody>
+                  <a:tcPr marL="37512" marR="37512" marT="18756" marB="18756" anchor="ctr"/>
+                </a:tc>
+                <a:extLst>
+                  <a:ext uri="{0D108BD9-81ED-4DB2-BD59-A6C34878D82A}">
+                    <a16:rowId xmlns:a16="http://schemas.microsoft.com/office/drawing/2014/main" val="1056728691"/>
+                  </a:ext>
+                </a:extLst>
+              </a:tr>
+            </a:tbl>
+          </a:graphicData>
+        </a:graphic>
+      </p:graphicFrame>
+    </p:spTree>
+    <p:extLst>
+      <p:ext uri="{BB962C8B-B14F-4D97-AF65-F5344CB8AC3E}">
+        <p14:creationId xmlns:p14="http://schemas.microsoft.com/office/powerpoint/2010/main" val="2592660593"/>
+      </p:ext>
+    </p:extLst>
+  </p:cSld>
+  <p:clrMapOvr>
+    <a:masterClrMapping/>
+  </p:clrMapOvr>
+</p:sld>
+</file>
+
+<file path=ppt/slides/slide8.xml><?xml version="1.0" encoding="utf-8"?>
 <p:sld xmlns:a="http://schemas.openxmlformats.org/drawingml/2006/main" xmlns:r="http://schemas.openxmlformats.org/officeDocument/2006/relationships" xmlns:p="http://schemas.openxmlformats.org/presentationml/2006/main">
   <p:cSld>
     <p:spTree>
@@ -23622,7 +26150,7 @@
 </p:sld>
 </file>
 
-<file path=ppt/slides/slide7.xml><?xml version="1.0" encoding="utf-8"?>
+<file path=ppt/slides/slide9.xml><?xml version="1.0" encoding="utf-8"?>
 <p:sld xmlns:a="http://schemas.openxmlformats.org/drawingml/2006/main" xmlns:r="http://schemas.openxmlformats.org/officeDocument/2006/relationships" xmlns:p="http://schemas.openxmlformats.org/presentationml/2006/main">
   <p:cSld>
     <p:spTree>
@@ -23715,248 +26243,6 @@
     <p:extLst>
       <p:ext uri="{BB962C8B-B14F-4D97-AF65-F5344CB8AC3E}">
         <p14:creationId xmlns:p14="http://schemas.microsoft.com/office/powerpoint/2010/main" val="1042190710"/>
-      </p:ext>
-    </p:extLst>
-  </p:cSld>
-  <p:clrMapOvr>
-    <a:masterClrMapping/>
-  </p:clrMapOvr>
-</p:sld>
-</file>
-
-<file path=ppt/slides/slide8.xml><?xml version="1.0" encoding="utf-8"?>
-<p:sld xmlns:a="http://schemas.openxmlformats.org/drawingml/2006/main" xmlns:r="http://schemas.openxmlformats.org/officeDocument/2006/relationships" xmlns:p="http://schemas.openxmlformats.org/presentationml/2006/main">
-  <p:cSld>
-    <p:spTree>
-      <p:nvGrpSpPr>
-        <p:cNvPr id="1" name=""/>
-        <p:cNvGrpSpPr/>
-        <p:nvPr/>
-      </p:nvGrpSpPr>
-      <p:grpSpPr>
-        <a:xfrm>
-          <a:off x="0" y="0"/>
-          <a:ext cx="0" cy="0"/>
-          <a:chOff x="0" y="0"/>
-          <a:chExt cx="0" cy="0"/>
-        </a:xfrm>
-      </p:grpSpPr>
-      <p:sp>
-        <p:nvSpPr>
-          <p:cNvPr id="2" name="Title 1">
-            <a:extLst>
-              <a:ext uri="{FF2B5EF4-FFF2-40B4-BE49-F238E27FC236}">
-                <a16:creationId xmlns:a16="http://schemas.microsoft.com/office/drawing/2014/main" id="{05D8CF6D-7913-D848-9A5F-70158592CE00}"/>
-              </a:ext>
-            </a:extLst>
-          </p:cNvPr>
-          <p:cNvSpPr>
-            <a:spLocks noGrp="1"/>
-          </p:cNvSpPr>
-          <p:nvPr>
-            <p:ph type="ctrTitle"/>
-          </p:nvPr>
-        </p:nvSpPr>
-        <p:spPr/>
-        <p:txBody>
-          <a:bodyPr/>
-          <a:lstStyle/>
-          <a:p>
-            <a:r>
-              <a:rPr lang="en-US" dirty="0"/>
-              <a:t>Objective 4 plan</a:t>
-            </a:r>
-          </a:p>
-        </p:txBody>
-      </p:sp>
-      <p:sp>
-        <p:nvSpPr>
-          <p:cNvPr id="3" name="Subtitle 2">
-            <a:extLst>
-              <a:ext uri="{FF2B5EF4-FFF2-40B4-BE49-F238E27FC236}">
-                <a16:creationId xmlns:a16="http://schemas.microsoft.com/office/drawing/2014/main" id="{29570837-DCF8-4331-923F-B997BE1E4F44}"/>
-              </a:ext>
-            </a:extLst>
-          </p:cNvPr>
-          <p:cNvSpPr>
-            <a:spLocks noGrp="1"/>
-          </p:cNvSpPr>
-          <p:nvPr>
-            <p:ph type="subTitle" idx="1"/>
-          </p:nvPr>
-        </p:nvSpPr>
-        <p:spPr/>
-        <p:txBody>
-          <a:bodyPr/>
-          <a:lstStyle/>
-          <a:p>
-            <a:r>
-              <a:rPr lang="en-US" dirty="0"/>
-              <a:t>Predict readmission rate of Psychologic patients base on admission history</a:t>
-            </a:r>
-          </a:p>
-        </p:txBody>
-      </p:sp>
-    </p:spTree>
-    <p:extLst>
-      <p:ext uri="{BB962C8B-B14F-4D97-AF65-F5344CB8AC3E}">
-        <p14:creationId xmlns:p14="http://schemas.microsoft.com/office/powerpoint/2010/main" val="3047299247"/>
-      </p:ext>
-    </p:extLst>
-  </p:cSld>
-  <p:clrMapOvr>
-    <a:masterClrMapping/>
-  </p:clrMapOvr>
-</p:sld>
-</file>
-
-<file path=ppt/slides/slide9.xml><?xml version="1.0" encoding="utf-8"?>
-<p:sld xmlns:a="http://schemas.openxmlformats.org/drawingml/2006/main" xmlns:r="http://schemas.openxmlformats.org/officeDocument/2006/relationships" xmlns:p="http://schemas.openxmlformats.org/presentationml/2006/main">
-  <p:cSld>
-    <p:spTree>
-      <p:nvGrpSpPr>
-        <p:cNvPr id="1" name=""/>
-        <p:cNvGrpSpPr/>
-        <p:nvPr/>
-      </p:nvGrpSpPr>
-      <p:grpSpPr>
-        <a:xfrm>
-          <a:off x="0" y="0"/>
-          <a:ext cx="0" cy="0"/>
-          <a:chOff x="0" y="0"/>
-          <a:chExt cx="0" cy="0"/>
-        </a:xfrm>
-      </p:grpSpPr>
-      <p:sp>
-        <p:nvSpPr>
-          <p:cNvPr id="2" name="Title 1">
-            <a:extLst>
-              <a:ext uri="{FF2B5EF4-FFF2-40B4-BE49-F238E27FC236}">
-                <a16:creationId xmlns:a16="http://schemas.microsoft.com/office/drawing/2014/main" id="{A22E2921-ECA5-0731-A977-A642512519C7}"/>
-              </a:ext>
-            </a:extLst>
-          </p:cNvPr>
-          <p:cNvSpPr>
-            <a:spLocks noGrp="1"/>
-          </p:cNvSpPr>
-          <p:nvPr>
-            <p:ph type="title"/>
-          </p:nvPr>
-        </p:nvSpPr>
-        <p:spPr/>
-        <p:txBody>
-          <a:bodyPr/>
-          <a:lstStyle/>
-          <a:p>
-            <a:r>
-              <a:rPr lang="en-US" dirty="0"/>
-              <a:t>Data</a:t>
-            </a:r>
-          </a:p>
-        </p:txBody>
-      </p:sp>
-      <p:sp>
-        <p:nvSpPr>
-          <p:cNvPr id="3" name="Content Placeholder 2">
-            <a:extLst>
-              <a:ext uri="{FF2B5EF4-FFF2-40B4-BE49-F238E27FC236}">
-                <a16:creationId xmlns:a16="http://schemas.microsoft.com/office/drawing/2014/main" id="{328FD57B-A060-287F-216D-A284965D2E81}"/>
-              </a:ext>
-            </a:extLst>
-          </p:cNvPr>
-          <p:cNvSpPr>
-            <a:spLocks noGrp="1"/>
-          </p:cNvSpPr>
-          <p:nvPr>
-            <p:ph idx="1"/>
-          </p:nvPr>
-        </p:nvSpPr>
-        <p:spPr/>
-        <p:txBody>
-          <a:bodyPr/>
-          <a:lstStyle/>
-          <a:p>
-            <a:r>
-              <a:rPr lang="en-US" dirty="0"/>
-              <a:t>Tables: </a:t>
-            </a:r>
-          </a:p>
-          <a:p>
-            <a:pPr lvl="1"/>
-            <a:r>
-              <a:rPr lang="en-US" dirty="0"/>
-              <a:t>./</a:t>
-            </a:r>
-            <a:r>
-              <a:rPr lang="en-US" dirty="0" err="1"/>
-              <a:t>hosp</a:t>
-            </a:r>
-            <a:r>
-              <a:rPr lang="en-US" dirty="0"/>
-              <a:t>: patients, admissions, </a:t>
-            </a:r>
-            <a:r>
-              <a:rPr lang="en-US" dirty="0" err="1"/>
-              <a:t>diagnoses_icd</a:t>
-            </a:r>
-            <a:r>
-              <a:rPr lang="en-US" dirty="0"/>
-              <a:t>.</a:t>
-            </a:r>
-          </a:p>
-          <a:p>
-            <a:pPr lvl="1"/>
-            <a:r>
-              <a:rPr lang="en-US" dirty="0"/>
-              <a:t>./</a:t>
-            </a:r>
-            <a:r>
-              <a:rPr lang="en-US" dirty="0" err="1"/>
-              <a:t>icu</a:t>
-            </a:r>
-            <a:r>
-              <a:rPr lang="en-US" dirty="0"/>
-              <a:t>: </a:t>
-            </a:r>
-            <a:r>
-              <a:rPr lang="en-US" dirty="0" err="1"/>
-              <a:t>icustays</a:t>
-            </a:r>
-            <a:endParaRPr lang="en-US" dirty="0"/>
-          </a:p>
-          <a:p>
-            <a:pPr lvl="1"/>
-            <a:r>
-              <a:rPr lang="en-US" dirty="0">
-                <a:hlinkClick r:id="rId2"/>
-              </a:rPr>
-              <a:t>MIMIC-IV-Note</a:t>
-            </a:r>
-            <a:r>
-              <a:rPr lang="en-US" dirty="0"/>
-              <a:t> (</a:t>
-            </a:r>
-            <a:r>
-              <a:rPr lang="en-US" dirty="0" err="1"/>
-              <a:t>NOTEEVENTS.csv</a:t>
-            </a:r>
-            <a:r>
-              <a:rPr lang="en-US" dirty="0"/>
-              <a:t> in MIMIC-III)</a:t>
-            </a:r>
-          </a:p>
-          <a:p>
-            <a:pPr marL="457200" lvl="1" indent="0">
-              <a:buNone/>
-            </a:pPr>
-            <a:endParaRPr lang="en-US" dirty="0"/>
-          </a:p>
-        </p:txBody>
-      </p:sp>
-    </p:spTree>
-    <p:extLst>
-      <p:ext uri="{BB962C8B-B14F-4D97-AF65-F5344CB8AC3E}">
-        <p14:creationId xmlns:p14="http://schemas.microsoft.com/office/powerpoint/2010/main" val="2373569153"/>
       </p:ext>
     </p:extLst>
   </p:cSld>

--- a/Objective4_plan.pptx
+++ b/Objective4_plan.pptx
@@ -17641,7 +17641,7 @@
           <a:p>
             <a:fld id="{4CBE44E2-F8E4-5240-8C37-ECF7D174C236}" type="datetimeFigureOut">
               <a:rPr lang="en-US" smtClean="0"/>
-              <a:t>7/7/25</a:t>
+              <a:t>7/13/25</a:t>
             </a:fld>
             <a:endParaRPr lang="en-US"/>
           </a:p>
@@ -17839,7 +17839,7 @@
           <a:p>
             <a:fld id="{4CBE44E2-F8E4-5240-8C37-ECF7D174C236}" type="datetimeFigureOut">
               <a:rPr lang="en-US" smtClean="0"/>
-              <a:t>7/7/25</a:t>
+              <a:t>7/13/25</a:t>
             </a:fld>
             <a:endParaRPr lang="en-US"/>
           </a:p>
@@ -18047,7 +18047,7 @@
           <a:p>
             <a:fld id="{4CBE44E2-F8E4-5240-8C37-ECF7D174C236}" type="datetimeFigureOut">
               <a:rPr lang="en-US" smtClean="0"/>
-              <a:t>7/7/25</a:t>
+              <a:t>7/13/25</a:t>
             </a:fld>
             <a:endParaRPr lang="en-US"/>
           </a:p>
@@ -18245,7 +18245,7 @@
           <a:p>
             <a:fld id="{4CBE44E2-F8E4-5240-8C37-ECF7D174C236}" type="datetimeFigureOut">
               <a:rPr lang="en-US" smtClean="0"/>
-              <a:t>7/7/25</a:t>
+              <a:t>7/13/25</a:t>
             </a:fld>
             <a:endParaRPr lang="en-US"/>
           </a:p>
@@ -18520,7 +18520,7 @@
           <a:p>
             <a:fld id="{4CBE44E2-F8E4-5240-8C37-ECF7D174C236}" type="datetimeFigureOut">
               <a:rPr lang="en-US" smtClean="0"/>
-              <a:t>7/7/25</a:t>
+              <a:t>7/13/25</a:t>
             </a:fld>
             <a:endParaRPr lang="en-US"/>
           </a:p>
@@ -18785,7 +18785,7 @@
           <a:p>
             <a:fld id="{4CBE44E2-F8E4-5240-8C37-ECF7D174C236}" type="datetimeFigureOut">
               <a:rPr lang="en-US" smtClean="0"/>
-              <a:t>7/7/25</a:t>
+              <a:t>7/13/25</a:t>
             </a:fld>
             <a:endParaRPr lang="en-US"/>
           </a:p>
@@ -19197,7 +19197,7 @@
           <a:p>
             <a:fld id="{4CBE44E2-F8E4-5240-8C37-ECF7D174C236}" type="datetimeFigureOut">
               <a:rPr lang="en-US" smtClean="0"/>
-              <a:t>7/7/25</a:t>
+              <a:t>7/13/25</a:t>
             </a:fld>
             <a:endParaRPr lang="en-US"/>
           </a:p>
@@ -19338,7 +19338,7 @@
           <a:p>
             <a:fld id="{4CBE44E2-F8E4-5240-8C37-ECF7D174C236}" type="datetimeFigureOut">
               <a:rPr lang="en-US" smtClean="0"/>
-              <a:t>7/7/25</a:t>
+              <a:t>7/13/25</a:t>
             </a:fld>
             <a:endParaRPr lang="en-US"/>
           </a:p>
@@ -19451,7 +19451,7 @@
           <a:p>
             <a:fld id="{4CBE44E2-F8E4-5240-8C37-ECF7D174C236}" type="datetimeFigureOut">
               <a:rPr lang="en-US" smtClean="0"/>
-              <a:t>7/7/25</a:t>
+              <a:t>7/13/25</a:t>
             </a:fld>
             <a:endParaRPr lang="en-US"/>
           </a:p>
@@ -19762,7 +19762,7 @@
           <a:p>
             <a:fld id="{4CBE44E2-F8E4-5240-8C37-ECF7D174C236}" type="datetimeFigureOut">
               <a:rPr lang="en-US" smtClean="0"/>
-              <a:t>7/7/25</a:t>
+              <a:t>7/13/25</a:t>
             </a:fld>
             <a:endParaRPr lang="en-US"/>
           </a:p>
@@ -20050,7 +20050,7 @@
           <a:p>
             <a:fld id="{4CBE44E2-F8E4-5240-8C37-ECF7D174C236}" type="datetimeFigureOut">
               <a:rPr lang="en-US" smtClean="0"/>
-              <a:t>7/7/25</a:t>
+              <a:t>7/13/25</a:t>
             </a:fld>
             <a:endParaRPr lang="en-US"/>
           </a:p>
@@ -20291,7 +20291,7 @@
           <a:p>
             <a:fld id="{4CBE44E2-F8E4-5240-8C37-ECF7D174C236}" type="datetimeFigureOut">
               <a:rPr lang="en-US" smtClean="0"/>
-              <a:t>7/7/25</a:t>
+              <a:t>7/13/25</a:t>
             </a:fld>
             <a:endParaRPr lang="en-US"/>
           </a:p>
@@ -21440,6 +21440,83 @@
           </a:graphicData>
         </a:graphic>
       </p:graphicFrame>
+      <p:pic>
+        <p:nvPicPr>
+          <p:cNvPr id="5" name="Picture 4">
+            <a:extLst>
+              <a:ext uri="{FF2B5EF4-FFF2-40B4-BE49-F238E27FC236}">
+                <a16:creationId xmlns:a16="http://schemas.microsoft.com/office/drawing/2014/main" id="{68EDD654-AFF4-0493-66E8-976A55456C81}"/>
+              </a:ext>
+            </a:extLst>
+          </p:cNvPr>
+          <p:cNvPicPr>
+            <a:picLocks noChangeAspect="1"/>
+          </p:cNvPicPr>
+          <p:nvPr/>
+        </p:nvPicPr>
+        <p:blipFill>
+          <a:blip r:embed="rId2"/>
+          <a:stretch>
+            <a:fillRect/>
+          </a:stretch>
+        </p:blipFill>
+        <p:spPr>
+          <a:xfrm>
+            <a:off x="6176524" y="3501812"/>
+            <a:ext cx="3711645" cy="3356187"/>
+          </a:xfrm>
+          <a:prstGeom prst="rect">
+            <a:avLst/>
+          </a:prstGeom>
+        </p:spPr>
+      </p:pic>
+      <p:pic>
+        <p:nvPicPr>
+          <p:cNvPr id="3074" name="Picture 2" descr="Picture">
+            <a:extLst>
+              <a:ext uri="{FF2B5EF4-FFF2-40B4-BE49-F238E27FC236}">
+                <a16:creationId xmlns:a16="http://schemas.microsoft.com/office/drawing/2014/main" id="{CD083F70-4413-8EBC-2906-ED0F37F85D1F}"/>
+              </a:ext>
+            </a:extLst>
+          </p:cNvPr>
+          <p:cNvPicPr>
+            <a:picLocks noChangeAspect="1" noChangeArrowheads="1"/>
+          </p:cNvPicPr>
+          <p:nvPr/>
+        </p:nvPicPr>
+        <p:blipFill>
+          <a:blip r:embed="rId3">
+            <a:extLst>
+              <a:ext uri="{28A0092B-C50C-407E-A947-70E740481C1C}">
+                <a14:useLocalDpi xmlns:a14="http://schemas.microsoft.com/office/drawing/2010/main" val="0"/>
+              </a:ext>
+            </a:extLst>
+          </a:blip>
+          <a:srcRect/>
+          <a:stretch>
+            <a:fillRect/>
+          </a:stretch>
+        </p:blipFill>
+        <p:spPr bwMode="auto">
+          <a:xfrm>
+            <a:off x="1439863" y="0"/>
+            <a:ext cx="9312275" cy="6858000"/>
+          </a:xfrm>
+          <a:prstGeom prst="rect">
+            <a:avLst/>
+          </a:prstGeom>
+          <a:noFill/>
+          <a:extLst>
+            <a:ext uri="{909E8E84-426E-40DD-AFC4-6F175D3DCCD1}">
+              <a14:hiddenFill xmlns:a14="http://schemas.microsoft.com/office/drawing/2010/main">
+                <a:solidFill>
+                  <a:srgbClr val="FFFFFF"/>
+                </a:solidFill>
+              </a14:hiddenFill>
+            </a:ext>
+          </a:extLst>
+        </p:spPr>
+      </p:pic>
     </p:spTree>
     <p:extLst>
       <p:ext uri="{BB962C8B-B14F-4D97-AF65-F5344CB8AC3E}">
@@ -24977,6 +25054,53 @@
           </a:graphicData>
         </a:graphic>
       </p:graphicFrame>
+      <p:pic>
+        <p:nvPicPr>
+          <p:cNvPr id="1026" name="Picture 2" descr="Picture">
+            <a:extLst>
+              <a:ext uri="{FF2B5EF4-FFF2-40B4-BE49-F238E27FC236}">
+                <a16:creationId xmlns:a16="http://schemas.microsoft.com/office/drawing/2014/main" id="{AD110705-4C53-1E03-3593-2EC705EE5527}"/>
+              </a:ext>
+            </a:extLst>
+          </p:cNvPr>
+          <p:cNvPicPr>
+            <a:picLocks noChangeAspect="1" noChangeArrowheads="1"/>
+          </p:cNvPicPr>
+          <p:nvPr/>
+        </p:nvPicPr>
+        <p:blipFill>
+          <a:blip r:embed="rId2">
+            <a:extLst>
+              <a:ext uri="{28A0092B-C50C-407E-A947-70E740481C1C}">
+                <a14:useLocalDpi xmlns:a14="http://schemas.microsoft.com/office/drawing/2010/main" val="0"/>
+              </a:ext>
+            </a:extLst>
+          </a:blip>
+          <a:srcRect/>
+          <a:stretch>
+            <a:fillRect/>
+          </a:stretch>
+        </p:blipFill>
+        <p:spPr bwMode="auto">
+          <a:xfrm>
+            <a:off x="1439863" y="0"/>
+            <a:ext cx="9312275" cy="6858000"/>
+          </a:xfrm>
+          <a:prstGeom prst="rect">
+            <a:avLst/>
+          </a:prstGeom>
+          <a:noFill/>
+          <a:extLst>
+            <a:ext uri="{909E8E84-426E-40DD-AFC4-6F175D3DCCD1}">
+              <a14:hiddenFill xmlns:a14="http://schemas.microsoft.com/office/drawing/2010/main">
+                <a:solidFill>
+                  <a:srgbClr val="FFFFFF"/>
+                </a:solidFill>
+              </a14:hiddenFill>
+            </a:ext>
+          </a:extLst>
+        </p:spPr>
+      </p:pic>
     </p:spTree>
     <p:extLst>
       <p:ext uri="{BB962C8B-B14F-4D97-AF65-F5344CB8AC3E}">
